--- a/Cloud/image/img ppt.pptx
+++ b/Cloud/image/img ppt.pptx
@@ -6,6 +6,7 @@
   </p:sldMasterIdLst>
   <p:sldIdLst>
     <p:sldId id="256" r:id="rId2"/>
+    <p:sldId id="257" r:id="rId3"/>
   </p:sldIdLst>
   <p:sldSz cx="12192000" cy="6858000"/>
   <p:notesSz cx="6858000" cy="9144000"/>
@@ -270,7 +271,7 @@
           <a:p>
             <a:fld id="{4DB25C09-A2BB-428E-ABC3-698B21D208FC}" type="datetimeFigureOut">
               <a:rPr lang="ko-KR" altLang="en-US" smtClean="0"/>
-              <a:t>2020-05-10</a:t>
+              <a:t>2020-05-11</a:t>
             </a:fld>
             <a:endParaRPr lang="ko-KR" altLang="en-US"/>
           </a:p>
@@ -468,7 +469,7 @@
           <a:p>
             <a:fld id="{4DB25C09-A2BB-428E-ABC3-698B21D208FC}" type="datetimeFigureOut">
               <a:rPr lang="ko-KR" altLang="en-US" smtClean="0"/>
-              <a:t>2020-05-10</a:t>
+              <a:t>2020-05-11</a:t>
             </a:fld>
             <a:endParaRPr lang="ko-KR" altLang="en-US"/>
           </a:p>
@@ -676,7 +677,7 @@
           <a:p>
             <a:fld id="{4DB25C09-A2BB-428E-ABC3-698B21D208FC}" type="datetimeFigureOut">
               <a:rPr lang="ko-KR" altLang="en-US" smtClean="0"/>
-              <a:t>2020-05-10</a:t>
+              <a:t>2020-05-11</a:t>
             </a:fld>
             <a:endParaRPr lang="ko-KR" altLang="en-US"/>
           </a:p>
@@ -874,7 +875,7 @@
           <a:p>
             <a:fld id="{4DB25C09-A2BB-428E-ABC3-698B21D208FC}" type="datetimeFigureOut">
               <a:rPr lang="ko-KR" altLang="en-US" smtClean="0"/>
-              <a:t>2020-05-10</a:t>
+              <a:t>2020-05-11</a:t>
             </a:fld>
             <a:endParaRPr lang="ko-KR" altLang="en-US"/>
           </a:p>
@@ -1149,7 +1150,7 @@
           <a:p>
             <a:fld id="{4DB25C09-A2BB-428E-ABC3-698B21D208FC}" type="datetimeFigureOut">
               <a:rPr lang="ko-KR" altLang="en-US" smtClean="0"/>
-              <a:t>2020-05-10</a:t>
+              <a:t>2020-05-11</a:t>
             </a:fld>
             <a:endParaRPr lang="ko-KR" altLang="en-US"/>
           </a:p>
@@ -1414,7 +1415,7 @@
           <a:p>
             <a:fld id="{4DB25C09-A2BB-428E-ABC3-698B21D208FC}" type="datetimeFigureOut">
               <a:rPr lang="ko-KR" altLang="en-US" smtClean="0"/>
-              <a:t>2020-05-10</a:t>
+              <a:t>2020-05-11</a:t>
             </a:fld>
             <a:endParaRPr lang="ko-KR" altLang="en-US"/>
           </a:p>
@@ -1826,7 +1827,7 @@
           <a:p>
             <a:fld id="{4DB25C09-A2BB-428E-ABC3-698B21D208FC}" type="datetimeFigureOut">
               <a:rPr lang="ko-KR" altLang="en-US" smtClean="0"/>
-              <a:t>2020-05-10</a:t>
+              <a:t>2020-05-11</a:t>
             </a:fld>
             <a:endParaRPr lang="ko-KR" altLang="en-US"/>
           </a:p>
@@ -1967,7 +1968,7 @@
           <a:p>
             <a:fld id="{4DB25C09-A2BB-428E-ABC3-698B21D208FC}" type="datetimeFigureOut">
               <a:rPr lang="ko-KR" altLang="en-US" smtClean="0"/>
-              <a:t>2020-05-10</a:t>
+              <a:t>2020-05-11</a:t>
             </a:fld>
             <a:endParaRPr lang="ko-KR" altLang="en-US"/>
           </a:p>
@@ -2080,7 +2081,7 @@
           <a:p>
             <a:fld id="{4DB25C09-A2BB-428E-ABC3-698B21D208FC}" type="datetimeFigureOut">
               <a:rPr lang="ko-KR" altLang="en-US" smtClean="0"/>
-              <a:t>2020-05-10</a:t>
+              <a:t>2020-05-11</a:t>
             </a:fld>
             <a:endParaRPr lang="ko-KR" altLang="en-US"/>
           </a:p>
@@ -2391,7 +2392,7 @@
           <a:p>
             <a:fld id="{4DB25C09-A2BB-428E-ABC3-698B21D208FC}" type="datetimeFigureOut">
               <a:rPr lang="ko-KR" altLang="en-US" smtClean="0"/>
-              <a:t>2020-05-10</a:t>
+              <a:t>2020-05-11</a:t>
             </a:fld>
             <a:endParaRPr lang="ko-KR" altLang="en-US"/>
           </a:p>
@@ -2679,7 +2680,7 @@
           <a:p>
             <a:fld id="{4DB25C09-A2BB-428E-ABC3-698B21D208FC}" type="datetimeFigureOut">
               <a:rPr lang="ko-KR" altLang="en-US" smtClean="0"/>
-              <a:t>2020-05-10</a:t>
+              <a:t>2020-05-11</a:t>
             </a:fld>
             <a:endParaRPr lang="ko-KR" altLang="en-US"/>
           </a:p>
@@ -2920,7 +2921,7 @@
           <a:p>
             <a:fld id="{4DB25C09-A2BB-428E-ABC3-698B21D208FC}" type="datetimeFigureOut">
               <a:rPr lang="ko-KR" altLang="en-US" smtClean="0"/>
-              <a:t>2020-05-10</a:t>
+              <a:t>2020-05-11</a:t>
             </a:fld>
             <a:endParaRPr lang="ko-KR" altLang="en-US"/>
           </a:p>
@@ -6802,6 +6803,2161 @@
 </p:sld>
 </file>
 
+<file path=ppt/slides/slide2.xml><?xml version="1.0" encoding="utf-8"?>
+<p:sld xmlns:a="http://schemas.openxmlformats.org/drawingml/2006/main" xmlns:r="http://schemas.openxmlformats.org/officeDocument/2006/relationships" xmlns:p="http://schemas.openxmlformats.org/presentationml/2006/main">
+  <p:cSld>
+    <p:spTree>
+      <p:nvGrpSpPr>
+        <p:cNvPr id="1" name=""/>
+        <p:cNvGrpSpPr/>
+        <p:nvPr/>
+      </p:nvGrpSpPr>
+      <p:grpSpPr>
+        <a:xfrm>
+          <a:off x="0" y="0"/>
+          <a:ext cx="0" cy="0"/>
+          <a:chOff x="0" y="0"/>
+          <a:chExt cx="0" cy="0"/>
+        </a:xfrm>
+      </p:grpSpPr>
+      <p:sp>
+        <p:nvSpPr>
+          <p:cNvPr id="14" name="사각형: 둥근 모서리 13">
+            <a:extLst>
+              <a:ext uri="{FF2B5EF4-FFF2-40B4-BE49-F238E27FC236}">
+                <a16:creationId xmlns:a16="http://schemas.microsoft.com/office/drawing/2014/main" id="{7040577D-37B7-4902-BC57-4EFF85E5B414}"/>
+              </a:ext>
+            </a:extLst>
+          </p:cNvPr>
+          <p:cNvSpPr/>
+          <p:nvPr/>
+        </p:nvSpPr>
+        <p:spPr>
+          <a:xfrm>
+            <a:off x="3872654" y="4207933"/>
+            <a:ext cx="2302933" cy="625777"/>
+          </a:xfrm>
+          <a:prstGeom prst="roundRect">
+            <a:avLst/>
+          </a:prstGeom>
+          <a:solidFill>
+            <a:schemeClr val="tx2">
+              <a:lumMod val="50000"/>
+            </a:schemeClr>
+          </a:solidFill>
+          <a:ln>
+            <a:noFill/>
+          </a:ln>
+        </p:spPr>
+        <p:style>
+          <a:lnRef idx="2">
+            <a:schemeClr val="accent1">
+              <a:shade val="50000"/>
+            </a:schemeClr>
+          </a:lnRef>
+          <a:fillRef idx="1">
+            <a:schemeClr val="accent1"/>
+          </a:fillRef>
+          <a:effectRef idx="0">
+            <a:schemeClr val="accent1"/>
+          </a:effectRef>
+          <a:fontRef idx="minor">
+            <a:schemeClr val="lt1"/>
+          </a:fontRef>
+        </p:style>
+        <p:txBody>
+          <a:bodyPr rtlCol="0" anchor="ctr"/>
+          <a:lstStyle/>
+          <a:p>
+            <a:pPr algn="ctr"/>
+            <a:r>
+              <a:rPr lang="en-US" altLang="ko-KR" sz="1400" b="1" dirty="0">
+                <a:solidFill>
+                  <a:schemeClr val="bg1"/>
+                </a:solidFill>
+                <a:latin typeface="나눔고딕" panose="020D0604000000000000" pitchFamily="50" charset="-127"/>
+                <a:ea typeface="나눔고딕" panose="020D0604000000000000" pitchFamily="50" charset="-127"/>
+              </a:rPr>
+              <a:t>Infrastructure</a:t>
+            </a:r>
+            <a:endParaRPr lang="ko-KR" altLang="en-US" sz="1400" b="1" dirty="0">
+              <a:solidFill>
+                <a:schemeClr val="bg1"/>
+              </a:solidFill>
+              <a:latin typeface="나눔고딕" panose="020D0604000000000000" pitchFamily="50" charset="-127"/>
+              <a:ea typeface="나눔고딕" panose="020D0604000000000000" pitchFamily="50" charset="-127"/>
+            </a:endParaRPr>
+          </a:p>
+        </p:txBody>
+      </p:sp>
+      <p:sp>
+        <p:nvSpPr>
+          <p:cNvPr id="16" name="사각형: 둥근 모서리 15">
+            <a:extLst>
+              <a:ext uri="{FF2B5EF4-FFF2-40B4-BE49-F238E27FC236}">
+                <a16:creationId xmlns:a16="http://schemas.microsoft.com/office/drawing/2014/main" id="{2A5AE8A0-825E-4315-8FB5-5DE97DA86DDE}"/>
+              </a:ext>
+            </a:extLst>
+          </p:cNvPr>
+          <p:cNvSpPr/>
+          <p:nvPr/>
+        </p:nvSpPr>
+        <p:spPr>
+          <a:xfrm>
+            <a:off x="3872653" y="3489960"/>
+            <a:ext cx="2302933" cy="625777"/>
+          </a:xfrm>
+          <a:prstGeom prst="roundRect">
+            <a:avLst/>
+          </a:prstGeom>
+          <a:solidFill>
+            <a:schemeClr val="accent4"/>
+          </a:solidFill>
+          <a:ln>
+            <a:noFill/>
+          </a:ln>
+        </p:spPr>
+        <p:style>
+          <a:lnRef idx="2">
+            <a:schemeClr val="accent1">
+              <a:shade val="50000"/>
+            </a:schemeClr>
+          </a:lnRef>
+          <a:fillRef idx="1">
+            <a:schemeClr val="accent1"/>
+          </a:fillRef>
+          <a:effectRef idx="0">
+            <a:schemeClr val="accent1"/>
+          </a:effectRef>
+          <a:fontRef idx="minor">
+            <a:schemeClr val="lt1"/>
+          </a:fontRef>
+        </p:style>
+        <p:txBody>
+          <a:bodyPr rtlCol="0" anchor="ctr"/>
+          <a:lstStyle/>
+          <a:p>
+            <a:pPr algn="ctr"/>
+            <a:r>
+              <a:rPr lang="ko-KR" altLang="en-US" sz="1400" b="1" dirty="0" err="1">
+                <a:solidFill>
+                  <a:schemeClr val="tx1"/>
+                </a:solidFill>
+                <a:latin typeface="나눔고딕" panose="020D0604000000000000" pitchFamily="50" charset="-127"/>
+                <a:ea typeface="나눔고딕" panose="020D0604000000000000" pitchFamily="50" charset="-127"/>
+              </a:rPr>
+              <a:t>하이퍼바이저</a:t>
+            </a:r>
+            <a:endParaRPr lang="ko-KR" altLang="en-US" sz="1400" b="1" dirty="0">
+              <a:solidFill>
+                <a:schemeClr val="tx1"/>
+              </a:solidFill>
+              <a:latin typeface="나눔고딕" panose="020D0604000000000000" pitchFamily="50" charset="-127"/>
+              <a:ea typeface="나눔고딕" panose="020D0604000000000000" pitchFamily="50" charset="-127"/>
+            </a:endParaRPr>
+          </a:p>
+        </p:txBody>
+      </p:sp>
+      <p:graphicFrame>
+        <p:nvGraphicFramePr>
+          <p:cNvPr id="17" name="표 9">
+            <a:extLst>
+              <a:ext uri="{FF2B5EF4-FFF2-40B4-BE49-F238E27FC236}">
+                <a16:creationId xmlns:a16="http://schemas.microsoft.com/office/drawing/2014/main" id="{B7B04972-9166-425E-9831-6079071BB1BE}"/>
+              </a:ext>
+            </a:extLst>
+          </p:cNvPr>
+          <p:cNvGraphicFramePr>
+            <a:graphicFrameLocks noGrp="1"/>
+          </p:cNvGraphicFramePr>
+          <p:nvPr/>
+        </p:nvGraphicFramePr>
+        <p:xfrm>
+          <a:off x="3872655" y="2624266"/>
+          <a:ext cx="745066" cy="776439"/>
+        </p:xfrm>
+        <a:graphic>
+          <a:graphicData uri="http://schemas.openxmlformats.org/drawingml/2006/table">
+            <a:tbl>
+              <a:tblPr firstRow="1" bandRow="1">
+                <a:tableStyleId>{5C22544A-7EE6-4342-B048-85BDC9FD1C3A}</a:tableStyleId>
+              </a:tblPr>
+              <a:tblGrid>
+                <a:gridCol w="745066">
+                  <a:extLst>
+                    <a:ext uri="{9D8B030D-6E8A-4147-A177-3AD203B41FA5}">
+                      <a16:colId xmlns:a16="http://schemas.microsoft.com/office/drawing/2014/main" val="2320025564"/>
+                    </a:ext>
+                  </a:extLst>
+                </a:gridCol>
+              </a:tblGrid>
+              <a:tr h="258813">
+                <a:tc>
+                  <a:txBody>
+                    <a:bodyPr/>
+                    <a:lstStyle/>
+                    <a:p>
+                      <a:pPr algn="ctr" latinLnBrk="1"/>
+                      <a:r>
+                        <a:rPr lang="en-US" altLang="ko-KR" sz="900" b="1" dirty="0">
+                          <a:solidFill>
+                            <a:schemeClr val="tx1"/>
+                          </a:solidFill>
+                          <a:latin typeface="나눔고딕" panose="020D0604000000000000" pitchFamily="50" charset="-127"/>
+                          <a:ea typeface="나눔고딕" panose="020D0604000000000000" pitchFamily="50" charset="-127"/>
+                        </a:rPr>
+                        <a:t>App A</a:t>
+                      </a:r>
+                      <a:endParaRPr lang="ko-KR" altLang="en-US" sz="900" b="1" dirty="0">
+                        <a:solidFill>
+                          <a:schemeClr val="tx1"/>
+                        </a:solidFill>
+                        <a:latin typeface="나눔고딕" panose="020D0604000000000000" pitchFamily="50" charset="-127"/>
+                        <a:ea typeface="나눔고딕" panose="020D0604000000000000" pitchFamily="50" charset="-127"/>
+                      </a:endParaRPr>
+                    </a:p>
+                  </a:txBody>
+                  <a:tcPr anchor="ctr">
+                    <a:lnL w="12700" cap="flat" cmpd="sng" algn="ctr">
+                      <a:solidFill>
+                        <a:schemeClr val="bg1"/>
+                      </a:solidFill>
+                      <a:prstDash val="solid"/>
+                      <a:round/>
+                      <a:headEnd type="none" w="med" len="med"/>
+                      <a:tailEnd type="none" w="med" len="med"/>
+                    </a:lnL>
+                    <a:lnR w="12700" cap="flat" cmpd="sng" algn="ctr">
+                      <a:solidFill>
+                        <a:schemeClr val="bg1"/>
+                      </a:solidFill>
+                      <a:prstDash val="solid"/>
+                      <a:round/>
+                      <a:headEnd type="none" w="med" len="med"/>
+                      <a:tailEnd type="none" w="med" len="med"/>
+                    </a:lnR>
+                    <a:lnT w="12700" cap="flat" cmpd="sng" algn="ctr">
+                      <a:solidFill>
+                        <a:schemeClr val="bg1"/>
+                      </a:solidFill>
+                      <a:prstDash val="solid"/>
+                      <a:round/>
+                      <a:headEnd type="none" w="med" len="med"/>
+                      <a:tailEnd type="none" w="med" len="med"/>
+                    </a:lnT>
+                    <a:lnB w="12700" cap="flat" cmpd="sng" algn="ctr">
+                      <a:solidFill>
+                        <a:schemeClr val="bg1"/>
+                      </a:solidFill>
+                      <a:prstDash val="solid"/>
+                      <a:round/>
+                      <a:headEnd type="none" w="med" len="med"/>
+                      <a:tailEnd type="none" w="med" len="med"/>
+                    </a:lnB>
+                    <a:lnTlToBr w="12700" cmpd="sng">
+                      <a:noFill/>
+                      <a:prstDash val="solid"/>
+                    </a:lnTlToBr>
+                    <a:lnBlToTr w="12700" cmpd="sng">
+                      <a:noFill/>
+                      <a:prstDash val="solid"/>
+                    </a:lnBlToTr>
+                    <a:solidFill>
+                      <a:schemeClr val="accent6">
+                        <a:lumMod val="40000"/>
+                        <a:lumOff val="60000"/>
+                      </a:schemeClr>
+                    </a:solidFill>
+                  </a:tcPr>
+                </a:tc>
+                <a:extLst>
+                  <a:ext uri="{0D108BD9-81ED-4DB2-BD59-A6C34878D82A}">
+                    <a16:rowId xmlns:a16="http://schemas.microsoft.com/office/drawing/2014/main" val="885978356"/>
+                  </a:ext>
+                </a:extLst>
+              </a:tr>
+              <a:tr h="258813">
+                <a:tc>
+                  <a:txBody>
+                    <a:bodyPr/>
+                    <a:lstStyle/>
+                    <a:p>
+                      <a:pPr algn="ctr" latinLnBrk="1"/>
+                      <a:r>
+                        <a:rPr lang="en-US" altLang="ko-KR" sz="900" b="1" dirty="0">
+                          <a:solidFill>
+                            <a:schemeClr val="tx1"/>
+                          </a:solidFill>
+                          <a:latin typeface="나눔고딕" panose="020D0604000000000000" pitchFamily="50" charset="-127"/>
+                          <a:ea typeface="나눔고딕" panose="020D0604000000000000" pitchFamily="50" charset="-127"/>
+                        </a:rPr>
+                        <a:t>Bins/Libs</a:t>
+                      </a:r>
+                      <a:endParaRPr lang="ko-KR" altLang="en-US" sz="900" b="1" dirty="0">
+                        <a:solidFill>
+                          <a:schemeClr val="tx1"/>
+                        </a:solidFill>
+                        <a:latin typeface="나눔고딕" panose="020D0604000000000000" pitchFamily="50" charset="-127"/>
+                        <a:ea typeface="나눔고딕" panose="020D0604000000000000" pitchFamily="50" charset="-127"/>
+                      </a:endParaRPr>
+                    </a:p>
+                  </a:txBody>
+                  <a:tcPr anchor="ctr">
+                    <a:lnL w="12700" cap="flat" cmpd="sng" algn="ctr">
+                      <a:solidFill>
+                        <a:schemeClr val="bg1"/>
+                      </a:solidFill>
+                      <a:prstDash val="solid"/>
+                      <a:round/>
+                      <a:headEnd type="none" w="med" len="med"/>
+                      <a:tailEnd type="none" w="med" len="med"/>
+                    </a:lnL>
+                    <a:lnR w="12700" cap="flat" cmpd="sng" algn="ctr">
+                      <a:solidFill>
+                        <a:schemeClr val="bg1"/>
+                      </a:solidFill>
+                      <a:prstDash val="solid"/>
+                      <a:round/>
+                      <a:headEnd type="none" w="med" len="med"/>
+                      <a:tailEnd type="none" w="med" len="med"/>
+                    </a:lnR>
+                    <a:lnT w="12700" cap="flat" cmpd="sng" algn="ctr">
+                      <a:solidFill>
+                        <a:schemeClr val="bg1"/>
+                      </a:solidFill>
+                      <a:prstDash val="solid"/>
+                      <a:round/>
+                      <a:headEnd type="none" w="med" len="med"/>
+                      <a:tailEnd type="none" w="med" len="med"/>
+                    </a:lnT>
+                    <a:lnB w="12700" cap="flat" cmpd="sng" algn="ctr">
+                      <a:solidFill>
+                        <a:schemeClr val="bg1"/>
+                      </a:solidFill>
+                      <a:prstDash val="solid"/>
+                      <a:round/>
+                      <a:headEnd type="none" w="med" len="med"/>
+                      <a:tailEnd type="none" w="med" len="med"/>
+                    </a:lnB>
+                    <a:lnTlToBr w="12700" cmpd="sng">
+                      <a:noFill/>
+                      <a:prstDash val="solid"/>
+                    </a:lnTlToBr>
+                    <a:lnBlToTr w="12700" cmpd="sng">
+                      <a:noFill/>
+                      <a:prstDash val="solid"/>
+                    </a:lnBlToTr>
+                    <a:solidFill>
+                      <a:schemeClr val="accent6">
+                        <a:lumMod val="40000"/>
+                        <a:lumOff val="60000"/>
+                      </a:schemeClr>
+                    </a:solidFill>
+                  </a:tcPr>
+                </a:tc>
+                <a:extLst>
+                  <a:ext uri="{0D108BD9-81ED-4DB2-BD59-A6C34878D82A}">
+                    <a16:rowId xmlns:a16="http://schemas.microsoft.com/office/drawing/2014/main" val="150291144"/>
+                  </a:ext>
+                </a:extLst>
+              </a:tr>
+              <a:tr h="258813">
+                <a:tc>
+                  <a:txBody>
+                    <a:bodyPr/>
+                    <a:lstStyle/>
+                    <a:p>
+                      <a:pPr algn="ctr" latinLnBrk="1"/>
+                      <a:r>
+                        <a:rPr lang="en-US" altLang="ko-KR" sz="900" b="1" dirty="0">
+                          <a:solidFill>
+                            <a:schemeClr val="tx1"/>
+                          </a:solidFill>
+                          <a:latin typeface="나눔고딕" panose="020D0604000000000000" pitchFamily="50" charset="-127"/>
+                          <a:ea typeface="나눔고딕" panose="020D0604000000000000" pitchFamily="50" charset="-127"/>
+                        </a:rPr>
+                        <a:t>Guest OS</a:t>
+                      </a:r>
+                      <a:endParaRPr lang="ko-KR" altLang="en-US" sz="900" b="1" dirty="0">
+                        <a:solidFill>
+                          <a:schemeClr val="tx1"/>
+                        </a:solidFill>
+                        <a:latin typeface="나눔고딕" panose="020D0604000000000000" pitchFamily="50" charset="-127"/>
+                        <a:ea typeface="나눔고딕" panose="020D0604000000000000" pitchFamily="50" charset="-127"/>
+                      </a:endParaRPr>
+                    </a:p>
+                  </a:txBody>
+                  <a:tcPr anchor="ctr">
+                    <a:lnL w="12700" cap="flat" cmpd="sng" algn="ctr">
+                      <a:solidFill>
+                        <a:schemeClr val="bg1"/>
+                      </a:solidFill>
+                      <a:prstDash val="solid"/>
+                      <a:round/>
+                      <a:headEnd type="none" w="med" len="med"/>
+                      <a:tailEnd type="none" w="med" len="med"/>
+                    </a:lnL>
+                    <a:lnR w="12700" cap="flat" cmpd="sng" algn="ctr">
+                      <a:solidFill>
+                        <a:schemeClr val="bg1"/>
+                      </a:solidFill>
+                      <a:prstDash val="solid"/>
+                      <a:round/>
+                      <a:headEnd type="none" w="med" len="med"/>
+                      <a:tailEnd type="none" w="med" len="med"/>
+                    </a:lnR>
+                    <a:lnT w="12700" cap="flat" cmpd="sng" algn="ctr">
+                      <a:solidFill>
+                        <a:schemeClr val="bg1"/>
+                      </a:solidFill>
+                      <a:prstDash val="solid"/>
+                      <a:round/>
+                      <a:headEnd type="none" w="med" len="med"/>
+                      <a:tailEnd type="none" w="med" len="med"/>
+                    </a:lnT>
+                    <a:lnB w="12700" cap="flat" cmpd="sng" algn="ctr">
+                      <a:solidFill>
+                        <a:schemeClr val="bg1"/>
+                      </a:solidFill>
+                      <a:prstDash val="solid"/>
+                      <a:round/>
+                      <a:headEnd type="none" w="med" len="med"/>
+                      <a:tailEnd type="none" w="med" len="med"/>
+                    </a:lnB>
+                    <a:lnTlToBr w="12700" cmpd="sng">
+                      <a:noFill/>
+                      <a:prstDash val="solid"/>
+                    </a:lnTlToBr>
+                    <a:lnBlToTr w="12700" cmpd="sng">
+                      <a:noFill/>
+                      <a:prstDash val="solid"/>
+                    </a:lnBlToTr>
+                    <a:solidFill>
+                      <a:schemeClr val="accent6">
+                        <a:lumMod val="40000"/>
+                        <a:lumOff val="60000"/>
+                      </a:schemeClr>
+                    </a:solidFill>
+                  </a:tcPr>
+                </a:tc>
+                <a:extLst>
+                  <a:ext uri="{0D108BD9-81ED-4DB2-BD59-A6C34878D82A}">
+                    <a16:rowId xmlns:a16="http://schemas.microsoft.com/office/drawing/2014/main" val="1897672737"/>
+                  </a:ext>
+                </a:extLst>
+              </a:tr>
+            </a:tbl>
+          </a:graphicData>
+        </a:graphic>
+      </p:graphicFrame>
+      <p:graphicFrame>
+        <p:nvGraphicFramePr>
+          <p:cNvPr id="18" name="표 9">
+            <a:extLst>
+              <a:ext uri="{FF2B5EF4-FFF2-40B4-BE49-F238E27FC236}">
+                <a16:creationId xmlns:a16="http://schemas.microsoft.com/office/drawing/2014/main" id="{1F899816-668E-45DF-B9B4-1980AA8A058C}"/>
+              </a:ext>
+            </a:extLst>
+          </p:cNvPr>
+          <p:cNvGraphicFramePr>
+            <a:graphicFrameLocks noGrp="1"/>
+          </p:cNvGraphicFramePr>
+          <p:nvPr/>
+        </p:nvGraphicFramePr>
+        <p:xfrm>
+          <a:off x="4651588" y="2624266"/>
+          <a:ext cx="745066" cy="776439"/>
+        </p:xfrm>
+        <a:graphic>
+          <a:graphicData uri="http://schemas.openxmlformats.org/drawingml/2006/table">
+            <a:tbl>
+              <a:tblPr firstRow="1" bandRow="1">
+                <a:tableStyleId>{5C22544A-7EE6-4342-B048-85BDC9FD1C3A}</a:tableStyleId>
+              </a:tblPr>
+              <a:tblGrid>
+                <a:gridCol w="745066">
+                  <a:extLst>
+                    <a:ext uri="{9D8B030D-6E8A-4147-A177-3AD203B41FA5}">
+                      <a16:colId xmlns:a16="http://schemas.microsoft.com/office/drawing/2014/main" val="2320025564"/>
+                    </a:ext>
+                  </a:extLst>
+                </a:gridCol>
+              </a:tblGrid>
+              <a:tr h="258813">
+                <a:tc>
+                  <a:txBody>
+                    <a:bodyPr/>
+                    <a:lstStyle/>
+                    <a:p>
+                      <a:pPr algn="ctr" latinLnBrk="1"/>
+                      <a:r>
+                        <a:rPr lang="en-US" altLang="ko-KR" sz="900" b="1" dirty="0">
+                          <a:solidFill>
+                            <a:schemeClr val="tx1"/>
+                          </a:solidFill>
+                          <a:latin typeface="나눔고딕" panose="020D0604000000000000" pitchFamily="50" charset="-127"/>
+                          <a:ea typeface="나눔고딕" panose="020D0604000000000000" pitchFamily="50" charset="-127"/>
+                        </a:rPr>
+                        <a:t>App B</a:t>
+                      </a:r>
+                      <a:endParaRPr lang="ko-KR" altLang="en-US" sz="900" b="1" dirty="0">
+                        <a:solidFill>
+                          <a:schemeClr val="tx1"/>
+                        </a:solidFill>
+                        <a:latin typeface="나눔고딕" panose="020D0604000000000000" pitchFamily="50" charset="-127"/>
+                        <a:ea typeface="나눔고딕" panose="020D0604000000000000" pitchFamily="50" charset="-127"/>
+                      </a:endParaRPr>
+                    </a:p>
+                  </a:txBody>
+                  <a:tcPr anchor="ctr">
+                    <a:lnL w="12700" cap="flat" cmpd="sng" algn="ctr">
+                      <a:solidFill>
+                        <a:schemeClr val="bg1"/>
+                      </a:solidFill>
+                      <a:prstDash val="solid"/>
+                      <a:round/>
+                      <a:headEnd type="none" w="med" len="med"/>
+                      <a:tailEnd type="none" w="med" len="med"/>
+                    </a:lnL>
+                    <a:lnR w="12700" cap="flat" cmpd="sng" algn="ctr">
+                      <a:solidFill>
+                        <a:schemeClr val="bg1"/>
+                      </a:solidFill>
+                      <a:prstDash val="solid"/>
+                      <a:round/>
+                      <a:headEnd type="none" w="med" len="med"/>
+                      <a:tailEnd type="none" w="med" len="med"/>
+                    </a:lnR>
+                    <a:lnT w="12700" cap="flat" cmpd="sng" algn="ctr">
+                      <a:solidFill>
+                        <a:schemeClr val="bg1"/>
+                      </a:solidFill>
+                      <a:prstDash val="solid"/>
+                      <a:round/>
+                      <a:headEnd type="none" w="med" len="med"/>
+                      <a:tailEnd type="none" w="med" len="med"/>
+                    </a:lnT>
+                    <a:lnB w="12700" cap="flat" cmpd="sng" algn="ctr">
+                      <a:solidFill>
+                        <a:schemeClr val="bg1"/>
+                      </a:solidFill>
+                      <a:prstDash val="solid"/>
+                      <a:round/>
+                      <a:headEnd type="none" w="med" len="med"/>
+                      <a:tailEnd type="none" w="med" len="med"/>
+                    </a:lnB>
+                    <a:lnTlToBr w="12700" cmpd="sng">
+                      <a:noFill/>
+                      <a:prstDash val="solid"/>
+                    </a:lnTlToBr>
+                    <a:lnBlToTr w="12700" cmpd="sng">
+                      <a:noFill/>
+                      <a:prstDash val="solid"/>
+                    </a:lnBlToTr>
+                    <a:solidFill>
+                      <a:schemeClr val="accent5">
+                        <a:lumMod val="40000"/>
+                        <a:lumOff val="60000"/>
+                      </a:schemeClr>
+                    </a:solidFill>
+                  </a:tcPr>
+                </a:tc>
+                <a:extLst>
+                  <a:ext uri="{0D108BD9-81ED-4DB2-BD59-A6C34878D82A}">
+                    <a16:rowId xmlns:a16="http://schemas.microsoft.com/office/drawing/2014/main" val="885978356"/>
+                  </a:ext>
+                </a:extLst>
+              </a:tr>
+              <a:tr h="258813">
+                <a:tc>
+                  <a:txBody>
+                    <a:bodyPr/>
+                    <a:lstStyle/>
+                    <a:p>
+                      <a:pPr algn="ctr" latinLnBrk="1"/>
+                      <a:r>
+                        <a:rPr lang="en-US" altLang="ko-KR" sz="900" b="1" dirty="0">
+                          <a:solidFill>
+                            <a:schemeClr val="tx1"/>
+                          </a:solidFill>
+                          <a:latin typeface="나눔고딕" panose="020D0604000000000000" pitchFamily="50" charset="-127"/>
+                          <a:ea typeface="나눔고딕" panose="020D0604000000000000" pitchFamily="50" charset="-127"/>
+                        </a:rPr>
+                        <a:t>Bins/Libs</a:t>
+                      </a:r>
+                      <a:endParaRPr lang="ko-KR" altLang="en-US" sz="900" b="1" dirty="0">
+                        <a:solidFill>
+                          <a:schemeClr val="tx1"/>
+                        </a:solidFill>
+                        <a:latin typeface="나눔고딕" panose="020D0604000000000000" pitchFamily="50" charset="-127"/>
+                        <a:ea typeface="나눔고딕" panose="020D0604000000000000" pitchFamily="50" charset="-127"/>
+                      </a:endParaRPr>
+                    </a:p>
+                  </a:txBody>
+                  <a:tcPr anchor="ctr">
+                    <a:lnL w="12700" cap="flat" cmpd="sng" algn="ctr">
+                      <a:solidFill>
+                        <a:schemeClr val="bg1"/>
+                      </a:solidFill>
+                      <a:prstDash val="solid"/>
+                      <a:round/>
+                      <a:headEnd type="none" w="med" len="med"/>
+                      <a:tailEnd type="none" w="med" len="med"/>
+                    </a:lnL>
+                    <a:lnR w="12700" cap="flat" cmpd="sng" algn="ctr">
+                      <a:solidFill>
+                        <a:schemeClr val="bg1"/>
+                      </a:solidFill>
+                      <a:prstDash val="solid"/>
+                      <a:round/>
+                      <a:headEnd type="none" w="med" len="med"/>
+                      <a:tailEnd type="none" w="med" len="med"/>
+                    </a:lnR>
+                    <a:lnT w="12700" cap="flat" cmpd="sng" algn="ctr">
+                      <a:solidFill>
+                        <a:schemeClr val="bg1"/>
+                      </a:solidFill>
+                      <a:prstDash val="solid"/>
+                      <a:round/>
+                      <a:headEnd type="none" w="med" len="med"/>
+                      <a:tailEnd type="none" w="med" len="med"/>
+                    </a:lnT>
+                    <a:lnB w="12700" cap="flat" cmpd="sng" algn="ctr">
+                      <a:solidFill>
+                        <a:schemeClr val="bg1"/>
+                      </a:solidFill>
+                      <a:prstDash val="solid"/>
+                      <a:round/>
+                      <a:headEnd type="none" w="med" len="med"/>
+                      <a:tailEnd type="none" w="med" len="med"/>
+                    </a:lnB>
+                    <a:lnTlToBr w="12700" cmpd="sng">
+                      <a:noFill/>
+                      <a:prstDash val="solid"/>
+                    </a:lnTlToBr>
+                    <a:lnBlToTr w="12700" cmpd="sng">
+                      <a:noFill/>
+                      <a:prstDash val="solid"/>
+                    </a:lnBlToTr>
+                    <a:solidFill>
+                      <a:schemeClr val="accent5">
+                        <a:lumMod val="40000"/>
+                        <a:lumOff val="60000"/>
+                      </a:schemeClr>
+                    </a:solidFill>
+                  </a:tcPr>
+                </a:tc>
+                <a:extLst>
+                  <a:ext uri="{0D108BD9-81ED-4DB2-BD59-A6C34878D82A}">
+                    <a16:rowId xmlns:a16="http://schemas.microsoft.com/office/drawing/2014/main" val="150291144"/>
+                  </a:ext>
+                </a:extLst>
+              </a:tr>
+              <a:tr h="258813">
+                <a:tc>
+                  <a:txBody>
+                    <a:bodyPr/>
+                    <a:lstStyle/>
+                    <a:p>
+                      <a:pPr algn="ctr" latinLnBrk="1"/>
+                      <a:r>
+                        <a:rPr lang="en-US" altLang="ko-KR" sz="900" b="1" dirty="0">
+                          <a:solidFill>
+                            <a:schemeClr val="tx1"/>
+                          </a:solidFill>
+                          <a:latin typeface="나눔고딕" panose="020D0604000000000000" pitchFamily="50" charset="-127"/>
+                          <a:ea typeface="나눔고딕" panose="020D0604000000000000" pitchFamily="50" charset="-127"/>
+                        </a:rPr>
+                        <a:t>Guest OS</a:t>
+                      </a:r>
+                      <a:endParaRPr lang="ko-KR" altLang="en-US" sz="900" b="1" dirty="0">
+                        <a:solidFill>
+                          <a:schemeClr val="tx1"/>
+                        </a:solidFill>
+                        <a:latin typeface="나눔고딕" panose="020D0604000000000000" pitchFamily="50" charset="-127"/>
+                        <a:ea typeface="나눔고딕" panose="020D0604000000000000" pitchFamily="50" charset="-127"/>
+                      </a:endParaRPr>
+                    </a:p>
+                  </a:txBody>
+                  <a:tcPr anchor="ctr">
+                    <a:lnL w="12700" cap="flat" cmpd="sng" algn="ctr">
+                      <a:solidFill>
+                        <a:schemeClr val="bg1"/>
+                      </a:solidFill>
+                      <a:prstDash val="solid"/>
+                      <a:round/>
+                      <a:headEnd type="none" w="med" len="med"/>
+                      <a:tailEnd type="none" w="med" len="med"/>
+                    </a:lnL>
+                    <a:lnR w="12700" cap="flat" cmpd="sng" algn="ctr">
+                      <a:solidFill>
+                        <a:schemeClr val="bg1"/>
+                      </a:solidFill>
+                      <a:prstDash val="solid"/>
+                      <a:round/>
+                      <a:headEnd type="none" w="med" len="med"/>
+                      <a:tailEnd type="none" w="med" len="med"/>
+                    </a:lnR>
+                    <a:lnT w="12700" cap="flat" cmpd="sng" algn="ctr">
+                      <a:solidFill>
+                        <a:schemeClr val="bg1"/>
+                      </a:solidFill>
+                      <a:prstDash val="solid"/>
+                      <a:round/>
+                      <a:headEnd type="none" w="med" len="med"/>
+                      <a:tailEnd type="none" w="med" len="med"/>
+                    </a:lnT>
+                    <a:lnB w="12700" cap="flat" cmpd="sng" algn="ctr">
+                      <a:solidFill>
+                        <a:schemeClr val="bg1"/>
+                      </a:solidFill>
+                      <a:prstDash val="solid"/>
+                      <a:round/>
+                      <a:headEnd type="none" w="med" len="med"/>
+                      <a:tailEnd type="none" w="med" len="med"/>
+                    </a:lnB>
+                    <a:lnTlToBr w="12700" cmpd="sng">
+                      <a:noFill/>
+                      <a:prstDash val="solid"/>
+                    </a:lnTlToBr>
+                    <a:lnBlToTr w="12700" cmpd="sng">
+                      <a:noFill/>
+                      <a:prstDash val="solid"/>
+                    </a:lnBlToTr>
+                    <a:solidFill>
+                      <a:schemeClr val="accent5">
+                        <a:lumMod val="40000"/>
+                        <a:lumOff val="60000"/>
+                      </a:schemeClr>
+                    </a:solidFill>
+                  </a:tcPr>
+                </a:tc>
+                <a:extLst>
+                  <a:ext uri="{0D108BD9-81ED-4DB2-BD59-A6C34878D82A}">
+                    <a16:rowId xmlns:a16="http://schemas.microsoft.com/office/drawing/2014/main" val="1897672737"/>
+                  </a:ext>
+                </a:extLst>
+              </a:tr>
+            </a:tbl>
+          </a:graphicData>
+        </a:graphic>
+      </p:graphicFrame>
+      <p:graphicFrame>
+        <p:nvGraphicFramePr>
+          <p:cNvPr id="19" name="표 9">
+            <a:extLst>
+              <a:ext uri="{FF2B5EF4-FFF2-40B4-BE49-F238E27FC236}">
+                <a16:creationId xmlns:a16="http://schemas.microsoft.com/office/drawing/2014/main" id="{085F50BD-6F8F-44CA-8722-745E41B51BB7}"/>
+              </a:ext>
+            </a:extLst>
+          </p:cNvPr>
+          <p:cNvGraphicFramePr>
+            <a:graphicFrameLocks noGrp="1"/>
+          </p:cNvGraphicFramePr>
+          <p:nvPr>
+            <p:extLst>
+              <p:ext uri="{D42A27DB-BD31-4B8C-83A1-F6EECF244321}">
+                <p14:modId xmlns:p14="http://schemas.microsoft.com/office/powerpoint/2010/main" val="2360492767"/>
+              </p:ext>
+            </p:extLst>
+          </p:nvPr>
+        </p:nvGraphicFramePr>
+        <p:xfrm>
+          <a:off x="5430521" y="2624266"/>
+          <a:ext cx="745066" cy="776439"/>
+        </p:xfrm>
+        <a:graphic>
+          <a:graphicData uri="http://schemas.openxmlformats.org/drawingml/2006/table">
+            <a:tbl>
+              <a:tblPr firstRow="1" bandRow="1">
+                <a:tableStyleId>{5C22544A-7EE6-4342-B048-85BDC9FD1C3A}</a:tableStyleId>
+              </a:tblPr>
+              <a:tblGrid>
+                <a:gridCol w="745066">
+                  <a:extLst>
+                    <a:ext uri="{9D8B030D-6E8A-4147-A177-3AD203B41FA5}">
+                      <a16:colId xmlns:a16="http://schemas.microsoft.com/office/drawing/2014/main" val="2320025564"/>
+                    </a:ext>
+                  </a:extLst>
+                </a:gridCol>
+              </a:tblGrid>
+              <a:tr h="258813">
+                <a:tc>
+                  <a:txBody>
+                    <a:bodyPr/>
+                    <a:lstStyle/>
+                    <a:p>
+                      <a:pPr algn="ctr" latinLnBrk="1"/>
+                      <a:r>
+                        <a:rPr lang="en-US" altLang="ko-KR" sz="900" b="1" dirty="0">
+                          <a:solidFill>
+                            <a:schemeClr val="tx1"/>
+                          </a:solidFill>
+                          <a:latin typeface="나눔고딕" panose="020D0604000000000000" pitchFamily="50" charset="-127"/>
+                          <a:ea typeface="나눔고딕" panose="020D0604000000000000" pitchFamily="50" charset="-127"/>
+                        </a:rPr>
+                        <a:t>App C</a:t>
+                      </a:r>
+                      <a:endParaRPr lang="ko-KR" altLang="en-US" sz="900" b="1" dirty="0">
+                        <a:solidFill>
+                          <a:schemeClr val="tx1"/>
+                        </a:solidFill>
+                        <a:latin typeface="나눔고딕" panose="020D0604000000000000" pitchFamily="50" charset="-127"/>
+                        <a:ea typeface="나눔고딕" panose="020D0604000000000000" pitchFamily="50" charset="-127"/>
+                      </a:endParaRPr>
+                    </a:p>
+                  </a:txBody>
+                  <a:tcPr anchor="ctr">
+                    <a:lnL w="12700" cap="flat" cmpd="sng" algn="ctr">
+                      <a:solidFill>
+                        <a:schemeClr val="bg1"/>
+                      </a:solidFill>
+                      <a:prstDash val="solid"/>
+                      <a:round/>
+                      <a:headEnd type="none" w="med" len="med"/>
+                      <a:tailEnd type="none" w="med" len="med"/>
+                    </a:lnL>
+                    <a:lnR w="12700" cap="flat" cmpd="sng" algn="ctr">
+                      <a:solidFill>
+                        <a:schemeClr val="bg1"/>
+                      </a:solidFill>
+                      <a:prstDash val="solid"/>
+                      <a:round/>
+                      <a:headEnd type="none" w="med" len="med"/>
+                      <a:tailEnd type="none" w="med" len="med"/>
+                    </a:lnR>
+                    <a:lnT w="12700" cap="flat" cmpd="sng" algn="ctr">
+                      <a:solidFill>
+                        <a:schemeClr val="bg1"/>
+                      </a:solidFill>
+                      <a:prstDash val="solid"/>
+                      <a:round/>
+                      <a:headEnd type="none" w="med" len="med"/>
+                      <a:tailEnd type="none" w="med" len="med"/>
+                    </a:lnT>
+                    <a:lnB w="12700" cap="flat" cmpd="sng" algn="ctr">
+                      <a:solidFill>
+                        <a:schemeClr val="bg1"/>
+                      </a:solidFill>
+                      <a:prstDash val="solid"/>
+                      <a:round/>
+                      <a:headEnd type="none" w="med" len="med"/>
+                      <a:tailEnd type="none" w="med" len="med"/>
+                    </a:lnB>
+                    <a:lnTlToBr w="12700" cmpd="sng">
+                      <a:noFill/>
+                      <a:prstDash val="solid"/>
+                    </a:lnTlToBr>
+                    <a:lnBlToTr w="12700" cmpd="sng">
+                      <a:noFill/>
+                      <a:prstDash val="solid"/>
+                    </a:lnBlToTr>
+                    <a:solidFill>
+                      <a:schemeClr val="accent2">
+                        <a:lumMod val="40000"/>
+                        <a:lumOff val="60000"/>
+                      </a:schemeClr>
+                    </a:solidFill>
+                  </a:tcPr>
+                </a:tc>
+                <a:extLst>
+                  <a:ext uri="{0D108BD9-81ED-4DB2-BD59-A6C34878D82A}">
+                    <a16:rowId xmlns:a16="http://schemas.microsoft.com/office/drawing/2014/main" val="885978356"/>
+                  </a:ext>
+                </a:extLst>
+              </a:tr>
+              <a:tr h="258813">
+                <a:tc>
+                  <a:txBody>
+                    <a:bodyPr/>
+                    <a:lstStyle/>
+                    <a:p>
+                      <a:pPr algn="ctr" latinLnBrk="1"/>
+                      <a:r>
+                        <a:rPr lang="en-US" altLang="ko-KR" sz="900" b="1" dirty="0">
+                          <a:solidFill>
+                            <a:schemeClr val="tx1"/>
+                          </a:solidFill>
+                          <a:latin typeface="나눔고딕" panose="020D0604000000000000" pitchFamily="50" charset="-127"/>
+                          <a:ea typeface="나눔고딕" panose="020D0604000000000000" pitchFamily="50" charset="-127"/>
+                        </a:rPr>
+                        <a:t>Bins/Libs</a:t>
+                      </a:r>
+                      <a:endParaRPr lang="ko-KR" altLang="en-US" sz="900" b="1" dirty="0">
+                        <a:solidFill>
+                          <a:schemeClr val="tx1"/>
+                        </a:solidFill>
+                        <a:latin typeface="나눔고딕" panose="020D0604000000000000" pitchFamily="50" charset="-127"/>
+                        <a:ea typeface="나눔고딕" panose="020D0604000000000000" pitchFamily="50" charset="-127"/>
+                      </a:endParaRPr>
+                    </a:p>
+                  </a:txBody>
+                  <a:tcPr anchor="ctr">
+                    <a:lnL w="12700" cap="flat" cmpd="sng" algn="ctr">
+                      <a:solidFill>
+                        <a:schemeClr val="bg1"/>
+                      </a:solidFill>
+                      <a:prstDash val="solid"/>
+                      <a:round/>
+                      <a:headEnd type="none" w="med" len="med"/>
+                      <a:tailEnd type="none" w="med" len="med"/>
+                    </a:lnL>
+                    <a:lnR w="12700" cap="flat" cmpd="sng" algn="ctr">
+                      <a:solidFill>
+                        <a:schemeClr val="bg1"/>
+                      </a:solidFill>
+                      <a:prstDash val="solid"/>
+                      <a:round/>
+                      <a:headEnd type="none" w="med" len="med"/>
+                      <a:tailEnd type="none" w="med" len="med"/>
+                    </a:lnR>
+                    <a:lnT w="12700" cap="flat" cmpd="sng" algn="ctr">
+                      <a:solidFill>
+                        <a:schemeClr val="bg1"/>
+                      </a:solidFill>
+                      <a:prstDash val="solid"/>
+                      <a:round/>
+                      <a:headEnd type="none" w="med" len="med"/>
+                      <a:tailEnd type="none" w="med" len="med"/>
+                    </a:lnT>
+                    <a:lnB w="12700" cap="flat" cmpd="sng" algn="ctr">
+                      <a:solidFill>
+                        <a:schemeClr val="bg1"/>
+                      </a:solidFill>
+                      <a:prstDash val="solid"/>
+                      <a:round/>
+                      <a:headEnd type="none" w="med" len="med"/>
+                      <a:tailEnd type="none" w="med" len="med"/>
+                    </a:lnB>
+                    <a:lnTlToBr w="12700" cmpd="sng">
+                      <a:noFill/>
+                      <a:prstDash val="solid"/>
+                    </a:lnTlToBr>
+                    <a:lnBlToTr w="12700" cmpd="sng">
+                      <a:noFill/>
+                      <a:prstDash val="solid"/>
+                    </a:lnBlToTr>
+                    <a:solidFill>
+                      <a:schemeClr val="accent2">
+                        <a:lumMod val="40000"/>
+                        <a:lumOff val="60000"/>
+                      </a:schemeClr>
+                    </a:solidFill>
+                  </a:tcPr>
+                </a:tc>
+                <a:extLst>
+                  <a:ext uri="{0D108BD9-81ED-4DB2-BD59-A6C34878D82A}">
+                    <a16:rowId xmlns:a16="http://schemas.microsoft.com/office/drawing/2014/main" val="150291144"/>
+                  </a:ext>
+                </a:extLst>
+              </a:tr>
+              <a:tr h="258813">
+                <a:tc>
+                  <a:txBody>
+                    <a:bodyPr/>
+                    <a:lstStyle/>
+                    <a:p>
+                      <a:pPr algn="ctr" latinLnBrk="1"/>
+                      <a:r>
+                        <a:rPr lang="en-US" altLang="ko-KR" sz="900" b="1" dirty="0">
+                          <a:solidFill>
+                            <a:schemeClr val="tx1"/>
+                          </a:solidFill>
+                          <a:latin typeface="나눔고딕" panose="020D0604000000000000" pitchFamily="50" charset="-127"/>
+                          <a:ea typeface="나눔고딕" panose="020D0604000000000000" pitchFamily="50" charset="-127"/>
+                        </a:rPr>
+                        <a:t>Guest OS</a:t>
+                      </a:r>
+                      <a:endParaRPr lang="ko-KR" altLang="en-US" sz="900" b="1" dirty="0">
+                        <a:solidFill>
+                          <a:schemeClr val="tx1"/>
+                        </a:solidFill>
+                        <a:latin typeface="나눔고딕" panose="020D0604000000000000" pitchFamily="50" charset="-127"/>
+                        <a:ea typeface="나눔고딕" panose="020D0604000000000000" pitchFamily="50" charset="-127"/>
+                      </a:endParaRPr>
+                    </a:p>
+                  </a:txBody>
+                  <a:tcPr anchor="ctr">
+                    <a:lnL w="12700" cap="flat" cmpd="sng" algn="ctr">
+                      <a:solidFill>
+                        <a:schemeClr val="bg1"/>
+                      </a:solidFill>
+                      <a:prstDash val="solid"/>
+                      <a:round/>
+                      <a:headEnd type="none" w="med" len="med"/>
+                      <a:tailEnd type="none" w="med" len="med"/>
+                    </a:lnL>
+                    <a:lnR w="12700" cap="flat" cmpd="sng" algn="ctr">
+                      <a:solidFill>
+                        <a:schemeClr val="bg1"/>
+                      </a:solidFill>
+                      <a:prstDash val="solid"/>
+                      <a:round/>
+                      <a:headEnd type="none" w="med" len="med"/>
+                      <a:tailEnd type="none" w="med" len="med"/>
+                    </a:lnR>
+                    <a:lnT w="12700" cap="flat" cmpd="sng" algn="ctr">
+                      <a:solidFill>
+                        <a:schemeClr val="bg1"/>
+                      </a:solidFill>
+                      <a:prstDash val="solid"/>
+                      <a:round/>
+                      <a:headEnd type="none" w="med" len="med"/>
+                      <a:tailEnd type="none" w="med" len="med"/>
+                    </a:lnT>
+                    <a:lnB w="12700" cap="flat" cmpd="sng" algn="ctr">
+                      <a:solidFill>
+                        <a:schemeClr val="bg1"/>
+                      </a:solidFill>
+                      <a:prstDash val="solid"/>
+                      <a:round/>
+                      <a:headEnd type="none" w="med" len="med"/>
+                      <a:tailEnd type="none" w="med" len="med"/>
+                    </a:lnB>
+                    <a:lnTlToBr w="12700" cmpd="sng">
+                      <a:noFill/>
+                      <a:prstDash val="solid"/>
+                    </a:lnTlToBr>
+                    <a:lnBlToTr w="12700" cmpd="sng">
+                      <a:noFill/>
+                      <a:prstDash val="solid"/>
+                    </a:lnBlToTr>
+                    <a:solidFill>
+                      <a:schemeClr val="accent2">
+                        <a:lumMod val="40000"/>
+                        <a:lumOff val="60000"/>
+                      </a:schemeClr>
+                    </a:solidFill>
+                  </a:tcPr>
+                </a:tc>
+                <a:extLst>
+                  <a:ext uri="{0D108BD9-81ED-4DB2-BD59-A6C34878D82A}">
+                    <a16:rowId xmlns:a16="http://schemas.microsoft.com/office/drawing/2014/main" val="1897672737"/>
+                  </a:ext>
+                </a:extLst>
+              </a:tr>
+            </a:tbl>
+          </a:graphicData>
+        </a:graphic>
+      </p:graphicFrame>
+      <p:sp>
+        <p:nvSpPr>
+          <p:cNvPr id="32" name="사각형: 둥근 모서리 31">
+            <a:extLst>
+              <a:ext uri="{FF2B5EF4-FFF2-40B4-BE49-F238E27FC236}">
+                <a16:creationId xmlns:a16="http://schemas.microsoft.com/office/drawing/2014/main" id="{AC464D52-6C32-46C0-9308-1BCA2A0A5BC1}"/>
+              </a:ext>
+            </a:extLst>
+          </p:cNvPr>
+          <p:cNvSpPr/>
+          <p:nvPr/>
+        </p:nvSpPr>
+        <p:spPr>
+          <a:xfrm>
+            <a:off x="6693113" y="4207933"/>
+            <a:ext cx="2302933" cy="625777"/>
+          </a:xfrm>
+          <a:prstGeom prst="roundRect">
+            <a:avLst/>
+          </a:prstGeom>
+          <a:solidFill>
+            <a:schemeClr val="tx2">
+              <a:lumMod val="50000"/>
+            </a:schemeClr>
+          </a:solidFill>
+          <a:ln>
+            <a:noFill/>
+          </a:ln>
+        </p:spPr>
+        <p:style>
+          <a:lnRef idx="2">
+            <a:schemeClr val="accent1">
+              <a:shade val="50000"/>
+            </a:schemeClr>
+          </a:lnRef>
+          <a:fillRef idx="1">
+            <a:schemeClr val="accent1"/>
+          </a:fillRef>
+          <a:effectRef idx="0">
+            <a:schemeClr val="accent1"/>
+          </a:effectRef>
+          <a:fontRef idx="minor">
+            <a:schemeClr val="lt1"/>
+          </a:fontRef>
+        </p:style>
+        <p:txBody>
+          <a:bodyPr rtlCol="0" anchor="ctr"/>
+          <a:lstStyle/>
+          <a:p>
+            <a:pPr algn="ctr"/>
+            <a:r>
+              <a:rPr lang="en-US" altLang="ko-KR" sz="1400" b="1" dirty="0">
+                <a:solidFill>
+                  <a:schemeClr val="bg1"/>
+                </a:solidFill>
+                <a:latin typeface="나눔고딕" panose="020D0604000000000000" pitchFamily="50" charset="-127"/>
+                <a:ea typeface="나눔고딕" panose="020D0604000000000000" pitchFamily="50" charset="-127"/>
+              </a:rPr>
+              <a:t>Infrastructure</a:t>
+            </a:r>
+            <a:endParaRPr lang="ko-KR" altLang="en-US" sz="1400" b="1" dirty="0">
+              <a:solidFill>
+                <a:schemeClr val="bg1"/>
+              </a:solidFill>
+              <a:latin typeface="나눔고딕" panose="020D0604000000000000" pitchFamily="50" charset="-127"/>
+              <a:ea typeface="나눔고딕" panose="020D0604000000000000" pitchFamily="50" charset="-127"/>
+            </a:endParaRPr>
+          </a:p>
+        </p:txBody>
+      </p:sp>
+      <p:sp>
+        <p:nvSpPr>
+          <p:cNvPr id="33" name="사각형: 둥근 모서리 32">
+            <a:extLst>
+              <a:ext uri="{FF2B5EF4-FFF2-40B4-BE49-F238E27FC236}">
+                <a16:creationId xmlns:a16="http://schemas.microsoft.com/office/drawing/2014/main" id="{62A85CAD-D9D7-48A7-A957-64E23EE7575A}"/>
+              </a:ext>
+            </a:extLst>
+          </p:cNvPr>
+          <p:cNvSpPr/>
+          <p:nvPr/>
+        </p:nvSpPr>
+        <p:spPr>
+          <a:xfrm>
+            <a:off x="6693113" y="3489960"/>
+            <a:ext cx="2302933" cy="625777"/>
+          </a:xfrm>
+          <a:prstGeom prst="roundRect">
+            <a:avLst/>
+          </a:prstGeom>
+          <a:solidFill>
+            <a:schemeClr val="bg1">
+              <a:lumMod val="50000"/>
+            </a:schemeClr>
+          </a:solidFill>
+          <a:ln>
+            <a:noFill/>
+          </a:ln>
+        </p:spPr>
+        <p:style>
+          <a:lnRef idx="2">
+            <a:schemeClr val="accent1">
+              <a:shade val="50000"/>
+            </a:schemeClr>
+          </a:lnRef>
+          <a:fillRef idx="1">
+            <a:schemeClr val="accent1"/>
+          </a:fillRef>
+          <a:effectRef idx="0">
+            <a:schemeClr val="accent1"/>
+          </a:effectRef>
+          <a:fontRef idx="minor">
+            <a:schemeClr val="lt1"/>
+          </a:fontRef>
+        </p:style>
+        <p:txBody>
+          <a:bodyPr rtlCol="0" anchor="ctr"/>
+          <a:lstStyle/>
+          <a:p>
+            <a:pPr algn="ctr"/>
+            <a:r>
+              <a:rPr lang="ko-KR" altLang="en-US" sz="1400" b="1" dirty="0">
+                <a:solidFill>
+                  <a:schemeClr val="bg1"/>
+                </a:solidFill>
+                <a:latin typeface="나눔고딕" panose="020D0604000000000000" pitchFamily="50" charset="-127"/>
+                <a:ea typeface="나눔고딕" panose="020D0604000000000000" pitchFamily="50" charset="-127"/>
+              </a:rPr>
+              <a:t>호스트 </a:t>
+            </a:r>
+            <a:r>
+              <a:rPr lang="en-US" altLang="ko-KR" sz="1400" b="1" dirty="0">
+                <a:solidFill>
+                  <a:schemeClr val="bg1"/>
+                </a:solidFill>
+                <a:latin typeface="나눔고딕" panose="020D0604000000000000" pitchFamily="50" charset="-127"/>
+                <a:ea typeface="나눔고딕" panose="020D0604000000000000" pitchFamily="50" charset="-127"/>
+              </a:rPr>
+              <a:t>OS</a:t>
+            </a:r>
+            <a:endParaRPr lang="ko-KR" altLang="en-US" sz="1400" b="1" dirty="0">
+              <a:solidFill>
+                <a:schemeClr val="bg1"/>
+              </a:solidFill>
+              <a:latin typeface="나눔고딕" panose="020D0604000000000000" pitchFamily="50" charset="-127"/>
+              <a:ea typeface="나눔고딕" panose="020D0604000000000000" pitchFamily="50" charset="-127"/>
+            </a:endParaRPr>
+          </a:p>
+        </p:txBody>
+      </p:sp>
+      <p:sp>
+        <p:nvSpPr>
+          <p:cNvPr id="34" name="사각형: 둥근 모서리 33">
+            <a:extLst>
+              <a:ext uri="{FF2B5EF4-FFF2-40B4-BE49-F238E27FC236}">
+                <a16:creationId xmlns:a16="http://schemas.microsoft.com/office/drawing/2014/main" id="{18A2C56C-970E-4C19-A02A-875BE880820D}"/>
+              </a:ext>
+            </a:extLst>
+          </p:cNvPr>
+          <p:cNvSpPr/>
+          <p:nvPr/>
+        </p:nvSpPr>
+        <p:spPr>
+          <a:xfrm>
+            <a:off x="6693113" y="2771987"/>
+            <a:ext cx="2302933" cy="625777"/>
+          </a:xfrm>
+          <a:prstGeom prst="roundRect">
+            <a:avLst/>
+          </a:prstGeom>
+          <a:solidFill>
+            <a:srgbClr val="00B0F0"/>
+          </a:solidFill>
+          <a:ln>
+            <a:noFill/>
+          </a:ln>
+        </p:spPr>
+        <p:style>
+          <a:lnRef idx="2">
+            <a:schemeClr val="accent1">
+              <a:shade val="50000"/>
+            </a:schemeClr>
+          </a:lnRef>
+          <a:fillRef idx="1">
+            <a:schemeClr val="accent1"/>
+          </a:fillRef>
+          <a:effectRef idx="0">
+            <a:schemeClr val="accent1"/>
+          </a:effectRef>
+          <a:fontRef idx="minor">
+            <a:schemeClr val="lt1"/>
+          </a:fontRef>
+        </p:style>
+        <p:txBody>
+          <a:bodyPr rtlCol="0" anchor="ctr"/>
+          <a:lstStyle/>
+          <a:p>
+            <a:pPr algn="ctr"/>
+            <a:r>
+              <a:rPr lang="en-US" altLang="ko-KR" sz="1400" b="1" dirty="0">
+                <a:solidFill>
+                  <a:schemeClr val="tx1"/>
+                </a:solidFill>
+                <a:latin typeface="나눔고딕" panose="020D0604000000000000" pitchFamily="50" charset="-127"/>
+                <a:ea typeface="나눔고딕" panose="020D0604000000000000" pitchFamily="50" charset="-127"/>
+              </a:rPr>
+              <a:t>Docker</a:t>
+            </a:r>
+            <a:r>
+              <a:rPr lang="ko-KR" altLang="en-US" sz="1400" b="1" dirty="0">
+                <a:solidFill>
+                  <a:schemeClr val="tx1"/>
+                </a:solidFill>
+                <a:latin typeface="나눔고딕" panose="020D0604000000000000" pitchFamily="50" charset="-127"/>
+                <a:ea typeface="나눔고딕" panose="020D0604000000000000" pitchFamily="50" charset="-127"/>
+              </a:rPr>
+              <a:t> </a:t>
+            </a:r>
+            <a:r>
+              <a:rPr lang="en-US" altLang="ko-KR" sz="1400" b="1" dirty="0">
+                <a:solidFill>
+                  <a:schemeClr val="tx1"/>
+                </a:solidFill>
+                <a:latin typeface="나눔고딕" panose="020D0604000000000000" pitchFamily="50" charset="-127"/>
+                <a:ea typeface="나눔고딕" panose="020D0604000000000000" pitchFamily="50" charset="-127"/>
+              </a:rPr>
+              <a:t>Engine</a:t>
+            </a:r>
+            <a:endParaRPr lang="ko-KR" altLang="en-US" sz="1400" b="1" dirty="0">
+              <a:solidFill>
+                <a:schemeClr val="tx1"/>
+              </a:solidFill>
+              <a:latin typeface="나눔고딕" panose="020D0604000000000000" pitchFamily="50" charset="-127"/>
+              <a:ea typeface="나눔고딕" panose="020D0604000000000000" pitchFamily="50" charset="-127"/>
+            </a:endParaRPr>
+          </a:p>
+        </p:txBody>
+      </p:sp>
+      <p:graphicFrame>
+        <p:nvGraphicFramePr>
+          <p:cNvPr id="35" name="표 9">
+            <a:extLst>
+              <a:ext uri="{FF2B5EF4-FFF2-40B4-BE49-F238E27FC236}">
+                <a16:creationId xmlns:a16="http://schemas.microsoft.com/office/drawing/2014/main" id="{D75A901D-51F5-43FD-8E46-604AEFAC88CB}"/>
+              </a:ext>
+            </a:extLst>
+          </p:cNvPr>
+          <p:cNvGraphicFramePr>
+            <a:graphicFrameLocks noGrp="1"/>
+          </p:cNvGraphicFramePr>
+          <p:nvPr/>
+        </p:nvGraphicFramePr>
+        <p:xfrm>
+          <a:off x="6693114" y="2162165"/>
+          <a:ext cx="745066" cy="517626"/>
+        </p:xfrm>
+        <a:graphic>
+          <a:graphicData uri="http://schemas.openxmlformats.org/drawingml/2006/table">
+            <a:tbl>
+              <a:tblPr firstRow="1" bandRow="1">
+                <a:tableStyleId>{5C22544A-7EE6-4342-B048-85BDC9FD1C3A}</a:tableStyleId>
+              </a:tblPr>
+              <a:tblGrid>
+                <a:gridCol w="745066">
+                  <a:extLst>
+                    <a:ext uri="{9D8B030D-6E8A-4147-A177-3AD203B41FA5}">
+                      <a16:colId xmlns:a16="http://schemas.microsoft.com/office/drawing/2014/main" val="2320025564"/>
+                    </a:ext>
+                  </a:extLst>
+                </a:gridCol>
+              </a:tblGrid>
+              <a:tr h="258813">
+                <a:tc>
+                  <a:txBody>
+                    <a:bodyPr/>
+                    <a:lstStyle/>
+                    <a:p>
+                      <a:pPr algn="ctr" latinLnBrk="1"/>
+                      <a:r>
+                        <a:rPr lang="en-US" altLang="ko-KR" sz="900" b="1" dirty="0">
+                          <a:solidFill>
+                            <a:schemeClr val="tx1"/>
+                          </a:solidFill>
+                          <a:latin typeface="나눔고딕" panose="020D0604000000000000" pitchFamily="50" charset="-127"/>
+                          <a:ea typeface="나눔고딕" panose="020D0604000000000000" pitchFamily="50" charset="-127"/>
+                        </a:rPr>
+                        <a:t>App A</a:t>
+                      </a:r>
+                      <a:endParaRPr lang="ko-KR" altLang="en-US" sz="900" b="1" dirty="0">
+                        <a:solidFill>
+                          <a:schemeClr val="tx1"/>
+                        </a:solidFill>
+                        <a:latin typeface="나눔고딕" panose="020D0604000000000000" pitchFamily="50" charset="-127"/>
+                        <a:ea typeface="나눔고딕" panose="020D0604000000000000" pitchFamily="50" charset="-127"/>
+                      </a:endParaRPr>
+                    </a:p>
+                  </a:txBody>
+                  <a:tcPr anchor="ctr">
+                    <a:lnL w="12700" cap="flat" cmpd="sng" algn="ctr">
+                      <a:solidFill>
+                        <a:schemeClr val="bg1"/>
+                      </a:solidFill>
+                      <a:prstDash val="solid"/>
+                      <a:round/>
+                      <a:headEnd type="none" w="med" len="med"/>
+                      <a:tailEnd type="none" w="med" len="med"/>
+                    </a:lnL>
+                    <a:lnR w="12700" cap="flat" cmpd="sng" algn="ctr">
+                      <a:solidFill>
+                        <a:schemeClr val="bg1"/>
+                      </a:solidFill>
+                      <a:prstDash val="solid"/>
+                      <a:round/>
+                      <a:headEnd type="none" w="med" len="med"/>
+                      <a:tailEnd type="none" w="med" len="med"/>
+                    </a:lnR>
+                    <a:lnT w="12700" cap="flat" cmpd="sng" algn="ctr">
+                      <a:solidFill>
+                        <a:schemeClr val="bg1"/>
+                      </a:solidFill>
+                      <a:prstDash val="solid"/>
+                      <a:round/>
+                      <a:headEnd type="none" w="med" len="med"/>
+                      <a:tailEnd type="none" w="med" len="med"/>
+                    </a:lnT>
+                    <a:lnB w="12700" cap="flat" cmpd="sng" algn="ctr">
+                      <a:solidFill>
+                        <a:schemeClr val="bg1"/>
+                      </a:solidFill>
+                      <a:prstDash val="solid"/>
+                      <a:round/>
+                      <a:headEnd type="none" w="med" len="med"/>
+                      <a:tailEnd type="none" w="med" len="med"/>
+                    </a:lnB>
+                    <a:lnTlToBr w="12700" cmpd="sng">
+                      <a:noFill/>
+                      <a:prstDash val="solid"/>
+                    </a:lnTlToBr>
+                    <a:lnBlToTr w="12700" cmpd="sng">
+                      <a:noFill/>
+                      <a:prstDash val="solid"/>
+                    </a:lnBlToTr>
+                    <a:solidFill>
+                      <a:schemeClr val="accent6">
+                        <a:lumMod val="40000"/>
+                        <a:lumOff val="60000"/>
+                      </a:schemeClr>
+                    </a:solidFill>
+                  </a:tcPr>
+                </a:tc>
+                <a:extLst>
+                  <a:ext uri="{0D108BD9-81ED-4DB2-BD59-A6C34878D82A}">
+                    <a16:rowId xmlns:a16="http://schemas.microsoft.com/office/drawing/2014/main" val="885978356"/>
+                  </a:ext>
+                </a:extLst>
+              </a:tr>
+              <a:tr h="258813">
+                <a:tc>
+                  <a:txBody>
+                    <a:bodyPr/>
+                    <a:lstStyle/>
+                    <a:p>
+                      <a:pPr algn="ctr" latinLnBrk="1"/>
+                      <a:r>
+                        <a:rPr lang="en-US" altLang="ko-KR" sz="900" b="1" dirty="0">
+                          <a:solidFill>
+                            <a:schemeClr val="tx1"/>
+                          </a:solidFill>
+                          <a:latin typeface="나눔고딕" panose="020D0604000000000000" pitchFamily="50" charset="-127"/>
+                          <a:ea typeface="나눔고딕" panose="020D0604000000000000" pitchFamily="50" charset="-127"/>
+                        </a:rPr>
+                        <a:t>Bins/Libs</a:t>
+                      </a:r>
+                      <a:endParaRPr lang="ko-KR" altLang="en-US" sz="900" b="1" dirty="0">
+                        <a:solidFill>
+                          <a:schemeClr val="tx1"/>
+                        </a:solidFill>
+                        <a:latin typeface="나눔고딕" panose="020D0604000000000000" pitchFamily="50" charset="-127"/>
+                        <a:ea typeface="나눔고딕" panose="020D0604000000000000" pitchFamily="50" charset="-127"/>
+                      </a:endParaRPr>
+                    </a:p>
+                  </a:txBody>
+                  <a:tcPr anchor="ctr">
+                    <a:lnL w="12700" cap="flat" cmpd="sng" algn="ctr">
+                      <a:solidFill>
+                        <a:schemeClr val="bg1"/>
+                      </a:solidFill>
+                      <a:prstDash val="solid"/>
+                      <a:round/>
+                      <a:headEnd type="none" w="med" len="med"/>
+                      <a:tailEnd type="none" w="med" len="med"/>
+                    </a:lnL>
+                    <a:lnR w="12700" cap="flat" cmpd="sng" algn="ctr">
+                      <a:solidFill>
+                        <a:schemeClr val="bg1"/>
+                      </a:solidFill>
+                      <a:prstDash val="solid"/>
+                      <a:round/>
+                      <a:headEnd type="none" w="med" len="med"/>
+                      <a:tailEnd type="none" w="med" len="med"/>
+                    </a:lnR>
+                    <a:lnT w="12700" cap="flat" cmpd="sng" algn="ctr">
+                      <a:solidFill>
+                        <a:schemeClr val="bg1"/>
+                      </a:solidFill>
+                      <a:prstDash val="solid"/>
+                      <a:round/>
+                      <a:headEnd type="none" w="med" len="med"/>
+                      <a:tailEnd type="none" w="med" len="med"/>
+                    </a:lnT>
+                    <a:lnB w="12700" cap="flat" cmpd="sng" algn="ctr">
+                      <a:solidFill>
+                        <a:schemeClr val="bg1"/>
+                      </a:solidFill>
+                      <a:prstDash val="solid"/>
+                      <a:round/>
+                      <a:headEnd type="none" w="med" len="med"/>
+                      <a:tailEnd type="none" w="med" len="med"/>
+                    </a:lnB>
+                    <a:lnTlToBr w="12700" cmpd="sng">
+                      <a:noFill/>
+                      <a:prstDash val="solid"/>
+                    </a:lnTlToBr>
+                    <a:lnBlToTr w="12700" cmpd="sng">
+                      <a:noFill/>
+                      <a:prstDash val="solid"/>
+                    </a:lnBlToTr>
+                    <a:solidFill>
+                      <a:schemeClr val="accent6">
+                        <a:lumMod val="40000"/>
+                        <a:lumOff val="60000"/>
+                      </a:schemeClr>
+                    </a:solidFill>
+                  </a:tcPr>
+                </a:tc>
+                <a:extLst>
+                  <a:ext uri="{0D108BD9-81ED-4DB2-BD59-A6C34878D82A}">
+                    <a16:rowId xmlns:a16="http://schemas.microsoft.com/office/drawing/2014/main" val="150291144"/>
+                  </a:ext>
+                </a:extLst>
+              </a:tr>
+            </a:tbl>
+          </a:graphicData>
+        </a:graphic>
+      </p:graphicFrame>
+      <p:graphicFrame>
+        <p:nvGraphicFramePr>
+          <p:cNvPr id="36" name="표 9">
+            <a:extLst>
+              <a:ext uri="{FF2B5EF4-FFF2-40B4-BE49-F238E27FC236}">
+                <a16:creationId xmlns:a16="http://schemas.microsoft.com/office/drawing/2014/main" id="{999491AD-CBAE-4B06-850C-FF0C3527F801}"/>
+              </a:ext>
+            </a:extLst>
+          </p:cNvPr>
+          <p:cNvGraphicFramePr>
+            <a:graphicFrameLocks noGrp="1"/>
+          </p:cNvGraphicFramePr>
+          <p:nvPr/>
+        </p:nvGraphicFramePr>
+        <p:xfrm>
+          <a:off x="7472047" y="2162165"/>
+          <a:ext cx="745066" cy="517626"/>
+        </p:xfrm>
+        <a:graphic>
+          <a:graphicData uri="http://schemas.openxmlformats.org/drawingml/2006/table">
+            <a:tbl>
+              <a:tblPr firstRow="1" bandRow="1">
+                <a:tableStyleId>{5C22544A-7EE6-4342-B048-85BDC9FD1C3A}</a:tableStyleId>
+              </a:tblPr>
+              <a:tblGrid>
+                <a:gridCol w="745066">
+                  <a:extLst>
+                    <a:ext uri="{9D8B030D-6E8A-4147-A177-3AD203B41FA5}">
+                      <a16:colId xmlns:a16="http://schemas.microsoft.com/office/drawing/2014/main" val="2320025564"/>
+                    </a:ext>
+                  </a:extLst>
+                </a:gridCol>
+              </a:tblGrid>
+              <a:tr h="258813">
+                <a:tc>
+                  <a:txBody>
+                    <a:bodyPr/>
+                    <a:lstStyle/>
+                    <a:p>
+                      <a:pPr algn="ctr" latinLnBrk="1"/>
+                      <a:r>
+                        <a:rPr lang="en-US" altLang="ko-KR" sz="900" b="1" dirty="0">
+                          <a:solidFill>
+                            <a:schemeClr val="tx1"/>
+                          </a:solidFill>
+                          <a:latin typeface="나눔고딕" panose="020D0604000000000000" pitchFamily="50" charset="-127"/>
+                          <a:ea typeface="나눔고딕" panose="020D0604000000000000" pitchFamily="50" charset="-127"/>
+                        </a:rPr>
+                        <a:t>App B</a:t>
+                      </a:r>
+                      <a:endParaRPr lang="ko-KR" altLang="en-US" sz="900" b="1" dirty="0">
+                        <a:solidFill>
+                          <a:schemeClr val="tx1"/>
+                        </a:solidFill>
+                        <a:latin typeface="나눔고딕" panose="020D0604000000000000" pitchFamily="50" charset="-127"/>
+                        <a:ea typeface="나눔고딕" panose="020D0604000000000000" pitchFamily="50" charset="-127"/>
+                      </a:endParaRPr>
+                    </a:p>
+                  </a:txBody>
+                  <a:tcPr anchor="ctr">
+                    <a:lnL w="12700" cap="flat" cmpd="sng" algn="ctr">
+                      <a:solidFill>
+                        <a:schemeClr val="bg1"/>
+                      </a:solidFill>
+                      <a:prstDash val="solid"/>
+                      <a:round/>
+                      <a:headEnd type="none" w="med" len="med"/>
+                      <a:tailEnd type="none" w="med" len="med"/>
+                    </a:lnL>
+                    <a:lnR w="12700" cap="flat" cmpd="sng" algn="ctr">
+                      <a:solidFill>
+                        <a:schemeClr val="bg1"/>
+                      </a:solidFill>
+                      <a:prstDash val="solid"/>
+                      <a:round/>
+                      <a:headEnd type="none" w="med" len="med"/>
+                      <a:tailEnd type="none" w="med" len="med"/>
+                    </a:lnR>
+                    <a:lnT w="12700" cap="flat" cmpd="sng" algn="ctr">
+                      <a:solidFill>
+                        <a:schemeClr val="bg1"/>
+                      </a:solidFill>
+                      <a:prstDash val="solid"/>
+                      <a:round/>
+                      <a:headEnd type="none" w="med" len="med"/>
+                      <a:tailEnd type="none" w="med" len="med"/>
+                    </a:lnT>
+                    <a:lnB w="12700" cap="flat" cmpd="sng" algn="ctr">
+                      <a:solidFill>
+                        <a:schemeClr val="bg1"/>
+                      </a:solidFill>
+                      <a:prstDash val="solid"/>
+                      <a:round/>
+                      <a:headEnd type="none" w="med" len="med"/>
+                      <a:tailEnd type="none" w="med" len="med"/>
+                    </a:lnB>
+                    <a:lnTlToBr w="12700" cmpd="sng">
+                      <a:noFill/>
+                      <a:prstDash val="solid"/>
+                    </a:lnTlToBr>
+                    <a:lnBlToTr w="12700" cmpd="sng">
+                      <a:noFill/>
+                      <a:prstDash val="solid"/>
+                    </a:lnBlToTr>
+                    <a:solidFill>
+                      <a:schemeClr val="accent5">
+                        <a:lumMod val="40000"/>
+                        <a:lumOff val="60000"/>
+                      </a:schemeClr>
+                    </a:solidFill>
+                  </a:tcPr>
+                </a:tc>
+                <a:extLst>
+                  <a:ext uri="{0D108BD9-81ED-4DB2-BD59-A6C34878D82A}">
+                    <a16:rowId xmlns:a16="http://schemas.microsoft.com/office/drawing/2014/main" val="885978356"/>
+                  </a:ext>
+                </a:extLst>
+              </a:tr>
+              <a:tr h="258813">
+                <a:tc>
+                  <a:txBody>
+                    <a:bodyPr/>
+                    <a:lstStyle/>
+                    <a:p>
+                      <a:pPr algn="ctr" latinLnBrk="1"/>
+                      <a:r>
+                        <a:rPr lang="en-US" altLang="ko-KR" sz="900" b="1" dirty="0">
+                          <a:solidFill>
+                            <a:schemeClr val="tx1"/>
+                          </a:solidFill>
+                          <a:latin typeface="나눔고딕" panose="020D0604000000000000" pitchFamily="50" charset="-127"/>
+                          <a:ea typeface="나눔고딕" panose="020D0604000000000000" pitchFamily="50" charset="-127"/>
+                        </a:rPr>
+                        <a:t>Bins/Libs</a:t>
+                      </a:r>
+                      <a:endParaRPr lang="ko-KR" altLang="en-US" sz="900" b="1" dirty="0">
+                        <a:solidFill>
+                          <a:schemeClr val="tx1"/>
+                        </a:solidFill>
+                        <a:latin typeface="나눔고딕" panose="020D0604000000000000" pitchFamily="50" charset="-127"/>
+                        <a:ea typeface="나눔고딕" panose="020D0604000000000000" pitchFamily="50" charset="-127"/>
+                      </a:endParaRPr>
+                    </a:p>
+                  </a:txBody>
+                  <a:tcPr anchor="ctr">
+                    <a:lnL w="12700" cap="flat" cmpd="sng" algn="ctr">
+                      <a:solidFill>
+                        <a:schemeClr val="bg1"/>
+                      </a:solidFill>
+                      <a:prstDash val="solid"/>
+                      <a:round/>
+                      <a:headEnd type="none" w="med" len="med"/>
+                      <a:tailEnd type="none" w="med" len="med"/>
+                    </a:lnL>
+                    <a:lnR w="12700" cap="flat" cmpd="sng" algn="ctr">
+                      <a:solidFill>
+                        <a:schemeClr val="bg1"/>
+                      </a:solidFill>
+                      <a:prstDash val="solid"/>
+                      <a:round/>
+                      <a:headEnd type="none" w="med" len="med"/>
+                      <a:tailEnd type="none" w="med" len="med"/>
+                    </a:lnR>
+                    <a:lnT w="12700" cap="flat" cmpd="sng" algn="ctr">
+                      <a:solidFill>
+                        <a:schemeClr val="bg1"/>
+                      </a:solidFill>
+                      <a:prstDash val="solid"/>
+                      <a:round/>
+                      <a:headEnd type="none" w="med" len="med"/>
+                      <a:tailEnd type="none" w="med" len="med"/>
+                    </a:lnT>
+                    <a:lnB w="12700" cap="flat" cmpd="sng" algn="ctr">
+                      <a:solidFill>
+                        <a:schemeClr val="bg1"/>
+                      </a:solidFill>
+                      <a:prstDash val="solid"/>
+                      <a:round/>
+                      <a:headEnd type="none" w="med" len="med"/>
+                      <a:tailEnd type="none" w="med" len="med"/>
+                    </a:lnB>
+                    <a:lnTlToBr w="12700" cmpd="sng">
+                      <a:noFill/>
+                      <a:prstDash val="solid"/>
+                    </a:lnTlToBr>
+                    <a:lnBlToTr w="12700" cmpd="sng">
+                      <a:noFill/>
+                      <a:prstDash val="solid"/>
+                    </a:lnBlToTr>
+                    <a:solidFill>
+                      <a:schemeClr val="accent5">
+                        <a:lumMod val="40000"/>
+                        <a:lumOff val="60000"/>
+                      </a:schemeClr>
+                    </a:solidFill>
+                  </a:tcPr>
+                </a:tc>
+                <a:extLst>
+                  <a:ext uri="{0D108BD9-81ED-4DB2-BD59-A6C34878D82A}">
+                    <a16:rowId xmlns:a16="http://schemas.microsoft.com/office/drawing/2014/main" val="150291144"/>
+                  </a:ext>
+                </a:extLst>
+              </a:tr>
+            </a:tbl>
+          </a:graphicData>
+        </a:graphic>
+      </p:graphicFrame>
+      <p:graphicFrame>
+        <p:nvGraphicFramePr>
+          <p:cNvPr id="37" name="표 9">
+            <a:extLst>
+              <a:ext uri="{FF2B5EF4-FFF2-40B4-BE49-F238E27FC236}">
+                <a16:creationId xmlns:a16="http://schemas.microsoft.com/office/drawing/2014/main" id="{EB7ABC1B-1EAD-49A8-A43E-3DB794A14ADF}"/>
+              </a:ext>
+            </a:extLst>
+          </p:cNvPr>
+          <p:cNvGraphicFramePr>
+            <a:graphicFrameLocks noGrp="1"/>
+          </p:cNvGraphicFramePr>
+          <p:nvPr>
+            <p:extLst>
+              <p:ext uri="{D42A27DB-BD31-4B8C-83A1-F6EECF244321}">
+                <p14:modId xmlns:p14="http://schemas.microsoft.com/office/powerpoint/2010/main" val="1908614104"/>
+              </p:ext>
+            </p:extLst>
+          </p:nvPr>
+        </p:nvGraphicFramePr>
+        <p:xfrm>
+          <a:off x="8250980" y="2162165"/>
+          <a:ext cx="745066" cy="517626"/>
+        </p:xfrm>
+        <a:graphic>
+          <a:graphicData uri="http://schemas.openxmlformats.org/drawingml/2006/table">
+            <a:tbl>
+              <a:tblPr firstRow="1" bandRow="1">
+                <a:tableStyleId>{5C22544A-7EE6-4342-B048-85BDC9FD1C3A}</a:tableStyleId>
+              </a:tblPr>
+              <a:tblGrid>
+                <a:gridCol w="745066">
+                  <a:extLst>
+                    <a:ext uri="{9D8B030D-6E8A-4147-A177-3AD203B41FA5}">
+                      <a16:colId xmlns:a16="http://schemas.microsoft.com/office/drawing/2014/main" val="2320025564"/>
+                    </a:ext>
+                  </a:extLst>
+                </a:gridCol>
+              </a:tblGrid>
+              <a:tr h="258813">
+                <a:tc>
+                  <a:txBody>
+                    <a:bodyPr/>
+                    <a:lstStyle/>
+                    <a:p>
+                      <a:pPr algn="ctr" latinLnBrk="1"/>
+                      <a:r>
+                        <a:rPr lang="en-US" altLang="ko-KR" sz="900" b="1" dirty="0">
+                          <a:solidFill>
+                            <a:schemeClr val="tx1"/>
+                          </a:solidFill>
+                          <a:latin typeface="나눔고딕" panose="020D0604000000000000" pitchFamily="50" charset="-127"/>
+                          <a:ea typeface="나눔고딕" panose="020D0604000000000000" pitchFamily="50" charset="-127"/>
+                        </a:rPr>
+                        <a:t>App C</a:t>
+                      </a:r>
+                      <a:endParaRPr lang="ko-KR" altLang="en-US" sz="900" b="1" dirty="0">
+                        <a:solidFill>
+                          <a:schemeClr val="tx1"/>
+                        </a:solidFill>
+                        <a:latin typeface="나눔고딕" panose="020D0604000000000000" pitchFamily="50" charset="-127"/>
+                        <a:ea typeface="나눔고딕" panose="020D0604000000000000" pitchFamily="50" charset="-127"/>
+                      </a:endParaRPr>
+                    </a:p>
+                  </a:txBody>
+                  <a:tcPr anchor="ctr">
+                    <a:lnL w="12700" cap="flat" cmpd="sng" algn="ctr">
+                      <a:solidFill>
+                        <a:schemeClr val="bg1"/>
+                      </a:solidFill>
+                      <a:prstDash val="solid"/>
+                      <a:round/>
+                      <a:headEnd type="none" w="med" len="med"/>
+                      <a:tailEnd type="none" w="med" len="med"/>
+                    </a:lnL>
+                    <a:lnR w="12700" cap="flat" cmpd="sng" algn="ctr">
+                      <a:solidFill>
+                        <a:schemeClr val="bg1"/>
+                      </a:solidFill>
+                      <a:prstDash val="solid"/>
+                      <a:round/>
+                      <a:headEnd type="none" w="med" len="med"/>
+                      <a:tailEnd type="none" w="med" len="med"/>
+                    </a:lnR>
+                    <a:lnT w="12700" cap="flat" cmpd="sng" algn="ctr">
+                      <a:solidFill>
+                        <a:schemeClr val="bg1"/>
+                      </a:solidFill>
+                      <a:prstDash val="solid"/>
+                      <a:round/>
+                      <a:headEnd type="none" w="med" len="med"/>
+                      <a:tailEnd type="none" w="med" len="med"/>
+                    </a:lnT>
+                    <a:lnB w="12700" cap="flat" cmpd="sng" algn="ctr">
+                      <a:solidFill>
+                        <a:schemeClr val="bg1"/>
+                      </a:solidFill>
+                      <a:prstDash val="solid"/>
+                      <a:round/>
+                      <a:headEnd type="none" w="med" len="med"/>
+                      <a:tailEnd type="none" w="med" len="med"/>
+                    </a:lnB>
+                    <a:lnTlToBr w="12700" cmpd="sng">
+                      <a:noFill/>
+                      <a:prstDash val="solid"/>
+                    </a:lnTlToBr>
+                    <a:lnBlToTr w="12700" cmpd="sng">
+                      <a:noFill/>
+                      <a:prstDash val="solid"/>
+                    </a:lnBlToTr>
+                    <a:solidFill>
+                      <a:schemeClr val="accent2">
+                        <a:lumMod val="40000"/>
+                        <a:lumOff val="60000"/>
+                      </a:schemeClr>
+                    </a:solidFill>
+                  </a:tcPr>
+                </a:tc>
+                <a:extLst>
+                  <a:ext uri="{0D108BD9-81ED-4DB2-BD59-A6C34878D82A}">
+                    <a16:rowId xmlns:a16="http://schemas.microsoft.com/office/drawing/2014/main" val="885978356"/>
+                  </a:ext>
+                </a:extLst>
+              </a:tr>
+              <a:tr h="258813">
+                <a:tc>
+                  <a:txBody>
+                    <a:bodyPr/>
+                    <a:lstStyle/>
+                    <a:p>
+                      <a:pPr algn="ctr" latinLnBrk="1"/>
+                      <a:r>
+                        <a:rPr lang="en-US" altLang="ko-KR" sz="900" b="1" dirty="0">
+                          <a:solidFill>
+                            <a:schemeClr val="tx1"/>
+                          </a:solidFill>
+                          <a:latin typeface="나눔고딕" panose="020D0604000000000000" pitchFamily="50" charset="-127"/>
+                          <a:ea typeface="나눔고딕" panose="020D0604000000000000" pitchFamily="50" charset="-127"/>
+                        </a:rPr>
+                        <a:t>Bins/Libs</a:t>
+                      </a:r>
+                      <a:endParaRPr lang="ko-KR" altLang="en-US" sz="900" b="1" dirty="0">
+                        <a:solidFill>
+                          <a:schemeClr val="tx1"/>
+                        </a:solidFill>
+                        <a:latin typeface="나눔고딕" panose="020D0604000000000000" pitchFamily="50" charset="-127"/>
+                        <a:ea typeface="나눔고딕" panose="020D0604000000000000" pitchFamily="50" charset="-127"/>
+                      </a:endParaRPr>
+                    </a:p>
+                  </a:txBody>
+                  <a:tcPr anchor="ctr">
+                    <a:lnL w="12700" cap="flat" cmpd="sng" algn="ctr">
+                      <a:solidFill>
+                        <a:schemeClr val="bg1"/>
+                      </a:solidFill>
+                      <a:prstDash val="solid"/>
+                      <a:round/>
+                      <a:headEnd type="none" w="med" len="med"/>
+                      <a:tailEnd type="none" w="med" len="med"/>
+                    </a:lnL>
+                    <a:lnR w="12700" cap="flat" cmpd="sng" algn="ctr">
+                      <a:solidFill>
+                        <a:schemeClr val="bg1"/>
+                      </a:solidFill>
+                      <a:prstDash val="solid"/>
+                      <a:round/>
+                      <a:headEnd type="none" w="med" len="med"/>
+                      <a:tailEnd type="none" w="med" len="med"/>
+                    </a:lnR>
+                    <a:lnT w="12700" cap="flat" cmpd="sng" algn="ctr">
+                      <a:solidFill>
+                        <a:schemeClr val="bg1"/>
+                      </a:solidFill>
+                      <a:prstDash val="solid"/>
+                      <a:round/>
+                      <a:headEnd type="none" w="med" len="med"/>
+                      <a:tailEnd type="none" w="med" len="med"/>
+                    </a:lnT>
+                    <a:lnB w="12700" cap="flat" cmpd="sng" algn="ctr">
+                      <a:solidFill>
+                        <a:schemeClr val="bg1"/>
+                      </a:solidFill>
+                      <a:prstDash val="solid"/>
+                      <a:round/>
+                      <a:headEnd type="none" w="med" len="med"/>
+                      <a:tailEnd type="none" w="med" len="med"/>
+                    </a:lnB>
+                    <a:lnTlToBr w="12700" cmpd="sng">
+                      <a:noFill/>
+                      <a:prstDash val="solid"/>
+                    </a:lnTlToBr>
+                    <a:lnBlToTr w="12700" cmpd="sng">
+                      <a:noFill/>
+                      <a:prstDash val="solid"/>
+                    </a:lnBlToTr>
+                    <a:solidFill>
+                      <a:schemeClr val="accent2">
+                        <a:lumMod val="40000"/>
+                        <a:lumOff val="60000"/>
+                      </a:schemeClr>
+                    </a:solidFill>
+                  </a:tcPr>
+                </a:tc>
+                <a:extLst>
+                  <a:ext uri="{0D108BD9-81ED-4DB2-BD59-A6C34878D82A}">
+                    <a16:rowId xmlns:a16="http://schemas.microsoft.com/office/drawing/2014/main" val="150291144"/>
+                  </a:ext>
+                </a:extLst>
+              </a:tr>
+            </a:tbl>
+          </a:graphicData>
+        </a:graphic>
+      </p:graphicFrame>
+      <p:sp>
+        <p:nvSpPr>
+          <p:cNvPr id="27" name="직사각형 26">
+            <a:extLst>
+              <a:ext uri="{FF2B5EF4-FFF2-40B4-BE49-F238E27FC236}">
+                <a16:creationId xmlns:a16="http://schemas.microsoft.com/office/drawing/2014/main" id="{D95C5773-F7B3-468D-BF3D-1E69A65E11C8}"/>
+              </a:ext>
+            </a:extLst>
+          </p:cNvPr>
+          <p:cNvSpPr/>
+          <p:nvPr/>
+        </p:nvSpPr>
+        <p:spPr>
+          <a:xfrm>
+            <a:off x="7461438" y="2100111"/>
+            <a:ext cx="762050" cy="625777"/>
+          </a:xfrm>
+          <a:prstGeom prst="rect">
+            <a:avLst/>
+          </a:prstGeom>
+          <a:noFill/>
+          <a:ln w="19050">
+            <a:solidFill>
+              <a:srgbClr val="0070C0"/>
+            </a:solidFill>
+          </a:ln>
+        </p:spPr>
+        <p:style>
+          <a:lnRef idx="2">
+            <a:schemeClr val="accent1">
+              <a:shade val="50000"/>
+            </a:schemeClr>
+          </a:lnRef>
+          <a:fillRef idx="1">
+            <a:schemeClr val="accent1"/>
+          </a:fillRef>
+          <a:effectRef idx="0">
+            <a:schemeClr val="accent1"/>
+          </a:effectRef>
+          <a:fontRef idx="minor">
+            <a:schemeClr val="lt1"/>
+          </a:fontRef>
+        </p:style>
+        <p:txBody>
+          <a:bodyPr rtlCol="0" anchor="ctr"/>
+          <a:lstStyle/>
+          <a:p>
+            <a:pPr algn="ctr"/>
+            <a:endParaRPr lang="ko-KR" altLang="en-US"/>
+          </a:p>
+        </p:txBody>
+      </p:sp>
+      <p:sp>
+        <p:nvSpPr>
+          <p:cNvPr id="28" name="직사각형 27">
+            <a:extLst>
+              <a:ext uri="{FF2B5EF4-FFF2-40B4-BE49-F238E27FC236}">
+                <a16:creationId xmlns:a16="http://schemas.microsoft.com/office/drawing/2014/main" id="{0E668FF0-3458-40FB-8A11-B4954465B90B}"/>
+              </a:ext>
+            </a:extLst>
+          </p:cNvPr>
+          <p:cNvSpPr/>
+          <p:nvPr/>
+        </p:nvSpPr>
+        <p:spPr>
+          <a:xfrm>
+            <a:off x="7478422" y="1929763"/>
+            <a:ext cx="745066" cy="139321"/>
+          </a:xfrm>
+          <a:prstGeom prst="rect">
+            <a:avLst/>
+          </a:prstGeom>
+          <a:solidFill>
+            <a:schemeClr val="bg1"/>
+          </a:solidFill>
+          <a:ln>
+            <a:noFill/>
+          </a:ln>
+        </p:spPr>
+        <p:style>
+          <a:lnRef idx="2">
+            <a:schemeClr val="accent1">
+              <a:shade val="50000"/>
+            </a:schemeClr>
+          </a:lnRef>
+          <a:fillRef idx="1">
+            <a:schemeClr val="accent1"/>
+          </a:fillRef>
+          <a:effectRef idx="0">
+            <a:schemeClr val="accent1"/>
+          </a:effectRef>
+          <a:fontRef idx="minor">
+            <a:schemeClr val="lt1"/>
+          </a:fontRef>
+        </p:style>
+        <p:txBody>
+          <a:bodyPr rtlCol="0" anchor="ctr"/>
+          <a:lstStyle/>
+          <a:p>
+            <a:pPr algn="ctr"/>
+            <a:r>
+              <a:rPr lang="en-US" altLang="ko-KR" sz="900" b="1" dirty="0">
+                <a:solidFill>
+                  <a:srgbClr val="0070C0"/>
+                </a:solidFill>
+                <a:latin typeface="나눔고딕" panose="020D0604000000000000" pitchFamily="50" charset="-127"/>
+                <a:ea typeface="나눔고딕" panose="020D0604000000000000" pitchFamily="50" charset="-127"/>
+              </a:rPr>
+              <a:t>Container</a:t>
+            </a:r>
+            <a:endParaRPr lang="ko-KR" altLang="en-US" sz="900" b="1" dirty="0">
+              <a:solidFill>
+                <a:srgbClr val="0070C0"/>
+              </a:solidFill>
+              <a:latin typeface="나눔고딕" panose="020D0604000000000000" pitchFamily="50" charset="-127"/>
+              <a:ea typeface="나눔고딕" panose="020D0604000000000000" pitchFamily="50" charset="-127"/>
+            </a:endParaRPr>
+          </a:p>
+        </p:txBody>
+      </p:sp>
+      <p:sp>
+        <p:nvSpPr>
+          <p:cNvPr id="30" name="직사각형 29">
+            <a:extLst>
+              <a:ext uri="{FF2B5EF4-FFF2-40B4-BE49-F238E27FC236}">
+                <a16:creationId xmlns:a16="http://schemas.microsoft.com/office/drawing/2014/main" id="{D0031FC7-C5B3-4FA2-9043-5F8D25B84BE3}"/>
+              </a:ext>
+            </a:extLst>
+          </p:cNvPr>
+          <p:cNvSpPr/>
+          <p:nvPr/>
+        </p:nvSpPr>
+        <p:spPr>
+          <a:xfrm>
+            <a:off x="4641881" y="2586038"/>
+            <a:ext cx="762050" cy="842962"/>
+          </a:xfrm>
+          <a:prstGeom prst="rect">
+            <a:avLst/>
+          </a:prstGeom>
+          <a:noFill/>
+          <a:ln w="19050">
+            <a:solidFill>
+              <a:srgbClr val="0070C0"/>
+            </a:solidFill>
+          </a:ln>
+        </p:spPr>
+        <p:style>
+          <a:lnRef idx="2">
+            <a:schemeClr val="accent1">
+              <a:shade val="50000"/>
+            </a:schemeClr>
+          </a:lnRef>
+          <a:fillRef idx="1">
+            <a:schemeClr val="accent1"/>
+          </a:fillRef>
+          <a:effectRef idx="0">
+            <a:schemeClr val="accent1"/>
+          </a:effectRef>
+          <a:fontRef idx="minor">
+            <a:schemeClr val="lt1"/>
+          </a:fontRef>
+        </p:style>
+        <p:txBody>
+          <a:bodyPr rtlCol="0" anchor="ctr"/>
+          <a:lstStyle/>
+          <a:p>
+            <a:pPr algn="ctr"/>
+            <a:endParaRPr lang="ko-KR" altLang="en-US"/>
+          </a:p>
+        </p:txBody>
+      </p:sp>
+      <p:sp>
+        <p:nvSpPr>
+          <p:cNvPr id="39" name="직사각형 38">
+            <a:extLst>
+              <a:ext uri="{FF2B5EF4-FFF2-40B4-BE49-F238E27FC236}">
+                <a16:creationId xmlns:a16="http://schemas.microsoft.com/office/drawing/2014/main" id="{99709DA5-DB90-486A-8714-A34F54C322BA}"/>
+              </a:ext>
+            </a:extLst>
+          </p:cNvPr>
+          <p:cNvSpPr/>
+          <p:nvPr/>
+        </p:nvSpPr>
+        <p:spPr>
+          <a:xfrm>
+            <a:off x="4651588" y="2409165"/>
+            <a:ext cx="745066" cy="139321"/>
+          </a:xfrm>
+          <a:prstGeom prst="rect">
+            <a:avLst/>
+          </a:prstGeom>
+          <a:solidFill>
+            <a:schemeClr val="bg1"/>
+          </a:solidFill>
+          <a:ln>
+            <a:noFill/>
+          </a:ln>
+        </p:spPr>
+        <p:style>
+          <a:lnRef idx="2">
+            <a:schemeClr val="accent1">
+              <a:shade val="50000"/>
+            </a:schemeClr>
+          </a:lnRef>
+          <a:fillRef idx="1">
+            <a:schemeClr val="accent1"/>
+          </a:fillRef>
+          <a:effectRef idx="0">
+            <a:schemeClr val="accent1"/>
+          </a:effectRef>
+          <a:fontRef idx="minor">
+            <a:schemeClr val="lt1"/>
+          </a:fontRef>
+        </p:style>
+        <p:txBody>
+          <a:bodyPr rtlCol="0" anchor="ctr"/>
+          <a:lstStyle/>
+          <a:p>
+            <a:pPr algn="ctr"/>
+            <a:r>
+              <a:rPr lang="en-US" altLang="ko-KR" sz="900" b="1" dirty="0">
+                <a:solidFill>
+                  <a:srgbClr val="0070C0"/>
+                </a:solidFill>
+                <a:latin typeface="나눔고딕" panose="020D0604000000000000" pitchFamily="50" charset="-127"/>
+                <a:ea typeface="나눔고딕" panose="020D0604000000000000" pitchFamily="50" charset="-127"/>
+              </a:rPr>
+              <a:t>VM</a:t>
+            </a:r>
+            <a:endParaRPr lang="ko-KR" altLang="en-US" sz="900" b="1" dirty="0">
+              <a:solidFill>
+                <a:srgbClr val="0070C0"/>
+              </a:solidFill>
+              <a:latin typeface="나눔고딕" panose="020D0604000000000000" pitchFamily="50" charset="-127"/>
+              <a:ea typeface="나눔고딕" panose="020D0604000000000000" pitchFamily="50" charset="-127"/>
+            </a:endParaRPr>
+          </a:p>
+        </p:txBody>
+      </p:sp>
+    </p:spTree>
+    <p:extLst>
+      <p:ext uri="{BB962C8B-B14F-4D97-AF65-F5344CB8AC3E}">
+        <p14:creationId xmlns:p14="http://schemas.microsoft.com/office/powerpoint/2010/main" val="3337492939"/>
+      </p:ext>
+    </p:extLst>
+  </p:cSld>
+  <p:clrMapOvr>
+    <a:masterClrMapping/>
+  </p:clrMapOvr>
+</p:sld>
+</file>
+
 <file path=ppt/theme/theme1.xml><?xml version="1.0" encoding="utf-8"?>
 <a:theme xmlns:a="http://schemas.openxmlformats.org/drawingml/2006/main" name="Office 테마">
   <a:themeElements>

--- a/Cloud/image/img ppt.pptx
+++ b/Cloud/image/img ppt.pptx
@@ -4,9 +4,15 @@
   <p:sldMasterIdLst>
     <p:sldMasterId id="2147483648" r:id="rId1"/>
   </p:sldMasterIdLst>
+  <p:notesMasterIdLst>
+    <p:notesMasterId r:id="rId7"/>
+  </p:notesMasterIdLst>
   <p:sldIdLst>
     <p:sldId id="256" r:id="rId2"/>
     <p:sldId id="257" r:id="rId3"/>
+    <p:sldId id="258" r:id="rId4"/>
+    <p:sldId id="259" r:id="rId5"/>
+    <p:sldId id="260" r:id="rId6"/>
   </p:sldIdLst>
   <p:sldSz cx="12192000" cy="6858000"/>
   <p:notesSz cx="6858000" cy="9144000"/>
@@ -122,6 +128,3216 @@
     </p:ext>
   </p:extLst>
 </p:presentation>
+</file>
+
+<file path=ppt/diagrams/colors1.xml><?xml version="1.0" encoding="utf-8"?>
+<dgm:colorsDef xmlns:dgm="http://schemas.openxmlformats.org/drawingml/2006/diagram" xmlns:a="http://schemas.openxmlformats.org/drawingml/2006/main" uniqueId="urn:microsoft.com/office/officeart/2005/8/colors/colorful1">
+  <dgm:title val=""/>
+  <dgm:desc val=""/>
+  <dgm:catLst>
+    <dgm:cat type="colorful" pri="10100"/>
+  </dgm:catLst>
+  <dgm:styleLbl name="node0">
+    <dgm:fillClrLst meth="repeat">
+      <a:schemeClr val="accent1"/>
+    </dgm:fillClrLst>
+    <dgm:linClrLst meth="repeat">
+      <a:schemeClr val="lt1"/>
+    </dgm:linClrLst>
+    <dgm:effectClrLst/>
+    <dgm:txLinClrLst/>
+    <dgm:txFillClrLst/>
+    <dgm:txEffectClrLst/>
+  </dgm:styleLbl>
+  <dgm:styleLbl name="node1">
+    <dgm:fillClrLst meth="repeat">
+      <a:schemeClr val="accent2"/>
+      <a:schemeClr val="accent3"/>
+      <a:schemeClr val="accent4"/>
+      <a:schemeClr val="accent5"/>
+      <a:schemeClr val="accent6"/>
+    </dgm:fillClrLst>
+    <dgm:linClrLst meth="repeat">
+      <a:schemeClr val="lt1"/>
+    </dgm:linClrLst>
+    <dgm:effectClrLst/>
+    <dgm:txLinClrLst/>
+    <dgm:txFillClrLst/>
+    <dgm:txEffectClrLst/>
+  </dgm:styleLbl>
+  <dgm:styleLbl name="alignNode1">
+    <dgm:fillClrLst meth="repeat">
+      <a:schemeClr val="accent2"/>
+      <a:schemeClr val="accent3"/>
+      <a:schemeClr val="accent4"/>
+      <a:schemeClr val="accent5"/>
+      <a:schemeClr val="accent6"/>
+    </dgm:fillClrLst>
+    <dgm:linClrLst meth="repeat">
+      <a:schemeClr val="accent2"/>
+      <a:schemeClr val="accent3"/>
+      <a:schemeClr val="accent4"/>
+      <a:schemeClr val="accent5"/>
+      <a:schemeClr val="accent6"/>
+    </dgm:linClrLst>
+    <dgm:effectClrLst/>
+    <dgm:txLinClrLst/>
+    <dgm:txFillClrLst/>
+    <dgm:txEffectClrLst/>
+  </dgm:styleLbl>
+  <dgm:styleLbl name="lnNode1">
+    <dgm:fillClrLst meth="repeat">
+      <a:schemeClr val="accent2"/>
+      <a:schemeClr val="accent3"/>
+      <a:schemeClr val="accent4"/>
+      <a:schemeClr val="accent5"/>
+      <a:schemeClr val="accent6"/>
+    </dgm:fillClrLst>
+    <dgm:linClrLst meth="repeat">
+      <a:schemeClr val="lt1"/>
+    </dgm:linClrLst>
+    <dgm:effectClrLst/>
+    <dgm:txLinClrLst/>
+    <dgm:txFillClrLst/>
+    <dgm:txEffectClrLst/>
+  </dgm:styleLbl>
+  <dgm:styleLbl name="vennNode1">
+    <dgm:fillClrLst meth="repeat">
+      <a:schemeClr val="accent2">
+        <a:alpha val="50000"/>
+      </a:schemeClr>
+      <a:schemeClr val="accent3">
+        <a:alpha val="50000"/>
+      </a:schemeClr>
+      <a:schemeClr val="accent4">
+        <a:alpha val="50000"/>
+      </a:schemeClr>
+      <a:schemeClr val="accent5">
+        <a:alpha val="50000"/>
+      </a:schemeClr>
+      <a:schemeClr val="accent6">
+        <a:alpha val="50000"/>
+      </a:schemeClr>
+    </dgm:fillClrLst>
+    <dgm:linClrLst meth="repeat">
+      <a:schemeClr val="lt1"/>
+    </dgm:linClrLst>
+    <dgm:effectClrLst/>
+    <dgm:txLinClrLst/>
+    <dgm:txFillClrLst/>
+    <dgm:txEffectClrLst/>
+  </dgm:styleLbl>
+  <dgm:styleLbl name="node2">
+    <dgm:fillClrLst>
+      <a:schemeClr val="accent2"/>
+    </dgm:fillClrLst>
+    <dgm:linClrLst meth="repeat">
+      <a:schemeClr val="lt1"/>
+    </dgm:linClrLst>
+    <dgm:effectClrLst/>
+    <dgm:txLinClrLst/>
+    <dgm:txFillClrLst/>
+    <dgm:txEffectClrLst/>
+  </dgm:styleLbl>
+  <dgm:styleLbl name="node3">
+    <dgm:fillClrLst>
+      <a:schemeClr val="accent3"/>
+    </dgm:fillClrLst>
+    <dgm:linClrLst meth="repeat">
+      <a:schemeClr val="lt1"/>
+    </dgm:linClrLst>
+    <dgm:effectClrLst/>
+    <dgm:txLinClrLst/>
+    <dgm:txFillClrLst/>
+    <dgm:txEffectClrLst/>
+  </dgm:styleLbl>
+  <dgm:styleLbl name="node4">
+    <dgm:fillClrLst>
+      <a:schemeClr val="accent4"/>
+    </dgm:fillClrLst>
+    <dgm:linClrLst meth="repeat">
+      <a:schemeClr val="lt1"/>
+    </dgm:linClrLst>
+    <dgm:effectClrLst/>
+    <dgm:txLinClrLst/>
+    <dgm:txFillClrLst/>
+    <dgm:txEffectClrLst/>
+  </dgm:styleLbl>
+  <dgm:styleLbl name="fgImgPlace1">
+    <dgm:fillClrLst meth="repeat">
+      <a:schemeClr val="accent2">
+        <a:tint val="50000"/>
+      </a:schemeClr>
+      <a:schemeClr val="accent3">
+        <a:tint val="50000"/>
+      </a:schemeClr>
+      <a:schemeClr val="accent4">
+        <a:tint val="50000"/>
+      </a:schemeClr>
+      <a:schemeClr val="accent5">
+        <a:tint val="50000"/>
+      </a:schemeClr>
+      <a:schemeClr val="accent6">
+        <a:tint val="50000"/>
+      </a:schemeClr>
+    </dgm:fillClrLst>
+    <dgm:linClrLst meth="repeat">
+      <a:schemeClr val="lt1"/>
+    </dgm:linClrLst>
+    <dgm:effectClrLst/>
+    <dgm:txLinClrLst/>
+    <dgm:txFillClrLst meth="repeat">
+      <a:schemeClr val="lt1"/>
+    </dgm:txFillClrLst>
+    <dgm:txEffectClrLst/>
+  </dgm:styleLbl>
+  <dgm:styleLbl name="alignImgPlace1">
+    <dgm:fillClrLst>
+      <a:schemeClr val="accent1">
+        <a:tint val="50000"/>
+      </a:schemeClr>
+      <a:schemeClr val="accent2">
+        <a:tint val="20000"/>
+      </a:schemeClr>
+    </dgm:fillClrLst>
+    <dgm:linClrLst meth="repeat">
+      <a:schemeClr val="lt1"/>
+    </dgm:linClrLst>
+    <dgm:effectClrLst/>
+    <dgm:txLinClrLst/>
+    <dgm:txFillClrLst meth="repeat">
+      <a:schemeClr val="lt1"/>
+    </dgm:txFillClrLst>
+    <dgm:txEffectClrLst/>
+  </dgm:styleLbl>
+  <dgm:styleLbl name="bgImgPlace1">
+    <dgm:fillClrLst>
+      <a:schemeClr val="accent1">
+        <a:tint val="50000"/>
+      </a:schemeClr>
+      <a:schemeClr val="accent2">
+        <a:tint val="20000"/>
+      </a:schemeClr>
+    </dgm:fillClrLst>
+    <dgm:linClrLst meth="repeat">
+      <a:schemeClr val="lt1"/>
+    </dgm:linClrLst>
+    <dgm:effectClrLst/>
+    <dgm:txLinClrLst/>
+    <dgm:txFillClrLst meth="repeat">
+      <a:schemeClr val="lt1"/>
+    </dgm:txFillClrLst>
+    <dgm:txEffectClrLst/>
+  </dgm:styleLbl>
+  <dgm:styleLbl name="sibTrans2D1">
+    <dgm:fillClrLst meth="repeat">
+      <a:schemeClr val="accent2"/>
+      <a:schemeClr val="accent3"/>
+      <a:schemeClr val="accent4"/>
+      <a:schemeClr val="accent5"/>
+      <a:schemeClr val="accent6"/>
+    </dgm:fillClrLst>
+    <dgm:linClrLst meth="cycle">
+      <a:schemeClr val="lt1"/>
+    </dgm:linClrLst>
+    <dgm:effectClrLst/>
+    <dgm:txLinClrLst/>
+    <dgm:txFillClrLst/>
+    <dgm:txEffectClrLst/>
+  </dgm:styleLbl>
+  <dgm:styleLbl name="fgSibTrans2D1">
+    <dgm:fillClrLst meth="repeat">
+      <a:schemeClr val="accent2"/>
+      <a:schemeClr val="accent3"/>
+      <a:schemeClr val="accent4"/>
+      <a:schemeClr val="accent5"/>
+      <a:schemeClr val="accent6"/>
+    </dgm:fillClrLst>
+    <dgm:linClrLst meth="cycle">
+      <a:schemeClr val="lt1"/>
+    </dgm:linClrLst>
+    <dgm:effectClrLst/>
+    <dgm:txLinClrLst/>
+    <dgm:txFillClrLst meth="repeat">
+      <a:schemeClr val="lt1"/>
+    </dgm:txFillClrLst>
+    <dgm:txEffectClrLst/>
+  </dgm:styleLbl>
+  <dgm:styleLbl name="bgSibTrans2D1">
+    <dgm:fillClrLst meth="repeat">
+      <a:schemeClr val="accent2"/>
+      <a:schemeClr val="accent3"/>
+      <a:schemeClr val="accent4"/>
+      <a:schemeClr val="accent5"/>
+      <a:schemeClr val="accent6"/>
+    </dgm:fillClrLst>
+    <dgm:linClrLst meth="cycle">
+      <a:schemeClr val="lt1"/>
+    </dgm:linClrLst>
+    <dgm:effectClrLst/>
+    <dgm:txLinClrLst/>
+    <dgm:txFillClrLst meth="repeat">
+      <a:schemeClr val="lt1"/>
+    </dgm:txFillClrLst>
+    <dgm:txEffectClrLst/>
+  </dgm:styleLbl>
+  <dgm:styleLbl name="sibTrans1D1">
+    <dgm:fillClrLst meth="repeat">
+      <a:schemeClr val="accent2"/>
+      <a:schemeClr val="accent3"/>
+      <a:schemeClr val="accent4"/>
+      <a:schemeClr val="accent5"/>
+      <a:schemeClr val="accent6"/>
+    </dgm:fillClrLst>
+    <dgm:linClrLst meth="repeat">
+      <a:schemeClr val="accent2"/>
+      <a:schemeClr val="accent3"/>
+      <a:schemeClr val="accent4"/>
+      <a:schemeClr val="accent5"/>
+      <a:schemeClr val="accent6"/>
+    </dgm:linClrLst>
+    <dgm:effectClrLst/>
+    <dgm:txLinClrLst/>
+    <dgm:txFillClrLst meth="repeat">
+      <a:schemeClr val="tx1"/>
+    </dgm:txFillClrLst>
+    <dgm:txEffectClrLst/>
+  </dgm:styleLbl>
+  <dgm:styleLbl name="callout">
+    <dgm:fillClrLst meth="repeat">
+      <a:schemeClr val="accent2"/>
+    </dgm:fillClrLst>
+    <dgm:linClrLst meth="repeat">
+      <a:schemeClr val="accent2">
+        <a:tint val="50000"/>
+      </a:schemeClr>
+    </dgm:linClrLst>
+    <dgm:effectClrLst/>
+    <dgm:txLinClrLst/>
+    <dgm:txFillClrLst meth="repeat">
+      <a:schemeClr val="tx1"/>
+    </dgm:txFillClrLst>
+    <dgm:txEffectClrLst/>
+  </dgm:styleLbl>
+  <dgm:styleLbl name="asst0">
+    <dgm:fillClrLst meth="repeat">
+      <a:schemeClr val="accent1"/>
+    </dgm:fillClrLst>
+    <dgm:linClrLst meth="repeat">
+      <a:schemeClr val="lt1"/>
+    </dgm:linClrLst>
+    <dgm:effectClrLst/>
+    <dgm:txLinClrLst/>
+    <dgm:txFillClrLst/>
+    <dgm:txEffectClrLst/>
+  </dgm:styleLbl>
+  <dgm:styleLbl name="asst1">
+    <dgm:fillClrLst meth="repeat">
+      <a:schemeClr val="accent2"/>
+    </dgm:fillClrLst>
+    <dgm:linClrLst meth="repeat">
+      <a:schemeClr val="lt1"/>
+    </dgm:linClrLst>
+    <dgm:effectClrLst/>
+    <dgm:txLinClrLst/>
+    <dgm:txFillClrLst/>
+    <dgm:txEffectClrLst/>
+  </dgm:styleLbl>
+  <dgm:styleLbl name="asst2">
+    <dgm:fillClrLst>
+      <a:schemeClr val="accent3"/>
+    </dgm:fillClrLst>
+    <dgm:linClrLst meth="repeat">
+      <a:schemeClr val="lt1"/>
+    </dgm:linClrLst>
+    <dgm:effectClrLst/>
+    <dgm:txLinClrLst/>
+    <dgm:txFillClrLst/>
+    <dgm:txEffectClrLst/>
+  </dgm:styleLbl>
+  <dgm:styleLbl name="asst3">
+    <dgm:fillClrLst>
+      <a:schemeClr val="accent4"/>
+    </dgm:fillClrLst>
+    <dgm:linClrLst meth="repeat">
+      <a:schemeClr val="lt1"/>
+    </dgm:linClrLst>
+    <dgm:effectClrLst/>
+    <dgm:txLinClrLst/>
+    <dgm:txFillClrLst/>
+    <dgm:txEffectClrLst/>
+  </dgm:styleLbl>
+  <dgm:styleLbl name="asst4">
+    <dgm:fillClrLst>
+      <a:schemeClr val="accent5"/>
+    </dgm:fillClrLst>
+    <dgm:linClrLst meth="repeat">
+      <a:schemeClr val="lt1"/>
+    </dgm:linClrLst>
+    <dgm:effectClrLst/>
+    <dgm:txLinClrLst/>
+    <dgm:txFillClrLst/>
+    <dgm:txEffectClrLst/>
+  </dgm:styleLbl>
+  <dgm:styleLbl name="parChTrans2D1">
+    <dgm:fillClrLst meth="repeat">
+      <a:schemeClr val="accent2"/>
+    </dgm:fillClrLst>
+    <dgm:linClrLst meth="repeat">
+      <a:schemeClr val="lt1"/>
+    </dgm:linClrLst>
+    <dgm:effectClrLst/>
+    <dgm:txLinClrLst/>
+    <dgm:txFillClrLst meth="repeat">
+      <a:schemeClr val="lt1"/>
+    </dgm:txFillClrLst>
+    <dgm:txEffectClrLst/>
+  </dgm:styleLbl>
+  <dgm:styleLbl name="parChTrans2D2">
+    <dgm:fillClrLst meth="repeat">
+      <a:schemeClr val="accent3"/>
+    </dgm:fillClrLst>
+    <dgm:linClrLst meth="repeat">
+      <a:schemeClr val="lt1"/>
+    </dgm:linClrLst>
+    <dgm:effectClrLst/>
+    <dgm:txLinClrLst/>
+    <dgm:txFillClrLst/>
+    <dgm:txEffectClrLst/>
+  </dgm:styleLbl>
+  <dgm:styleLbl name="parChTrans2D3">
+    <dgm:fillClrLst meth="repeat">
+      <a:schemeClr val="accent4"/>
+    </dgm:fillClrLst>
+    <dgm:linClrLst meth="repeat">
+      <a:schemeClr val="lt1"/>
+    </dgm:linClrLst>
+    <dgm:effectClrLst/>
+    <dgm:txLinClrLst/>
+    <dgm:txFillClrLst/>
+    <dgm:txEffectClrLst/>
+  </dgm:styleLbl>
+  <dgm:styleLbl name="parChTrans2D4">
+    <dgm:fillClrLst meth="repeat">
+      <a:schemeClr val="accent5"/>
+    </dgm:fillClrLst>
+    <dgm:linClrLst meth="repeat">
+      <a:schemeClr val="lt1"/>
+    </dgm:linClrLst>
+    <dgm:effectClrLst/>
+    <dgm:txLinClrLst/>
+    <dgm:txFillClrLst meth="repeat">
+      <a:schemeClr val="lt1"/>
+    </dgm:txFillClrLst>
+    <dgm:txEffectClrLst/>
+  </dgm:styleLbl>
+  <dgm:styleLbl name="parChTrans1D1">
+    <dgm:fillClrLst meth="repeat">
+      <a:schemeClr val="accent2"/>
+    </dgm:fillClrLst>
+    <dgm:linClrLst meth="repeat">
+      <a:schemeClr val="accent1"/>
+    </dgm:linClrLst>
+    <dgm:effectClrLst/>
+    <dgm:txLinClrLst/>
+    <dgm:txFillClrLst meth="repeat">
+      <a:schemeClr val="tx1"/>
+    </dgm:txFillClrLst>
+    <dgm:txEffectClrLst/>
+  </dgm:styleLbl>
+  <dgm:styleLbl name="parChTrans1D2">
+    <dgm:fillClrLst meth="repeat">
+      <a:schemeClr val="accent3">
+        <a:tint val="90000"/>
+      </a:schemeClr>
+    </dgm:fillClrLst>
+    <dgm:linClrLst meth="repeat">
+      <a:schemeClr val="accent2"/>
+    </dgm:linClrLst>
+    <dgm:effectClrLst/>
+    <dgm:txLinClrLst/>
+    <dgm:txFillClrLst meth="repeat">
+      <a:schemeClr val="tx1"/>
+    </dgm:txFillClrLst>
+    <dgm:txEffectClrLst/>
+  </dgm:styleLbl>
+  <dgm:styleLbl name="parChTrans1D3">
+    <dgm:fillClrLst meth="repeat">
+      <a:schemeClr val="accent4">
+        <a:tint val="70000"/>
+      </a:schemeClr>
+    </dgm:fillClrLst>
+    <dgm:linClrLst meth="repeat">
+      <a:schemeClr val="accent3"/>
+    </dgm:linClrLst>
+    <dgm:effectClrLst/>
+    <dgm:txLinClrLst/>
+    <dgm:txFillClrLst meth="repeat">
+      <a:schemeClr val="tx1"/>
+    </dgm:txFillClrLst>
+    <dgm:txEffectClrLst/>
+  </dgm:styleLbl>
+  <dgm:styleLbl name="parChTrans1D4">
+    <dgm:fillClrLst meth="repeat">
+      <a:schemeClr val="accent5">
+        <a:tint val="50000"/>
+      </a:schemeClr>
+    </dgm:fillClrLst>
+    <dgm:linClrLst meth="repeat">
+      <a:schemeClr val="accent4"/>
+    </dgm:linClrLst>
+    <dgm:effectClrLst/>
+    <dgm:txLinClrLst/>
+    <dgm:txFillClrLst meth="repeat">
+      <a:schemeClr val="tx1"/>
+    </dgm:txFillClrLst>
+    <dgm:txEffectClrLst/>
+  </dgm:styleLbl>
+  <dgm:styleLbl name="fgAcc1">
+    <dgm:fillClrLst meth="repeat">
+      <a:schemeClr val="lt1">
+        <a:alpha val="90000"/>
+      </a:schemeClr>
+    </dgm:fillClrLst>
+    <dgm:linClrLst meth="repeat">
+      <a:schemeClr val="accent2"/>
+      <a:schemeClr val="accent3"/>
+      <a:schemeClr val="accent4"/>
+      <a:schemeClr val="accent5"/>
+      <a:schemeClr val="accent6"/>
+    </dgm:linClrLst>
+    <dgm:effectClrLst/>
+    <dgm:txLinClrLst/>
+    <dgm:txFillClrLst meth="repeat">
+      <a:schemeClr val="dk1"/>
+    </dgm:txFillClrLst>
+    <dgm:txEffectClrLst/>
+  </dgm:styleLbl>
+  <dgm:styleLbl name="conFgAcc1">
+    <dgm:fillClrLst meth="repeat">
+      <a:schemeClr val="lt1">
+        <a:alpha val="90000"/>
+      </a:schemeClr>
+    </dgm:fillClrLst>
+    <dgm:linClrLst meth="repeat">
+      <a:schemeClr val="accent2"/>
+      <a:schemeClr val="accent3"/>
+      <a:schemeClr val="accent4"/>
+      <a:schemeClr val="accent5"/>
+      <a:schemeClr val="accent6"/>
+    </dgm:linClrLst>
+    <dgm:effectClrLst/>
+    <dgm:txLinClrLst/>
+    <dgm:txFillClrLst meth="repeat">
+      <a:schemeClr val="dk1"/>
+    </dgm:txFillClrLst>
+    <dgm:txEffectClrLst/>
+  </dgm:styleLbl>
+  <dgm:styleLbl name="alignAcc1">
+    <dgm:fillClrLst meth="repeat">
+      <a:schemeClr val="lt1">
+        <a:alpha val="90000"/>
+      </a:schemeClr>
+    </dgm:fillClrLst>
+    <dgm:linClrLst meth="repeat">
+      <a:schemeClr val="accent2"/>
+      <a:schemeClr val="accent3"/>
+      <a:schemeClr val="accent4"/>
+      <a:schemeClr val="accent5"/>
+      <a:schemeClr val="accent6"/>
+    </dgm:linClrLst>
+    <dgm:effectClrLst/>
+    <dgm:txLinClrLst/>
+    <dgm:txFillClrLst meth="repeat">
+      <a:schemeClr val="dk1"/>
+    </dgm:txFillClrLst>
+    <dgm:txEffectClrLst/>
+  </dgm:styleLbl>
+  <dgm:styleLbl name="trAlignAcc1">
+    <dgm:fillClrLst meth="repeat">
+      <a:schemeClr val="lt1">
+        <a:alpha val="40000"/>
+      </a:schemeClr>
+    </dgm:fillClrLst>
+    <dgm:linClrLst meth="repeat">
+      <a:schemeClr val="accent1"/>
+    </dgm:linClrLst>
+    <dgm:effectClrLst/>
+    <dgm:txLinClrLst/>
+    <dgm:txFillClrLst meth="repeat">
+      <a:schemeClr val="dk1"/>
+    </dgm:txFillClrLst>
+    <dgm:txEffectClrLst/>
+  </dgm:styleLbl>
+  <dgm:styleLbl name="bgAcc1">
+    <dgm:fillClrLst meth="repeat">
+      <a:schemeClr val="lt1">
+        <a:alpha val="90000"/>
+      </a:schemeClr>
+    </dgm:fillClrLst>
+    <dgm:linClrLst meth="repeat">
+      <a:schemeClr val="accent2"/>
+      <a:schemeClr val="accent3"/>
+      <a:schemeClr val="accent4"/>
+      <a:schemeClr val="accent5"/>
+      <a:schemeClr val="accent6"/>
+    </dgm:linClrLst>
+    <dgm:effectClrLst/>
+    <dgm:txLinClrLst/>
+    <dgm:txFillClrLst meth="repeat">
+      <a:schemeClr val="dk1"/>
+    </dgm:txFillClrLst>
+    <dgm:txEffectClrLst/>
+  </dgm:styleLbl>
+  <dgm:styleLbl name="solidFgAcc1">
+    <dgm:fillClrLst meth="repeat">
+      <a:schemeClr val="lt1"/>
+    </dgm:fillClrLst>
+    <dgm:linClrLst meth="repeat">
+      <a:schemeClr val="accent2"/>
+      <a:schemeClr val="accent3"/>
+      <a:schemeClr val="accent4"/>
+      <a:schemeClr val="accent5"/>
+      <a:schemeClr val="accent6"/>
+    </dgm:linClrLst>
+    <dgm:effectClrLst/>
+    <dgm:txLinClrLst/>
+    <dgm:txFillClrLst meth="repeat">
+      <a:schemeClr val="dk1"/>
+    </dgm:txFillClrLst>
+    <dgm:txEffectClrLst/>
+  </dgm:styleLbl>
+  <dgm:styleLbl name="solidAlignAcc1">
+    <dgm:fillClrLst meth="repeat">
+      <a:schemeClr val="lt1"/>
+    </dgm:fillClrLst>
+    <dgm:linClrLst meth="repeat">
+      <a:schemeClr val="accent2"/>
+      <a:schemeClr val="accent3"/>
+      <a:schemeClr val="accent4"/>
+      <a:schemeClr val="accent5"/>
+      <a:schemeClr val="accent6"/>
+    </dgm:linClrLst>
+    <dgm:effectClrLst/>
+    <dgm:txLinClrLst/>
+    <dgm:txFillClrLst meth="repeat">
+      <a:schemeClr val="dk1"/>
+    </dgm:txFillClrLst>
+    <dgm:txEffectClrLst/>
+  </dgm:styleLbl>
+  <dgm:styleLbl name="solidBgAcc1">
+    <dgm:fillClrLst meth="repeat">
+      <a:schemeClr val="lt1"/>
+    </dgm:fillClrLst>
+    <dgm:linClrLst meth="repeat">
+      <a:schemeClr val="accent2"/>
+      <a:schemeClr val="accent3"/>
+      <a:schemeClr val="accent4"/>
+      <a:schemeClr val="accent5"/>
+      <a:schemeClr val="accent6"/>
+    </dgm:linClrLst>
+    <dgm:effectClrLst/>
+    <dgm:txLinClrLst/>
+    <dgm:txFillClrLst meth="repeat">
+      <a:schemeClr val="dk1"/>
+    </dgm:txFillClrLst>
+    <dgm:txEffectClrLst/>
+  </dgm:styleLbl>
+  <dgm:styleLbl name="fgAccFollowNode1">
+    <dgm:fillClrLst meth="repeat">
+      <a:schemeClr val="accent2">
+        <a:tint val="40000"/>
+        <a:alpha val="90000"/>
+      </a:schemeClr>
+      <a:schemeClr val="accent3">
+        <a:tint val="40000"/>
+        <a:alpha val="90000"/>
+      </a:schemeClr>
+      <a:schemeClr val="accent4">
+        <a:tint val="40000"/>
+        <a:alpha val="90000"/>
+      </a:schemeClr>
+      <a:schemeClr val="accent5">
+        <a:tint val="40000"/>
+        <a:alpha val="90000"/>
+      </a:schemeClr>
+      <a:schemeClr val="accent6">
+        <a:tint val="40000"/>
+        <a:alpha val="90000"/>
+      </a:schemeClr>
+    </dgm:fillClrLst>
+    <dgm:linClrLst meth="repeat">
+      <a:schemeClr val="accent2">
+        <a:tint val="40000"/>
+        <a:alpha val="90000"/>
+      </a:schemeClr>
+      <a:schemeClr val="accent3">
+        <a:tint val="40000"/>
+        <a:alpha val="90000"/>
+      </a:schemeClr>
+      <a:schemeClr val="accent4">
+        <a:tint val="40000"/>
+        <a:alpha val="90000"/>
+      </a:schemeClr>
+      <a:schemeClr val="accent5">
+        <a:tint val="40000"/>
+        <a:alpha val="90000"/>
+      </a:schemeClr>
+      <a:schemeClr val="accent6">
+        <a:tint val="40000"/>
+        <a:alpha val="90000"/>
+      </a:schemeClr>
+    </dgm:linClrLst>
+    <dgm:effectClrLst/>
+    <dgm:txLinClrLst/>
+    <dgm:txFillClrLst meth="repeat">
+      <a:schemeClr val="dk1"/>
+    </dgm:txFillClrLst>
+    <dgm:txEffectClrLst/>
+  </dgm:styleLbl>
+  <dgm:styleLbl name="alignAccFollowNode1">
+    <dgm:fillClrLst meth="repeat">
+      <a:schemeClr val="accent2">
+        <a:tint val="40000"/>
+        <a:alpha val="90000"/>
+      </a:schemeClr>
+      <a:schemeClr val="accent3">
+        <a:tint val="40000"/>
+        <a:alpha val="90000"/>
+      </a:schemeClr>
+      <a:schemeClr val="accent4">
+        <a:tint val="40000"/>
+        <a:alpha val="90000"/>
+      </a:schemeClr>
+      <a:schemeClr val="accent5">
+        <a:tint val="40000"/>
+        <a:alpha val="90000"/>
+      </a:schemeClr>
+      <a:schemeClr val="accent6">
+        <a:tint val="40000"/>
+        <a:alpha val="90000"/>
+      </a:schemeClr>
+    </dgm:fillClrLst>
+    <dgm:linClrLst meth="repeat">
+      <a:schemeClr val="accent2">
+        <a:tint val="40000"/>
+        <a:alpha val="90000"/>
+      </a:schemeClr>
+      <a:schemeClr val="accent3">
+        <a:tint val="40000"/>
+        <a:alpha val="90000"/>
+      </a:schemeClr>
+      <a:schemeClr val="accent4">
+        <a:tint val="40000"/>
+        <a:alpha val="90000"/>
+      </a:schemeClr>
+      <a:schemeClr val="accent5">
+        <a:tint val="40000"/>
+        <a:alpha val="90000"/>
+      </a:schemeClr>
+      <a:schemeClr val="accent6">
+        <a:tint val="40000"/>
+        <a:alpha val="90000"/>
+      </a:schemeClr>
+    </dgm:linClrLst>
+    <dgm:effectClrLst/>
+    <dgm:txLinClrLst/>
+    <dgm:txFillClrLst meth="repeat">
+      <a:schemeClr val="dk1"/>
+    </dgm:txFillClrLst>
+    <dgm:txEffectClrLst/>
+  </dgm:styleLbl>
+  <dgm:styleLbl name="bgAccFollowNode1">
+    <dgm:fillClrLst meth="repeat">
+      <a:schemeClr val="accent2">
+        <a:tint val="40000"/>
+        <a:alpha val="90000"/>
+      </a:schemeClr>
+      <a:schemeClr val="accent3">
+        <a:tint val="40000"/>
+        <a:alpha val="90000"/>
+      </a:schemeClr>
+      <a:schemeClr val="accent4">
+        <a:tint val="40000"/>
+        <a:alpha val="90000"/>
+      </a:schemeClr>
+      <a:schemeClr val="accent5">
+        <a:tint val="40000"/>
+        <a:alpha val="90000"/>
+      </a:schemeClr>
+      <a:schemeClr val="accent6">
+        <a:tint val="40000"/>
+        <a:alpha val="90000"/>
+      </a:schemeClr>
+    </dgm:fillClrLst>
+    <dgm:linClrLst meth="repeat">
+      <a:schemeClr val="accent2">
+        <a:tint val="40000"/>
+        <a:alpha val="90000"/>
+      </a:schemeClr>
+      <a:schemeClr val="accent3">
+        <a:tint val="40000"/>
+        <a:alpha val="90000"/>
+      </a:schemeClr>
+      <a:schemeClr val="accent4">
+        <a:tint val="40000"/>
+        <a:alpha val="90000"/>
+      </a:schemeClr>
+      <a:schemeClr val="accent5">
+        <a:tint val="40000"/>
+        <a:alpha val="90000"/>
+      </a:schemeClr>
+      <a:schemeClr val="accent6">
+        <a:tint val="40000"/>
+        <a:alpha val="90000"/>
+      </a:schemeClr>
+    </dgm:linClrLst>
+    <dgm:effectClrLst/>
+    <dgm:txLinClrLst/>
+    <dgm:txFillClrLst meth="repeat">
+      <a:schemeClr val="dk1"/>
+    </dgm:txFillClrLst>
+    <dgm:txEffectClrLst/>
+  </dgm:styleLbl>
+  <dgm:styleLbl name="fgAcc0">
+    <dgm:fillClrLst meth="repeat">
+      <a:schemeClr val="lt1">
+        <a:alpha val="90000"/>
+      </a:schemeClr>
+    </dgm:fillClrLst>
+    <dgm:linClrLst>
+      <a:schemeClr val="accent1"/>
+    </dgm:linClrLst>
+    <dgm:effectClrLst/>
+    <dgm:txLinClrLst/>
+    <dgm:txFillClrLst meth="repeat">
+      <a:schemeClr val="dk1"/>
+    </dgm:txFillClrLst>
+    <dgm:txEffectClrLst/>
+  </dgm:styleLbl>
+  <dgm:styleLbl name="fgAcc2">
+    <dgm:fillClrLst meth="repeat">
+      <a:schemeClr val="lt1">
+        <a:alpha val="90000"/>
+      </a:schemeClr>
+    </dgm:fillClrLst>
+    <dgm:linClrLst>
+      <a:schemeClr val="accent2"/>
+    </dgm:linClrLst>
+    <dgm:effectClrLst/>
+    <dgm:txLinClrLst/>
+    <dgm:txFillClrLst meth="repeat">
+      <a:schemeClr val="dk1"/>
+    </dgm:txFillClrLst>
+    <dgm:txEffectClrLst/>
+  </dgm:styleLbl>
+  <dgm:styleLbl name="fgAcc3">
+    <dgm:fillClrLst meth="repeat">
+      <a:schemeClr val="lt1">
+        <a:alpha val="90000"/>
+      </a:schemeClr>
+    </dgm:fillClrLst>
+    <dgm:linClrLst>
+      <a:schemeClr val="accent3"/>
+    </dgm:linClrLst>
+    <dgm:effectClrLst/>
+    <dgm:txLinClrLst/>
+    <dgm:txFillClrLst meth="repeat">
+      <a:schemeClr val="dk1"/>
+    </dgm:txFillClrLst>
+    <dgm:txEffectClrLst/>
+  </dgm:styleLbl>
+  <dgm:styleLbl name="fgAcc4">
+    <dgm:fillClrLst meth="repeat">
+      <a:schemeClr val="lt1">
+        <a:alpha val="90000"/>
+      </a:schemeClr>
+    </dgm:fillClrLst>
+    <dgm:linClrLst>
+      <a:schemeClr val="accent4"/>
+    </dgm:linClrLst>
+    <dgm:effectClrLst/>
+    <dgm:txLinClrLst/>
+    <dgm:txFillClrLst meth="repeat">
+      <a:schemeClr val="dk1"/>
+    </dgm:txFillClrLst>
+    <dgm:txEffectClrLst/>
+  </dgm:styleLbl>
+  <dgm:styleLbl name="bgShp">
+    <dgm:fillClrLst meth="repeat">
+      <a:schemeClr val="accent2">
+        <a:tint val="40000"/>
+      </a:schemeClr>
+    </dgm:fillClrLst>
+    <dgm:linClrLst meth="repeat">
+      <a:schemeClr val="dk1"/>
+    </dgm:linClrLst>
+    <dgm:effectClrLst/>
+    <dgm:txLinClrLst/>
+    <dgm:txFillClrLst meth="repeat">
+      <a:schemeClr val="dk1"/>
+    </dgm:txFillClrLst>
+    <dgm:txEffectClrLst/>
+  </dgm:styleLbl>
+  <dgm:styleLbl name="dkBgShp">
+    <dgm:fillClrLst meth="repeat">
+      <a:schemeClr val="accent2">
+        <a:shade val="90000"/>
+      </a:schemeClr>
+    </dgm:fillClrLst>
+    <dgm:linClrLst meth="repeat">
+      <a:schemeClr val="dk1"/>
+    </dgm:linClrLst>
+    <dgm:effectClrLst/>
+    <dgm:txLinClrLst/>
+    <dgm:txFillClrLst meth="repeat">
+      <a:schemeClr val="lt1"/>
+    </dgm:txFillClrLst>
+    <dgm:txEffectClrLst/>
+  </dgm:styleLbl>
+  <dgm:styleLbl name="trBgShp">
+    <dgm:fillClrLst meth="repeat">
+      <a:schemeClr val="accent1">
+        <a:tint val="50000"/>
+        <a:alpha val="40000"/>
+      </a:schemeClr>
+    </dgm:fillClrLst>
+    <dgm:linClrLst meth="repeat">
+      <a:schemeClr val="accent2"/>
+    </dgm:linClrLst>
+    <dgm:effectClrLst/>
+    <dgm:txLinClrLst/>
+    <dgm:txFillClrLst meth="repeat">
+      <a:schemeClr val="lt1"/>
+    </dgm:txFillClrLst>
+    <dgm:txEffectClrLst/>
+  </dgm:styleLbl>
+  <dgm:styleLbl name="fgShp">
+    <dgm:fillClrLst meth="repeat">
+      <a:schemeClr val="accent2">
+        <a:tint val="40000"/>
+      </a:schemeClr>
+    </dgm:fillClrLst>
+    <dgm:linClrLst meth="repeat">
+      <a:schemeClr val="lt1"/>
+    </dgm:linClrLst>
+    <dgm:effectClrLst/>
+    <dgm:txLinClrLst/>
+    <dgm:txFillClrLst meth="repeat">
+      <a:schemeClr val="dk1"/>
+    </dgm:txFillClrLst>
+    <dgm:txEffectClrLst/>
+  </dgm:styleLbl>
+  <dgm:styleLbl name="revTx">
+    <dgm:fillClrLst meth="repeat">
+      <a:schemeClr val="lt1">
+        <a:alpha val="0"/>
+      </a:schemeClr>
+    </dgm:fillClrLst>
+    <dgm:linClrLst meth="repeat">
+      <a:schemeClr val="dk1">
+        <a:alpha val="0"/>
+      </a:schemeClr>
+    </dgm:linClrLst>
+    <dgm:effectClrLst/>
+    <dgm:txLinClrLst/>
+    <dgm:txFillClrLst meth="repeat">
+      <a:schemeClr val="tx1"/>
+    </dgm:txFillClrLst>
+    <dgm:txEffectClrLst/>
+  </dgm:styleLbl>
+</dgm:colorsDef>
+</file>
+
+<file path=ppt/diagrams/data1.xml><?xml version="1.0" encoding="utf-8"?>
+<dgm:dataModel xmlns:dgm="http://schemas.openxmlformats.org/drawingml/2006/diagram" xmlns:a="http://schemas.openxmlformats.org/drawingml/2006/main">
+  <dgm:ptLst>
+    <dgm:pt modelId="{3DC173CE-F5DB-41A0-9040-3616F1711866}" type="doc">
+      <dgm:prSet loTypeId="urn:microsoft.com/office/officeart/2005/8/layout/cycle1" loCatId="cycle" qsTypeId="urn:microsoft.com/office/officeart/2005/8/quickstyle/simple1" qsCatId="simple" csTypeId="urn:microsoft.com/office/officeart/2005/8/colors/colorful1" csCatId="colorful" phldr="1"/>
+      <dgm:spPr/>
+      <dgm:t>
+        <a:bodyPr/>
+        <a:lstStyle/>
+        <a:p>
+          <a:pPr latinLnBrk="1"/>
+          <a:endParaRPr lang="ko-KR" altLang="en-US"/>
+        </a:p>
+      </dgm:t>
+    </dgm:pt>
+    <dgm:pt modelId="{EBFF56A4-0446-4050-B2BA-A0CD405321EA}">
+      <dgm:prSet phldrT="[텍스트]"/>
+      <dgm:spPr/>
+      <dgm:t>
+        <a:bodyPr/>
+        <a:lstStyle/>
+        <a:p>
+          <a:pPr latinLnBrk="1"/>
+          <a:r>
+            <a:rPr lang="en-US" altLang="ko-KR" dirty="0">
+              <a:latin typeface="나눔고딕 ExtraBold" panose="020D0904000000000000" pitchFamily="50" charset="-127"/>
+              <a:ea typeface="나눔고딕 ExtraBold" panose="020D0904000000000000" pitchFamily="50" charset="-127"/>
+            </a:rPr>
+            <a:t>Observe</a:t>
+          </a:r>
+          <a:endParaRPr lang="ko-KR" altLang="en-US" dirty="0">
+            <a:latin typeface="나눔고딕 ExtraBold" panose="020D0904000000000000" pitchFamily="50" charset="-127"/>
+            <a:ea typeface="나눔고딕 ExtraBold" panose="020D0904000000000000" pitchFamily="50" charset="-127"/>
+          </a:endParaRPr>
+        </a:p>
+      </dgm:t>
+    </dgm:pt>
+    <dgm:pt modelId="{FB124B9C-2C02-4FCE-838E-AF028E55FF64}" type="parTrans" cxnId="{0316C0D6-01ED-434A-850F-A356C47C5CB6}">
+      <dgm:prSet/>
+      <dgm:spPr/>
+      <dgm:t>
+        <a:bodyPr/>
+        <a:lstStyle/>
+        <a:p>
+          <a:pPr latinLnBrk="1"/>
+          <a:endParaRPr lang="ko-KR" altLang="en-US"/>
+        </a:p>
+      </dgm:t>
+    </dgm:pt>
+    <dgm:pt modelId="{865DCE4D-67BB-47F6-B93E-94CB16ABEA2C}" type="sibTrans" cxnId="{0316C0D6-01ED-434A-850F-A356C47C5CB6}">
+      <dgm:prSet/>
+      <dgm:spPr/>
+      <dgm:t>
+        <a:bodyPr/>
+        <a:lstStyle/>
+        <a:p>
+          <a:pPr latinLnBrk="1"/>
+          <a:endParaRPr lang="ko-KR" altLang="en-US">
+            <a:latin typeface="나눔고딕 ExtraBold" panose="020D0904000000000000" pitchFamily="50" charset="-127"/>
+            <a:ea typeface="나눔고딕 ExtraBold" panose="020D0904000000000000" pitchFamily="50" charset="-127"/>
+          </a:endParaRPr>
+        </a:p>
+      </dgm:t>
+    </dgm:pt>
+    <dgm:pt modelId="{2490077C-E7EB-4881-8399-62E7680372C1}">
+      <dgm:prSet phldrT="[텍스트]"/>
+      <dgm:spPr/>
+      <dgm:t>
+        <a:bodyPr/>
+        <a:lstStyle/>
+        <a:p>
+          <a:pPr latinLnBrk="1"/>
+          <a:r>
+            <a:rPr lang="en-US" altLang="ko-KR" dirty="0">
+              <a:latin typeface="나눔고딕 ExtraBold" panose="020D0904000000000000" pitchFamily="50" charset="-127"/>
+              <a:ea typeface="나눔고딕 ExtraBold" panose="020D0904000000000000" pitchFamily="50" charset="-127"/>
+            </a:rPr>
+            <a:t>Check Difference</a:t>
+          </a:r>
+          <a:endParaRPr lang="ko-KR" altLang="en-US" dirty="0">
+            <a:latin typeface="나눔고딕 ExtraBold" panose="020D0904000000000000" pitchFamily="50" charset="-127"/>
+            <a:ea typeface="나눔고딕 ExtraBold" panose="020D0904000000000000" pitchFamily="50" charset="-127"/>
+          </a:endParaRPr>
+        </a:p>
+      </dgm:t>
+    </dgm:pt>
+    <dgm:pt modelId="{2E980395-A215-41C5-9466-164580D3597B}" type="parTrans" cxnId="{9C3EFAE0-322F-448E-9225-E2EF89DF35AC}">
+      <dgm:prSet/>
+      <dgm:spPr/>
+      <dgm:t>
+        <a:bodyPr/>
+        <a:lstStyle/>
+        <a:p>
+          <a:pPr latinLnBrk="1"/>
+          <a:endParaRPr lang="ko-KR" altLang="en-US"/>
+        </a:p>
+      </dgm:t>
+    </dgm:pt>
+    <dgm:pt modelId="{4D72EEAF-0197-401F-B164-8EA890D4713A}" type="sibTrans" cxnId="{9C3EFAE0-322F-448E-9225-E2EF89DF35AC}">
+      <dgm:prSet/>
+      <dgm:spPr/>
+      <dgm:t>
+        <a:bodyPr/>
+        <a:lstStyle/>
+        <a:p>
+          <a:pPr latinLnBrk="1"/>
+          <a:endParaRPr lang="ko-KR" altLang="en-US"/>
+        </a:p>
+      </dgm:t>
+    </dgm:pt>
+    <dgm:pt modelId="{4CDD2655-9E39-40BB-B32A-57E81B577949}">
+      <dgm:prSet phldrT="[텍스트]"/>
+      <dgm:spPr/>
+      <dgm:t>
+        <a:bodyPr/>
+        <a:lstStyle/>
+        <a:p>
+          <a:pPr latinLnBrk="1"/>
+          <a:r>
+            <a:rPr lang="en-US" altLang="ko-KR" dirty="0">
+              <a:latin typeface="나눔고딕 ExtraBold" panose="020D0904000000000000" pitchFamily="50" charset="-127"/>
+              <a:ea typeface="나눔고딕 ExtraBold" panose="020D0904000000000000" pitchFamily="50" charset="-127"/>
+            </a:rPr>
+            <a:t>Take Action</a:t>
+          </a:r>
+          <a:endParaRPr lang="ko-KR" altLang="en-US" dirty="0">
+            <a:latin typeface="나눔고딕 ExtraBold" panose="020D0904000000000000" pitchFamily="50" charset="-127"/>
+            <a:ea typeface="나눔고딕 ExtraBold" panose="020D0904000000000000" pitchFamily="50" charset="-127"/>
+          </a:endParaRPr>
+        </a:p>
+      </dgm:t>
+    </dgm:pt>
+    <dgm:pt modelId="{6A1889D3-4EE7-48D3-8ED6-7613A0274EC7}" type="parTrans" cxnId="{34FF8264-5F20-409D-BA54-72F55B66925B}">
+      <dgm:prSet/>
+      <dgm:spPr/>
+      <dgm:t>
+        <a:bodyPr/>
+        <a:lstStyle/>
+        <a:p>
+          <a:pPr latinLnBrk="1"/>
+          <a:endParaRPr lang="ko-KR" altLang="en-US"/>
+        </a:p>
+      </dgm:t>
+    </dgm:pt>
+    <dgm:pt modelId="{D988CA40-EAC0-4EBE-9A5C-92D14AAB4F59}" type="sibTrans" cxnId="{34FF8264-5F20-409D-BA54-72F55B66925B}">
+      <dgm:prSet/>
+      <dgm:spPr/>
+      <dgm:t>
+        <a:bodyPr/>
+        <a:lstStyle/>
+        <a:p>
+          <a:pPr latinLnBrk="1"/>
+          <a:endParaRPr lang="ko-KR" altLang="en-US"/>
+        </a:p>
+      </dgm:t>
+    </dgm:pt>
+    <dgm:pt modelId="{78D5B48B-E845-46D7-9F45-07418A6BFEEE}" type="pres">
+      <dgm:prSet presAssocID="{3DC173CE-F5DB-41A0-9040-3616F1711866}" presName="cycle" presStyleCnt="0">
+        <dgm:presLayoutVars>
+          <dgm:dir/>
+          <dgm:resizeHandles val="exact"/>
+        </dgm:presLayoutVars>
+      </dgm:prSet>
+      <dgm:spPr/>
+    </dgm:pt>
+    <dgm:pt modelId="{B0E16910-918E-4651-8243-E1A6149DABE6}" type="pres">
+      <dgm:prSet presAssocID="{EBFF56A4-0446-4050-B2BA-A0CD405321EA}" presName="dummy" presStyleCnt="0"/>
+      <dgm:spPr/>
+    </dgm:pt>
+    <dgm:pt modelId="{7AFE6896-68F6-46A4-AC94-7417AC0B6873}" type="pres">
+      <dgm:prSet presAssocID="{EBFF56A4-0446-4050-B2BA-A0CD405321EA}" presName="node" presStyleLbl="revTx" presStyleIdx="0" presStyleCnt="3">
+        <dgm:presLayoutVars>
+          <dgm:bulletEnabled val="1"/>
+        </dgm:presLayoutVars>
+      </dgm:prSet>
+      <dgm:spPr/>
+    </dgm:pt>
+    <dgm:pt modelId="{15997767-53D1-495A-A535-C0DE3F7E1C62}" type="pres">
+      <dgm:prSet presAssocID="{865DCE4D-67BB-47F6-B93E-94CB16ABEA2C}" presName="sibTrans" presStyleLbl="node1" presStyleIdx="0" presStyleCnt="3"/>
+      <dgm:spPr/>
+    </dgm:pt>
+    <dgm:pt modelId="{336976D3-6F74-44B2-A6F8-03A5CE202BD2}" type="pres">
+      <dgm:prSet presAssocID="{2490077C-E7EB-4881-8399-62E7680372C1}" presName="dummy" presStyleCnt="0"/>
+      <dgm:spPr/>
+    </dgm:pt>
+    <dgm:pt modelId="{D91A22AD-FACB-4BCE-961F-224A95A620F9}" type="pres">
+      <dgm:prSet presAssocID="{2490077C-E7EB-4881-8399-62E7680372C1}" presName="node" presStyleLbl="revTx" presStyleIdx="1" presStyleCnt="3">
+        <dgm:presLayoutVars>
+          <dgm:bulletEnabled val="1"/>
+        </dgm:presLayoutVars>
+      </dgm:prSet>
+      <dgm:spPr/>
+    </dgm:pt>
+    <dgm:pt modelId="{9232E646-2538-4CE1-AC6C-C3BFE3106579}" type="pres">
+      <dgm:prSet presAssocID="{4D72EEAF-0197-401F-B164-8EA890D4713A}" presName="sibTrans" presStyleLbl="node1" presStyleIdx="1" presStyleCnt="3"/>
+      <dgm:spPr/>
+    </dgm:pt>
+    <dgm:pt modelId="{6CF9D7F5-94D4-49D5-AC2A-8E9113B9F600}" type="pres">
+      <dgm:prSet presAssocID="{4CDD2655-9E39-40BB-B32A-57E81B577949}" presName="dummy" presStyleCnt="0"/>
+      <dgm:spPr/>
+    </dgm:pt>
+    <dgm:pt modelId="{C5C1455B-5DB4-468C-A036-9D077C702B25}" type="pres">
+      <dgm:prSet presAssocID="{4CDD2655-9E39-40BB-B32A-57E81B577949}" presName="node" presStyleLbl="revTx" presStyleIdx="2" presStyleCnt="3">
+        <dgm:presLayoutVars>
+          <dgm:bulletEnabled val="1"/>
+        </dgm:presLayoutVars>
+      </dgm:prSet>
+      <dgm:spPr/>
+    </dgm:pt>
+    <dgm:pt modelId="{35710C4A-C7D0-490A-A9F7-BE22E93BBEBE}" type="pres">
+      <dgm:prSet presAssocID="{D988CA40-EAC0-4EBE-9A5C-92D14AAB4F59}" presName="sibTrans" presStyleLbl="node1" presStyleIdx="2" presStyleCnt="3"/>
+      <dgm:spPr/>
+    </dgm:pt>
+  </dgm:ptLst>
+  <dgm:cxnLst>
+    <dgm:cxn modelId="{2C203A01-143A-4E69-BC0D-0AC1AD5BEFD3}" type="presOf" srcId="{EBFF56A4-0446-4050-B2BA-A0CD405321EA}" destId="{7AFE6896-68F6-46A4-AC94-7417AC0B6873}" srcOrd="0" destOrd="0" presId="urn:microsoft.com/office/officeart/2005/8/layout/cycle1"/>
+    <dgm:cxn modelId="{4A08283A-E6EC-46DE-89F3-73E79878AF28}" type="presOf" srcId="{2490077C-E7EB-4881-8399-62E7680372C1}" destId="{D91A22AD-FACB-4BCE-961F-224A95A620F9}" srcOrd="0" destOrd="0" presId="urn:microsoft.com/office/officeart/2005/8/layout/cycle1"/>
+    <dgm:cxn modelId="{34FF8264-5F20-409D-BA54-72F55B66925B}" srcId="{3DC173CE-F5DB-41A0-9040-3616F1711866}" destId="{4CDD2655-9E39-40BB-B32A-57E81B577949}" srcOrd="2" destOrd="0" parTransId="{6A1889D3-4EE7-48D3-8ED6-7613A0274EC7}" sibTransId="{D988CA40-EAC0-4EBE-9A5C-92D14AAB4F59}"/>
+    <dgm:cxn modelId="{C56FCC45-03E6-4BE2-AC52-2E1761A37E35}" type="presOf" srcId="{4D72EEAF-0197-401F-B164-8EA890D4713A}" destId="{9232E646-2538-4CE1-AC6C-C3BFE3106579}" srcOrd="0" destOrd="0" presId="urn:microsoft.com/office/officeart/2005/8/layout/cycle1"/>
+    <dgm:cxn modelId="{18BF2C4A-3A89-4D5B-ACAA-F1D5C4059044}" type="presOf" srcId="{3DC173CE-F5DB-41A0-9040-3616F1711866}" destId="{78D5B48B-E845-46D7-9F45-07418A6BFEEE}" srcOrd="0" destOrd="0" presId="urn:microsoft.com/office/officeart/2005/8/layout/cycle1"/>
+    <dgm:cxn modelId="{F4061451-9208-4E6A-AA0E-C64503D51725}" type="presOf" srcId="{4CDD2655-9E39-40BB-B32A-57E81B577949}" destId="{C5C1455B-5DB4-468C-A036-9D077C702B25}" srcOrd="0" destOrd="0" presId="urn:microsoft.com/office/officeart/2005/8/layout/cycle1"/>
+    <dgm:cxn modelId="{C1DF19BB-7A82-4148-AFFA-AE1E85FCA143}" type="presOf" srcId="{865DCE4D-67BB-47F6-B93E-94CB16ABEA2C}" destId="{15997767-53D1-495A-A535-C0DE3F7E1C62}" srcOrd="0" destOrd="0" presId="urn:microsoft.com/office/officeart/2005/8/layout/cycle1"/>
+    <dgm:cxn modelId="{0316C0D6-01ED-434A-850F-A356C47C5CB6}" srcId="{3DC173CE-F5DB-41A0-9040-3616F1711866}" destId="{EBFF56A4-0446-4050-B2BA-A0CD405321EA}" srcOrd="0" destOrd="0" parTransId="{FB124B9C-2C02-4FCE-838E-AF028E55FF64}" sibTransId="{865DCE4D-67BB-47F6-B93E-94CB16ABEA2C}"/>
+    <dgm:cxn modelId="{9C3EFAE0-322F-448E-9225-E2EF89DF35AC}" srcId="{3DC173CE-F5DB-41A0-9040-3616F1711866}" destId="{2490077C-E7EB-4881-8399-62E7680372C1}" srcOrd="1" destOrd="0" parTransId="{2E980395-A215-41C5-9466-164580D3597B}" sibTransId="{4D72EEAF-0197-401F-B164-8EA890D4713A}"/>
+    <dgm:cxn modelId="{0B7B82F8-6C93-4F3B-AA90-C1A1A98EDC91}" type="presOf" srcId="{D988CA40-EAC0-4EBE-9A5C-92D14AAB4F59}" destId="{35710C4A-C7D0-490A-A9F7-BE22E93BBEBE}" srcOrd="0" destOrd="0" presId="urn:microsoft.com/office/officeart/2005/8/layout/cycle1"/>
+    <dgm:cxn modelId="{16F4CD6F-FD30-4AA5-B767-3759739DEA2C}" type="presParOf" srcId="{78D5B48B-E845-46D7-9F45-07418A6BFEEE}" destId="{B0E16910-918E-4651-8243-E1A6149DABE6}" srcOrd="0" destOrd="0" presId="urn:microsoft.com/office/officeart/2005/8/layout/cycle1"/>
+    <dgm:cxn modelId="{6D70D55A-744B-4D99-B742-0FF78D2CA93B}" type="presParOf" srcId="{78D5B48B-E845-46D7-9F45-07418A6BFEEE}" destId="{7AFE6896-68F6-46A4-AC94-7417AC0B6873}" srcOrd="1" destOrd="0" presId="urn:microsoft.com/office/officeart/2005/8/layout/cycle1"/>
+    <dgm:cxn modelId="{C6D291D2-738E-455E-971A-28F48AADB98D}" type="presParOf" srcId="{78D5B48B-E845-46D7-9F45-07418A6BFEEE}" destId="{15997767-53D1-495A-A535-C0DE3F7E1C62}" srcOrd="2" destOrd="0" presId="urn:microsoft.com/office/officeart/2005/8/layout/cycle1"/>
+    <dgm:cxn modelId="{050C7675-0D8C-4CDF-A749-CF43082C3B5C}" type="presParOf" srcId="{78D5B48B-E845-46D7-9F45-07418A6BFEEE}" destId="{336976D3-6F74-44B2-A6F8-03A5CE202BD2}" srcOrd="3" destOrd="0" presId="urn:microsoft.com/office/officeart/2005/8/layout/cycle1"/>
+    <dgm:cxn modelId="{2C17E330-400D-4BEA-9CCA-4179CD57B377}" type="presParOf" srcId="{78D5B48B-E845-46D7-9F45-07418A6BFEEE}" destId="{D91A22AD-FACB-4BCE-961F-224A95A620F9}" srcOrd="4" destOrd="0" presId="urn:microsoft.com/office/officeart/2005/8/layout/cycle1"/>
+    <dgm:cxn modelId="{39060DE2-9BE4-4F74-9344-D92FBA806615}" type="presParOf" srcId="{78D5B48B-E845-46D7-9F45-07418A6BFEEE}" destId="{9232E646-2538-4CE1-AC6C-C3BFE3106579}" srcOrd="5" destOrd="0" presId="urn:microsoft.com/office/officeart/2005/8/layout/cycle1"/>
+    <dgm:cxn modelId="{1D0AA6F7-62DE-407B-9506-3DDFBB192073}" type="presParOf" srcId="{78D5B48B-E845-46D7-9F45-07418A6BFEEE}" destId="{6CF9D7F5-94D4-49D5-AC2A-8E9113B9F600}" srcOrd="6" destOrd="0" presId="urn:microsoft.com/office/officeart/2005/8/layout/cycle1"/>
+    <dgm:cxn modelId="{82E96C3F-0379-4447-98BF-DAB131BD4FF7}" type="presParOf" srcId="{78D5B48B-E845-46D7-9F45-07418A6BFEEE}" destId="{C5C1455B-5DB4-468C-A036-9D077C702B25}" srcOrd="7" destOrd="0" presId="urn:microsoft.com/office/officeart/2005/8/layout/cycle1"/>
+    <dgm:cxn modelId="{22CA9762-3949-4888-9871-CC0343BD149E}" type="presParOf" srcId="{78D5B48B-E845-46D7-9F45-07418A6BFEEE}" destId="{35710C4A-C7D0-490A-A9F7-BE22E93BBEBE}" srcOrd="8" destOrd="0" presId="urn:microsoft.com/office/officeart/2005/8/layout/cycle1"/>
+  </dgm:cxnLst>
+  <dgm:bg/>
+  <dgm:whole/>
+  <dgm:extLst>
+    <a:ext uri="http://schemas.microsoft.com/office/drawing/2008/diagram">
+      <dsp:dataModelExt xmlns:dsp="http://schemas.microsoft.com/office/drawing/2008/diagram" relId="rId6" minVer="http://schemas.openxmlformats.org/drawingml/2006/diagram"/>
+    </a:ext>
+  </dgm:extLst>
+</dgm:dataModel>
+</file>
+
+<file path=ppt/diagrams/drawing1.xml><?xml version="1.0" encoding="utf-8"?>
+<dsp:drawing xmlns:dgm="http://schemas.openxmlformats.org/drawingml/2006/diagram" xmlns:dsp="http://schemas.microsoft.com/office/drawing/2008/diagram" xmlns:a="http://schemas.openxmlformats.org/drawingml/2006/main">
+  <dsp:spTree>
+    <dsp:nvGrpSpPr>
+      <dsp:cNvPr id="0" name=""/>
+      <dsp:cNvGrpSpPr/>
+    </dsp:nvGrpSpPr>
+    <dsp:grpSpPr/>
+    <dsp:sp modelId="{7AFE6896-68F6-46A4-AC94-7417AC0B6873}">
+      <dsp:nvSpPr>
+        <dsp:cNvPr id="0" name=""/>
+        <dsp:cNvSpPr/>
+      </dsp:nvSpPr>
+      <dsp:spPr>
+        <a:xfrm>
+          <a:off x="4759498" y="399442"/>
+          <a:ext cx="2043906" cy="2043906"/>
+        </a:xfrm>
+        <a:prstGeom prst="rect">
+          <a:avLst/>
+        </a:prstGeom>
+        <a:noFill/>
+        <a:ln>
+          <a:noFill/>
+        </a:ln>
+        <a:effectLst/>
+      </dsp:spPr>
+      <dsp:style>
+        <a:lnRef idx="0">
+          <a:scrgbClr r="0" g="0" b="0"/>
+        </a:lnRef>
+        <a:fillRef idx="0">
+          <a:scrgbClr r="0" g="0" b="0"/>
+        </a:fillRef>
+        <a:effectRef idx="0">
+          <a:scrgbClr r="0" g="0" b="0"/>
+        </a:effectRef>
+        <a:fontRef idx="minor"/>
+      </dsp:style>
+      <dsp:txBody>
+        <a:bodyPr spcFirstLastPara="0" vert="horz" wrap="square" lIns="40640" tIns="40640" rIns="40640" bIns="40640" numCol="1" spcCol="1270" anchor="ctr" anchorCtr="0">
+          <a:noAutofit/>
+        </a:bodyPr>
+        <a:lstStyle/>
+        <a:p>
+          <a:pPr marL="0" lvl="0" indent="0" algn="ctr" defTabSz="1422400" latinLnBrk="1">
+            <a:lnSpc>
+              <a:spcPct val="90000"/>
+            </a:lnSpc>
+            <a:spcBef>
+              <a:spcPct val="0"/>
+            </a:spcBef>
+            <a:spcAft>
+              <a:spcPct val="35000"/>
+            </a:spcAft>
+            <a:buNone/>
+          </a:pPr>
+          <a:r>
+            <a:rPr lang="en-US" altLang="ko-KR" sz="3200" kern="1200" dirty="0">
+              <a:latin typeface="나눔고딕 ExtraBold" panose="020D0904000000000000" pitchFamily="50" charset="-127"/>
+              <a:ea typeface="나눔고딕 ExtraBold" panose="020D0904000000000000" pitchFamily="50" charset="-127"/>
+            </a:rPr>
+            <a:t>Observe</a:t>
+          </a:r>
+          <a:endParaRPr lang="ko-KR" altLang="en-US" sz="3200" kern="1200" dirty="0">
+            <a:latin typeface="나눔고딕 ExtraBold" panose="020D0904000000000000" pitchFamily="50" charset="-127"/>
+            <a:ea typeface="나눔고딕 ExtraBold" panose="020D0904000000000000" pitchFamily="50" charset="-127"/>
+          </a:endParaRPr>
+        </a:p>
+      </dsp:txBody>
+      <dsp:txXfrm>
+        <a:off x="4759498" y="399442"/>
+        <a:ext cx="2043906" cy="2043906"/>
+      </dsp:txXfrm>
+    </dsp:sp>
+    <dsp:sp modelId="{15997767-53D1-495A-A535-C0DE3F7E1C62}">
+      <dsp:nvSpPr>
+        <dsp:cNvPr id="0" name=""/>
+        <dsp:cNvSpPr/>
+      </dsp:nvSpPr>
+      <dsp:spPr>
+        <a:xfrm>
+          <a:off x="1649082" y="-1950"/>
+          <a:ext cx="4829834" cy="4829834"/>
+        </a:xfrm>
+        <a:prstGeom prst="circularArrow">
+          <a:avLst>
+            <a:gd name="adj1" fmla="val 8252"/>
+            <a:gd name="adj2" fmla="val 576426"/>
+            <a:gd name="adj3" fmla="val 2962443"/>
+            <a:gd name="adj4" fmla="val 52669"/>
+            <a:gd name="adj5" fmla="val 9627"/>
+          </a:avLst>
+        </a:prstGeom>
+        <a:solidFill>
+          <a:schemeClr val="accent2">
+            <a:hueOff val="0"/>
+            <a:satOff val="0"/>
+            <a:lumOff val="0"/>
+            <a:alphaOff val="0"/>
+          </a:schemeClr>
+        </a:solidFill>
+        <a:ln w="12700" cap="flat" cmpd="sng" algn="ctr">
+          <a:solidFill>
+            <a:schemeClr val="lt1">
+              <a:hueOff val="0"/>
+              <a:satOff val="0"/>
+              <a:lumOff val="0"/>
+              <a:alphaOff val="0"/>
+            </a:schemeClr>
+          </a:solidFill>
+          <a:prstDash val="solid"/>
+          <a:miter lim="800000"/>
+        </a:ln>
+        <a:effectLst/>
+      </dsp:spPr>
+      <dsp:style>
+        <a:lnRef idx="2">
+          <a:scrgbClr r="0" g="0" b="0"/>
+        </a:lnRef>
+        <a:fillRef idx="1">
+          <a:scrgbClr r="0" g="0" b="0"/>
+        </a:fillRef>
+        <a:effectRef idx="0">
+          <a:scrgbClr r="0" g="0" b="0"/>
+        </a:effectRef>
+        <a:fontRef idx="minor">
+          <a:schemeClr val="lt1"/>
+        </a:fontRef>
+      </dsp:style>
+    </dsp:sp>
+    <dsp:sp modelId="{D91A22AD-FACB-4BCE-961F-224A95A620F9}">
+      <dsp:nvSpPr>
+        <dsp:cNvPr id="0" name=""/>
+        <dsp:cNvSpPr/>
+      </dsp:nvSpPr>
+      <dsp:spPr>
+        <a:xfrm>
+          <a:off x="3042046" y="3374155"/>
+          <a:ext cx="2043906" cy="2043906"/>
+        </a:xfrm>
+        <a:prstGeom prst="rect">
+          <a:avLst/>
+        </a:prstGeom>
+        <a:noFill/>
+        <a:ln>
+          <a:noFill/>
+        </a:ln>
+        <a:effectLst/>
+      </dsp:spPr>
+      <dsp:style>
+        <a:lnRef idx="0">
+          <a:scrgbClr r="0" g="0" b="0"/>
+        </a:lnRef>
+        <a:fillRef idx="0">
+          <a:scrgbClr r="0" g="0" b="0"/>
+        </a:fillRef>
+        <a:effectRef idx="0">
+          <a:scrgbClr r="0" g="0" b="0"/>
+        </a:effectRef>
+        <a:fontRef idx="minor"/>
+      </dsp:style>
+      <dsp:txBody>
+        <a:bodyPr spcFirstLastPara="0" vert="horz" wrap="square" lIns="40640" tIns="40640" rIns="40640" bIns="40640" numCol="1" spcCol="1270" anchor="ctr" anchorCtr="0">
+          <a:noAutofit/>
+        </a:bodyPr>
+        <a:lstStyle/>
+        <a:p>
+          <a:pPr marL="0" lvl="0" indent="0" algn="ctr" defTabSz="1422400" latinLnBrk="1">
+            <a:lnSpc>
+              <a:spcPct val="90000"/>
+            </a:lnSpc>
+            <a:spcBef>
+              <a:spcPct val="0"/>
+            </a:spcBef>
+            <a:spcAft>
+              <a:spcPct val="35000"/>
+            </a:spcAft>
+            <a:buNone/>
+          </a:pPr>
+          <a:r>
+            <a:rPr lang="en-US" altLang="ko-KR" sz="3200" kern="1200" dirty="0">
+              <a:latin typeface="나눔고딕 ExtraBold" panose="020D0904000000000000" pitchFamily="50" charset="-127"/>
+              <a:ea typeface="나눔고딕 ExtraBold" panose="020D0904000000000000" pitchFamily="50" charset="-127"/>
+            </a:rPr>
+            <a:t>Check Difference</a:t>
+          </a:r>
+          <a:endParaRPr lang="ko-KR" altLang="en-US" sz="3200" kern="1200" dirty="0">
+            <a:latin typeface="나눔고딕 ExtraBold" panose="020D0904000000000000" pitchFamily="50" charset="-127"/>
+            <a:ea typeface="나눔고딕 ExtraBold" panose="020D0904000000000000" pitchFamily="50" charset="-127"/>
+          </a:endParaRPr>
+        </a:p>
+      </dsp:txBody>
+      <dsp:txXfrm>
+        <a:off x="3042046" y="3374155"/>
+        <a:ext cx="2043906" cy="2043906"/>
+      </dsp:txXfrm>
+    </dsp:sp>
+    <dsp:sp modelId="{9232E646-2538-4CE1-AC6C-C3BFE3106579}">
+      <dsp:nvSpPr>
+        <dsp:cNvPr id="0" name=""/>
+        <dsp:cNvSpPr/>
+      </dsp:nvSpPr>
+      <dsp:spPr>
+        <a:xfrm>
+          <a:off x="1649082" y="-1950"/>
+          <a:ext cx="4829834" cy="4829834"/>
+        </a:xfrm>
+        <a:prstGeom prst="circularArrow">
+          <a:avLst>
+            <a:gd name="adj1" fmla="val 8252"/>
+            <a:gd name="adj2" fmla="val 576426"/>
+            <a:gd name="adj3" fmla="val 10170905"/>
+            <a:gd name="adj4" fmla="val 7261132"/>
+            <a:gd name="adj5" fmla="val 9627"/>
+          </a:avLst>
+        </a:prstGeom>
+        <a:solidFill>
+          <a:schemeClr val="accent3">
+            <a:hueOff val="0"/>
+            <a:satOff val="0"/>
+            <a:lumOff val="0"/>
+            <a:alphaOff val="0"/>
+          </a:schemeClr>
+        </a:solidFill>
+        <a:ln w="12700" cap="flat" cmpd="sng" algn="ctr">
+          <a:solidFill>
+            <a:schemeClr val="lt1">
+              <a:hueOff val="0"/>
+              <a:satOff val="0"/>
+              <a:lumOff val="0"/>
+              <a:alphaOff val="0"/>
+            </a:schemeClr>
+          </a:solidFill>
+          <a:prstDash val="solid"/>
+          <a:miter lim="800000"/>
+        </a:ln>
+        <a:effectLst/>
+      </dsp:spPr>
+      <dsp:style>
+        <a:lnRef idx="2">
+          <a:scrgbClr r="0" g="0" b="0"/>
+        </a:lnRef>
+        <a:fillRef idx="1">
+          <a:scrgbClr r="0" g="0" b="0"/>
+        </a:fillRef>
+        <a:effectRef idx="0">
+          <a:scrgbClr r="0" g="0" b="0"/>
+        </a:effectRef>
+        <a:fontRef idx="minor">
+          <a:schemeClr val="lt1"/>
+        </a:fontRef>
+      </dsp:style>
+    </dsp:sp>
+    <dsp:sp modelId="{C5C1455B-5DB4-468C-A036-9D077C702B25}">
+      <dsp:nvSpPr>
+        <dsp:cNvPr id="0" name=""/>
+        <dsp:cNvSpPr/>
+      </dsp:nvSpPr>
+      <dsp:spPr>
+        <a:xfrm>
+          <a:off x="1324595" y="399442"/>
+          <a:ext cx="2043906" cy="2043906"/>
+        </a:xfrm>
+        <a:prstGeom prst="rect">
+          <a:avLst/>
+        </a:prstGeom>
+        <a:noFill/>
+        <a:ln>
+          <a:noFill/>
+        </a:ln>
+        <a:effectLst/>
+      </dsp:spPr>
+      <dsp:style>
+        <a:lnRef idx="0">
+          <a:scrgbClr r="0" g="0" b="0"/>
+        </a:lnRef>
+        <a:fillRef idx="0">
+          <a:scrgbClr r="0" g="0" b="0"/>
+        </a:fillRef>
+        <a:effectRef idx="0">
+          <a:scrgbClr r="0" g="0" b="0"/>
+        </a:effectRef>
+        <a:fontRef idx="minor"/>
+      </dsp:style>
+      <dsp:txBody>
+        <a:bodyPr spcFirstLastPara="0" vert="horz" wrap="square" lIns="40640" tIns="40640" rIns="40640" bIns="40640" numCol="1" spcCol="1270" anchor="ctr" anchorCtr="0">
+          <a:noAutofit/>
+        </a:bodyPr>
+        <a:lstStyle/>
+        <a:p>
+          <a:pPr marL="0" lvl="0" indent="0" algn="ctr" defTabSz="1422400" latinLnBrk="1">
+            <a:lnSpc>
+              <a:spcPct val="90000"/>
+            </a:lnSpc>
+            <a:spcBef>
+              <a:spcPct val="0"/>
+            </a:spcBef>
+            <a:spcAft>
+              <a:spcPct val="35000"/>
+            </a:spcAft>
+            <a:buNone/>
+          </a:pPr>
+          <a:r>
+            <a:rPr lang="en-US" altLang="ko-KR" sz="3200" kern="1200" dirty="0">
+              <a:latin typeface="나눔고딕 ExtraBold" panose="020D0904000000000000" pitchFamily="50" charset="-127"/>
+              <a:ea typeface="나눔고딕 ExtraBold" panose="020D0904000000000000" pitchFamily="50" charset="-127"/>
+            </a:rPr>
+            <a:t>Take Action</a:t>
+          </a:r>
+          <a:endParaRPr lang="ko-KR" altLang="en-US" sz="3200" kern="1200" dirty="0">
+            <a:latin typeface="나눔고딕 ExtraBold" panose="020D0904000000000000" pitchFamily="50" charset="-127"/>
+            <a:ea typeface="나눔고딕 ExtraBold" panose="020D0904000000000000" pitchFamily="50" charset="-127"/>
+          </a:endParaRPr>
+        </a:p>
+      </dsp:txBody>
+      <dsp:txXfrm>
+        <a:off x="1324595" y="399442"/>
+        <a:ext cx="2043906" cy="2043906"/>
+      </dsp:txXfrm>
+    </dsp:sp>
+    <dsp:sp modelId="{35710C4A-C7D0-490A-A9F7-BE22E93BBEBE}">
+      <dsp:nvSpPr>
+        <dsp:cNvPr id="0" name=""/>
+        <dsp:cNvSpPr/>
+      </dsp:nvSpPr>
+      <dsp:spPr>
+        <a:xfrm>
+          <a:off x="1649082" y="-1950"/>
+          <a:ext cx="4829834" cy="4829834"/>
+        </a:xfrm>
+        <a:prstGeom prst="circularArrow">
+          <a:avLst>
+            <a:gd name="adj1" fmla="val 8252"/>
+            <a:gd name="adj2" fmla="val 576426"/>
+            <a:gd name="adj3" fmla="val 16855402"/>
+            <a:gd name="adj4" fmla="val 14968173"/>
+            <a:gd name="adj5" fmla="val 9627"/>
+          </a:avLst>
+        </a:prstGeom>
+        <a:solidFill>
+          <a:schemeClr val="accent4">
+            <a:hueOff val="0"/>
+            <a:satOff val="0"/>
+            <a:lumOff val="0"/>
+            <a:alphaOff val="0"/>
+          </a:schemeClr>
+        </a:solidFill>
+        <a:ln w="12700" cap="flat" cmpd="sng" algn="ctr">
+          <a:solidFill>
+            <a:schemeClr val="lt1">
+              <a:hueOff val="0"/>
+              <a:satOff val="0"/>
+              <a:lumOff val="0"/>
+              <a:alphaOff val="0"/>
+            </a:schemeClr>
+          </a:solidFill>
+          <a:prstDash val="solid"/>
+          <a:miter lim="800000"/>
+        </a:ln>
+        <a:effectLst/>
+      </dsp:spPr>
+      <dsp:style>
+        <a:lnRef idx="2">
+          <a:scrgbClr r="0" g="0" b="0"/>
+        </a:lnRef>
+        <a:fillRef idx="1">
+          <a:scrgbClr r="0" g="0" b="0"/>
+        </a:fillRef>
+        <a:effectRef idx="0">
+          <a:scrgbClr r="0" g="0" b="0"/>
+        </a:effectRef>
+        <a:fontRef idx="minor">
+          <a:schemeClr val="lt1"/>
+        </a:fontRef>
+      </dsp:style>
+    </dsp:sp>
+  </dsp:spTree>
+</dsp:drawing>
+</file>
+
+<file path=ppt/diagrams/layout1.xml><?xml version="1.0" encoding="utf-8"?>
+<dgm:layoutDef xmlns:dgm="http://schemas.openxmlformats.org/drawingml/2006/diagram" xmlns:a="http://schemas.openxmlformats.org/drawingml/2006/main" uniqueId="urn:microsoft.com/office/officeart/2005/8/layout/cycle1">
+  <dgm:title val=""/>
+  <dgm:desc val=""/>
+  <dgm:catLst>
+    <dgm:cat type="cycle" pri="2000"/>
+  </dgm:catLst>
+  <dgm:sampData>
+    <dgm:dataModel>
+      <dgm:ptLst>
+        <dgm:pt modelId="0" type="doc"/>
+        <dgm:pt modelId="1">
+          <dgm:prSet phldr="1"/>
+        </dgm:pt>
+        <dgm:pt modelId="2">
+          <dgm:prSet phldr="1"/>
+        </dgm:pt>
+        <dgm:pt modelId="3">
+          <dgm:prSet phldr="1"/>
+        </dgm:pt>
+        <dgm:pt modelId="4">
+          <dgm:prSet phldr="1"/>
+        </dgm:pt>
+        <dgm:pt modelId="5">
+          <dgm:prSet phldr="1"/>
+        </dgm:pt>
+      </dgm:ptLst>
+      <dgm:cxnLst>
+        <dgm:cxn modelId="6" srcId="0" destId="1" srcOrd="0" destOrd="0"/>
+        <dgm:cxn modelId="7" srcId="0" destId="2" srcOrd="1" destOrd="0"/>
+        <dgm:cxn modelId="8" srcId="0" destId="3" srcOrd="2" destOrd="0"/>
+        <dgm:cxn modelId="9" srcId="0" destId="4" srcOrd="3" destOrd="0"/>
+        <dgm:cxn modelId="10" srcId="0" destId="5" srcOrd="4" destOrd="0"/>
+      </dgm:cxnLst>
+      <dgm:bg/>
+      <dgm:whole/>
+    </dgm:dataModel>
+  </dgm:sampData>
+  <dgm:styleData>
+    <dgm:dataModel>
+      <dgm:ptLst>
+        <dgm:pt modelId="0" type="doc"/>
+        <dgm:pt modelId="1"/>
+        <dgm:pt modelId="2"/>
+        <dgm:pt modelId="3"/>
+      </dgm:ptLst>
+      <dgm:cxnLst>
+        <dgm:cxn modelId="4" srcId="0" destId="1" srcOrd="0" destOrd="0"/>
+        <dgm:cxn modelId="5" srcId="0" destId="2" srcOrd="1" destOrd="0"/>
+        <dgm:cxn modelId="6" srcId="0" destId="3" srcOrd="2" destOrd="0"/>
+      </dgm:cxnLst>
+      <dgm:bg/>
+      <dgm:whole/>
+    </dgm:dataModel>
+  </dgm:styleData>
+  <dgm:clrData>
+    <dgm:dataModel>
+      <dgm:ptLst>
+        <dgm:pt modelId="0" type="doc"/>
+        <dgm:pt modelId="1"/>
+        <dgm:pt modelId="2"/>
+        <dgm:pt modelId="3"/>
+        <dgm:pt modelId="4"/>
+        <dgm:pt modelId="5"/>
+        <dgm:pt modelId="6"/>
+      </dgm:ptLst>
+      <dgm:cxnLst>
+        <dgm:cxn modelId="7" srcId="0" destId="1" srcOrd="0" destOrd="0"/>
+        <dgm:cxn modelId="8" srcId="0" destId="2" srcOrd="1" destOrd="0"/>
+        <dgm:cxn modelId="9" srcId="0" destId="3" srcOrd="2" destOrd="0"/>
+        <dgm:cxn modelId="10" srcId="0" destId="4" srcOrd="3" destOrd="0"/>
+        <dgm:cxn modelId="11" srcId="0" destId="5" srcOrd="4" destOrd="0"/>
+        <dgm:cxn modelId="12" srcId="0" destId="6" srcOrd="5" destOrd="0"/>
+      </dgm:cxnLst>
+      <dgm:bg/>
+      <dgm:whole/>
+    </dgm:dataModel>
+  </dgm:clrData>
+  <dgm:layoutNode name="cycle">
+    <dgm:varLst>
+      <dgm:dir/>
+      <dgm:resizeHandles val="exact"/>
+    </dgm:varLst>
+    <dgm:choose name="Name0">
+      <dgm:if name="Name1" func="var" arg="dir" op="equ" val="norm">
+        <dgm:alg type="cycle">
+          <dgm:param type="stAng" val="0"/>
+          <dgm:param type="spanAng" val="360"/>
+        </dgm:alg>
+      </dgm:if>
+      <dgm:else name="Name2">
+        <dgm:alg type="cycle">
+          <dgm:param type="stAng" val="0"/>
+          <dgm:param type="spanAng" val="-360"/>
+        </dgm:alg>
+      </dgm:else>
+    </dgm:choose>
+    <dgm:shape xmlns:r="http://schemas.openxmlformats.org/officeDocument/2006/relationships" r:blip="">
+      <dgm:adjLst/>
+    </dgm:shape>
+    <dgm:presOf/>
+    <dgm:choose name="Name3">
+      <dgm:if name="Name4" func="var" arg="dir" op="equ" val="norm">
+        <dgm:constrLst>
+          <dgm:constr type="diam" val="1"/>
+          <dgm:constr type="w" for="ch" forName="node" refType="w"/>
+          <dgm:constr type="w" for="ch" ptType="sibTrans" refType="w" refFor="ch" refForName="node" fact="0.5"/>
+          <dgm:constr type="h" for="ch" ptType="sibTrans" op="equ"/>
+          <dgm:constr type="diam" for="ch" ptType="sibTrans" refType="diam" op="equ"/>
+          <dgm:constr type="sibSp" refType="w" refFor="ch" refForName="node" fact="0.15"/>
+          <dgm:constr type="w" for="ch" forName="dummy" refType="sibSp" fact="2.8"/>
+          <dgm:constr type="primFontSz" for="ch" forName="node" op="equ" val="65"/>
+        </dgm:constrLst>
+      </dgm:if>
+      <dgm:else name="Name5">
+        <dgm:constrLst>
+          <dgm:constr type="diam" val="1"/>
+          <dgm:constr type="w" for="ch" forName="node" refType="w"/>
+          <dgm:constr type="w" for="ch" ptType="sibTrans" refType="w" refFor="ch" refForName="node" fact="0.5"/>
+          <dgm:constr type="h" for="ch" ptType="sibTrans" op="equ"/>
+          <dgm:constr type="diam" for="ch" ptType="sibTrans" refType="diam" op="equ" fact="-1"/>
+          <dgm:constr type="sibSp" refType="w" refFor="ch" refForName="node" fact="0.15"/>
+          <dgm:constr type="w" for="ch" forName="dummy" refType="sibSp" fact="2.8"/>
+          <dgm:constr type="primFontSz" for="ch" forName="node" op="equ" val="65"/>
+        </dgm:constrLst>
+      </dgm:else>
+    </dgm:choose>
+    <dgm:ruleLst>
+      <dgm:rule type="diam" val="INF" fact="NaN" max="NaN"/>
+    </dgm:ruleLst>
+    <dgm:forEach name="nodesForEach" axis="ch" ptType="node">
+      <dgm:choose name="Name6">
+        <dgm:if name="Name7" axis="par ch" ptType="doc node" func="cnt" op="gt" val="1">
+          <dgm:layoutNode name="dummy">
+            <dgm:alg type="sp"/>
+            <dgm:shape xmlns:r="http://schemas.openxmlformats.org/officeDocument/2006/relationships" r:blip="">
+              <dgm:adjLst/>
+            </dgm:shape>
+            <dgm:presOf/>
+            <dgm:constrLst>
+              <dgm:constr type="h" refType="w"/>
+            </dgm:constrLst>
+            <dgm:ruleLst/>
+          </dgm:layoutNode>
+        </dgm:if>
+        <dgm:else name="Name8"/>
+      </dgm:choose>
+      <dgm:layoutNode name="node" styleLbl="revTx">
+        <dgm:varLst>
+          <dgm:bulletEnabled val="1"/>
+        </dgm:varLst>
+        <dgm:alg type="tx">
+          <dgm:param type="txAnchorVertCh" val="mid"/>
+        </dgm:alg>
+        <dgm:shape xmlns:r="http://schemas.openxmlformats.org/officeDocument/2006/relationships" type="rect" r:blip="">
+          <dgm:adjLst/>
+        </dgm:shape>
+        <dgm:presOf axis="desOrSelf" ptType="node"/>
+        <dgm:constrLst>
+          <dgm:constr type="h" refType="w"/>
+          <dgm:constr type="lMarg" refType="primFontSz" fact="0.1"/>
+          <dgm:constr type="rMarg" refType="primFontSz" fact="0.1"/>
+          <dgm:constr type="tMarg" refType="primFontSz" fact="0.1"/>
+          <dgm:constr type="bMarg" refType="primFontSz" fact="0.1"/>
+        </dgm:constrLst>
+        <dgm:ruleLst>
+          <dgm:rule type="primFontSz" val="5" fact="NaN" max="NaN"/>
+        </dgm:ruleLst>
+      </dgm:layoutNode>
+      <dgm:choose name="Name9">
+        <dgm:if name="Name10" axis="par ch" ptType="doc node" func="cnt" op="gt" val="1">
+          <dgm:forEach name="Name11" axis="followSib" ptType="sibTrans" hideLastTrans="0" cnt="1">
+            <dgm:layoutNode name="sibTrans" styleLbl="node1">
+              <dgm:alg type="conn">
+                <dgm:param type="connRout" val="curve"/>
+                <dgm:param type="begPts" val="radial"/>
+                <dgm:param type="endPts" val="radial"/>
+              </dgm:alg>
+              <dgm:shape xmlns:r="http://schemas.openxmlformats.org/officeDocument/2006/relationships" type="conn" r:blip="">
+                <dgm:adjLst/>
+              </dgm:shape>
+              <dgm:presOf axis="self"/>
+              <dgm:constrLst>
+                <dgm:constr type="h" refType="w" fact="0.65"/>
+                <dgm:constr type="begPad"/>
+                <dgm:constr type="endPad"/>
+              </dgm:constrLst>
+              <dgm:ruleLst/>
+            </dgm:layoutNode>
+          </dgm:forEach>
+        </dgm:if>
+        <dgm:else name="Name12"/>
+      </dgm:choose>
+    </dgm:forEach>
+  </dgm:layoutNode>
+</dgm:layoutDef>
+</file>
+
+<file path=ppt/diagrams/quickStyle1.xml><?xml version="1.0" encoding="utf-8"?>
+<dgm:styleDef xmlns:dgm="http://schemas.openxmlformats.org/drawingml/2006/diagram" xmlns:a="http://schemas.openxmlformats.org/drawingml/2006/main" uniqueId="urn:microsoft.com/office/officeart/2005/8/quickstyle/simple1">
+  <dgm:title val=""/>
+  <dgm:desc val=""/>
+  <dgm:catLst>
+    <dgm:cat type="simple" pri="10100"/>
+  </dgm:catLst>
+  <dgm:scene3d>
+    <a:camera prst="orthographicFront"/>
+    <a:lightRig rig="threePt" dir="t"/>
+  </dgm:scene3d>
+  <dgm:styleLbl name="node0">
+    <dgm:scene3d>
+      <a:camera prst="orthographicFront"/>
+      <a:lightRig rig="threePt" dir="t"/>
+    </dgm:scene3d>
+    <dgm:sp3d/>
+    <dgm:txPr/>
+    <dgm:style>
+      <a:lnRef idx="2">
+        <a:scrgbClr r="0" g="0" b="0"/>
+      </a:lnRef>
+      <a:fillRef idx="1">
+        <a:scrgbClr r="0" g="0" b="0"/>
+      </a:fillRef>
+      <a:effectRef idx="0">
+        <a:scrgbClr r="0" g="0" b="0"/>
+      </a:effectRef>
+      <a:fontRef idx="minor">
+        <a:schemeClr val="lt1"/>
+      </a:fontRef>
+    </dgm:style>
+  </dgm:styleLbl>
+  <dgm:styleLbl name="lnNode1">
+    <dgm:scene3d>
+      <a:camera prst="orthographicFront"/>
+      <a:lightRig rig="threePt" dir="t"/>
+    </dgm:scene3d>
+    <dgm:sp3d/>
+    <dgm:txPr/>
+    <dgm:style>
+      <a:lnRef idx="2">
+        <a:scrgbClr r="0" g="0" b="0"/>
+      </a:lnRef>
+      <a:fillRef idx="1">
+        <a:scrgbClr r="0" g="0" b="0"/>
+      </a:fillRef>
+      <a:effectRef idx="0">
+        <a:scrgbClr r="0" g="0" b="0"/>
+      </a:effectRef>
+      <a:fontRef idx="minor">
+        <a:schemeClr val="lt1"/>
+      </a:fontRef>
+    </dgm:style>
+  </dgm:styleLbl>
+  <dgm:styleLbl name="vennNode1">
+    <dgm:scene3d>
+      <a:camera prst="orthographicFront"/>
+      <a:lightRig rig="threePt" dir="t"/>
+    </dgm:scene3d>
+    <dgm:sp3d/>
+    <dgm:txPr/>
+    <dgm:style>
+      <a:lnRef idx="2">
+        <a:scrgbClr r="0" g="0" b="0"/>
+      </a:lnRef>
+      <a:fillRef idx="1">
+        <a:scrgbClr r="0" g="0" b="0"/>
+      </a:fillRef>
+      <a:effectRef idx="0">
+        <a:scrgbClr r="0" g="0" b="0"/>
+      </a:effectRef>
+      <a:fontRef idx="minor">
+        <a:schemeClr val="tx1"/>
+      </a:fontRef>
+    </dgm:style>
+  </dgm:styleLbl>
+  <dgm:styleLbl name="alignNode1">
+    <dgm:scene3d>
+      <a:camera prst="orthographicFront"/>
+      <a:lightRig rig="threePt" dir="t"/>
+    </dgm:scene3d>
+    <dgm:sp3d/>
+    <dgm:txPr/>
+    <dgm:style>
+      <a:lnRef idx="2">
+        <a:scrgbClr r="0" g="0" b="0"/>
+      </a:lnRef>
+      <a:fillRef idx="1">
+        <a:scrgbClr r="0" g="0" b="0"/>
+      </a:fillRef>
+      <a:effectRef idx="0">
+        <a:scrgbClr r="0" g="0" b="0"/>
+      </a:effectRef>
+      <a:fontRef idx="minor">
+        <a:schemeClr val="lt1"/>
+      </a:fontRef>
+    </dgm:style>
+  </dgm:styleLbl>
+  <dgm:styleLbl name="node1">
+    <dgm:scene3d>
+      <a:camera prst="orthographicFront"/>
+      <a:lightRig rig="threePt" dir="t"/>
+    </dgm:scene3d>
+    <dgm:sp3d/>
+    <dgm:txPr/>
+    <dgm:style>
+      <a:lnRef idx="2">
+        <a:scrgbClr r="0" g="0" b="0"/>
+      </a:lnRef>
+      <a:fillRef idx="1">
+        <a:scrgbClr r="0" g="0" b="0"/>
+      </a:fillRef>
+      <a:effectRef idx="0">
+        <a:scrgbClr r="0" g="0" b="0"/>
+      </a:effectRef>
+      <a:fontRef idx="minor">
+        <a:schemeClr val="lt1"/>
+      </a:fontRef>
+    </dgm:style>
+  </dgm:styleLbl>
+  <dgm:styleLbl name="node2">
+    <dgm:scene3d>
+      <a:camera prst="orthographicFront"/>
+      <a:lightRig rig="threePt" dir="t"/>
+    </dgm:scene3d>
+    <dgm:sp3d/>
+    <dgm:txPr/>
+    <dgm:style>
+      <a:lnRef idx="2">
+        <a:scrgbClr r="0" g="0" b="0"/>
+      </a:lnRef>
+      <a:fillRef idx="1">
+        <a:scrgbClr r="0" g="0" b="0"/>
+      </a:fillRef>
+      <a:effectRef idx="0">
+        <a:scrgbClr r="0" g="0" b="0"/>
+      </a:effectRef>
+      <a:fontRef idx="minor">
+        <a:schemeClr val="lt1"/>
+      </a:fontRef>
+    </dgm:style>
+  </dgm:styleLbl>
+  <dgm:styleLbl name="node3">
+    <dgm:scene3d>
+      <a:camera prst="orthographicFront"/>
+      <a:lightRig rig="threePt" dir="t"/>
+    </dgm:scene3d>
+    <dgm:sp3d/>
+    <dgm:txPr/>
+    <dgm:style>
+      <a:lnRef idx="2">
+        <a:scrgbClr r="0" g="0" b="0"/>
+      </a:lnRef>
+      <a:fillRef idx="1">
+        <a:scrgbClr r="0" g="0" b="0"/>
+      </a:fillRef>
+      <a:effectRef idx="0">
+        <a:scrgbClr r="0" g="0" b="0"/>
+      </a:effectRef>
+      <a:fontRef idx="minor">
+        <a:schemeClr val="lt1"/>
+      </a:fontRef>
+    </dgm:style>
+  </dgm:styleLbl>
+  <dgm:styleLbl name="node4">
+    <dgm:scene3d>
+      <a:camera prst="orthographicFront"/>
+      <a:lightRig rig="threePt" dir="t"/>
+    </dgm:scene3d>
+    <dgm:sp3d/>
+    <dgm:txPr/>
+    <dgm:style>
+      <a:lnRef idx="2">
+        <a:scrgbClr r="0" g="0" b="0"/>
+      </a:lnRef>
+      <a:fillRef idx="1">
+        <a:scrgbClr r="0" g="0" b="0"/>
+      </a:fillRef>
+      <a:effectRef idx="0">
+        <a:scrgbClr r="0" g="0" b="0"/>
+      </a:effectRef>
+      <a:fontRef idx="minor">
+        <a:schemeClr val="lt1"/>
+      </a:fontRef>
+    </dgm:style>
+  </dgm:styleLbl>
+  <dgm:styleLbl name="fgImgPlace1">
+    <dgm:scene3d>
+      <a:camera prst="orthographicFront"/>
+      <a:lightRig rig="threePt" dir="t"/>
+    </dgm:scene3d>
+    <dgm:sp3d/>
+    <dgm:txPr/>
+    <dgm:style>
+      <a:lnRef idx="2">
+        <a:scrgbClr r="0" g="0" b="0"/>
+      </a:lnRef>
+      <a:fillRef idx="1">
+        <a:scrgbClr r="0" g="0" b="0"/>
+      </a:fillRef>
+      <a:effectRef idx="0">
+        <a:scrgbClr r="0" g="0" b="0"/>
+      </a:effectRef>
+      <a:fontRef idx="minor"/>
+    </dgm:style>
+  </dgm:styleLbl>
+  <dgm:styleLbl name="alignImgPlace1">
+    <dgm:scene3d>
+      <a:camera prst="orthographicFront"/>
+      <a:lightRig rig="threePt" dir="t"/>
+    </dgm:scene3d>
+    <dgm:sp3d/>
+    <dgm:txPr/>
+    <dgm:style>
+      <a:lnRef idx="2">
+        <a:scrgbClr r="0" g="0" b="0"/>
+      </a:lnRef>
+      <a:fillRef idx="1">
+        <a:scrgbClr r="0" g="0" b="0"/>
+      </a:fillRef>
+      <a:effectRef idx="0">
+        <a:scrgbClr r="0" g="0" b="0"/>
+      </a:effectRef>
+      <a:fontRef idx="minor"/>
+    </dgm:style>
+  </dgm:styleLbl>
+  <dgm:styleLbl name="bgImgPlace1">
+    <dgm:scene3d>
+      <a:camera prst="orthographicFront"/>
+      <a:lightRig rig="threePt" dir="t"/>
+    </dgm:scene3d>
+    <dgm:sp3d/>
+    <dgm:txPr/>
+    <dgm:style>
+      <a:lnRef idx="2">
+        <a:scrgbClr r="0" g="0" b="0"/>
+      </a:lnRef>
+      <a:fillRef idx="1">
+        <a:scrgbClr r="0" g="0" b="0"/>
+      </a:fillRef>
+      <a:effectRef idx="0">
+        <a:scrgbClr r="0" g="0" b="0"/>
+      </a:effectRef>
+      <a:fontRef idx="minor"/>
+    </dgm:style>
+  </dgm:styleLbl>
+  <dgm:styleLbl name="sibTrans2D1">
+    <dgm:scene3d>
+      <a:camera prst="orthographicFront"/>
+      <a:lightRig rig="threePt" dir="t"/>
+    </dgm:scene3d>
+    <dgm:sp3d/>
+    <dgm:txPr/>
+    <dgm:style>
+      <a:lnRef idx="0">
+        <a:scrgbClr r="0" g="0" b="0"/>
+      </a:lnRef>
+      <a:fillRef idx="1">
+        <a:scrgbClr r="0" g="0" b="0"/>
+      </a:fillRef>
+      <a:effectRef idx="0">
+        <a:scrgbClr r="0" g="0" b="0"/>
+      </a:effectRef>
+      <a:fontRef idx="minor">
+        <a:schemeClr val="lt1"/>
+      </a:fontRef>
+    </dgm:style>
+  </dgm:styleLbl>
+  <dgm:styleLbl name="fgSibTrans2D1">
+    <dgm:scene3d>
+      <a:camera prst="orthographicFront"/>
+      <a:lightRig rig="threePt" dir="t"/>
+    </dgm:scene3d>
+    <dgm:sp3d/>
+    <dgm:txPr/>
+    <dgm:style>
+      <a:lnRef idx="0">
+        <a:scrgbClr r="0" g="0" b="0"/>
+      </a:lnRef>
+      <a:fillRef idx="1">
+        <a:scrgbClr r="0" g="0" b="0"/>
+      </a:fillRef>
+      <a:effectRef idx="0">
+        <a:scrgbClr r="0" g="0" b="0"/>
+      </a:effectRef>
+      <a:fontRef idx="minor">
+        <a:schemeClr val="lt1"/>
+      </a:fontRef>
+    </dgm:style>
+  </dgm:styleLbl>
+  <dgm:styleLbl name="bgSibTrans2D1">
+    <dgm:scene3d>
+      <a:camera prst="orthographicFront"/>
+      <a:lightRig rig="threePt" dir="t"/>
+    </dgm:scene3d>
+    <dgm:sp3d/>
+    <dgm:txPr/>
+    <dgm:style>
+      <a:lnRef idx="0">
+        <a:scrgbClr r="0" g="0" b="0"/>
+      </a:lnRef>
+      <a:fillRef idx="1">
+        <a:scrgbClr r="0" g="0" b="0"/>
+      </a:fillRef>
+      <a:effectRef idx="0">
+        <a:scrgbClr r="0" g="0" b="0"/>
+      </a:effectRef>
+      <a:fontRef idx="minor">
+        <a:schemeClr val="lt1"/>
+      </a:fontRef>
+    </dgm:style>
+  </dgm:styleLbl>
+  <dgm:styleLbl name="sibTrans1D1">
+    <dgm:scene3d>
+      <a:camera prst="orthographicFront"/>
+      <a:lightRig rig="threePt" dir="t"/>
+    </dgm:scene3d>
+    <dgm:sp3d/>
+    <dgm:txPr/>
+    <dgm:style>
+      <a:lnRef idx="1">
+        <a:scrgbClr r="0" g="0" b="0"/>
+      </a:lnRef>
+      <a:fillRef idx="0">
+        <a:scrgbClr r="0" g="0" b="0"/>
+      </a:fillRef>
+      <a:effectRef idx="0">
+        <a:scrgbClr r="0" g="0" b="0"/>
+      </a:effectRef>
+      <a:fontRef idx="minor"/>
+    </dgm:style>
+  </dgm:styleLbl>
+  <dgm:styleLbl name="callout">
+    <dgm:scene3d>
+      <a:camera prst="orthographicFront"/>
+      <a:lightRig rig="threePt" dir="t"/>
+    </dgm:scene3d>
+    <dgm:sp3d/>
+    <dgm:txPr/>
+    <dgm:style>
+      <a:lnRef idx="2">
+        <a:scrgbClr r="0" g="0" b="0"/>
+      </a:lnRef>
+      <a:fillRef idx="1">
+        <a:scrgbClr r="0" g="0" b="0"/>
+      </a:fillRef>
+      <a:effectRef idx="0">
+        <a:scrgbClr r="0" g="0" b="0"/>
+      </a:effectRef>
+      <a:fontRef idx="minor"/>
+    </dgm:style>
+  </dgm:styleLbl>
+  <dgm:styleLbl name="asst0">
+    <dgm:scene3d>
+      <a:camera prst="orthographicFront"/>
+      <a:lightRig rig="threePt" dir="t"/>
+    </dgm:scene3d>
+    <dgm:sp3d/>
+    <dgm:txPr/>
+    <dgm:style>
+      <a:lnRef idx="2">
+        <a:scrgbClr r="0" g="0" b="0"/>
+      </a:lnRef>
+      <a:fillRef idx="1">
+        <a:scrgbClr r="0" g="0" b="0"/>
+      </a:fillRef>
+      <a:effectRef idx="0">
+        <a:scrgbClr r="0" g="0" b="0"/>
+      </a:effectRef>
+      <a:fontRef idx="minor">
+        <a:schemeClr val="lt1"/>
+      </a:fontRef>
+    </dgm:style>
+  </dgm:styleLbl>
+  <dgm:styleLbl name="asst1">
+    <dgm:scene3d>
+      <a:camera prst="orthographicFront"/>
+      <a:lightRig rig="threePt" dir="t"/>
+    </dgm:scene3d>
+    <dgm:sp3d/>
+    <dgm:txPr/>
+    <dgm:style>
+      <a:lnRef idx="2">
+        <a:scrgbClr r="0" g="0" b="0"/>
+      </a:lnRef>
+      <a:fillRef idx="1">
+        <a:scrgbClr r="0" g="0" b="0"/>
+      </a:fillRef>
+      <a:effectRef idx="0">
+        <a:scrgbClr r="0" g="0" b="0"/>
+      </a:effectRef>
+      <a:fontRef idx="minor">
+        <a:schemeClr val="lt1"/>
+      </a:fontRef>
+    </dgm:style>
+  </dgm:styleLbl>
+  <dgm:styleLbl name="asst2">
+    <dgm:scene3d>
+      <a:camera prst="orthographicFront"/>
+      <a:lightRig rig="threePt" dir="t"/>
+    </dgm:scene3d>
+    <dgm:sp3d/>
+    <dgm:txPr/>
+    <dgm:style>
+      <a:lnRef idx="2">
+        <a:scrgbClr r="0" g="0" b="0"/>
+      </a:lnRef>
+      <a:fillRef idx="1">
+        <a:scrgbClr r="0" g="0" b="0"/>
+      </a:fillRef>
+      <a:effectRef idx="0">
+        <a:scrgbClr r="0" g="0" b="0"/>
+      </a:effectRef>
+      <a:fontRef idx="minor">
+        <a:schemeClr val="lt1"/>
+      </a:fontRef>
+    </dgm:style>
+  </dgm:styleLbl>
+  <dgm:styleLbl name="asst3">
+    <dgm:scene3d>
+      <a:camera prst="orthographicFront"/>
+      <a:lightRig rig="threePt" dir="t"/>
+    </dgm:scene3d>
+    <dgm:sp3d/>
+    <dgm:txPr/>
+    <dgm:style>
+      <a:lnRef idx="2">
+        <a:scrgbClr r="0" g="0" b="0"/>
+      </a:lnRef>
+      <a:fillRef idx="1">
+        <a:scrgbClr r="0" g="0" b="0"/>
+      </a:fillRef>
+      <a:effectRef idx="0">
+        <a:scrgbClr r="0" g="0" b="0"/>
+      </a:effectRef>
+      <a:fontRef idx="minor">
+        <a:schemeClr val="lt1"/>
+      </a:fontRef>
+    </dgm:style>
+  </dgm:styleLbl>
+  <dgm:styleLbl name="asst4">
+    <dgm:scene3d>
+      <a:camera prst="orthographicFront"/>
+      <a:lightRig rig="threePt" dir="t"/>
+    </dgm:scene3d>
+    <dgm:sp3d/>
+    <dgm:txPr/>
+    <dgm:style>
+      <a:lnRef idx="2">
+        <a:scrgbClr r="0" g="0" b="0"/>
+      </a:lnRef>
+      <a:fillRef idx="1">
+        <a:scrgbClr r="0" g="0" b="0"/>
+      </a:fillRef>
+      <a:effectRef idx="0">
+        <a:scrgbClr r="0" g="0" b="0"/>
+      </a:effectRef>
+      <a:fontRef idx="minor">
+        <a:schemeClr val="lt1"/>
+      </a:fontRef>
+    </dgm:style>
+  </dgm:styleLbl>
+  <dgm:styleLbl name="parChTrans2D1">
+    <dgm:scene3d>
+      <a:camera prst="orthographicFront"/>
+      <a:lightRig rig="threePt" dir="t"/>
+    </dgm:scene3d>
+    <dgm:sp3d/>
+    <dgm:txPr/>
+    <dgm:style>
+      <a:lnRef idx="2">
+        <a:scrgbClr r="0" g="0" b="0"/>
+      </a:lnRef>
+      <a:fillRef idx="1">
+        <a:scrgbClr r="0" g="0" b="0"/>
+      </a:fillRef>
+      <a:effectRef idx="0">
+        <a:scrgbClr r="0" g="0" b="0"/>
+      </a:effectRef>
+      <a:fontRef idx="minor">
+        <a:schemeClr val="lt1"/>
+      </a:fontRef>
+    </dgm:style>
+  </dgm:styleLbl>
+  <dgm:styleLbl name="parChTrans2D2">
+    <dgm:scene3d>
+      <a:camera prst="orthographicFront"/>
+      <a:lightRig rig="threePt" dir="t"/>
+    </dgm:scene3d>
+    <dgm:sp3d/>
+    <dgm:txPr/>
+    <dgm:style>
+      <a:lnRef idx="2">
+        <a:scrgbClr r="0" g="0" b="0"/>
+      </a:lnRef>
+      <a:fillRef idx="1">
+        <a:scrgbClr r="0" g="0" b="0"/>
+      </a:fillRef>
+      <a:effectRef idx="0">
+        <a:scrgbClr r="0" g="0" b="0"/>
+      </a:effectRef>
+      <a:fontRef idx="minor">
+        <a:schemeClr val="lt1"/>
+      </a:fontRef>
+    </dgm:style>
+  </dgm:styleLbl>
+  <dgm:styleLbl name="parChTrans2D3">
+    <dgm:scene3d>
+      <a:camera prst="orthographicFront"/>
+      <a:lightRig rig="threePt" dir="t"/>
+    </dgm:scene3d>
+    <dgm:sp3d/>
+    <dgm:txPr/>
+    <dgm:style>
+      <a:lnRef idx="2">
+        <a:scrgbClr r="0" g="0" b="0"/>
+      </a:lnRef>
+      <a:fillRef idx="1">
+        <a:scrgbClr r="0" g="0" b="0"/>
+      </a:fillRef>
+      <a:effectRef idx="0">
+        <a:scrgbClr r="0" g="0" b="0"/>
+      </a:effectRef>
+      <a:fontRef idx="minor">
+        <a:schemeClr val="lt1"/>
+      </a:fontRef>
+    </dgm:style>
+  </dgm:styleLbl>
+  <dgm:styleLbl name="parChTrans2D4">
+    <dgm:scene3d>
+      <a:camera prst="orthographicFront"/>
+      <a:lightRig rig="threePt" dir="t"/>
+    </dgm:scene3d>
+    <dgm:sp3d/>
+    <dgm:txPr/>
+    <dgm:style>
+      <a:lnRef idx="2">
+        <a:scrgbClr r="0" g="0" b="0"/>
+      </a:lnRef>
+      <a:fillRef idx="1">
+        <a:scrgbClr r="0" g="0" b="0"/>
+      </a:fillRef>
+      <a:effectRef idx="0">
+        <a:scrgbClr r="0" g="0" b="0"/>
+      </a:effectRef>
+      <a:fontRef idx="minor">
+        <a:schemeClr val="lt1"/>
+      </a:fontRef>
+    </dgm:style>
+  </dgm:styleLbl>
+  <dgm:styleLbl name="parChTrans1D1">
+    <dgm:scene3d>
+      <a:camera prst="orthographicFront"/>
+      <a:lightRig rig="threePt" dir="t"/>
+    </dgm:scene3d>
+    <dgm:sp3d/>
+    <dgm:txPr/>
+    <dgm:style>
+      <a:lnRef idx="2">
+        <a:scrgbClr r="0" g="0" b="0"/>
+      </a:lnRef>
+      <a:fillRef idx="0">
+        <a:scrgbClr r="0" g="0" b="0"/>
+      </a:fillRef>
+      <a:effectRef idx="0">
+        <a:scrgbClr r="0" g="0" b="0"/>
+      </a:effectRef>
+      <a:fontRef idx="minor"/>
+    </dgm:style>
+  </dgm:styleLbl>
+  <dgm:styleLbl name="parChTrans1D2">
+    <dgm:scene3d>
+      <a:camera prst="orthographicFront"/>
+      <a:lightRig rig="threePt" dir="t"/>
+    </dgm:scene3d>
+    <dgm:sp3d/>
+    <dgm:txPr/>
+    <dgm:style>
+      <a:lnRef idx="2">
+        <a:scrgbClr r="0" g="0" b="0"/>
+      </a:lnRef>
+      <a:fillRef idx="0">
+        <a:scrgbClr r="0" g="0" b="0"/>
+      </a:fillRef>
+      <a:effectRef idx="0">
+        <a:scrgbClr r="0" g="0" b="0"/>
+      </a:effectRef>
+      <a:fontRef idx="minor"/>
+    </dgm:style>
+  </dgm:styleLbl>
+  <dgm:styleLbl name="parChTrans1D3">
+    <dgm:scene3d>
+      <a:camera prst="orthographicFront"/>
+      <a:lightRig rig="threePt" dir="t"/>
+    </dgm:scene3d>
+    <dgm:sp3d/>
+    <dgm:txPr/>
+    <dgm:style>
+      <a:lnRef idx="2">
+        <a:scrgbClr r="0" g="0" b="0"/>
+      </a:lnRef>
+      <a:fillRef idx="0">
+        <a:scrgbClr r="0" g="0" b="0"/>
+      </a:fillRef>
+      <a:effectRef idx="0">
+        <a:scrgbClr r="0" g="0" b="0"/>
+      </a:effectRef>
+      <a:fontRef idx="minor"/>
+    </dgm:style>
+  </dgm:styleLbl>
+  <dgm:styleLbl name="parChTrans1D4">
+    <dgm:scene3d>
+      <a:camera prst="orthographicFront"/>
+      <a:lightRig rig="threePt" dir="t"/>
+    </dgm:scene3d>
+    <dgm:sp3d/>
+    <dgm:txPr/>
+    <dgm:style>
+      <a:lnRef idx="2">
+        <a:scrgbClr r="0" g="0" b="0"/>
+      </a:lnRef>
+      <a:fillRef idx="0">
+        <a:scrgbClr r="0" g="0" b="0"/>
+      </a:fillRef>
+      <a:effectRef idx="0">
+        <a:scrgbClr r="0" g="0" b="0"/>
+      </a:effectRef>
+      <a:fontRef idx="minor"/>
+    </dgm:style>
+  </dgm:styleLbl>
+  <dgm:styleLbl name="fgAcc1">
+    <dgm:scene3d>
+      <a:camera prst="orthographicFront"/>
+      <a:lightRig rig="threePt" dir="t"/>
+    </dgm:scene3d>
+    <dgm:sp3d/>
+    <dgm:txPr/>
+    <dgm:style>
+      <a:lnRef idx="2">
+        <a:scrgbClr r="0" g="0" b="0"/>
+      </a:lnRef>
+      <a:fillRef idx="1">
+        <a:scrgbClr r="0" g="0" b="0"/>
+      </a:fillRef>
+      <a:effectRef idx="0">
+        <a:scrgbClr r="0" g="0" b="0"/>
+      </a:effectRef>
+      <a:fontRef idx="minor"/>
+    </dgm:style>
+  </dgm:styleLbl>
+  <dgm:styleLbl name="conFgAcc1">
+    <dgm:scene3d>
+      <a:camera prst="orthographicFront"/>
+      <a:lightRig rig="threePt" dir="t"/>
+    </dgm:scene3d>
+    <dgm:sp3d/>
+    <dgm:txPr/>
+    <dgm:style>
+      <a:lnRef idx="2">
+        <a:scrgbClr r="0" g="0" b="0"/>
+      </a:lnRef>
+      <a:fillRef idx="1">
+        <a:scrgbClr r="0" g="0" b="0"/>
+      </a:fillRef>
+      <a:effectRef idx="0">
+        <a:scrgbClr r="0" g="0" b="0"/>
+      </a:effectRef>
+      <a:fontRef idx="minor"/>
+    </dgm:style>
+  </dgm:styleLbl>
+  <dgm:styleLbl name="alignAcc1">
+    <dgm:scene3d>
+      <a:camera prst="orthographicFront"/>
+      <a:lightRig rig="threePt" dir="t"/>
+    </dgm:scene3d>
+    <dgm:sp3d/>
+    <dgm:txPr/>
+    <dgm:style>
+      <a:lnRef idx="2">
+        <a:scrgbClr r="0" g="0" b="0"/>
+      </a:lnRef>
+      <a:fillRef idx="1">
+        <a:scrgbClr r="0" g="0" b="0"/>
+      </a:fillRef>
+      <a:effectRef idx="0">
+        <a:scrgbClr r="0" g="0" b="0"/>
+      </a:effectRef>
+      <a:fontRef idx="minor"/>
+    </dgm:style>
+  </dgm:styleLbl>
+  <dgm:styleLbl name="trAlignAcc1">
+    <dgm:scene3d>
+      <a:camera prst="orthographicFront"/>
+      <a:lightRig rig="threePt" dir="t"/>
+    </dgm:scene3d>
+    <dgm:sp3d/>
+    <dgm:txPr/>
+    <dgm:style>
+      <a:lnRef idx="1">
+        <a:scrgbClr r="0" g="0" b="0"/>
+      </a:lnRef>
+      <a:fillRef idx="1">
+        <a:scrgbClr r="0" g="0" b="0"/>
+      </a:fillRef>
+      <a:effectRef idx="0">
+        <a:scrgbClr r="0" g="0" b="0"/>
+      </a:effectRef>
+      <a:fontRef idx="minor"/>
+    </dgm:style>
+  </dgm:styleLbl>
+  <dgm:styleLbl name="bgAcc1">
+    <dgm:scene3d>
+      <a:camera prst="orthographicFront"/>
+      <a:lightRig rig="threePt" dir="t"/>
+    </dgm:scene3d>
+    <dgm:sp3d/>
+    <dgm:txPr/>
+    <dgm:style>
+      <a:lnRef idx="2">
+        <a:scrgbClr r="0" g="0" b="0"/>
+      </a:lnRef>
+      <a:fillRef idx="1">
+        <a:scrgbClr r="0" g="0" b="0"/>
+      </a:fillRef>
+      <a:effectRef idx="0">
+        <a:scrgbClr r="0" g="0" b="0"/>
+      </a:effectRef>
+      <a:fontRef idx="minor"/>
+    </dgm:style>
+  </dgm:styleLbl>
+  <dgm:styleLbl name="solidFgAcc1">
+    <dgm:scene3d>
+      <a:camera prst="orthographicFront"/>
+      <a:lightRig rig="threePt" dir="t"/>
+    </dgm:scene3d>
+    <dgm:sp3d/>
+    <dgm:txPr/>
+    <dgm:style>
+      <a:lnRef idx="2">
+        <a:scrgbClr r="0" g="0" b="0"/>
+      </a:lnRef>
+      <a:fillRef idx="1">
+        <a:scrgbClr r="0" g="0" b="0"/>
+      </a:fillRef>
+      <a:effectRef idx="0">
+        <a:scrgbClr r="0" g="0" b="0"/>
+      </a:effectRef>
+      <a:fontRef idx="minor"/>
+    </dgm:style>
+  </dgm:styleLbl>
+  <dgm:styleLbl name="solidAlignAcc1">
+    <dgm:scene3d>
+      <a:camera prst="orthographicFront"/>
+      <a:lightRig rig="threePt" dir="t"/>
+    </dgm:scene3d>
+    <dgm:sp3d/>
+    <dgm:txPr/>
+    <dgm:style>
+      <a:lnRef idx="2">
+        <a:scrgbClr r="0" g="0" b="0"/>
+      </a:lnRef>
+      <a:fillRef idx="1">
+        <a:scrgbClr r="0" g="0" b="0"/>
+      </a:fillRef>
+      <a:effectRef idx="0">
+        <a:scrgbClr r="0" g="0" b="0"/>
+      </a:effectRef>
+      <a:fontRef idx="minor"/>
+    </dgm:style>
+  </dgm:styleLbl>
+  <dgm:styleLbl name="solidBgAcc1">
+    <dgm:scene3d>
+      <a:camera prst="orthographicFront"/>
+      <a:lightRig rig="threePt" dir="t"/>
+    </dgm:scene3d>
+    <dgm:sp3d/>
+    <dgm:txPr/>
+    <dgm:style>
+      <a:lnRef idx="2">
+        <a:scrgbClr r="0" g="0" b="0"/>
+      </a:lnRef>
+      <a:fillRef idx="1">
+        <a:scrgbClr r="0" g="0" b="0"/>
+      </a:fillRef>
+      <a:effectRef idx="0">
+        <a:scrgbClr r="0" g="0" b="0"/>
+      </a:effectRef>
+      <a:fontRef idx="minor"/>
+    </dgm:style>
+  </dgm:styleLbl>
+  <dgm:styleLbl name="fgAccFollowNode1">
+    <dgm:scene3d>
+      <a:camera prst="orthographicFront"/>
+      <a:lightRig rig="threePt" dir="t"/>
+    </dgm:scene3d>
+    <dgm:sp3d/>
+    <dgm:txPr/>
+    <dgm:style>
+      <a:lnRef idx="2">
+        <a:scrgbClr r="0" g="0" b="0"/>
+      </a:lnRef>
+      <a:fillRef idx="1">
+        <a:scrgbClr r="0" g="0" b="0"/>
+      </a:fillRef>
+      <a:effectRef idx="0">
+        <a:scrgbClr r="0" g="0" b="0"/>
+      </a:effectRef>
+      <a:fontRef idx="minor"/>
+    </dgm:style>
+  </dgm:styleLbl>
+  <dgm:styleLbl name="alignAccFollowNode1">
+    <dgm:scene3d>
+      <a:camera prst="orthographicFront"/>
+      <a:lightRig rig="threePt" dir="t"/>
+    </dgm:scene3d>
+    <dgm:sp3d/>
+    <dgm:txPr/>
+    <dgm:style>
+      <a:lnRef idx="2">
+        <a:scrgbClr r="0" g="0" b="0"/>
+      </a:lnRef>
+      <a:fillRef idx="1">
+        <a:scrgbClr r="0" g="0" b="0"/>
+      </a:fillRef>
+      <a:effectRef idx="0">
+        <a:scrgbClr r="0" g="0" b="0"/>
+      </a:effectRef>
+      <a:fontRef idx="minor"/>
+    </dgm:style>
+  </dgm:styleLbl>
+  <dgm:styleLbl name="bgAccFollowNode1">
+    <dgm:scene3d>
+      <a:camera prst="orthographicFront"/>
+      <a:lightRig rig="threePt" dir="t"/>
+    </dgm:scene3d>
+    <dgm:sp3d/>
+    <dgm:txPr/>
+    <dgm:style>
+      <a:lnRef idx="2">
+        <a:scrgbClr r="0" g="0" b="0"/>
+      </a:lnRef>
+      <a:fillRef idx="1">
+        <a:scrgbClr r="0" g="0" b="0"/>
+      </a:fillRef>
+      <a:effectRef idx="0">
+        <a:scrgbClr r="0" g="0" b="0"/>
+      </a:effectRef>
+      <a:fontRef idx="minor"/>
+    </dgm:style>
+  </dgm:styleLbl>
+  <dgm:styleLbl name="fgAcc0">
+    <dgm:scene3d>
+      <a:camera prst="orthographicFront"/>
+      <a:lightRig rig="threePt" dir="t"/>
+    </dgm:scene3d>
+    <dgm:sp3d/>
+    <dgm:txPr/>
+    <dgm:style>
+      <a:lnRef idx="2">
+        <a:scrgbClr r="0" g="0" b="0"/>
+      </a:lnRef>
+      <a:fillRef idx="1">
+        <a:scrgbClr r="0" g="0" b="0"/>
+      </a:fillRef>
+      <a:effectRef idx="0">
+        <a:scrgbClr r="0" g="0" b="0"/>
+      </a:effectRef>
+      <a:fontRef idx="minor"/>
+    </dgm:style>
+  </dgm:styleLbl>
+  <dgm:styleLbl name="fgAcc2">
+    <dgm:scene3d>
+      <a:camera prst="orthographicFront"/>
+      <a:lightRig rig="threePt" dir="t"/>
+    </dgm:scene3d>
+    <dgm:sp3d/>
+    <dgm:txPr/>
+    <dgm:style>
+      <a:lnRef idx="2">
+        <a:scrgbClr r="0" g="0" b="0"/>
+      </a:lnRef>
+      <a:fillRef idx="1">
+        <a:scrgbClr r="0" g="0" b="0"/>
+      </a:fillRef>
+      <a:effectRef idx="0">
+        <a:scrgbClr r="0" g="0" b="0"/>
+      </a:effectRef>
+      <a:fontRef idx="minor"/>
+    </dgm:style>
+  </dgm:styleLbl>
+  <dgm:styleLbl name="fgAcc3">
+    <dgm:scene3d>
+      <a:camera prst="orthographicFront"/>
+      <a:lightRig rig="threePt" dir="t"/>
+    </dgm:scene3d>
+    <dgm:sp3d/>
+    <dgm:txPr/>
+    <dgm:style>
+      <a:lnRef idx="2">
+        <a:scrgbClr r="0" g="0" b="0"/>
+      </a:lnRef>
+      <a:fillRef idx="1">
+        <a:scrgbClr r="0" g="0" b="0"/>
+      </a:fillRef>
+      <a:effectRef idx="0">
+        <a:scrgbClr r="0" g="0" b="0"/>
+      </a:effectRef>
+      <a:fontRef idx="minor"/>
+    </dgm:style>
+  </dgm:styleLbl>
+  <dgm:styleLbl name="fgAcc4">
+    <dgm:scene3d>
+      <a:camera prst="orthographicFront"/>
+      <a:lightRig rig="threePt" dir="t"/>
+    </dgm:scene3d>
+    <dgm:sp3d/>
+    <dgm:txPr/>
+    <dgm:style>
+      <a:lnRef idx="2">
+        <a:scrgbClr r="0" g="0" b="0"/>
+      </a:lnRef>
+      <a:fillRef idx="1">
+        <a:scrgbClr r="0" g="0" b="0"/>
+      </a:fillRef>
+      <a:effectRef idx="0">
+        <a:scrgbClr r="0" g="0" b="0"/>
+      </a:effectRef>
+      <a:fontRef idx="minor"/>
+    </dgm:style>
+  </dgm:styleLbl>
+  <dgm:styleLbl name="bgShp">
+    <dgm:scene3d>
+      <a:camera prst="orthographicFront"/>
+      <a:lightRig rig="threePt" dir="t"/>
+    </dgm:scene3d>
+    <dgm:sp3d/>
+    <dgm:txPr/>
+    <dgm:style>
+      <a:lnRef idx="0">
+        <a:scrgbClr r="0" g="0" b="0"/>
+      </a:lnRef>
+      <a:fillRef idx="1">
+        <a:scrgbClr r="0" g="0" b="0"/>
+      </a:fillRef>
+      <a:effectRef idx="0">
+        <a:scrgbClr r="0" g="0" b="0"/>
+      </a:effectRef>
+      <a:fontRef idx="minor"/>
+    </dgm:style>
+  </dgm:styleLbl>
+  <dgm:styleLbl name="dkBgShp">
+    <dgm:scene3d>
+      <a:camera prst="orthographicFront"/>
+      <a:lightRig rig="threePt" dir="t"/>
+    </dgm:scene3d>
+    <dgm:sp3d/>
+    <dgm:txPr/>
+    <dgm:style>
+      <a:lnRef idx="0">
+        <a:scrgbClr r="0" g="0" b="0"/>
+      </a:lnRef>
+      <a:fillRef idx="1">
+        <a:scrgbClr r="0" g="0" b="0"/>
+      </a:fillRef>
+      <a:effectRef idx="0">
+        <a:scrgbClr r="0" g="0" b="0"/>
+      </a:effectRef>
+      <a:fontRef idx="minor"/>
+    </dgm:style>
+  </dgm:styleLbl>
+  <dgm:styleLbl name="trBgShp">
+    <dgm:scene3d>
+      <a:camera prst="orthographicFront"/>
+      <a:lightRig rig="threePt" dir="t"/>
+    </dgm:scene3d>
+    <dgm:sp3d/>
+    <dgm:txPr/>
+    <dgm:style>
+      <a:lnRef idx="0">
+        <a:scrgbClr r="0" g="0" b="0"/>
+      </a:lnRef>
+      <a:fillRef idx="1">
+        <a:scrgbClr r="0" g="0" b="0"/>
+      </a:fillRef>
+      <a:effectRef idx="0">
+        <a:scrgbClr r="0" g="0" b="0"/>
+      </a:effectRef>
+      <a:fontRef idx="minor"/>
+    </dgm:style>
+  </dgm:styleLbl>
+  <dgm:styleLbl name="fgShp">
+    <dgm:scene3d>
+      <a:camera prst="orthographicFront"/>
+      <a:lightRig rig="threePt" dir="t"/>
+    </dgm:scene3d>
+    <dgm:sp3d/>
+    <dgm:txPr/>
+    <dgm:style>
+      <a:lnRef idx="2">
+        <a:scrgbClr r="0" g="0" b="0"/>
+      </a:lnRef>
+      <a:fillRef idx="1">
+        <a:scrgbClr r="0" g="0" b="0"/>
+      </a:fillRef>
+      <a:effectRef idx="0">
+        <a:scrgbClr r="0" g="0" b="0"/>
+      </a:effectRef>
+      <a:fontRef idx="minor"/>
+    </dgm:style>
+  </dgm:styleLbl>
+  <dgm:styleLbl name="revTx">
+    <dgm:scene3d>
+      <a:camera prst="orthographicFront"/>
+      <a:lightRig rig="threePt" dir="t"/>
+    </dgm:scene3d>
+    <dgm:sp3d/>
+    <dgm:txPr/>
+    <dgm:style>
+      <a:lnRef idx="0">
+        <a:scrgbClr r="0" g="0" b="0"/>
+      </a:lnRef>
+      <a:fillRef idx="0">
+        <a:scrgbClr r="0" g="0" b="0"/>
+      </a:fillRef>
+      <a:effectRef idx="0">
+        <a:scrgbClr r="0" g="0" b="0"/>
+      </a:effectRef>
+      <a:fontRef idx="minor"/>
+    </dgm:style>
+  </dgm:styleLbl>
+</dgm:styleDef>
+</file>
+
+<file path=ppt/notesMasters/notesMaster1.xml><?xml version="1.0" encoding="utf-8"?>
+<p:notesMaster xmlns:a="http://schemas.openxmlformats.org/drawingml/2006/main" xmlns:r="http://schemas.openxmlformats.org/officeDocument/2006/relationships" xmlns:p="http://schemas.openxmlformats.org/presentationml/2006/main">
+  <p:cSld>
+    <p:bg>
+      <p:bgRef idx="1001">
+        <a:schemeClr val="bg1"/>
+      </p:bgRef>
+    </p:bg>
+    <p:spTree>
+      <p:nvGrpSpPr>
+        <p:cNvPr id="1" name=""/>
+        <p:cNvGrpSpPr/>
+        <p:nvPr/>
+      </p:nvGrpSpPr>
+      <p:grpSpPr>
+        <a:xfrm>
+          <a:off x="0" y="0"/>
+          <a:ext cx="0" cy="0"/>
+          <a:chOff x="0" y="0"/>
+          <a:chExt cx="0" cy="0"/>
+        </a:xfrm>
+      </p:grpSpPr>
+      <p:sp>
+        <p:nvSpPr>
+          <p:cNvPr id="2" name="머리글 개체 틀 1"/>
+          <p:cNvSpPr>
+            <a:spLocks noGrp="1"/>
+          </p:cNvSpPr>
+          <p:nvPr>
+            <p:ph type="hdr" sz="quarter"/>
+          </p:nvPr>
+        </p:nvSpPr>
+        <p:spPr>
+          <a:xfrm>
+            <a:off x="0" y="0"/>
+            <a:ext cx="2971800" cy="458788"/>
+          </a:xfrm>
+          <a:prstGeom prst="rect">
+            <a:avLst/>
+          </a:prstGeom>
+        </p:spPr>
+        <p:txBody>
+          <a:bodyPr vert="horz" lIns="91440" tIns="45720" rIns="91440" bIns="45720" rtlCol="0"/>
+          <a:lstStyle>
+            <a:lvl1pPr algn="l">
+              <a:defRPr sz="1200"/>
+            </a:lvl1pPr>
+          </a:lstStyle>
+          <a:p>
+            <a:endParaRPr lang="ko-KR" altLang="en-US"/>
+          </a:p>
+        </p:txBody>
+      </p:sp>
+      <p:sp>
+        <p:nvSpPr>
+          <p:cNvPr id="3" name="날짜 개체 틀 2"/>
+          <p:cNvSpPr>
+            <a:spLocks noGrp="1"/>
+          </p:cNvSpPr>
+          <p:nvPr>
+            <p:ph type="dt" idx="1"/>
+          </p:nvPr>
+        </p:nvSpPr>
+        <p:spPr>
+          <a:xfrm>
+            <a:off x="3884613" y="0"/>
+            <a:ext cx="2971800" cy="458788"/>
+          </a:xfrm>
+          <a:prstGeom prst="rect">
+            <a:avLst/>
+          </a:prstGeom>
+        </p:spPr>
+        <p:txBody>
+          <a:bodyPr vert="horz" lIns="91440" tIns="45720" rIns="91440" bIns="45720" rtlCol="0"/>
+          <a:lstStyle>
+            <a:lvl1pPr algn="r">
+              <a:defRPr sz="1200"/>
+            </a:lvl1pPr>
+          </a:lstStyle>
+          <a:p>
+            <a:fld id="{08AF98BB-FBB9-4121-B835-A8F8308C9DCD}" type="datetimeFigureOut">
+              <a:rPr lang="ko-KR" altLang="en-US" smtClean="0"/>
+              <a:t>2020-05-11</a:t>
+            </a:fld>
+            <a:endParaRPr lang="ko-KR" altLang="en-US"/>
+          </a:p>
+        </p:txBody>
+      </p:sp>
+      <p:sp>
+        <p:nvSpPr>
+          <p:cNvPr id="4" name="슬라이드 이미지 개체 틀 3"/>
+          <p:cNvSpPr>
+            <a:spLocks noGrp="1" noRot="1" noChangeAspect="1"/>
+          </p:cNvSpPr>
+          <p:nvPr>
+            <p:ph type="sldImg" idx="2"/>
+          </p:nvPr>
+        </p:nvSpPr>
+        <p:spPr>
+          <a:xfrm>
+            <a:off x="685800" y="1143000"/>
+            <a:ext cx="5486400" cy="3086100"/>
+          </a:xfrm>
+          <a:prstGeom prst="rect">
+            <a:avLst/>
+          </a:prstGeom>
+          <a:noFill/>
+          <a:ln w="12700">
+            <a:solidFill>
+              <a:prstClr val="black"/>
+            </a:solidFill>
+          </a:ln>
+        </p:spPr>
+        <p:txBody>
+          <a:bodyPr vert="horz" lIns="91440" tIns="45720" rIns="91440" bIns="45720" rtlCol="0" anchor="ctr"/>
+          <a:lstStyle/>
+          <a:p>
+            <a:endParaRPr lang="ko-KR" altLang="en-US"/>
+          </a:p>
+        </p:txBody>
+      </p:sp>
+      <p:sp>
+        <p:nvSpPr>
+          <p:cNvPr id="5" name="슬라이드 노트 개체 틀 4"/>
+          <p:cNvSpPr>
+            <a:spLocks noGrp="1"/>
+          </p:cNvSpPr>
+          <p:nvPr>
+            <p:ph type="body" sz="quarter" idx="3"/>
+          </p:nvPr>
+        </p:nvSpPr>
+        <p:spPr>
+          <a:xfrm>
+            <a:off x="685800" y="4400550"/>
+            <a:ext cx="5486400" cy="3600450"/>
+          </a:xfrm>
+          <a:prstGeom prst="rect">
+            <a:avLst/>
+          </a:prstGeom>
+        </p:spPr>
+        <p:txBody>
+          <a:bodyPr vert="horz" lIns="91440" tIns="45720" rIns="91440" bIns="45720" rtlCol="0"/>
+          <a:lstStyle/>
+          <a:p>
+            <a:pPr lvl="0"/>
+            <a:r>
+              <a:rPr lang="ko-KR" altLang="en-US"/>
+              <a:t>마스터 텍스트 스타일을 편집하려면 클릭</a:t>
+            </a:r>
+          </a:p>
+          <a:p>
+            <a:pPr lvl="1"/>
+            <a:r>
+              <a:rPr lang="ko-KR" altLang="en-US"/>
+              <a:t>두 번째 수준</a:t>
+            </a:r>
+          </a:p>
+          <a:p>
+            <a:pPr lvl="2"/>
+            <a:r>
+              <a:rPr lang="ko-KR" altLang="en-US"/>
+              <a:t>세 번째 수준</a:t>
+            </a:r>
+          </a:p>
+          <a:p>
+            <a:pPr lvl="3"/>
+            <a:r>
+              <a:rPr lang="ko-KR" altLang="en-US"/>
+              <a:t>네 번째 수준</a:t>
+            </a:r>
+          </a:p>
+          <a:p>
+            <a:pPr lvl="4"/>
+            <a:r>
+              <a:rPr lang="ko-KR" altLang="en-US"/>
+              <a:t>다섯 번째 수준</a:t>
+            </a:r>
+          </a:p>
+        </p:txBody>
+      </p:sp>
+      <p:sp>
+        <p:nvSpPr>
+          <p:cNvPr id="6" name="바닥글 개체 틀 5"/>
+          <p:cNvSpPr>
+            <a:spLocks noGrp="1"/>
+          </p:cNvSpPr>
+          <p:nvPr>
+            <p:ph type="ftr" sz="quarter" idx="4"/>
+          </p:nvPr>
+        </p:nvSpPr>
+        <p:spPr>
+          <a:xfrm>
+            <a:off x="0" y="8685213"/>
+            <a:ext cx="2971800" cy="458787"/>
+          </a:xfrm>
+          <a:prstGeom prst="rect">
+            <a:avLst/>
+          </a:prstGeom>
+        </p:spPr>
+        <p:txBody>
+          <a:bodyPr vert="horz" lIns="91440" tIns="45720" rIns="91440" bIns="45720" rtlCol="0" anchor="b"/>
+          <a:lstStyle>
+            <a:lvl1pPr algn="l">
+              <a:defRPr sz="1200"/>
+            </a:lvl1pPr>
+          </a:lstStyle>
+          <a:p>
+            <a:endParaRPr lang="ko-KR" altLang="en-US"/>
+          </a:p>
+        </p:txBody>
+      </p:sp>
+      <p:sp>
+        <p:nvSpPr>
+          <p:cNvPr id="7" name="슬라이드 번호 개체 틀 6"/>
+          <p:cNvSpPr>
+            <a:spLocks noGrp="1"/>
+          </p:cNvSpPr>
+          <p:nvPr>
+            <p:ph type="sldNum" sz="quarter" idx="5"/>
+          </p:nvPr>
+        </p:nvSpPr>
+        <p:spPr>
+          <a:xfrm>
+            <a:off x="3884613" y="8685213"/>
+            <a:ext cx="2971800" cy="458787"/>
+          </a:xfrm>
+          <a:prstGeom prst="rect">
+            <a:avLst/>
+          </a:prstGeom>
+        </p:spPr>
+        <p:txBody>
+          <a:bodyPr vert="horz" lIns="91440" tIns="45720" rIns="91440" bIns="45720" rtlCol="0" anchor="b"/>
+          <a:lstStyle>
+            <a:lvl1pPr algn="r">
+              <a:defRPr sz="1200"/>
+            </a:lvl1pPr>
+          </a:lstStyle>
+          <a:p>
+            <a:fld id="{DBF16BC2-C7EA-42F2-8CAC-6D490889E094}" type="slidenum">
+              <a:rPr lang="ko-KR" altLang="en-US" smtClean="0"/>
+              <a:t>‹#›</a:t>
+            </a:fld>
+            <a:endParaRPr lang="ko-KR" altLang="en-US"/>
+          </a:p>
+        </p:txBody>
+      </p:sp>
+    </p:spTree>
+    <p:extLst>
+      <p:ext uri="{BB962C8B-B14F-4D97-AF65-F5344CB8AC3E}">
+        <p14:creationId xmlns:p14="http://schemas.microsoft.com/office/powerpoint/2010/main" val="950551223"/>
+      </p:ext>
+    </p:extLst>
+  </p:cSld>
+  <p:clrMap bg1="lt1" tx1="dk1" bg2="lt2" tx2="dk2" accent1="accent1" accent2="accent2" accent3="accent3" accent4="accent4" accent5="accent5" accent6="accent6" hlink="hlink" folHlink="folHlink"/>
+  <p:notesStyle>
+    <a:lvl1pPr marL="0" algn="l" defTabSz="914400" rtl="0" eaLnBrk="1" latinLnBrk="1" hangingPunct="1">
+      <a:defRPr sz="1200" kern="1200">
+        <a:solidFill>
+          <a:schemeClr val="tx1"/>
+        </a:solidFill>
+        <a:latin typeface="+mn-lt"/>
+        <a:ea typeface="+mn-ea"/>
+        <a:cs typeface="+mn-cs"/>
+      </a:defRPr>
+    </a:lvl1pPr>
+    <a:lvl2pPr marL="457200" algn="l" defTabSz="914400" rtl="0" eaLnBrk="1" latinLnBrk="1" hangingPunct="1">
+      <a:defRPr sz="1200" kern="1200">
+        <a:solidFill>
+          <a:schemeClr val="tx1"/>
+        </a:solidFill>
+        <a:latin typeface="+mn-lt"/>
+        <a:ea typeface="+mn-ea"/>
+        <a:cs typeface="+mn-cs"/>
+      </a:defRPr>
+    </a:lvl2pPr>
+    <a:lvl3pPr marL="914400" algn="l" defTabSz="914400" rtl="0" eaLnBrk="1" latinLnBrk="1" hangingPunct="1">
+      <a:defRPr sz="1200" kern="1200">
+        <a:solidFill>
+          <a:schemeClr val="tx1"/>
+        </a:solidFill>
+        <a:latin typeface="+mn-lt"/>
+        <a:ea typeface="+mn-ea"/>
+        <a:cs typeface="+mn-cs"/>
+      </a:defRPr>
+    </a:lvl3pPr>
+    <a:lvl4pPr marL="1371600" algn="l" defTabSz="914400" rtl="0" eaLnBrk="1" latinLnBrk="1" hangingPunct="1">
+      <a:defRPr sz="1200" kern="1200">
+        <a:solidFill>
+          <a:schemeClr val="tx1"/>
+        </a:solidFill>
+        <a:latin typeface="+mn-lt"/>
+        <a:ea typeface="+mn-ea"/>
+        <a:cs typeface="+mn-cs"/>
+      </a:defRPr>
+    </a:lvl4pPr>
+    <a:lvl5pPr marL="1828800" algn="l" defTabSz="914400" rtl="0" eaLnBrk="1" latinLnBrk="1" hangingPunct="1">
+      <a:defRPr sz="1200" kern="1200">
+        <a:solidFill>
+          <a:schemeClr val="tx1"/>
+        </a:solidFill>
+        <a:latin typeface="+mn-lt"/>
+        <a:ea typeface="+mn-ea"/>
+        <a:cs typeface="+mn-cs"/>
+      </a:defRPr>
+    </a:lvl5pPr>
+    <a:lvl6pPr marL="2286000" algn="l" defTabSz="914400" rtl="0" eaLnBrk="1" latinLnBrk="1" hangingPunct="1">
+      <a:defRPr sz="1200" kern="1200">
+        <a:solidFill>
+          <a:schemeClr val="tx1"/>
+        </a:solidFill>
+        <a:latin typeface="+mn-lt"/>
+        <a:ea typeface="+mn-ea"/>
+        <a:cs typeface="+mn-cs"/>
+      </a:defRPr>
+    </a:lvl6pPr>
+    <a:lvl7pPr marL="2743200" algn="l" defTabSz="914400" rtl="0" eaLnBrk="1" latinLnBrk="1" hangingPunct="1">
+      <a:defRPr sz="1200" kern="1200">
+        <a:solidFill>
+          <a:schemeClr val="tx1"/>
+        </a:solidFill>
+        <a:latin typeface="+mn-lt"/>
+        <a:ea typeface="+mn-ea"/>
+        <a:cs typeface="+mn-cs"/>
+      </a:defRPr>
+    </a:lvl7pPr>
+    <a:lvl8pPr marL="3200400" algn="l" defTabSz="914400" rtl="0" eaLnBrk="1" latinLnBrk="1" hangingPunct="1">
+      <a:defRPr sz="1200" kern="1200">
+        <a:solidFill>
+          <a:schemeClr val="tx1"/>
+        </a:solidFill>
+        <a:latin typeface="+mn-lt"/>
+        <a:ea typeface="+mn-ea"/>
+        <a:cs typeface="+mn-cs"/>
+      </a:defRPr>
+    </a:lvl8pPr>
+    <a:lvl9pPr marL="3657600" algn="l" defTabSz="914400" rtl="0" eaLnBrk="1" latinLnBrk="1" hangingPunct="1">
+      <a:defRPr sz="1200" kern="1200">
+        <a:solidFill>
+          <a:schemeClr val="tx1"/>
+        </a:solidFill>
+        <a:latin typeface="+mn-lt"/>
+        <a:ea typeface="+mn-ea"/>
+        <a:cs typeface="+mn-cs"/>
+      </a:defRPr>
+    </a:lvl9pPr>
+  </p:notesStyle>
+</p:notesMaster>
+</file>
+
+<file path=ppt/notesSlides/notesSlide1.xml><?xml version="1.0" encoding="utf-8"?>
+<p:notes xmlns:a="http://schemas.openxmlformats.org/drawingml/2006/main" xmlns:r="http://schemas.openxmlformats.org/officeDocument/2006/relationships" xmlns:p="http://schemas.openxmlformats.org/presentationml/2006/main">
+  <p:cSld>
+    <p:spTree>
+      <p:nvGrpSpPr>
+        <p:cNvPr id="1" name=""/>
+        <p:cNvGrpSpPr/>
+        <p:nvPr/>
+      </p:nvGrpSpPr>
+      <p:grpSpPr>
+        <a:xfrm>
+          <a:off x="0" y="0"/>
+          <a:ext cx="0" cy="0"/>
+          <a:chOff x="0" y="0"/>
+          <a:chExt cx="0" cy="0"/>
+        </a:xfrm>
+      </p:grpSpPr>
+      <p:sp>
+        <p:nvSpPr>
+          <p:cNvPr id="2" name="슬라이드 이미지 개체 틀 1"/>
+          <p:cNvSpPr>
+            <a:spLocks noGrp="1" noRot="1" noChangeAspect="1"/>
+          </p:cNvSpPr>
+          <p:nvPr>
+            <p:ph type="sldImg"/>
+          </p:nvPr>
+        </p:nvSpPr>
+        <p:spPr/>
+      </p:sp>
+      <p:sp>
+        <p:nvSpPr>
+          <p:cNvPr id="3" name="슬라이드 노트 개체 틀 2"/>
+          <p:cNvSpPr>
+            <a:spLocks noGrp="1"/>
+          </p:cNvSpPr>
+          <p:nvPr>
+            <p:ph type="body" idx="1"/>
+          </p:nvPr>
+        </p:nvSpPr>
+        <p:spPr/>
+        <p:txBody>
+          <a:bodyPr/>
+          <a:lstStyle/>
+          <a:p>
+            <a:endParaRPr lang="ko-KR" altLang="en-US" dirty="0"/>
+          </a:p>
+        </p:txBody>
+      </p:sp>
+      <p:sp>
+        <p:nvSpPr>
+          <p:cNvPr id="4" name="슬라이드 번호 개체 틀 3"/>
+          <p:cNvSpPr>
+            <a:spLocks noGrp="1"/>
+          </p:cNvSpPr>
+          <p:nvPr>
+            <p:ph type="sldNum" sz="quarter" idx="5"/>
+          </p:nvPr>
+        </p:nvSpPr>
+        <p:spPr/>
+        <p:txBody>
+          <a:bodyPr/>
+          <a:lstStyle/>
+          <a:p>
+            <a:fld id="{DBF16BC2-C7EA-42F2-8CAC-6D490889E094}" type="slidenum">
+              <a:rPr lang="ko-KR" altLang="en-US" smtClean="0"/>
+              <a:t>5</a:t>
+            </a:fld>
+            <a:endParaRPr lang="ko-KR" altLang="en-US"/>
+          </a:p>
+        </p:txBody>
+      </p:sp>
+    </p:spTree>
+    <p:extLst>
+      <p:ext uri="{BB962C8B-B14F-4D97-AF65-F5344CB8AC3E}">
+        <p14:creationId xmlns:p14="http://schemas.microsoft.com/office/powerpoint/2010/main" val="2687549512"/>
+      </p:ext>
+    </p:extLst>
+  </p:cSld>
+  <p:clrMapOvr>
+    <a:masterClrMapping/>
+  </p:clrMapOvr>
+</p:notes>
 </file>
 
 <file path=ppt/slideLayouts/slideLayout1.xml><?xml version="1.0" encoding="utf-8"?>
@@ -8958,6 +12174,4722 @@
 </p:sld>
 </file>
 
+<file path=ppt/slides/slide3.xml><?xml version="1.0" encoding="utf-8"?>
+<p:sld xmlns:a="http://schemas.openxmlformats.org/drawingml/2006/main" xmlns:r="http://schemas.openxmlformats.org/officeDocument/2006/relationships" xmlns:p="http://schemas.openxmlformats.org/presentationml/2006/main">
+  <p:cSld>
+    <p:spTree>
+      <p:nvGrpSpPr>
+        <p:cNvPr id="1" name=""/>
+        <p:cNvGrpSpPr/>
+        <p:nvPr/>
+      </p:nvGrpSpPr>
+      <p:grpSpPr>
+        <a:xfrm>
+          <a:off x="0" y="0"/>
+          <a:ext cx="0" cy="0"/>
+          <a:chOff x="0" y="0"/>
+          <a:chExt cx="0" cy="0"/>
+        </a:xfrm>
+      </p:grpSpPr>
+      <p:sp>
+        <p:nvSpPr>
+          <p:cNvPr id="81" name="사각형: 둥근 모서리 80">
+            <a:extLst>
+              <a:ext uri="{FF2B5EF4-FFF2-40B4-BE49-F238E27FC236}">
+                <a16:creationId xmlns:a16="http://schemas.microsoft.com/office/drawing/2014/main" id="{6957CEF3-84F8-4C70-BBAC-97A19FBC74B8}"/>
+              </a:ext>
+            </a:extLst>
+          </p:cNvPr>
+          <p:cNvSpPr/>
+          <p:nvPr/>
+        </p:nvSpPr>
+        <p:spPr>
+          <a:xfrm>
+            <a:off x="5244006" y="6117476"/>
+            <a:ext cx="2029410" cy="399136"/>
+          </a:xfrm>
+          <a:prstGeom prst="roundRect">
+            <a:avLst/>
+          </a:prstGeom>
+          <a:noFill/>
+          <a:ln w="38100">
+            <a:noFill/>
+          </a:ln>
+        </p:spPr>
+        <p:style>
+          <a:lnRef idx="2">
+            <a:schemeClr val="accent1">
+              <a:shade val="50000"/>
+            </a:schemeClr>
+          </a:lnRef>
+          <a:fillRef idx="1">
+            <a:schemeClr val="accent1"/>
+          </a:fillRef>
+          <a:effectRef idx="0">
+            <a:schemeClr val="accent1"/>
+          </a:effectRef>
+          <a:fontRef idx="minor">
+            <a:schemeClr val="lt1"/>
+          </a:fontRef>
+        </p:style>
+        <p:txBody>
+          <a:bodyPr rtlCol="0" anchor="ctr"/>
+          <a:lstStyle/>
+          <a:p>
+            <a:pPr algn="ctr"/>
+            <a:r>
+              <a:rPr lang="en-US" altLang="ko-KR" sz="1600" b="1" dirty="0">
+                <a:solidFill>
+                  <a:schemeClr val="tx1"/>
+                </a:solidFill>
+                <a:latin typeface="나눔고딕 ExtraBold" panose="020D0904000000000000" pitchFamily="50" charset="-127"/>
+                <a:ea typeface="나눔고딕 ExtraBold" panose="020D0904000000000000" pitchFamily="50" charset="-127"/>
+              </a:rPr>
+              <a:t>Nodes</a:t>
+            </a:r>
+            <a:endParaRPr lang="ko-KR" altLang="en-US" sz="1600" b="1" dirty="0">
+              <a:solidFill>
+                <a:schemeClr val="tx1"/>
+              </a:solidFill>
+              <a:latin typeface="나눔고딕 ExtraBold" panose="020D0904000000000000" pitchFamily="50" charset="-127"/>
+              <a:ea typeface="나눔고딕 ExtraBold" panose="020D0904000000000000" pitchFamily="50" charset="-127"/>
+            </a:endParaRPr>
+          </a:p>
+        </p:txBody>
+      </p:sp>
+      <p:grpSp>
+        <p:nvGrpSpPr>
+          <p:cNvPr id="108" name="그룹 107">
+            <a:extLst>
+              <a:ext uri="{FF2B5EF4-FFF2-40B4-BE49-F238E27FC236}">
+                <a16:creationId xmlns:a16="http://schemas.microsoft.com/office/drawing/2014/main" id="{EDD1225D-FDAD-4644-9BFC-EB2B7F47C5E9}"/>
+              </a:ext>
+            </a:extLst>
+          </p:cNvPr>
+          <p:cNvGrpSpPr/>
+          <p:nvPr/>
+        </p:nvGrpSpPr>
+        <p:grpSpPr>
+          <a:xfrm>
+            <a:off x="6387538" y="4736839"/>
+            <a:ext cx="4339952" cy="1234782"/>
+            <a:chOff x="6505527" y="1347688"/>
+            <a:chExt cx="4339952" cy="1234782"/>
+          </a:xfrm>
+        </p:grpSpPr>
+        <p:sp>
+          <p:nvSpPr>
+            <p:cNvPr id="109" name="직사각형 108">
+              <a:extLst>
+                <a:ext uri="{FF2B5EF4-FFF2-40B4-BE49-F238E27FC236}">
+                  <a16:creationId xmlns:a16="http://schemas.microsoft.com/office/drawing/2014/main" id="{994C4E9D-B1C2-4A68-A466-3CCDC86476DF}"/>
+                </a:ext>
+              </a:extLst>
+            </p:cNvPr>
+            <p:cNvSpPr/>
+            <p:nvPr/>
+          </p:nvSpPr>
+          <p:spPr>
+            <a:xfrm>
+              <a:off x="6505527" y="1347688"/>
+              <a:ext cx="4339952" cy="1234782"/>
+            </a:xfrm>
+            <a:prstGeom prst="rect">
+              <a:avLst/>
+            </a:prstGeom>
+            <a:solidFill>
+              <a:schemeClr val="accent5">
+                <a:lumMod val="40000"/>
+                <a:lumOff val="60000"/>
+                <a:alpha val="50000"/>
+              </a:schemeClr>
+            </a:solidFill>
+            <a:ln w="38100">
+              <a:solidFill>
+                <a:schemeClr val="accent5">
+                  <a:lumMod val="75000"/>
+                </a:schemeClr>
+              </a:solidFill>
+            </a:ln>
+          </p:spPr>
+          <p:style>
+            <a:lnRef idx="2">
+              <a:schemeClr val="accent1">
+                <a:shade val="50000"/>
+              </a:schemeClr>
+            </a:lnRef>
+            <a:fillRef idx="1">
+              <a:schemeClr val="accent1"/>
+            </a:fillRef>
+            <a:effectRef idx="0">
+              <a:schemeClr val="accent1"/>
+            </a:effectRef>
+            <a:fontRef idx="minor">
+              <a:schemeClr val="lt1"/>
+            </a:fontRef>
+          </p:style>
+          <p:txBody>
+            <a:bodyPr rtlCol="0" anchor="ctr"/>
+            <a:lstStyle/>
+            <a:p>
+              <a:pPr algn="ctr"/>
+              <a:endParaRPr lang="ko-KR" altLang="en-US" sz="1400" b="1" dirty="0">
+                <a:solidFill>
+                  <a:srgbClr val="B8006E"/>
+                </a:solidFill>
+                <a:latin typeface="나눔고딕" panose="020D0604000000000000" pitchFamily="50" charset="-127"/>
+                <a:ea typeface="나눔고딕" panose="020D0604000000000000" pitchFamily="50" charset="-127"/>
+              </a:endParaRPr>
+            </a:p>
+          </p:txBody>
+        </p:sp>
+        <p:sp>
+          <p:nvSpPr>
+            <p:cNvPr id="110" name="직사각형 109">
+              <a:extLst>
+                <a:ext uri="{FF2B5EF4-FFF2-40B4-BE49-F238E27FC236}">
+                  <a16:creationId xmlns:a16="http://schemas.microsoft.com/office/drawing/2014/main" id="{AFE3C559-97F8-4434-895B-1C77231EDA01}"/>
+                </a:ext>
+              </a:extLst>
+            </p:cNvPr>
+            <p:cNvSpPr/>
+            <p:nvPr/>
+          </p:nvSpPr>
+          <p:spPr>
+            <a:xfrm>
+              <a:off x="6614980" y="1452896"/>
+              <a:ext cx="983929" cy="605288"/>
+            </a:xfrm>
+            <a:prstGeom prst="rect">
+              <a:avLst/>
+            </a:prstGeom>
+            <a:solidFill>
+              <a:schemeClr val="accent4"/>
+            </a:solidFill>
+            <a:ln w="38100">
+              <a:noFill/>
+            </a:ln>
+          </p:spPr>
+          <p:style>
+            <a:lnRef idx="2">
+              <a:schemeClr val="accent1">
+                <a:shade val="50000"/>
+              </a:schemeClr>
+            </a:lnRef>
+            <a:fillRef idx="1">
+              <a:schemeClr val="accent1"/>
+            </a:fillRef>
+            <a:effectRef idx="0">
+              <a:schemeClr val="accent1"/>
+            </a:effectRef>
+            <a:fontRef idx="minor">
+              <a:schemeClr val="lt1"/>
+            </a:fontRef>
+          </p:style>
+          <p:txBody>
+            <a:bodyPr rtlCol="0" anchor="ctr"/>
+            <a:lstStyle/>
+            <a:p>
+              <a:pPr algn="ctr"/>
+              <a:r>
+                <a:rPr lang="en-US" altLang="ko-KR" sz="1400" b="1" dirty="0" err="1">
+                  <a:solidFill>
+                    <a:schemeClr val="bg1"/>
+                  </a:solidFill>
+                  <a:latin typeface="나눔고딕" panose="020D0604000000000000" pitchFamily="50" charset="-127"/>
+                  <a:ea typeface="나눔고딕" panose="020D0604000000000000" pitchFamily="50" charset="-127"/>
+                </a:rPr>
+                <a:t>kubelet</a:t>
+              </a:r>
+              <a:endParaRPr lang="ko-KR" altLang="en-US" sz="1400" b="1" dirty="0">
+                <a:solidFill>
+                  <a:schemeClr val="bg1"/>
+                </a:solidFill>
+                <a:latin typeface="나눔고딕" panose="020D0604000000000000" pitchFamily="50" charset="-127"/>
+                <a:ea typeface="나눔고딕" panose="020D0604000000000000" pitchFamily="50" charset="-127"/>
+              </a:endParaRPr>
+            </a:p>
+          </p:txBody>
+        </p:sp>
+        <p:sp>
+          <p:nvSpPr>
+            <p:cNvPr id="111" name="직사각형 110">
+              <a:extLst>
+                <a:ext uri="{FF2B5EF4-FFF2-40B4-BE49-F238E27FC236}">
+                  <a16:creationId xmlns:a16="http://schemas.microsoft.com/office/drawing/2014/main" id="{554272BF-7F62-477E-861F-8EAF29294C3F}"/>
+                </a:ext>
+              </a:extLst>
+            </p:cNvPr>
+            <p:cNvSpPr/>
+            <p:nvPr/>
+          </p:nvSpPr>
+          <p:spPr>
+            <a:xfrm>
+              <a:off x="7691574" y="1452896"/>
+              <a:ext cx="983929" cy="605288"/>
+            </a:xfrm>
+            <a:prstGeom prst="rect">
+              <a:avLst/>
+            </a:prstGeom>
+            <a:solidFill>
+              <a:schemeClr val="accent6"/>
+            </a:solidFill>
+            <a:ln w="38100">
+              <a:noFill/>
+            </a:ln>
+          </p:spPr>
+          <p:style>
+            <a:lnRef idx="2">
+              <a:schemeClr val="accent1">
+                <a:shade val="50000"/>
+              </a:schemeClr>
+            </a:lnRef>
+            <a:fillRef idx="1">
+              <a:schemeClr val="accent1"/>
+            </a:fillRef>
+            <a:effectRef idx="0">
+              <a:schemeClr val="accent1"/>
+            </a:effectRef>
+            <a:fontRef idx="minor">
+              <a:schemeClr val="lt1"/>
+            </a:fontRef>
+          </p:style>
+          <p:txBody>
+            <a:bodyPr rtlCol="0" anchor="ctr"/>
+            <a:lstStyle/>
+            <a:p>
+              <a:pPr algn="ctr"/>
+              <a:r>
+                <a:rPr lang="en-US" altLang="ko-KR" sz="1400" b="1" dirty="0" err="1">
+                  <a:solidFill>
+                    <a:schemeClr val="bg1"/>
+                  </a:solidFill>
+                  <a:latin typeface="나눔고딕" panose="020D0604000000000000" pitchFamily="50" charset="-127"/>
+                  <a:ea typeface="나눔고딕" panose="020D0604000000000000" pitchFamily="50" charset="-127"/>
+                </a:rPr>
+                <a:t>kube</a:t>
+              </a:r>
+              <a:r>
+                <a:rPr lang="en-US" altLang="ko-KR" sz="1400" b="1" dirty="0">
+                  <a:solidFill>
+                    <a:schemeClr val="bg1"/>
+                  </a:solidFill>
+                  <a:latin typeface="나눔고딕" panose="020D0604000000000000" pitchFamily="50" charset="-127"/>
+                  <a:ea typeface="나눔고딕" panose="020D0604000000000000" pitchFamily="50" charset="-127"/>
+                </a:rPr>
+                <a:t>-proxy</a:t>
+              </a:r>
+              <a:endParaRPr lang="ko-KR" altLang="en-US" sz="1400" b="1" dirty="0">
+                <a:solidFill>
+                  <a:schemeClr val="bg1"/>
+                </a:solidFill>
+                <a:latin typeface="나눔고딕" panose="020D0604000000000000" pitchFamily="50" charset="-127"/>
+                <a:ea typeface="나눔고딕" panose="020D0604000000000000" pitchFamily="50" charset="-127"/>
+              </a:endParaRPr>
+            </a:p>
+          </p:txBody>
+        </p:sp>
+        <p:sp>
+          <p:nvSpPr>
+            <p:cNvPr id="112" name="직사각형 111">
+              <a:extLst>
+                <a:ext uri="{FF2B5EF4-FFF2-40B4-BE49-F238E27FC236}">
+                  <a16:creationId xmlns:a16="http://schemas.microsoft.com/office/drawing/2014/main" id="{CDE6B1F3-6288-47CE-A1C6-850F4D3E53E8}"/>
+                </a:ext>
+              </a:extLst>
+            </p:cNvPr>
+            <p:cNvSpPr/>
+            <p:nvPr/>
+          </p:nvSpPr>
+          <p:spPr>
+            <a:xfrm>
+              <a:off x="6614980" y="2186262"/>
+              <a:ext cx="4126326" cy="338514"/>
+            </a:xfrm>
+            <a:prstGeom prst="rect">
+              <a:avLst/>
+            </a:prstGeom>
+            <a:solidFill>
+              <a:schemeClr val="accent1">
+                <a:lumMod val="50000"/>
+              </a:schemeClr>
+            </a:solidFill>
+            <a:ln w="38100">
+              <a:noFill/>
+            </a:ln>
+          </p:spPr>
+          <p:style>
+            <a:lnRef idx="2">
+              <a:schemeClr val="accent1">
+                <a:shade val="50000"/>
+              </a:schemeClr>
+            </a:lnRef>
+            <a:fillRef idx="1">
+              <a:schemeClr val="accent1"/>
+            </a:fillRef>
+            <a:effectRef idx="0">
+              <a:schemeClr val="accent1"/>
+            </a:effectRef>
+            <a:fontRef idx="minor">
+              <a:schemeClr val="lt1"/>
+            </a:fontRef>
+          </p:style>
+          <p:txBody>
+            <a:bodyPr rtlCol="0" anchor="ctr"/>
+            <a:lstStyle/>
+            <a:p>
+              <a:pPr algn="ctr"/>
+              <a:r>
+                <a:rPr lang="en-US" altLang="ko-KR" sz="1400" b="1" dirty="0">
+                  <a:solidFill>
+                    <a:schemeClr val="bg1"/>
+                  </a:solidFill>
+                  <a:latin typeface="나눔고딕" panose="020D0604000000000000" pitchFamily="50" charset="-127"/>
+                  <a:ea typeface="나눔고딕" panose="020D0604000000000000" pitchFamily="50" charset="-127"/>
+                </a:rPr>
+                <a:t>OS</a:t>
+              </a:r>
+              <a:endParaRPr lang="ko-KR" altLang="en-US" sz="1400" b="1" dirty="0">
+                <a:solidFill>
+                  <a:schemeClr val="bg1"/>
+                </a:solidFill>
+                <a:latin typeface="나눔고딕" panose="020D0604000000000000" pitchFamily="50" charset="-127"/>
+                <a:ea typeface="나눔고딕" panose="020D0604000000000000" pitchFamily="50" charset="-127"/>
+              </a:endParaRPr>
+            </a:p>
+          </p:txBody>
+        </p:sp>
+        <p:sp>
+          <p:nvSpPr>
+            <p:cNvPr id="113" name="직사각형 112">
+              <a:extLst>
+                <a:ext uri="{FF2B5EF4-FFF2-40B4-BE49-F238E27FC236}">
+                  <a16:creationId xmlns:a16="http://schemas.microsoft.com/office/drawing/2014/main" id="{D29E6288-BFE9-4C12-910B-0202DAE5EB71}"/>
+                </a:ext>
+              </a:extLst>
+            </p:cNvPr>
+            <p:cNvSpPr/>
+            <p:nvPr/>
+          </p:nvSpPr>
+          <p:spPr>
+            <a:xfrm>
+              <a:off x="8768168" y="1798320"/>
+              <a:ext cx="1973138" cy="259864"/>
+            </a:xfrm>
+            <a:prstGeom prst="rect">
+              <a:avLst/>
+            </a:prstGeom>
+            <a:solidFill>
+              <a:schemeClr val="accent5">
+                <a:lumMod val="75000"/>
+              </a:schemeClr>
+            </a:solidFill>
+            <a:ln w="38100">
+              <a:noFill/>
+            </a:ln>
+          </p:spPr>
+          <p:style>
+            <a:lnRef idx="2">
+              <a:schemeClr val="accent1">
+                <a:shade val="50000"/>
+              </a:schemeClr>
+            </a:lnRef>
+            <a:fillRef idx="1">
+              <a:schemeClr val="accent1"/>
+            </a:fillRef>
+            <a:effectRef idx="0">
+              <a:schemeClr val="accent1"/>
+            </a:effectRef>
+            <a:fontRef idx="minor">
+              <a:schemeClr val="lt1"/>
+            </a:fontRef>
+          </p:style>
+          <p:txBody>
+            <a:bodyPr rtlCol="0" anchor="ctr"/>
+            <a:lstStyle/>
+            <a:p>
+              <a:pPr algn="ctr"/>
+              <a:r>
+                <a:rPr lang="en-US" altLang="ko-KR" sz="1400" b="1" dirty="0">
+                  <a:solidFill>
+                    <a:schemeClr val="bg1"/>
+                  </a:solidFill>
+                  <a:latin typeface="나눔고딕" panose="020D0604000000000000" pitchFamily="50" charset="-127"/>
+                  <a:ea typeface="나눔고딕" panose="020D0604000000000000" pitchFamily="50" charset="-127"/>
+                </a:rPr>
+                <a:t>Docker Engine</a:t>
+              </a:r>
+              <a:endParaRPr lang="ko-KR" altLang="en-US" sz="1400" b="1" dirty="0">
+                <a:solidFill>
+                  <a:schemeClr val="bg1"/>
+                </a:solidFill>
+                <a:latin typeface="나눔고딕" panose="020D0604000000000000" pitchFamily="50" charset="-127"/>
+                <a:ea typeface="나눔고딕" panose="020D0604000000000000" pitchFamily="50" charset="-127"/>
+              </a:endParaRPr>
+            </a:p>
+          </p:txBody>
+        </p:sp>
+        <p:sp>
+          <p:nvSpPr>
+            <p:cNvPr id="114" name="직사각형 113">
+              <a:extLst>
+                <a:ext uri="{FF2B5EF4-FFF2-40B4-BE49-F238E27FC236}">
+                  <a16:creationId xmlns:a16="http://schemas.microsoft.com/office/drawing/2014/main" id="{A0F27F06-6CB2-44B4-9480-D084B330F7E7}"/>
+                </a:ext>
+              </a:extLst>
+            </p:cNvPr>
+            <p:cNvSpPr/>
+            <p:nvPr/>
+          </p:nvSpPr>
+          <p:spPr>
+            <a:xfrm>
+              <a:off x="8768168" y="1452896"/>
+              <a:ext cx="629832" cy="259864"/>
+            </a:xfrm>
+            <a:prstGeom prst="rect">
+              <a:avLst/>
+            </a:prstGeom>
+            <a:solidFill>
+              <a:schemeClr val="accent2">
+                <a:lumMod val="60000"/>
+                <a:lumOff val="40000"/>
+              </a:schemeClr>
+            </a:solidFill>
+            <a:ln w="38100">
+              <a:noFill/>
+            </a:ln>
+          </p:spPr>
+          <p:style>
+            <a:lnRef idx="2">
+              <a:schemeClr val="accent1">
+                <a:shade val="50000"/>
+              </a:schemeClr>
+            </a:lnRef>
+            <a:fillRef idx="1">
+              <a:schemeClr val="accent1"/>
+            </a:fillRef>
+            <a:effectRef idx="0">
+              <a:schemeClr val="accent1"/>
+            </a:effectRef>
+            <a:fontRef idx="minor">
+              <a:schemeClr val="lt1"/>
+            </a:fontRef>
+          </p:style>
+          <p:txBody>
+            <a:bodyPr rtlCol="0" anchor="ctr"/>
+            <a:lstStyle/>
+            <a:p>
+              <a:pPr algn="ctr"/>
+              <a:r>
+                <a:rPr lang="en-US" altLang="ko-KR" sz="1400" b="1" dirty="0">
+                  <a:solidFill>
+                    <a:schemeClr val="tx1"/>
+                  </a:solidFill>
+                  <a:latin typeface="나눔고딕" panose="020D0604000000000000" pitchFamily="50" charset="-127"/>
+                  <a:ea typeface="나눔고딕" panose="020D0604000000000000" pitchFamily="50" charset="-127"/>
+                </a:rPr>
+                <a:t>Pod</a:t>
+              </a:r>
+              <a:endParaRPr lang="ko-KR" altLang="en-US" sz="1400" b="1" dirty="0">
+                <a:solidFill>
+                  <a:schemeClr val="tx1"/>
+                </a:solidFill>
+                <a:latin typeface="나눔고딕" panose="020D0604000000000000" pitchFamily="50" charset="-127"/>
+                <a:ea typeface="나눔고딕" panose="020D0604000000000000" pitchFamily="50" charset="-127"/>
+              </a:endParaRPr>
+            </a:p>
+          </p:txBody>
+        </p:sp>
+        <p:sp>
+          <p:nvSpPr>
+            <p:cNvPr id="115" name="직사각형 114">
+              <a:extLst>
+                <a:ext uri="{FF2B5EF4-FFF2-40B4-BE49-F238E27FC236}">
+                  <a16:creationId xmlns:a16="http://schemas.microsoft.com/office/drawing/2014/main" id="{AF8F2397-8E7E-42EF-8B92-6405EAFBEB41}"/>
+                </a:ext>
+              </a:extLst>
+            </p:cNvPr>
+            <p:cNvSpPr/>
+            <p:nvPr/>
+          </p:nvSpPr>
+          <p:spPr>
+            <a:xfrm>
+              <a:off x="9439865" y="1452896"/>
+              <a:ext cx="629832" cy="259864"/>
+            </a:xfrm>
+            <a:prstGeom prst="rect">
+              <a:avLst/>
+            </a:prstGeom>
+            <a:solidFill>
+              <a:schemeClr val="accent4">
+                <a:lumMod val="60000"/>
+                <a:lumOff val="40000"/>
+              </a:schemeClr>
+            </a:solidFill>
+            <a:ln w="38100">
+              <a:noFill/>
+            </a:ln>
+          </p:spPr>
+          <p:style>
+            <a:lnRef idx="2">
+              <a:schemeClr val="accent1">
+                <a:shade val="50000"/>
+              </a:schemeClr>
+            </a:lnRef>
+            <a:fillRef idx="1">
+              <a:schemeClr val="accent1"/>
+            </a:fillRef>
+            <a:effectRef idx="0">
+              <a:schemeClr val="accent1"/>
+            </a:effectRef>
+            <a:fontRef idx="minor">
+              <a:schemeClr val="lt1"/>
+            </a:fontRef>
+          </p:style>
+          <p:txBody>
+            <a:bodyPr rtlCol="0" anchor="ctr"/>
+            <a:lstStyle/>
+            <a:p>
+              <a:pPr algn="ctr"/>
+              <a:r>
+                <a:rPr lang="en-US" altLang="ko-KR" sz="1400" b="1" dirty="0">
+                  <a:solidFill>
+                    <a:schemeClr val="tx1"/>
+                  </a:solidFill>
+                  <a:latin typeface="나눔고딕" panose="020D0604000000000000" pitchFamily="50" charset="-127"/>
+                  <a:ea typeface="나눔고딕" panose="020D0604000000000000" pitchFamily="50" charset="-127"/>
+                </a:rPr>
+                <a:t>Pod</a:t>
+              </a:r>
+              <a:endParaRPr lang="ko-KR" altLang="en-US" sz="1400" b="1" dirty="0">
+                <a:solidFill>
+                  <a:schemeClr val="tx1"/>
+                </a:solidFill>
+                <a:latin typeface="나눔고딕" panose="020D0604000000000000" pitchFamily="50" charset="-127"/>
+                <a:ea typeface="나눔고딕" panose="020D0604000000000000" pitchFamily="50" charset="-127"/>
+              </a:endParaRPr>
+            </a:p>
+          </p:txBody>
+        </p:sp>
+        <p:sp>
+          <p:nvSpPr>
+            <p:cNvPr id="116" name="직사각형 115">
+              <a:extLst>
+                <a:ext uri="{FF2B5EF4-FFF2-40B4-BE49-F238E27FC236}">
+                  <a16:creationId xmlns:a16="http://schemas.microsoft.com/office/drawing/2014/main" id="{80C5DB2C-7560-4DE3-A516-725CC2710692}"/>
+                </a:ext>
+              </a:extLst>
+            </p:cNvPr>
+            <p:cNvSpPr/>
+            <p:nvPr/>
+          </p:nvSpPr>
+          <p:spPr>
+            <a:xfrm>
+              <a:off x="10111474" y="1452896"/>
+              <a:ext cx="629832" cy="259864"/>
+            </a:xfrm>
+            <a:prstGeom prst="rect">
+              <a:avLst/>
+            </a:prstGeom>
+            <a:solidFill>
+              <a:schemeClr val="bg2">
+                <a:lumMod val="90000"/>
+              </a:schemeClr>
+            </a:solidFill>
+            <a:ln w="38100">
+              <a:noFill/>
+            </a:ln>
+          </p:spPr>
+          <p:style>
+            <a:lnRef idx="2">
+              <a:schemeClr val="accent1">
+                <a:shade val="50000"/>
+              </a:schemeClr>
+            </a:lnRef>
+            <a:fillRef idx="1">
+              <a:schemeClr val="accent1"/>
+            </a:fillRef>
+            <a:effectRef idx="0">
+              <a:schemeClr val="accent1"/>
+            </a:effectRef>
+            <a:fontRef idx="minor">
+              <a:schemeClr val="lt1"/>
+            </a:fontRef>
+          </p:style>
+          <p:txBody>
+            <a:bodyPr rtlCol="0" anchor="ctr"/>
+            <a:lstStyle/>
+            <a:p>
+              <a:pPr algn="ctr"/>
+              <a:r>
+                <a:rPr lang="en-US" altLang="ko-KR" sz="1400" b="1" dirty="0">
+                  <a:solidFill>
+                    <a:schemeClr val="tx1"/>
+                  </a:solidFill>
+                  <a:latin typeface="나눔고딕" panose="020D0604000000000000" pitchFamily="50" charset="-127"/>
+                  <a:ea typeface="나눔고딕" panose="020D0604000000000000" pitchFamily="50" charset="-127"/>
+                </a:rPr>
+                <a:t>Pod</a:t>
+              </a:r>
+              <a:endParaRPr lang="ko-KR" altLang="en-US" sz="1400" b="1" dirty="0">
+                <a:solidFill>
+                  <a:schemeClr val="tx1"/>
+                </a:solidFill>
+                <a:latin typeface="나눔고딕" panose="020D0604000000000000" pitchFamily="50" charset="-127"/>
+                <a:ea typeface="나눔고딕" panose="020D0604000000000000" pitchFamily="50" charset="-127"/>
+              </a:endParaRPr>
+            </a:p>
+          </p:txBody>
+        </p:sp>
+      </p:grpSp>
+      <p:grpSp>
+        <p:nvGrpSpPr>
+          <p:cNvPr id="117" name="그룹 116">
+            <a:extLst>
+              <a:ext uri="{FF2B5EF4-FFF2-40B4-BE49-F238E27FC236}">
+                <a16:creationId xmlns:a16="http://schemas.microsoft.com/office/drawing/2014/main" id="{C208D7A4-9D2D-4463-860F-7F8E617496DD}"/>
+              </a:ext>
+            </a:extLst>
+          </p:cNvPr>
+          <p:cNvGrpSpPr/>
+          <p:nvPr/>
+        </p:nvGrpSpPr>
+        <p:grpSpPr>
+          <a:xfrm>
+            <a:off x="1638059" y="4738269"/>
+            <a:ext cx="4339952" cy="1234782"/>
+            <a:chOff x="6505527" y="1347688"/>
+            <a:chExt cx="4339952" cy="1234782"/>
+          </a:xfrm>
+        </p:grpSpPr>
+        <p:sp>
+          <p:nvSpPr>
+            <p:cNvPr id="118" name="직사각형 117">
+              <a:extLst>
+                <a:ext uri="{FF2B5EF4-FFF2-40B4-BE49-F238E27FC236}">
+                  <a16:creationId xmlns:a16="http://schemas.microsoft.com/office/drawing/2014/main" id="{6DDFBBE4-38F6-4929-BFFA-1ADA7F223B54}"/>
+                </a:ext>
+              </a:extLst>
+            </p:cNvPr>
+            <p:cNvSpPr/>
+            <p:nvPr/>
+          </p:nvSpPr>
+          <p:spPr>
+            <a:xfrm>
+              <a:off x="6505527" y="1347688"/>
+              <a:ext cx="4339952" cy="1234782"/>
+            </a:xfrm>
+            <a:prstGeom prst="rect">
+              <a:avLst/>
+            </a:prstGeom>
+            <a:solidFill>
+              <a:schemeClr val="accent5">
+                <a:lumMod val="40000"/>
+                <a:lumOff val="60000"/>
+                <a:alpha val="50000"/>
+              </a:schemeClr>
+            </a:solidFill>
+            <a:ln w="38100">
+              <a:solidFill>
+                <a:schemeClr val="accent5">
+                  <a:lumMod val="75000"/>
+                </a:schemeClr>
+              </a:solidFill>
+            </a:ln>
+          </p:spPr>
+          <p:style>
+            <a:lnRef idx="2">
+              <a:schemeClr val="accent1">
+                <a:shade val="50000"/>
+              </a:schemeClr>
+            </a:lnRef>
+            <a:fillRef idx="1">
+              <a:schemeClr val="accent1"/>
+            </a:fillRef>
+            <a:effectRef idx="0">
+              <a:schemeClr val="accent1"/>
+            </a:effectRef>
+            <a:fontRef idx="minor">
+              <a:schemeClr val="lt1"/>
+            </a:fontRef>
+          </p:style>
+          <p:txBody>
+            <a:bodyPr rtlCol="0" anchor="ctr"/>
+            <a:lstStyle/>
+            <a:p>
+              <a:pPr algn="ctr"/>
+              <a:endParaRPr lang="ko-KR" altLang="en-US" sz="1400" b="1" dirty="0">
+                <a:solidFill>
+                  <a:srgbClr val="B8006E"/>
+                </a:solidFill>
+                <a:latin typeface="나눔고딕" panose="020D0604000000000000" pitchFamily="50" charset="-127"/>
+                <a:ea typeface="나눔고딕" panose="020D0604000000000000" pitchFamily="50" charset="-127"/>
+              </a:endParaRPr>
+            </a:p>
+          </p:txBody>
+        </p:sp>
+        <p:sp>
+          <p:nvSpPr>
+            <p:cNvPr id="119" name="직사각형 118">
+              <a:extLst>
+                <a:ext uri="{FF2B5EF4-FFF2-40B4-BE49-F238E27FC236}">
+                  <a16:creationId xmlns:a16="http://schemas.microsoft.com/office/drawing/2014/main" id="{C53F7684-3266-47E8-9397-14C3FD7F748A}"/>
+                </a:ext>
+              </a:extLst>
+            </p:cNvPr>
+            <p:cNvSpPr/>
+            <p:nvPr/>
+          </p:nvSpPr>
+          <p:spPr>
+            <a:xfrm>
+              <a:off x="6614980" y="1452896"/>
+              <a:ext cx="983929" cy="605288"/>
+            </a:xfrm>
+            <a:prstGeom prst="rect">
+              <a:avLst/>
+            </a:prstGeom>
+            <a:solidFill>
+              <a:schemeClr val="accent4"/>
+            </a:solidFill>
+            <a:ln w="38100">
+              <a:noFill/>
+            </a:ln>
+          </p:spPr>
+          <p:style>
+            <a:lnRef idx="2">
+              <a:schemeClr val="accent1">
+                <a:shade val="50000"/>
+              </a:schemeClr>
+            </a:lnRef>
+            <a:fillRef idx="1">
+              <a:schemeClr val="accent1"/>
+            </a:fillRef>
+            <a:effectRef idx="0">
+              <a:schemeClr val="accent1"/>
+            </a:effectRef>
+            <a:fontRef idx="minor">
+              <a:schemeClr val="lt1"/>
+            </a:fontRef>
+          </p:style>
+          <p:txBody>
+            <a:bodyPr rtlCol="0" anchor="ctr"/>
+            <a:lstStyle/>
+            <a:p>
+              <a:pPr algn="ctr"/>
+              <a:r>
+                <a:rPr lang="en-US" altLang="ko-KR" sz="1400" b="1" dirty="0" err="1">
+                  <a:solidFill>
+                    <a:schemeClr val="bg1"/>
+                  </a:solidFill>
+                  <a:latin typeface="나눔고딕" panose="020D0604000000000000" pitchFamily="50" charset="-127"/>
+                  <a:ea typeface="나눔고딕" panose="020D0604000000000000" pitchFamily="50" charset="-127"/>
+                </a:rPr>
+                <a:t>kubelet</a:t>
+              </a:r>
+              <a:endParaRPr lang="ko-KR" altLang="en-US" sz="1400" b="1" dirty="0">
+                <a:solidFill>
+                  <a:schemeClr val="bg1"/>
+                </a:solidFill>
+                <a:latin typeface="나눔고딕" panose="020D0604000000000000" pitchFamily="50" charset="-127"/>
+                <a:ea typeface="나눔고딕" panose="020D0604000000000000" pitchFamily="50" charset="-127"/>
+              </a:endParaRPr>
+            </a:p>
+          </p:txBody>
+        </p:sp>
+        <p:sp>
+          <p:nvSpPr>
+            <p:cNvPr id="120" name="직사각형 119">
+              <a:extLst>
+                <a:ext uri="{FF2B5EF4-FFF2-40B4-BE49-F238E27FC236}">
+                  <a16:creationId xmlns:a16="http://schemas.microsoft.com/office/drawing/2014/main" id="{FED930A1-FBD7-44E0-A8DC-2D89B0C8F903}"/>
+                </a:ext>
+              </a:extLst>
+            </p:cNvPr>
+            <p:cNvSpPr/>
+            <p:nvPr/>
+          </p:nvSpPr>
+          <p:spPr>
+            <a:xfrm>
+              <a:off x="7691574" y="1452896"/>
+              <a:ext cx="983929" cy="605288"/>
+            </a:xfrm>
+            <a:prstGeom prst="rect">
+              <a:avLst/>
+            </a:prstGeom>
+            <a:solidFill>
+              <a:schemeClr val="accent6"/>
+            </a:solidFill>
+            <a:ln w="38100">
+              <a:noFill/>
+            </a:ln>
+          </p:spPr>
+          <p:style>
+            <a:lnRef idx="2">
+              <a:schemeClr val="accent1">
+                <a:shade val="50000"/>
+              </a:schemeClr>
+            </a:lnRef>
+            <a:fillRef idx="1">
+              <a:schemeClr val="accent1"/>
+            </a:fillRef>
+            <a:effectRef idx="0">
+              <a:schemeClr val="accent1"/>
+            </a:effectRef>
+            <a:fontRef idx="minor">
+              <a:schemeClr val="lt1"/>
+            </a:fontRef>
+          </p:style>
+          <p:txBody>
+            <a:bodyPr rtlCol="0" anchor="ctr"/>
+            <a:lstStyle/>
+            <a:p>
+              <a:pPr algn="ctr"/>
+              <a:r>
+                <a:rPr lang="en-US" altLang="ko-KR" sz="1400" b="1" dirty="0" err="1">
+                  <a:solidFill>
+                    <a:schemeClr val="bg1"/>
+                  </a:solidFill>
+                  <a:latin typeface="나눔고딕" panose="020D0604000000000000" pitchFamily="50" charset="-127"/>
+                  <a:ea typeface="나눔고딕" panose="020D0604000000000000" pitchFamily="50" charset="-127"/>
+                </a:rPr>
+                <a:t>kube</a:t>
+              </a:r>
+              <a:r>
+                <a:rPr lang="en-US" altLang="ko-KR" sz="1400" b="1" dirty="0">
+                  <a:solidFill>
+                    <a:schemeClr val="bg1"/>
+                  </a:solidFill>
+                  <a:latin typeface="나눔고딕" panose="020D0604000000000000" pitchFamily="50" charset="-127"/>
+                  <a:ea typeface="나눔고딕" panose="020D0604000000000000" pitchFamily="50" charset="-127"/>
+                </a:rPr>
+                <a:t>-proxy</a:t>
+              </a:r>
+              <a:endParaRPr lang="ko-KR" altLang="en-US" sz="1400" b="1" dirty="0">
+                <a:solidFill>
+                  <a:schemeClr val="bg1"/>
+                </a:solidFill>
+                <a:latin typeface="나눔고딕" panose="020D0604000000000000" pitchFamily="50" charset="-127"/>
+                <a:ea typeface="나눔고딕" panose="020D0604000000000000" pitchFamily="50" charset="-127"/>
+              </a:endParaRPr>
+            </a:p>
+          </p:txBody>
+        </p:sp>
+        <p:sp>
+          <p:nvSpPr>
+            <p:cNvPr id="121" name="직사각형 120">
+              <a:extLst>
+                <a:ext uri="{FF2B5EF4-FFF2-40B4-BE49-F238E27FC236}">
+                  <a16:creationId xmlns:a16="http://schemas.microsoft.com/office/drawing/2014/main" id="{E31D7C65-3399-4023-96B9-CDCF8597E0D9}"/>
+                </a:ext>
+              </a:extLst>
+            </p:cNvPr>
+            <p:cNvSpPr/>
+            <p:nvPr/>
+          </p:nvSpPr>
+          <p:spPr>
+            <a:xfrm>
+              <a:off x="6614980" y="2186262"/>
+              <a:ext cx="4126326" cy="338514"/>
+            </a:xfrm>
+            <a:prstGeom prst="rect">
+              <a:avLst/>
+            </a:prstGeom>
+            <a:solidFill>
+              <a:schemeClr val="accent1">
+                <a:lumMod val="50000"/>
+              </a:schemeClr>
+            </a:solidFill>
+            <a:ln w="38100">
+              <a:noFill/>
+            </a:ln>
+          </p:spPr>
+          <p:style>
+            <a:lnRef idx="2">
+              <a:schemeClr val="accent1">
+                <a:shade val="50000"/>
+              </a:schemeClr>
+            </a:lnRef>
+            <a:fillRef idx="1">
+              <a:schemeClr val="accent1"/>
+            </a:fillRef>
+            <a:effectRef idx="0">
+              <a:schemeClr val="accent1"/>
+            </a:effectRef>
+            <a:fontRef idx="minor">
+              <a:schemeClr val="lt1"/>
+            </a:fontRef>
+          </p:style>
+          <p:txBody>
+            <a:bodyPr rtlCol="0" anchor="ctr"/>
+            <a:lstStyle/>
+            <a:p>
+              <a:pPr algn="ctr"/>
+              <a:r>
+                <a:rPr lang="en-US" altLang="ko-KR" sz="1400" b="1" dirty="0">
+                  <a:solidFill>
+                    <a:schemeClr val="bg1"/>
+                  </a:solidFill>
+                  <a:latin typeface="나눔고딕" panose="020D0604000000000000" pitchFamily="50" charset="-127"/>
+                  <a:ea typeface="나눔고딕" panose="020D0604000000000000" pitchFamily="50" charset="-127"/>
+                </a:rPr>
+                <a:t>OS</a:t>
+              </a:r>
+              <a:endParaRPr lang="ko-KR" altLang="en-US" sz="1400" b="1" dirty="0">
+                <a:solidFill>
+                  <a:schemeClr val="bg1"/>
+                </a:solidFill>
+                <a:latin typeface="나눔고딕" panose="020D0604000000000000" pitchFamily="50" charset="-127"/>
+                <a:ea typeface="나눔고딕" panose="020D0604000000000000" pitchFamily="50" charset="-127"/>
+              </a:endParaRPr>
+            </a:p>
+          </p:txBody>
+        </p:sp>
+        <p:sp>
+          <p:nvSpPr>
+            <p:cNvPr id="122" name="직사각형 121">
+              <a:extLst>
+                <a:ext uri="{FF2B5EF4-FFF2-40B4-BE49-F238E27FC236}">
+                  <a16:creationId xmlns:a16="http://schemas.microsoft.com/office/drawing/2014/main" id="{8313C1BE-937C-41CE-819D-ACD2C1C6C946}"/>
+                </a:ext>
+              </a:extLst>
+            </p:cNvPr>
+            <p:cNvSpPr/>
+            <p:nvPr/>
+          </p:nvSpPr>
+          <p:spPr>
+            <a:xfrm>
+              <a:off x="8768168" y="1798320"/>
+              <a:ext cx="1973138" cy="259864"/>
+            </a:xfrm>
+            <a:prstGeom prst="rect">
+              <a:avLst/>
+            </a:prstGeom>
+            <a:solidFill>
+              <a:schemeClr val="accent5">
+                <a:lumMod val="75000"/>
+              </a:schemeClr>
+            </a:solidFill>
+            <a:ln w="38100">
+              <a:noFill/>
+            </a:ln>
+          </p:spPr>
+          <p:style>
+            <a:lnRef idx="2">
+              <a:schemeClr val="accent1">
+                <a:shade val="50000"/>
+              </a:schemeClr>
+            </a:lnRef>
+            <a:fillRef idx="1">
+              <a:schemeClr val="accent1"/>
+            </a:fillRef>
+            <a:effectRef idx="0">
+              <a:schemeClr val="accent1"/>
+            </a:effectRef>
+            <a:fontRef idx="minor">
+              <a:schemeClr val="lt1"/>
+            </a:fontRef>
+          </p:style>
+          <p:txBody>
+            <a:bodyPr rtlCol="0" anchor="ctr"/>
+            <a:lstStyle/>
+            <a:p>
+              <a:pPr algn="ctr"/>
+              <a:r>
+                <a:rPr lang="en-US" altLang="ko-KR" sz="1400" b="1" dirty="0">
+                  <a:solidFill>
+                    <a:schemeClr val="bg1"/>
+                  </a:solidFill>
+                  <a:latin typeface="나눔고딕" panose="020D0604000000000000" pitchFamily="50" charset="-127"/>
+                  <a:ea typeface="나눔고딕" panose="020D0604000000000000" pitchFamily="50" charset="-127"/>
+                </a:rPr>
+                <a:t>Docker Engine</a:t>
+              </a:r>
+              <a:endParaRPr lang="ko-KR" altLang="en-US" sz="1400" b="1" dirty="0">
+                <a:solidFill>
+                  <a:schemeClr val="bg1"/>
+                </a:solidFill>
+                <a:latin typeface="나눔고딕" panose="020D0604000000000000" pitchFamily="50" charset="-127"/>
+                <a:ea typeface="나눔고딕" panose="020D0604000000000000" pitchFamily="50" charset="-127"/>
+              </a:endParaRPr>
+            </a:p>
+          </p:txBody>
+        </p:sp>
+        <p:sp>
+          <p:nvSpPr>
+            <p:cNvPr id="123" name="직사각형 122">
+              <a:extLst>
+                <a:ext uri="{FF2B5EF4-FFF2-40B4-BE49-F238E27FC236}">
+                  <a16:creationId xmlns:a16="http://schemas.microsoft.com/office/drawing/2014/main" id="{8D572C43-BCB2-4E13-ADF5-AC2F074F688A}"/>
+                </a:ext>
+              </a:extLst>
+            </p:cNvPr>
+            <p:cNvSpPr/>
+            <p:nvPr/>
+          </p:nvSpPr>
+          <p:spPr>
+            <a:xfrm>
+              <a:off x="8768168" y="1452896"/>
+              <a:ext cx="629832" cy="259864"/>
+            </a:xfrm>
+            <a:prstGeom prst="rect">
+              <a:avLst/>
+            </a:prstGeom>
+            <a:solidFill>
+              <a:schemeClr val="accent2">
+                <a:lumMod val="60000"/>
+                <a:lumOff val="40000"/>
+              </a:schemeClr>
+            </a:solidFill>
+            <a:ln w="38100">
+              <a:noFill/>
+            </a:ln>
+          </p:spPr>
+          <p:style>
+            <a:lnRef idx="2">
+              <a:schemeClr val="accent1">
+                <a:shade val="50000"/>
+              </a:schemeClr>
+            </a:lnRef>
+            <a:fillRef idx="1">
+              <a:schemeClr val="accent1"/>
+            </a:fillRef>
+            <a:effectRef idx="0">
+              <a:schemeClr val="accent1"/>
+            </a:effectRef>
+            <a:fontRef idx="minor">
+              <a:schemeClr val="lt1"/>
+            </a:fontRef>
+          </p:style>
+          <p:txBody>
+            <a:bodyPr rtlCol="0" anchor="ctr"/>
+            <a:lstStyle/>
+            <a:p>
+              <a:pPr algn="ctr"/>
+              <a:r>
+                <a:rPr lang="en-US" altLang="ko-KR" sz="1400" b="1" dirty="0">
+                  <a:solidFill>
+                    <a:schemeClr val="tx1"/>
+                  </a:solidFill>
+                  <a:latin typeface="나눔고딕" panose="020D0604000000000000" pitchFamily="50" charset="-127"/>
+                  <a:ea typeface="나눔고딕" panose="020D0604000000000000" pitchFamily="50" charset="-127"/>
+                </a:rPr>
+                <a:t>Pod</a:t>
+              </a:r>
+              <a:endParaRPr lang="ko-KR" altLang="en-US" sz="1400" b="1" dirty="0">
+                <a:solidFill>
+                  <a:schemeClr val="tx1"/>
+                </a:solidFill>
+                <a:latin typeface="나눔고딕" panose="020D0604000000000000" pitchFamily="50" charset="-127"/>
+                <a:ea typeface="나눔고딕" panose="020D0604000000000000" pitchFamily="50" charset="-127"/>
+              </a:endParaRPr>
+            </a:p>
+          </p:txBody>
+        </p:sp>
+        <p:sp>
+          <p:nvSpPr>
+            <p:cNvPr id="124" name="직사각형 123">
+              <a:extLst>
+                <a:ext uri="{FF2B5EF4-FFF2-40B4-BE49-F238E27FC236}">
+                  <a16:creationId xmlns:a16="http://schemas.microsoft.com/office/drawing/2014/main" id="{3943CF54-5039-4DAE-B594-8EC3AC0E03F5}"/>
+                </a:ext>
+              </a:extLst>
+            </p:cNvPr>
+            <p:cNvSpPr/>
+            <p:nvPr/>
+          </p:nvSpPr>
+          <p:spPr>
+            <a:xfrm>
+              <a:off x="9439865" y="1452896"/>
+              <a:ext cx="629832" cy="259864"/>
+            </a:xfrm>
+            <a:prstGeom prst="rect">
+              <a:avLst/>
+            </a:prstGeom>
+            <a:solidFill>
+              <a:schemeClr val="accent4">
+                <a:lumMod val="60000"/>
+                <a:lumOff val="40000"/>
+              </a:schemeClr>
+            </a:solidFill>
+            <a:ln w="38100">
+              <a:noFill/>
+            </a:ln>
+          </p:spPr>
+          <p:style>
+            <a:lnRef idx="2">
+              <a:schemeClr val="accent1">
+                <a:shade val="50000"/>
+              </a:schemeClr>
+            </a:lnRef>
+            <a:fillRef idx="1">
+              <a:schemeClr val="accent1"/>
+            </a:fillRef>
+            <a:effectRef idx="0">
+              <a:schemeClr val="accent1"/>
+            </a:effectRef>
+            <a:fontRef idx="minor">
+              <a:schemeClr val="lt1"/>
+            </a:fontRef>
+          </p:style>
+          <p:txBody>
+            <a:bodyPr rtlCol="0" anchor="ctr"/>
+            <a:lstStyle/>
+            <a:p>
+              <a:pPr algn="ctr"/>
+              <a:r>
+                <a:rPr lang="en-US" altLang="ko-KR" sz="1400" b="1" dirty="0">
+                  <a:solidFill>
+                    <a:schemeClr val="tx1"/>
+                  </a:solidFill>
+                  <a:latin typeface="나눔고딕" panose="020D0604000000000000" pitchFamily="50" charset="-127"/>
+                  <a:ea typeface="나눔고딕" panose="020D0604000000000000" pitchFamily="50" charset="-127"/>
+                </a:rPr>
+                <a:t>Pod</a:t>
+              </a:r>
+              <a:endParaRPr lang="ko-KR" altLang="en-US" sz="1400" b="1" dirty="0">
+                <a:solidFill>
+                  <a:schemeClr val="tx1"/>
+                </a:solidFill>
+                <a:latin typeface="나눔고딕" panose="020D0604000000000000" pitchFamily="50" charset="-127"/>
+                <a:ea typeface="나눔고딕" panose="020D0604000000000000" pitchFamily="50" charset="-127"/>
+              </a:endParaRPr>
+            </a:p>
+          </p:txBody>
+        </p:sp>
+        <p:sp>
+          <p:nvSpPr>
+            <p:cNvPr id="125" name="직사각형 124">
+              <a:extLst>
+                <a:ext uri="{FF2B5EF4-FFF2-40B4-BE49-F238E27FC236}">
+                  <a16:creationId xmlns:a16="http://schemas.microsoft.com/office/drawing/2014/main" id="{E0A58C61-0B8D-4CF9-9B76-04C3FB92C5C0}"/>
+                </a:ext>
+              </a:extLst>
+            </p:cNvPr>
+            <p:cNvSpPr/>
+            <p:nvPr/>
+          </p:nvSpPr>
+          <p:spPr>
+            <a:xfrm>
+              <a:off x="10111474" y="1452896"/>
+              <a:ext cx="629832" cy="259864"/>
+            </a:xfrm>
+            <a:prstGeom prst="rect">
+              <a:avLst/>
+            </a:prstGeom>
+            <a:solidFill>
+              <a:schemeClr val="bg2">
+                <a:lumMod val="90000"/>
+              </a:schemeClr>
+            </a:solidFill>
+            <a:ln w="38100">
+              <a:noFill/>
+            </a:ln>
+          </p:spPr>
+          <p:style>
+            <a:lnRef idx="2">
+              <a:schemeClr val="accent1">
+                <a:shade val="50000"/>
+              </a:schemeClr>
+            </a:lnRef>
+            <a:fillRef idx="1">
+              <a:schemeClr val="accent1"/>
+            </a:fillRef>
+            <a:effectRef idx="0">
+              <a:schemeClr val="accent1"/>
+            </a:effectRef>
+            <a:fontRef idx="minor">
+              <a:schemeClr val="lt1"/>
+            </a:fontRef>
+          </p:style>
+          <p:txBody>
+            <a:bodyPr rtlCol="0" anchor="ctr"/>
+            <a:lstStyle/>
+            <a:p>
+              <a:pPr algn="ctr"/>
+              <a:r>
+                <a:rPr lang="en-US" altLang="ko-KR" sz="1400" b="1" dirty="0">
+                  <a:solidFill>
+                    <a:schemeClr val="tx1"/>
+                  </a:solidFill>
+                  <a:latin typeface="나눔고딕" panose="020D0604000000000000" pitchFamily="50" charset="-127"/>
+                  <a:ea typeface="나눔고딕" panose="020D0604000000000000" pitchFamily="50" charset="-127"/>
+                </a:rPr>
+                <a:t>Pod</a:t>
+              </a:r>
+              <a:endParaRPr lang="ko-KR" altLang="en-US" sz="1400" b="1" dirty="0">
+                <a:solidFill>
+                  <a:schemeClr val="tx1"/>
+                </a:solidFill>
+                <a:latin typeface="나눔고딕" panose="020D0604000000000000" pitchFamily="50" charset="-127"/>
+                <a:ea typeface="나눔고딕" panose="020D0604000000000000" pitchFamily="50" charset="-127"/>
+              </a:endParaRPr>
+            </a:p>
+          </p:txBody>
+        </p:sp>
+      </p:grpSp>
+      <p:cxnSp>
+        <p:nvCxnSpPr>
+          <p:cNvPr id="157" name="연결선: 꺾임 156">
+            <a:extLst>
+              <a:ext uri="{FF2B5EF4-FFF2-40B4-BE49-F238E27FC236}">
+                <a16:creationId xmlns:a16="http://schemas.microsoft.com/office/drawing/2014/main" id="{681A221B-02F5-4FB6-B98C-76C7D96BE437}"/>
+              </a:ext>
+            </a:extLst>
+          </p:cNvPr>
+          <p:cNvCxnSpPr>
+            <a:cxnSpLocks/>
+            <a:stCxn id="46" idx="2"/>
+            <a:endCxn id="119" idx="0"/>
+          </p:cNvCxnSpPr>
+          <p:nvPr/>
+        </p:nvCxnSpPr>
+        <p:spPr>
+          <a:xfrm rot="5400000">
+            <a:off x="3288787" y="2454177"/>
+            <a:ext cx="1339990" cy="3438610"/>
+          </a:xfrm>
+          <a:prstGeom prst="bentConnector3">
+            <a:avLst>
+              <a:gd name="adj1" fmla="val 54706"/>
+            </a:avLst>
+          </a:prstGeom>
+          <a:ln w="28575">
+            <a:solidFill>
+              <a:schemeClr val="tx1"/>
+            </a:solidFill>
+            <a:headEnd type="triangle"/>
+            <a:tailEnd type="triangle"/>
+          </a:ln>
+        </p:spPr>
+        <p:style>
+          <a:lnRef idx="1">
+            <a:schemeClr val="dk1"/>
+          </a:lnRef>
+          <a:fillRef idx="0">
+            <a:schemeClr val="dk1"/>
+          </a:fillRef>
+          <a:effectRef idx="0">
+            <a:schemeClr val="dk1"/>
+          </a:effectRef>
+          <a:fontRef idx="minor">
+            <a:schemeClr val="tx1"/>
+          </a:fontRef>
+        </p:style>
+      </p:cxnSp>
+      <p:grpSp>
+        <p:nvGrpSpPr>
+          <p:cNvPr id="171" name="그룹 170">
+            <a:extLst>
+              <a:ext uri="{FF2B5EF4-FFF2-40B4-BE49-F238E27FC236}">
+                <a16:creationId xmlns:a16="http://schemas.microsoft.com/office/drawing/2014/main" id="{710A9B05-3584-4ADA-B4CA-724CC7821199}"/>
+              </a:ext>
+            </a:extLst>
+          </p:cNvPr>
+          <p:cNvGrpSpPr/>
+          <p:nvPr/>
+        </p:nvGrpSpPr>
+        <p:grpSpPr>
+          <a:xfrm>
+            <a:off x="1050060" y="1328046"/>
+            <a:ext cx="2313448" cy="2091731"/>
+            <a:chOff x="371207" y="1188092"/>
+            <a:chExt cx="2313448" cy="2091731"/>
+          </a:xfrm>
+        </p:grpSpPr>
+        <p:sp>
+          <p:nvSpPr>
+            <p:cNvPr id="169" name="직사각형 168">
+              <a:extLst>
+                <a:ext uri="{FF2B5EF4-FFF2-40B4-BE49-F238E27FC236}">
+                  <a16:creationId xmlns:a16="http://schemas.microsoft.com/office/drawing/2014/main" id="{2868AD58-FE9B-48F1-BC4C-B567B259298A}"/>
+                </a:ext>
+              </a:extLst>
+            </p:cNvPr>
+            <p:cNvSpPr/>
+            <p:nvPr/>
+          </p:nvSpPr>
+          <p:spPr>
+            <a:xfrm>
+              <a:off x="371207" y="1728648"/>
+              <a:ext cx="2313448" cy="1551175"/>
+            </a:xfrm>
+            <a:prstGeom prst="rect">
+              <a:avLst/>
+            </a:prstGeom>
+            <a:solidFill>
+              <a:schemeClr val="bg2">
+                <a:lumMod val="90000"/>
+                <a:alpha val="50000"/>
+              </a:schemeClr>
+            </a:solidFill>
+            <a:ln w="38100">
+              <a:solidFill>
+                <a:schemeClr val="bg1">
+                  <a:lumMod val="50000"/>
+                </a:schemeClr>
+              </a:solidFill>
+            </a:ln>
+          </p:spPr>
+          <p:style>
+            <a:lnRef idx="2">
+              <a:schemeClr val="accent1">
+                <a:shade val="50000"/>
+              </a:schemeClr>
+            </a:lnRef>
+            <a:fillRef idx="1">
+              <a:schemeClr val="accent1"/>
+            </a:fillRef>
+            <a:effectRef idx="0">
+              <a:schemeClr val="accent1"/>
+            </a:effectRef>
+            <a:fontRef idx="minor">
+              <a:schemeClr val="lt1"/>
+            </a:fontRef>
+          </p:style>
+          <p:txBody>
+            <a:bodyPr rtlCol="0" anchor="ctr"/>
+            <a:lstStyle/>
+            <a:p>
+              <a:pPr algn="ctr"/>
+              <a:endParaRPr lang="ko-KR" altLang="en-US" sz="1400" b="1" dirty="0">
+                <a:solidFill>
+                  <a:srgbClr val="B8006E"/>
+                </a:solidFill>
+                <a:latin typeface="나눔고딕" panose="020D0604000000000000" pitchFamily="50" charset="-127"/>
+                <a:ea typeface="나눔고딕" panose="020D0604000000000000" pitchFamily="50" charset="-127"/>
+              </a:endParaRPr>
+            </a:p>
+          </p:txBody>
+        </p:sp>
+        <p:grpSp>
+          <p:nvGrpSpPr>
+            <p:cNvPr id="168" name="그룹 167">
+              <a:extLst>
+                <a:ext uri="{FF2B5EF4-FFF2-40B4-BE49-F238E27FC236}">
+                  <a16:creationId xmlns:a16="http://schemas.microsoft.com/office/drawing/2014/main" id="{E8D17F6A-E369-49B3-9AEA-1F210924D3DB}"/>
+                </a:ext>
+              </a:extLst>
+            </p:cNvPr>
+            <p:cNvGrpSpPr/>
+            <p:nvPr/>
+          </p:nvGrpSpPr>
+          <p:grpSpPr>
+            <a:xfrm>
+              <a:off x="813214" y="1188092"/>
+              <a:ext cx="1545052" cy="435304"/>
+              <a:chOff x="907172" y="918288"/>
+              <a:chExt cx="1545052" cy="435304"/>
+            </a:xfrm>
+          </p:grpSpPr>
+          <p:pic>
+            <p:nvPicPr>
+              <p:cNvPr id="26" name="그림 25">
+                <a:extLst>
+                  <a:ext uri="{FF2B5EF4-FFF2-40B4-BE49-F238E27FC236}">
+                    <a16:creationId xmlns:a16="http://schemas.microsoft.com/office/drawing/2014/main" id="{AFC6BF90-D191-4DAF-AC68-3FFED193B06F}"/>
+                  </a:ext>
+                </a:extLst>
+              </p:cNvPr>
+              <p:cNvPicPr>
+                <a:picLocks noChangeAspect="1"/>
+              </p:cNvPicPr>
+              <p:nvPr/>
+            </p:nvPicPr>
+            <p:blipFill rotWithShape="1">
+              <a:blip r:embed="rId2">
+                <a:extLst>
+                  <a:ext uri="{28A0092B-C50C-407E-A947-70E740481C1C}">
+                    <a14:useLocalDpi xmlns:a14="http://schemas.microsoft.com/office/drawing/2010/main" val="0"/>
+                  </a:ext>
+                </a:extLst>
+              </a:blip>
+              <a:srcRect l="22377" t="13840" r="21758" b="27257"/>
+              <a:stretch/>
+            </p:blipFill>
+            <p:spPr>
+              <a:xfrm>
+                <a:off x="907172" y="918288"/>
+                <a:ext cx="412853" cy="435304"/>
+              </a:xfrm>
+              <a:prstGeom prst="rect">
+                <a:avLst/>
+              </a:prstGeom>
+            </p:spPr>
+          </p:pic>
+          <p:sp>
+            <p:nvSpPr>
+              <p:cNvPr id="167" name="사각형: 둥근 모서리 166">
+                <a:extLst>
+                  <a:ext uri="{FF2B5EF4-FFF2-40B4-BE49-F238E27FC236}">
+                    <a16:creationId xmlns:a16="http://schemas.microsoft.com/office/drawing/2014/main" id="{7BEFDAB4-3076-447B-94BC-5E29BBD2FADD}"/>
+                  </a:ext>
+                </a:extLst>
+              </p:cNvPr>
+              <p:cNvSpPr/>
+              <p:nvPr/>
+            </p:nvSpPr>
+            <p:spPr>
+              <a:xfrm>
+                <a:off x="1059872" y="952636"/>
+                <a:ext cx="1392352" cy="347179"/>
+              </a:xfrm>
+              <a:prstGeom prst="roundRect">
+                <a:avLst/>
+              </a:prstGeom>
+              <a:noFill/>
+              <a:ln>
+                <a:noFill/>
+              </a:ln>
+            </p:spPr>
+            <p:style>
+              <a:lnRef idx="2">
+                <a:schemeClr val="accent1">
+                  <a:shade val="50000"/>
+                </a:schemeClr>
+              </a:lnRef>
+              <a:fillRef idx="1">
+                <a:schemeClr val="accent1"/>
+              </a:fillRef>
+              <a:effectRef idx="0">
+                <a:schemeClr val="accent1"/>
+              </a:effectRef>
+              <a:fontRef idx="minor">
+                <a:schemeClr val="lt1"/>
+              </a:fontRef>
+            </p:style>
+            <p:txBody>
+              <a:bodyPr rtlCol="0" anchor="ctr"/>
+              <a:lstStyle/>
+              <a:p>
+                <a:pPr algn="ctr"/>
+                <a:r>
+                  <a:rPr lang="en-US" altLang="ko-KR" sz="1400" b="1" dirty="0">
+                    <a:solidFill>
+                      <a:schemeClr val="tx1"/>
+                    </a:solidFill>
+                    <a:latin typeface="나눔고딕" panose="020D0604000000000000" pitchFamily="50" charset="-127"/>
+                    <a:ea typeface="나눔고딕" panose="020D0604000000000000" pitchFamily="50" charset="-127"/>
+                  </a:rPr>
+                  <a:t>Developer</a:t>
+                </a:r>
+                <a:endParaRPr lang="ko-KR" altLang="en-US" sz="1400" b="1" dirty="0">
+                  <a:solidFill>
+                    <a:schemeClr val="tx1"/>
+                  </a:solidFill>
+                  <a:latin typeface="나눔고딕" panose="020D0604000000000000" pitchFamily="50" charset="-127"/>
+                  <a:ea typeface="나눔고딕" panose="020D0604000000000000" pitchFamily="50" charset="-127"/>
+                </a:endParaRPr>
+              </a:p>
+            </p:txBody>
+          </p:sp>
+        </p:grpSp>
+        <p:pic>
+          <p:nvPicPr>
+            <p:cNvPr id="5" name="그림 4">
+              <a:extLst>
+                <a:ext uri="{FF2B5EF4-FFF2-40B4-BE49-F238E27FC236}">
+                  <a16:creationId xmlns:a16="http://schemas.microsoft.com/office/drawing/2014/main" id="{46179153-AFE3-435F-A8B2-0940593FC2F9}"/>
+                </a:ext>
+              </a:extLst>
+            </p:cNvPr>
+            <p:cNvPicPr>
+              <a:picLocks noChangeAspect="1"/>
+            </p:cNvPicPr>
+            <p:nvPr/>
+          </p:nvPicPr>
+          <p:blipFill rotWithShape="1">
+            <a:blip r:embed="rId3">
+              <a:extLst>
+                <a:ext uri="{28A0092B-C50C-407E-A947-70E740481C1C}">
+                  <a14:useLocalDpi xmlns:a14="http://schemas.microsoft.com/office/drawing/2010/main" val="0"/>
+                </a:ext>
+              </a:extLst>
+            </a:blip>
+            <a:srcRect l="7018" t="5401" r="6737" b="19494"/>
+            <a:stretch/>
+          </p:blipFill>
+          <p:spPr>
+            <a:xfrm>
+              <a:off x="471512" y="2030916"/>
+              <a:ext cx="902825" cy="786218"/>
+            </a:xfrm>
+            <a:prstGeom prst="rect">
+              <a:avLst/>
+            </a:prstGeom>
+          </p:spPr>
+        </p:pic>
+        <p:grpSp>
+          <p:nvGrpSpPr>
+            <p:cNvPr id="166" name="그룹 165">
+              <a:extLst>
+                <a:ext uri="{FF2B5EF4-FFF2-40B4-BE49-F238E27FC236}">
+                  <a16:creationId xmlns:a16="http://schemas.microsoft.com/office/drawing/2014/main" id="{5B5C10B7-5B44-4D23-BDC3-F417748DD66D}"/>
+                </a:ext>
+              </a:extLst>
+            </p:cNvPr>
+            <p:cNvGrpSpPr/>
+            <p:nvPr/>
+          </p:nvGrpSpPr>
+          <p:grpSpPr>
+            <a:xfrm>
+              <a:off x="457729" y="2015788"/>
+              <a:ext cx="2132133" cy="1178320"/>
+              <a:chOff x="-758700" y="3638614"/>
+              <a:chExt cx="2132133" cy="1178320"/>
+            </a:xfrm>
+          </p:grpSpPr>
+          <p:pic>
+            <p:nvPicPr>
+              <p:cNvPr id="3" name="그림 2">
+                <a:extLst>
+                  <a:ext uri="{FF2B5EF4-FFF2-40B4-BE49-F238E27FC236}">
+                    <a16:creationId xmlns:a16="http://schemas.microsoft.com/office/drawing/2014/main" id="{0F7B4CBE-4497-408E-844A-1FEB96CBA93F}"/>
+                  </a:ext>
+                </a:extLst>
+              </p:cNvPr>
+              <p:cNvPicPr>
+                <a:picLocks noChangeAspect="1"/>
+              </p:cNvPicPr>
+              <p:nvPr/>
+            </p:nvPicPr>
+            <p:blipFill rotWithShape="1">
+              <a:blip r:embed="rId4">
+                <a:extLst>
+                  <a:ext uri="{28A0092B-C50C-407E-A947-70E740481C1C}">
+                    <a14:useLocalDpi xmlns:a14="http://schemas.microsoft.com/office/drawing/2010/main" val="0"/>
+                  </a:ext>
+                </a:extLst>
+              </a:blip>
+              <a:srcRect l="7187" t="5401" r="7243" b="19662"/>
+              <a:stretch/>
+            </p:blipFill>
+            <p:spPr>
+              <a:xfrm>
+                <a:off x="450337" y="3638614"/>
+                <a:ext cx="902825" cy="790640"/>
+              </a:xfrm>
+              <a:prstGeom prst="rect">
+                <a:avLst/>
+              </a:prstGeom>
+            </p:spPr>
+          </p:pic>
+          <p:sp>
+            <p:nvSpPr>
+              <p:cNvPr id="24" name="사각형: 둥근 모서리 23">
+                <a:extLst>
+                  <a:ext uri="{FF2B5EF4-FFF2-40B4-BE49-F238E27FC236}">
+                    <a16:creationId xmlns:a16="http://schemas.microsoft.com/office/drawing/2014/main" id="{9C6991F8-6FAF-46F8-B60C-5836995A0238}"/>
+                  </a:ext>
+                </a:extLst>
+              </p:cNvPr>
+              <p:cNvSpPr/>
+              <p:nvPr/>
+            </p:nvSpPr>
+            <p:spPr>
+              <a:xfrm>
+                <a:off x="449688" y="4469755"/>
+                <a:ext cx="923745" cy="347179"/>
+              </a:xfrm>
+              <a:prstGeom prst="roundRect">
+                <a:avLst/>
+              </a:prstGeom>
+              <a:noFill/>
+              <a:ln>
+                <a:noFill/>
+              </a:ln>
+            </p:spPr>
+            <p:style>
+              <a:lnRef idx="2">
+                <a:schemeClr val="accent1">
+                  <a:shade val="50000"/>
+                </a:schemeClr>
+              </a:lnRef>
+              <a:fillRef idx="1">
+                <a:schemeClr val="accent1"/>
+              </a:fillRef>
+              <a:effectRef idx="0">
+                <a:schemeClr val="accent1"/>
+              </a:effectRef>
+              <a:fontRef idx="minor">
+                <a:schemeClr val="lt1"/>
+              </a:fontRef>
+            </p:style>
+            <p:txBody>
+              <a:bodyPr rtlCol="0" anchor="ctr"/>
+              <a:lstStyle/>
+              <a:p>
+                <a:pPr algn="ctr"/>
+                <a:r>
+                  <a:rPr lang="en-US" altLang="ko-KR" sz="1400" b="1" dirty="0">
+                    <a:solidFill>
+                      <a:schemeClr val="tx1"/>
+                    </a:solidFill>
+                    <a:latin typeface="나눔고딕" panose="020D0604000000000000" pitchFamily="50" charset="-127"/>
+                    <a:ea typeface="나눔고딕" panose="020D0604000000000000" pitchFamily="50" charset="-127"/>
+                  </a:rPr>
+                  <a:t>UI</a:t>
+                </a:r>
+                <a:endParaRPr lang="ko-KR" altLang="en-US" sz="1400" b="1" dirty="0">
+                  <a:solidFill>
+                    <a:schemeClr val="tx1"/>
+                  </a:solidFill>
+                  <a:latin typeface="나눔고딕" panose="020D0604000000000000" pitchFamily="50" charset="-127"/>
+                  <a:ea typeface="나눔고딕" panose="020D0604000000000000" pitchFamily="50" charset="-127"/>
+                </a:endParaRPr>
+              </a:p>
+            </p:txBody>
+          </p:sp>
+          <p:sp>
+            <p:nvSpPr>
+              <p:cNvPr id="170" name="사각형: 둥근 모서리 169">
+                <a:extLst>
+                  <a:ext uri="{FF2B5EF4-FFF2-40B4-BE49-F238E27FC236}">
+                    <a16:creationId xmlns:a16="http://schemas.microsoft.com/office/drawing/2014/main" id="{FCEC2AAF-50B1-4DD6-BBA8-3BA208C13218}"/>
+                  </a:ext>
+                </a:extLst>
+              </p:cNvPr>
+              <p:cNvSpPr/>
+              <p:nvPr/>
+            </p:nvSpPr>
+            <p:spPr>
+              <a:xfrm>
+                <a:off x="-758700" y="4469755"/>
+                <a:ext cx="923745" cy="347179"/>
+              </a:xfrm>
+              <a:prstGeom prst="roundRect">
+                <a:avLst/>
+              </a:prstGeom>
+              <a:noFill/>
+              <a:ln>
+                <a:noFill/>
+              </a:ln>
+            </p:spPr>
+            <p:style>
+              <a:lnRef idx="2">
+                <a:schemeClr val="accent1">
+                  <a:shade val="50000"/>
+                </a:schemeClr>
+              </a:lnRef>
+              <a:fillRef idx="1">
+                <a:schemeClr val="accent1"/>
+              </a:fillRef>
+              <a:effectRef idx="0">
+                <a:schemeClr val="accent1"/>
+              </a:effectRef>
+              <a:fontRef idx="minor">
+                <a:schemeClr val="lt1"/>
+              </a:fontRef>
+            </p:style>
+            <p:txBody>
+              <a:bodyPr rtlCol="0" anchor="ctr"/>
+              <a:lstStyle/>
+              <a:p>
+                <a:pPr algn="ctr"/>
+                <a:r>
+                  <a:rPr lang="en-US" altLang="ko-KR" sz="1400" b="1" dirty="0">
+                    <a:solidFill>
+                      <a:schemeClr val="tx1"/>
+                    </a:solidFill>
+                    <a:latin typeface="나눔고딕" panose="020D0604000000000000" pitchFamily="50" charset="-127"/>
+                    <a:ea typeface="나눔고딕" panose="020D0604000000000000" pitchFamily="50" charset="-127"/>
+                  </a:rPr>
+                  <a:t>CLI</a:t>
+                </a:r>
+                <a:endParaRPr lang="ko-KR" altLang="en-US" sz="1400" b="1" dirty="0">
+                  <a:solidFill>
+                    <a:schemeClr val="tx1"/>
+                  </a:solidFill>
+                  <a:latin typeface="나눔고딕" panose="020D0604000000000000" pitchFamily="50" charset="-127"/>
+                  <a:ea typeface="나눔고딕" panose="020D0604000000000000" pitchFamily="50" charset="-127"/>
+                </a:endParaRPr>
+              </a:p>
+            </p:txBody>
+          </p:sp>
+        </p:grpSp>
+        <p:sp>
+          <p:nvSpPr>
+            <p:cNvPr id="40" name="사각형: 둥근 모서리 39">
+              <a:extLst>
+                <a:ext uri="{FF2B5EF4-FFF2-40B4-BE49-F238E27FC236}">
+                  <a16:creationId xmlns:a16="http://schemas.microsoft.com/office/drawing/2014/main" id="{AD07D798-33BB-4359-A9D7-27056B0F6BB6}"/>
+                </a:ext>
+              </a:extLst>
+            </p:cNvPr>
+            <p:cNvSpPr/>
+            <p:nvPr/>
+          </p:nvSpPr>
+          <p:spPr>
+            <a:xfrm>
+              <a:off x="1197510" y="2278020"/>
+              <a:ext cx="592968" cy="347179"/>
+            </a:xfrm>
+            <a:prstGeom prst="roundRect">
+              <a:avLst/>
+            </a:prstGeom>
+            <a:noFill/>
+            <a:ln>
+              <a:noFill/>
+            </a:ln>
+          </p:spPr>
+          <p:style>
+            <a:lnRef idx="2">
+              <a:schemeClr val="accent1">
+                <a:shade val="50000"/>
+              </a:schemeClr>
+            </a:lnRef>
+            <a:fillRef idx="1">
+              <a:schemeClr val="accent1"/>
+            </a:fillRef>
+            <a:effectRef idx="0">
+              <a:schemeClr val="accent1"/>
+            </a:effectRef>
+            <a:fontRef idx="minor">
+              <a:schemeClr val="lt1"/>
+            </a:fontRef>
+          </p:style>
+          <p:txBody>
+            <a:bodyPr rtlCol="0" anchor="ctr"/>
+            <a:lstStyle/>
+            <a:p>
+              <a:pPr algn="ctr"/>
+              <a:r>
+                <a:rPr lang="en-US" altLang="ko-KR" sz="1400" b="1" dirty="0">
+                  <a:solidFill>
+                    <a:schemeClr val="tx1"/>
+                  </a:solidFill>
+                  <a:latin typeface="나눔고딕" panose="020D0604000000000000" pitchFamily="50" charset="-127"/>
+                  <a:ea typeface="나눔고딕" panose="020D0604000000000000" pitchFamily="50" charset="-127"/>
+                </a:rPr>
+                <a:t>or</a:t>
+              </a:r>
+              <a:endParaRPr lang="ko-KR" altLang="en-US" sz="1400" b="1" dirty="0">
+                <a:solidFill>
+                  <a:schemeClr val="tx1"/>
+                </a:solidFill>
+                <a:latin typeface="나눔고딕" panose="020D0604000000000000" pitchFamily="50" charset="-127"/>
+                <a:ea typeface="나눔고딕" panose="020D0604000000000000" pitchFamily="50" charset="-127"/>
+              </a:endParaRPr>
+            </a:p>
+          </p:txBody>
+        </p:sp>
+      </p:grpSp>
+      <p:grpSp>
+        <p:nvGrpSpPr>
+          <p:cNvPr id="203" name="그룹 202">
+            <a:extLst>
+              <a:ext uri="{FF2B5EF4-FFF2-40B4-BE49-F238E27FC236}">
+                <a16:creationId xmlns:a16="http://schemas.microsoft.com/office/drawing/2014/main" id="{2E4B69F1-F2BC-4DC9-A975-6B71E0FD2754}"/>
+              </a:ext>
+            </a:extLst>
+          </p:cNvPr>
+          <p:cNvGrpSpPr/>
+          <p:nvPr/>
+        </p:nvGrpSpPr>
+        <p:grpSpPr>
+          <a:xfrm>
+            <a:off x="4026509" y="508783"/>
+            <a:ext cx="4138982" cy="3591056"/>
+            <a:chOff x="3087729" y="390704"/>
+            <a:chExt cx="4138982" cy="3591056"/>
+          </a:xfrm>
+        </p:grpSpPr>
+        <p:sp>
+          <p:nvSpPr>
+            <p:cNvPr id="21" name="직사각형 20">
+              <a:extLst>
+                <a:ext uri="{FF2B5EF4-FFF2-40B4-BE49-F238E27FC236}">
+                  <a16:creationId xmlns:a16="http://schemas.microsoft.com/office/drawing/2014/main" id="{12BEBEFD-341C-4E90-A31C-714C838D5197}"/>
+                </a:ext>
+              </a:extLst>
+            </p:cNvPr>
+            <p:cNvSpPr/>
+            <p:nvPr/>
+          </p:nvSpPr>
+          <p:spPr>
+            <a:xfrm>
+              <a:off x="3087729" y="956955"/>
+              <a:ext cx="4138982" cy="3024805"/>
+            </a:xfrm>
+            <a:prstGeom prst="rect">
+              <a:avLst/>
+            </a:prstGeom>
+            <a:solidFill>
+              <a:schemeClr val="accent4">
+                <a:lumMod val="40000"/>
+                <a:lumOff val="60000"/>
+                <a:alpha val="50000"/>
+              </a:schemeClr>
+            </a:solidFill>
+            <a:ln w="38100">
+              <a:solidFill>
+                <a:schemeClr val="accent4"/>
+              </a:solidFill>
+            </a:ln>
+          </p:spPr>
+          <p:style>
+            <a:lnRef idx="2">
+              <a:schemeClr val="accent1">
+                <a:shade val="50000"/>
+              </a:schemeClr>
+            </a:lnRef>
+            <a:fillRef idx="1">
+              <a:schemeClr val="accent1"/>
+            </a:fillRef>
+            <a:effectRef idx="0">
+              <a:schemeClr val="accent1"/>
+            </a:effectRef>
+            <a:fontRef idx="minor">
+              <a:schemeClr val="lt1"/>
+            </a:fontRef>
+          </p:style>
+          <p:txBody>
+            <a:bodyPr rtlCol="0" anchor="ctr"/>
+            <a:lstStyle/>
+            <a:p>
+              <a:pPr algn="ctr"/>
+              <a:endParaRPr lang="ko-KR" altLang="en-US" sz="1400" b="1" dirty="0">
+                <a:solidFill>
+                  <a:srgbClr val="B8006E"/>
+                </a:solidFill>
+                <a:latin typeface="나눔고딕" panose="020D0604000000000000" pitchFamily="50" charset="-127"/>
+                <a:ea typeface="나눔고딕" panose="020D0604000000000000" pitchFamily="50" charset="-127"/>
+              </a:endParaRPr>
+            </a:p>
+          </p:txBody>
+        </p:sp>
+        <p:sp>
+          <p:nvSpPr>
+            <p:cNvPr id="14" name="사각형: 둥근 모서리 13">
+              <a:extLst>
+                <a:ext uri="{FF2B5EF4-FFF2-40B4-BE49-F238E27FC236}">
+                  <a16:creationId xmlns:a16="http://schemas.microsoft.com/office/drawing/2014/main" id="{7040577D-37B7-4902-BC57-4EFF85E5B414}"/>
+                </a:ext>
+              </a:extLst>
+            </p:cNvPr>
+            <p:cNvSpPr/>
+            <p:nvPr/>
+          </p:nvSpPr>
+          <p:spPr>
+            <a:xfrm>
+              <a:off x="4143465" y="390704"/>
+              <a:ext cx="2029410" cy="399136"/>
+            </a:xfrm>
+            <a:prstGeom prst="roundRect">
+              <a:avLst/>
+            </a:prstGeom>
+            <a:noFill/>
+            <a:ln w="38100">
+              <a:noFill/>
+            </a:ln>
+          </p:spPr>
+          <p:style>
+            <a:lnRef idx="2">
+              <a:schemeClr val="accent1">
+                <a:shade val="50000"/>
+              </a:schemeClr>
+            </a:lnRef>
+            <a:fillRef idx="1">
+              <a:schemeClr val="accent1"/>
+            </a:fillRef>
+            <a:effectRef idx="0">
+              <a:schemeClr val="accent1"/>
+            </a:effectRef>
+            <a:fontRef idx="minor">
+              <a:schemeClr val="lt1"/>
+            </a:fontRef>
+          </p:style>
+          <p:txBody>
+            <a:bodyPr rtlCol="0" anchor="ctr"/>
+            <a:lstStyle/>
+            <a:p>
+              <a:pPr algn="ctr"/>
+              <a:r>
+                <a:rPr lang="en-US" altLang="ko-KR" sz="1600" b="1" dirty="0">
+                  <a:solidFill>
+                    <a:srgbClr val="FD9203"/>
+                  </a:solidFill>
+                  <a:latin typeface="나눔고딕 ExtraBold" panose="020D0904000000000000" pitchFamily="50" charset="-127"/>
+                  <a:ea typeface="나눔고딕 ExtraBold" panose="020D0904000000000000" pitchFamily="50" charset="-127"/>
+                </a:rPr>
+                <a:t>Control Plane</a:t>
+              </a:r>
+            </a:p>
+            <a:p>
+              <a:pPr algn="ctr"/>
+              <a:r>
+                <a:rPr lang="en-US" altLang="ko-KR" sz="1600" b="1" dirty="0">
+                  <a:solidFill>
+                    <a:srgbClr val="FD9203"/>
+                  </a:solidFill>
+                  <a:latin typeface="나눔고딕 ExtraBold" panose="020D0904000000000000" pitchFamily="50" charset="-127"/>
+                  <a:ea typeface="나눔고딕 ExtraBold" panose="020D0904000000000000" pitchFamily="50" charset="-127"/>
+                </a:rPr>
+                <a:t>(Master)</a:t>
+              </a:r>
+              <a:endParaRPr lang="ko-KR" altLang="en-US" sz="1600" b="1" dirty="0">
+                <a:solidFill>
+                  <a:srgbClr val="FD9203"/>
+                </a:solidFill>
+                <a:latin typeface="나눔고딕 ExtraBold" panose="020D0904000000000000" pitchFamily="50" charset="-127"/>
+                <a:ea typeface="나눔고딕 ExtraBold" panose="020D0904000000000000" pitchFamily="50" charset="-127"/>
+              </a:endParaRPr>
+            </a:p>
+          </p:txBody>
+        </p:sp>
+        <p:pic>
+          <p:nvPicPr>
+            <p:cNvPr id="42" name="그래픽 41" descr="데이터베이스">
+              <a:extLst>
+                <a:ext uri="{FF2B5EF4-FFF2-40B4-BE49-F238E27FC236}">
+                  <a16:creationId xmlns:a16="http://schemas.microsoft.com/office/drawing/2014/main" id="{CAF1B505-1FBE-418C-908A-62D845CD6C6D}"/>
+                </a:ext>
+              </a:extLst>
+            </p:cNvPr>
+            <p:cNvPicPr>
+              <a:picLocks noChangeAspect="1"/>
+            </p:cNvPicPr>
+            <p:nvPr/>
+          </p:nvPicPr>
+          <p:blipFill>
+            <a:blip r:embed="rId5">
+              <a:extLst>
+                <a:ext uri="{28A0092B-C50C-407E-A947-70E740481C1C}">
+                  <a14:useLocalDpi xmlns:a14="http://schemas.microsoft.com/office/drawing/2010/main" val="0"/>
+                </a:ext>
+                <a:ext uri="{96DAC541-7B7A-43D3-8B79-37D633B846F1}">
+                  <asvg:svgBlip xmlns:asvg="http://schemas.microsoft.com/office/drawing/2016/SVG/main" r:embed="rId6"/>
+                </a:ext>
+              </a:extLst>
+            </a:blip>
+            <a:stretch>
+              <a:fillRect/>
+            </a:stretch>
+          </p:blipFill>
+          <p:spPr>
+            <a:xfrm>
+              <a:off x="6140385" y="2504312"/>
+              <a:ext cx="914400" cy="914400"/>
+            </a:xfrm>
+            <a:prstGeom prst="rect">
+              <a:avLst/>
+            </a:prstGeom>
+          </p:spPr>
+        </p:pic>
+        <p:sp>
+          <p:nvSpPr>
+            <p:cNvPr id="43" name="사각형: 둥근 모서리 42">
+              <a:extLst>
+                <a:ext uri="{FF2B5EF4-FFF2-40B4-BE49-F238E27FC236}">
+                  <a16:creationId xmlns:a16="http://schemas.microsoft.com/office/drawing/2014/main" id="{A84B98FD-CC4B-40A8-9586-883DEB4627FB}"/>
+                </a:ext>
+              </a:extLst>
+            </p:cNvPr>
+            <p:cNvSpPr/>
+            <p:nvPr/>
+          </p:nvSpPr>
+          <p:spPr>
+            <a:xfrm>
+              <a:off x="6131040" y="3297848"/>
+              <a:ext cx="923745" cy="347179"/>
+            </a:xfrm>
+            <a:prstGeom prst="roundRect">
+              <a:avLst/>
+            </a:prstGeom>
+            <a:noFill/>
+            <a:ln>
+              <a:noFill/>
+            </a:ln>
+          </p:spPr>
+          <p:style>
+            <a:lnRef idx="2">
+              <a:schemeClr val="accent1">
+                <a:shade val="50000"/>
+              </a:schemeClr>
+            </a:lnRef>
+            <a:fillRef idx="1">
+              <a:schemeClr val="accent1"/>
+            </a:fillRef>
+            <a:effectRef idx="0">
+              <a:schemeClr val="accent1"/>
+            </a:effectRef>
+            <a:fontRef idx="minor">
+              <a:schemeClr val="lt1"/>
+            </a:fontRef>
+          </p:style>
+          <p:txBody>
+            <a:bodyPr rtlCol="0" anchor="ctr"/>
+            <a:lstStyle/>
+            <a:p>
+              <a:pPr algn="ctr"/>
+              <a:r>
+                <a:rPr lang="en-US" altLang="ko-KR" sz="1400" b="1" dirty="0" err="1">
+                  <a:solidFill>
+                    <a:schemeClr val="tx1"/>
+                  </a:solidFill>
+                  <a:latin typeface="나눔고딕" panose="020D0604000000000000" pitchFamily="50" charset="-127"/>
+                  <a:ea typeface="나눔고딕" panose="020D0604000000000000" pitchFamily="50" charset="-127"/>
+                </a:rPr>
+                <a:t>etcd</a:t>
+              </a:r>
+              <a:endParaRPr lang="ko-KR" altLang="en-US" sz="1400" b="1" dirty="0">
+                <a:solidFill>
+                  <a:schemeClr val="tx1"/>
+                </a:solidFill>
+                <a:latin typeface="나눔고딕" panose="020D0604000000000000" pitchFamily="50" charset="-127"/>
+                <a:ea typeface="나눔고딕" panose="020D0604000000000000" pitchFamily="50" charset="-127"/>
+              </a:endParaRPr>
+            </a:p>
+          </p:txBody>
+        </p:sp>
+        <p:grpSp>
+          <p:nvGrpSpPr>
+            <p:cNvPr id="49" name="그룹 48">
+              <a:extLst>
+                <a:ext uri="{FF2B5EF4-FFF2-40B4-BE49-F238E27FC236}">
+                  <a16:creationId xmlns:a16="http://schemas.microsoft.com/office/drawing/2014/main" id="{A409762D-DECA-4A39-8DE7-099DA7B5A3FF}"/>
+                </a:ext>
+              </a:extLst>
+            </p:cNvPr>
+            <p:cNvGrpSpPr/>
+            <p:nvPr/>
+          </p:nvGrpSpPr>
+          <p:grpSpPr>
+            <a:xfrm>
+              <a:off x="3887112" y="2836498"/>
+              <a:ext cx="1704390" cy="548910"/>
+              <a:chOff x="3791099" y="3108041"/>
+              <a:chExt cx="1704390" cy="548910"/>
+            </a:xfrm>
+          </p:grpSpPr>
+          <p:sp>
+            <p:nvSpPr>
+              <p:cNvPr id="46" name="타원 45">
+                <a:extLst>
+                  <a:ext uri="{FF2B5EF4-FFF2-40B4-BE49-F238E27FC236}">
+                    <a16:creationId xmlns:a16="http://schemas.microsoft.com/office/drawing/2014/main" id="{BE87AD93-FD3D-4C49-B1C6-08A219798C3C}"/>
+                  </a:ext>
+                </a:extLst>
+              </p:cNvPr>
+              <p:cNvSpPr/>
+              <p:nvPr/>
+            </p:nvSpPr>
+            <p:spPr>
+              <a:xfrm>
+                <a:off x="3791099" y="3108041"/>
+                <a:ext cx="1704390" cy="548910"/>
+              </a:xfrm>
+              <a:prstGeom prst="roundRect">
+                <a:avLst>
+                  <a:gd name="adj" fmla="val 50000"/>
+                </a:avLst>
+              </a:prstGeom>
+              <a:solidFill>
+                <a:schemeClr val="accent4"/>
+              </a:solidFill>
+              <a:ln>
+                <a:noFill/>
+              </a:ln>
+            </p:spPr>
+            <p:style>
+              <a:lnRef idx="2">
+                <a:schemeClr val="accent1">
+                  <a:shade val="50000"/>
+                </a:schemeClr>
+              </a:lnRef>
+              <a:fillRef idx="1">
+                <a:schemeClr val="accent1"/>
+              </a:fillRef>
+              <a:effectRef idx="0">
+                <a:schemeClr val="accent1"/>
+              </a:effectRef>
+              <a:fontRef idx="minor">
+                <a:schemeClr val="lt1"/>
+              </a:fontRef>
+            </p:style>
+            <p:txBody>
+              <a:bodyPr rtlCol="0" anchor="ctr"/>
+              <a:lstStyle/>
+              <a:p>
+                <a:pPr algn="ctr"/>
+                <a:endParaRPr lang="ko-KR" altLang="en-US"/>
+              </a:p>
+            </p:txBody>
+          </p:sp>
+          <p:pic>
+            <p:nvPicPr>
+              <p:cNvPr id="45" name="그래픽 44" descr="단일 톱니바퀴">
+                <a:extLst>
+                  <a:ext uri="{FF2B5EF4-FFF2-40B4-BE49-F238E27FC236}">
+                    <a16:creationId xmlns:a16="http://schemas.microsoft.com/office/drawing/2014/main" id="{3F36B13C-88CC-4EC2-BFDF-16FA21BF2BA5}"/>
+                  </a:ext>
+                </a:extLst>
+              </p:cNvPr>
+              <p:cNvPicPr>
+                <a:picLocks noChangeAspect="1"/>
+              </p:cNvPicPr>
+              <p:nvPr/>
+            </p:nvPicPr>
+            <p:blipFill>
+              <a:blip r:embed="rId7">
+                <a:extLst>
+                  <a:ext uri="{28A0092B-C50C-407E-A947-70E740481C1C}">
+                    <a14:useLocalDpi xmlns:a14="http://schemas.microsoft.com/office/drawing/2010/main" val="0"/>
+                  </a:ext>
+                  <a:ext uri="{96DAC541-7B7A-43D3-8B79-37D633B846F1}">
+                    <asvg:svgBlip xmlns:asvg="http://schemas.microsoft.com/office/drawing/2016/SVG/main" r:embed="rId8"/>
+                  </a:ext>
+                </a:extLst>
+              </a:blip>
+              <a:stretch>
+                <a:fillRect/>
+              </a:stretch>
+            </p:blipFill>
+            <p:spPr>
+              <a:xfrm>
+                <a:off x="3856892" y="3144567"/>
+                <a:ext cx="496376" cy="496376"/>
+              </a:xfrm>
+              <a:prstGeom prst="roundRect">
+                <a:avLst/>
+              </a:prstGeom>
+            </p:spPr>
+          </p:pic>
+          <p:sp>
+            <p:nvSpPr>
+              <p:cNvPr id="48" name="사각형: 둥근 모서리 47">
+                <a:extLst>
+                  <a:ext uri="{FF2B5EF4-FFF2-40B4-BE49-F238E27FC236}">
+                    <a16:creationId xmlns:a16="http://schemas.microsoft.com/office/drawing/2014/main" id="{6D3CA5AA-3593-437A-A4CE-5029E9A783E1}"/>
+                  </a:ext>
+                </a:extLst>
+              </p:cNvPr>
+              <p:cNvSpPr/>
+              <p:nvPr/>
+            </p:nvSpPr>
+            <p:spPr>
+              <a:xfrm>
+                <a:off x="4289337" y="3207764"/>
+                <a:ext cx="1088526" cy="347179"/>
+              </a:xfrm>
+              <a:prstGeom prst="roundRect">
+                <a:avLst/>
+              </a:prstGeom>
+              <a:noFill/>
+              <a:ln>
+                <a:noFill/>
+              </a:ln>
+            </p:spPr>
+            <p:style>
+              <a:lnRef idx="2">
+                <a:schemeClr val="accent1">
+                  <a:shade val="50000"/>
+                </a:schemeClr>
+              </a:lnRef>
+              <a:fillRef idx="1">
+                <a:schemeClr val="accent1"/>
+              </a:fillRef>
+              <a:effectRef idx="0">
+                <a:schemeClr val="accent1"/>
+              </a:effectRef>
+              <a:fontRef idx="minor">
+                <a:schemeClr val="lt1"/>
+              </a:fontRef>
+            </p:style>
+            <p:txBody>
+              <a:bodyPr rtlCol="0" anchor="ctr"/>
+              <a:lstStyle/>
+              <a:p>
+                <a:pPr algn="ctr"/>
+                <a:r>
+                  <a:rPr lang="en-US" altLang="ko-KR" sz="1400" b="1" dirty="0">
+                    <a:solidFill>
+                      <a:schemeClr val="bg1"/>
+                    </a:solidFill>
+                    <a:latin typeface="나눔고딕" panose="020D0604000000000000" pitchFamily="50" charset="-127"/>
+                    <a:ea typeface="나눔고딕" panose="020D0604000000000000" pitchFamily="50" charset="-127"/>
+                  </a:rPr>
+                  <a:t>API</a:t>
+                </a:r>
+                <a:r>
+                  <a:rPr lang="ko-KR" altLang="en-US" sz="1400" b="1" dirty="0">
+                    <a:solidFill>
+                      <a:schemeClr val="bg1"/>
+                    </a:solidFill>
+                    <a:latin typeface="나눔고딕" panose="020D0604000000000000" pitchFamily="50" charset="-127"/>
+                    <a:ea typeface="나눔고딕" panose="020D0604000000000000" pitchFamily="50" charset="-127"/>
+                  </a:rPr>
+                  <a:t> </a:t>
+                </a:r>
+                <a:r>
+                  <a:rPr lang="en-US" altLang="ko-KR" sz="1400" b="1" dirty="0">
+                    <a:solidFill>
+                      <a:schemeClr val="bg1"/>
+                    </a:solidFill>
+                    <a:latin typeface="나눔고딕" panose="020D0604000000000000" pitchFamily="50" charset="-127"/>
+                    <a:ea typeface="나눔고딕" panose="020D0604000000000000" pitchFamily="50" charset="-127"/>
+                  </a:rPr>
+                  <a:t>Server</a:t>
+                </a:r>
+                <a:endParaRPr lang="ko-KR" altLang="en-US" sz="1400" b="1" dirty="0">
+                  <a:solidFill>
+                    <a:schemeClr val="bg1"/>
+                  </a:solidFill>
+                  <a:latin typeface="나눔고딕" panose="020D0604000000000000" pitchFamily="50" charset="-127"/>
+                  <a:ea typeface="나눔고딕" panose="020D0604000000000000" pitchFamily="50" charset="-127"/>
+                </a:endParaRPr>
+              </a:p>
+            </p:txBody>
+          </p:sp>
+        </p:grpSp>
+        <p:sp>
+          <p:nvSpPr>
+            <p:cNvPr id="60" name="순서도: 다중 문서 59">
+              <a:extLst>
+                <a:ext uri="{FF2B5EF4-FFF2-40B4-BE49-F238E27FC236}">
+                  <a16:creationId xmlns:a16="http://schemas.microsoft.com/office/drawing/2014/main" id="{4C1D86BE-53B4-473D-936B-1A2C95347D3B}"/>
+                </a:ext>
+              </a:extLst>
+            </p:cNvPr>
+            <p:cNvSpPr/>
+            <p:nvPr/>
+          </p:nvSpPr>
+          <p:spPr>
+            <a:xfrm>
+              <a:off x="3329613" y="1461893"/>
+              <a:ext cx="1284165" cy="677028"/>
+            </a:xfrm>
+            <a:prstGeom prst="flowChartMultidocument">
+              <a:avLst/>
+            </a:prstGeom>
+            <a:noFill/>
+            <a:ln w="28575">
+              <a:solidFill>
+                <a:schemeClr val="tx1"/>
+              </a:solidFill>
+            </a:ln>
+          </p:spPr>
+          <p:style>
+            <a:lnRef idx="2">
+              <a:schemeClr val="accent1">
+                <a:shade val="50000"/>
+              </a:schemeClr>
+            </a:lnRef>
+            <a:fillRef idx="1">
+              <a:schemeClr val="accent1"/>
+            </a:fillRef>
+            <a:effectRef idx="0">
+              <a:schemeClr val="accent1"/>
+            </a:effectRef>
+            <a:fontRef idx="minor">
+              <a:schemeClr val="lt1"/>
+            </a:fontRef>
+          </p:style>
+          <p:txBody>
+            <a:bodyPr rtlCol="0" anchor="ctr"/>
+            <a:lstStyle/>
+            <a:p>
+              <a:pPr algn="ctr"/>
+              <a:r>
+                <a:rPr lang="en-US" altLang="ko-KR" sz="1400" b="1">
+                  <a:solidFill>
+                    <a:schemeClr val="tx1"/>
+                  </a:solidFill>
+                  <a:latin typeface="나눔고딕" panose="020D0604000000000000" pitchFamily="50" charset="-127"/>
+                  <a:ea typeface="나눔고딕" panose="020D0604000000000000" pitchFamily="50" charset="-127"/>
+                </a:rPr>
+                <a:t>Controller-Manager</a:t>
+              </a:r>
+              <a:endParaRPr lang="ko-KR" altLang="en-US" sz="1400" b="1" dirty="0">
+                <a:solidFill>
+                  <a:schemeClr val="tx1"/>
+                </a:solidFill>
+                <a:latin typeface="나눔고딕" panose="020D0604000000000000" pitchFamily="50" charset="-127"/>
+                <a:ea typeface="나눔고딕" panose="020D0604000000000000" pitchFamily="50" charset="-127"/>
+              </a:endParaRPr>
+            </a:p>
+          </p:txBody>
+        </p:sp>
+        <p:cxnSp>
+          <p:nvCxnSpPr>
+            <p:cNvPr id="62" name="직선 화살표 연결선 61">
+              <a:extLst>
+                <a:ext uri="{FF2B5EF4-FFF2-40B4-BE49-F238E27FC236}">
+                  <a16:creationId xmlns:a16="http://schemas.microsoft.com/office/drawing/2014/main" id="{D7132B6B-9CA2-463C-8BBB-E9D084470535}"/>
+                </a:ext>
+              </a:extLst>
+            </p:cNvPr>
+            <p:cNvCxnSpPr>
+              <a:cxnSpLocks/>
+            </p:cNvCxnSpPr>
+            <p:nvPr/>
+          </p:nvCxnSpPr>
+          <p:spPr>
+            <a:xfrm>
+              <a:off x="3971695" y="2292265"/>
+              <a:ext cx="156560" cy="370311"/>
+            </a:xfrm>
+            <a:prstGeom prst="straightConnector1">
+              <a:avLst/>
+            </a:prstGeom>
+            <a:ln w="28575">
+              <a:solidFill>
+                <a:schemeClr val="tx1"/>
+              </a:solidFill>
+              <a:headEnd type="triangle" w="med" len="med"/>
+              <a:tailEnd type="triangle" w="med" len="med"/>
+            </a:ln>
+          </p:spPr>
+          <p:style>
+            <a:lnRef idx="1">
+              <a:schemeClr val="accent1"/>
+            </a:lnRef>
+            <a:fillRef idx="0">
+              <a:schemeClr val="accent1"/>
+            </a:fillRef>
+            <a:effectRef idx="0">
+              <a:schemeClr val="accent1"/>
+            </a:effectRef>
+            <a:fontRef idx="minor">
+              <a:schemeClr val="tx1"/>
+            </a:fontRef>
+          </p:style>
+        </p:cxnSp>
+        <p:sp>
+          <p:nvSpPr>
+            <p:cNvPr id="163" name="순서도: 다중 문서 162">
+              <a:extLst>
+                <a:ext uri="{FF2B5EF4-FFF2-40B4-BE49-F238E27FC236}">
+                  <a16:creationId xmlns:a16="http://schemas.microsoft.com/office/drawing/2014/main" id="{FF42CFB4-2E71-49E3-A9EE-1E0DF8EBEFFC}"/>
+                </a:ext>
+              </a:extLst>
+            </p:cNvPr>
+            <p:cNvSpPr/>
+            <p:nvPr/>
+          </p:nvSpPr>
+          <p:spPr>
+            <a:xfrm>
+              <a:off x="5155679" y="1461893"/>
+              <a:ext cx="1284165" cy="677028"/>
+            </a:xfrm>
+            <a:prstGeom prst="flowChartMultidocument">
+              <a:avLst/>
+            </a:prstGeom>
+            <a:noFill/>
+            <a:ln w="28575">
+              <a:solidFill>
+                <a:schemeClr val="tx1"/>
+              </a:solidFill>
+            </a:ln>
+          </p:spPr>
+          <p:style>
+            <a:lnRef idx="2">
+              <a:schemeClr val="accent1">
+                <a:shade val="50000"/>
+              </a:schemeClr>
+            </a:lnRef>
+            <a:fillRef idx="1">
+              <a:schemeClr val="accent1"/>
+            </a:fillRef>
+            <a:effectRef idx="0">
+              <a:schemeClr val="accent1"/>
+            </a:effectRef>
+            <a:fontRef idx="minor">
+              <a:schemeClr val="lt1"/>
+            </a:fontRef>
+          </p:style>
+          <p:txBody>
+            <a:bodyPr rtlCol="0" anchor="ctr"/>
+            <a:lstStyle/>
+            <a:p>
+              <a:pPr algn="ctr"/>
+              <a:r>
+                <a:rPr lang="en-US" altLang="ko-KR" sz="1400" b="1" dirty="0">
+                  <a:solidFill>
+                    <a:schemeClr val="tx1"/>
+                  </a:solidFill>
+                  <a:latin typeface="나눔고딕" panose="020D0604000000000000" pitchFamily="50" charset="-127"/>
+                  <a:ea typeface="나눔고딕" panose="020D0604000000000000" pitchFamily="50" charset="-127"/>
+                </a:rPr>
+                <a:t>Scheduler</a:t>
+              </a:r>
+              <a:endParaRPr lang="ko-KR" altLang="en-US" sz="1400" b="1" dirty="0">
+                <a:solidFill>
+                  <a:schemeClr val="tx1"/>
+                </a:solidFill>
+                <a:latin typeface="나눔고딕" panose="020D0604000000000000" pitchFamily="50" charset="-127"/>
+                <a:ea typeface="나눔고딕" panose="020D0604000000000000" pitchFamily="50" charset="-127"/>
+              </a:endParaRPr>
+            </a:p>
+          </p:txBody>
+        </p:sp>
+        <p:cxnSp>
+          <p:nvCxnSpPr>
+            <p:cNvPr id="172" name="직선 화살표 연결선 171">
+              <a:extLst>
+                <a:ext uri="{FF2B5EF4-FFF2-40B4-BE49-F238E27FC236}">
+                  <a16:creationId xmlns:a16="http://schemas.microsoft.com/office/drawing/2014/main" id="{A7318DD7-3C60-45BB-9EA6-8869D9FA53DD}"/>
+                </a:ext>
+              </a:extLst>
+            </p:cNvPr>
+            <p:cNvCxnSpPr>
+              <a:cxnSpLocks/>
+            </p:cNvCxnSpPr>
+            <p:nvPr/>
+          </p:nvCxnSpPr>
+          <p:spPr>
+            <a:xfrm flipH="1">
+              <a:off x="5362656" y="2292265"/>
+              <a:ext cx="156560" cy="370311"/>
+            </a:xfrm>
+            <a:prstGeom prst="straightConnector1">
+              <a:avLst/>
+            </a:prstGeom>
+            <a:ln w="28575">
+              <a:solidFill>
+                <a:schemeClr val="tx1"/>
+              </a:solidFill>
+              <a:headEnd type="triangle" w="med" len="med"/>
+              <a:tailEnd type="triangle" w="med" len="med"/>
+            </a:ln>
+          </p:spPr>
+          <p:style>
+            <a:lnRef idx="1">
+              <a:schemeClr val="accent1"/>
+            </a:lnRef>
+            <a:fillRef idx="0">
+              <a:schemeClr val="accent1"/>
+            </a:fillRef>
+            <a:effectRef idx="0">
+              <a:schemeClr val="accent1"/>
+            </a:effectRef>
+            <a:fontRef idx="minor">
+              <a:schemeClr val="tx1"/>
+            </a:fontRef>
+          </p:style>
+        </p:cxnSp>
+        <p:cxnSp>
+          <p:nvCxnSpPr>
+            <p:cNvPr id="173" name="직선 화살표 연결선 172">
+              <a:extLst>
+                <a:ext uri="{FF2B5EF4-FFF2-40B4-BE49-F238E27FC236}">
+                  <a16:creationId xmlns:a16="http://schemas.microsoft.com/office/drawing/2014/main" id="{AF27846E-6109-4407-BE31-CB9524AE5E03}"/>
+                </a:ext>
+              </a:extLst>
+            </p:cNvPr>
+            <p:cNvCxnSpPr>
+              <a:cxnSpLocks/>
+            </p:cNvCxnSpPr>
+            <p:nvPr/>
+          </p:nvCxnSpPr>
+          <p:spPr>
+            <a:xfrm flipH="1">
+              <a:off x="5745440" y="3075860"/>
+              <a:ext cx="427435" cy="10843"/>
+            </a:xfrm>
+            <a:prstGeom prst="straightConnector1">
+              <a:avLst/>
+            </a:prstGeom>
+            <a:ln w="28575">
+              <a:solidFill>
+                <a:schemeClr val="tx1"/>
+              </a:solidFill>
+              <a:headEnd type="triangle" w="med" len="med"/>
+              <a:tailEnd type="triangle" w="med" len="med"/>
+            </a:ln>
+          </p:spPr>
+          <p:style>
+            <a:lnRef idx="1">
+              <a:schemeClr val="accent1"/>
+            </a:lnRef>
+            <a:fillRef idx="0">
+              <a:schemeClr val="accent1"/>
+            </a:fillRef>
+            <a:effectRef idx="0">
+              <a:schemeClr val="accent1"/>
+            </a:effectRef>
+            <a:fontRef idx="minor">
+              <a:schemeClr val="tx1"/>
+            </a:fontRef>
+          </p:style>
+        </p:cxnSp>
+      </p:grpSp>
+      <p:cxnSp>
+        <p:nvCxnSpPr>
+          <p:cNvPr id="176" name="직선 화살표 연결선 175">
+            <a:extLst>
+              <a:ext uri="{FF2B5EF4-FFF2-40B4-BE49-F238E27FC236}">
+                <a16:creationId xmlns:a16="http://schemas.microsoft.com/office/drawing/2014/main" id="{598BAC90-5431-4AF1-A0DF-469536363C18}"/>
+              </a:ext>
+            </a:extLst>
+          </p:cNvPr>
+          <p:cNvCxnSpPr>
+            <a:cxnSpLocks/>
+          </p:cNvCxnSpPr>
+          <p:nvPr/>
+        </p:nvCxnSpPr>
+        <p:spPr>
+          <a:xfrm>
+            <a:off x="3505863" y="2794471"/>
+            <a:ext cx="1211951" cy="380209"/>
+          </a:xfrm>
+          <a:prstGeom prst="straightConnector1">
+            <a:avLst/>
+          </a:prstGeom>
+          <a:ln w="28575">
+            <a:solidFill>
+              <a:schemeClr val="tx1"/>
+            </a:solidFill>
+            <a:headEnd type="triangle" w="med" len="med"/>
+            <a:tailEnd type="triangle" w="med" len="med"/>
+          </a:ln>
+        </p:spPr>
+        <p:style>
+          <a:lnRef idx="1">
+            <a:schemeClr val="accent1"/>
+          </a:lnRef>
+          <a:fillRef idx="0">
+            <a:schemeClr val="accent1"/>
+          </a:fillRef>
+          <a:effectRef idx="0">
+            <a:schemeClr val="accent1"/>
+          </a:effectRef>
+          <a:fontRef idx="minor">
+            <a:schemeClr val="tx1"/>
+          </a:fontRef>
+        </p:style>
+      </p:cxnSp>
+      <p:cxnSp>
+        <p:nvCxnSpPr>
+          <p:cNvPr id="181" name="연결선: 꺾임 180">
+            <a:extLst>
+              <a:ext uri="{FF2B5EF4-FFF2-40B4-BE49-F238E27FC236}">
+                <a16:creationId xmlns:a16="http://schemas.microsoft.com/office/drawing/2014/main" id="{CC4D03CE-5962-4C1B-B98E-B6C54B796176}"/>
+              </a:ext>
+            </a:extLst>
+          </p:cNvPr>
+          <p:cNvCxnSpPr>
+            <a:cxnSpLocks/>
+            <a:stCxn id="46" idx="2"/>
+            <a:endCxn id="110" idx="0"/>
+          </p:cNvCxnSpPr>
+          <p:nvPr/>
+        </p:nvCxnSpPr>
+        <p:spPr>
+          <a:xfrm rot="16200000" flipH="1">
+            <a:off x="5664241" y="3517332"/>
+            <a:ext cx="1338560" cy="1310869"/>
+          </a:xfrm>
+          <a:prstGeom prst="bentConnector3">
+            <a:avLst>
+              <a:gd name="adj1" fmla="val 54711"/>
+            </a:avLst>
+          </a:prstGeom>
+          <a:ln w="28575">
+            <a:solidFill>
+              <a:schemeClr val="tx1"/>
+            </a:solidFill>
+            <a:headEnd type="triangle"/>
+            <a:tailEnd type="triangle"/>
+          </a:ln>
+        </p:spPr>
+        <p:style>
+          <a:lnRef idx="1">
+            <a:schemeClr val="dk1"/>
+          </a:lnRef>
+          <a:fillRef idx="0">
+            <a:schemeClr val="dk1"/>
+          </a:fillRef>
+          <a:effectRef idx="0">
+            <a:schemeClr val="dk1"/>
+          </a:effectRef>
+          <a:fontRef idx="minor">
+            <a:schemeClr val="tx1"/>
+          </a:fontRef>
+        </p:style>
+      </p:cxnSp>
+      <p:cxnSp>
+        <p:nvCxnSpPr>
+          <p:cNvPr id="188" name="연결선: 꺾임 187">
+            <a:extLst>
+              <a:ext uri="{FF2B5EF4-FFF2-40B4-BE49-F238E27FC236}">
+                <a16:creationId xmlns:a16="http://schemas.microsoft.com/office/drawing/2014/main" id="{EC77A320-6888-4477-AF80-CE45BEC0D7C2}"/>
+              </a:ext>
+            </a:extLst>
+          </p:cNvPr>
+          <p:cNvCxnSpPr>
+            <a:cxnSpLocks/>
+            <a:stCxn id="193" idx="2"/>
+            <a:endCxn id="120" idx="0"/>
+          </p:cNvCxnSpPr>
+          <p:nvPr/>
+        </p:nvCxnSpPr>
+        <p:spPr>
+          <a:xfrm rot="5400000">
+            <a:off x="6003425" y="832751"/>
+            <a:ext cx="1323373" cy="6698079"/>
+          </a:xfrm>
+          <a:prstGeom prst="bentConnector3">
+            <a:avLst>
+              <a:gd name="adj1" fmla="val 68426"/>
+            </a:avLst>
+          </a:prstGeom>
+          <a:ln w="28575">
+            <a:solidFill>
+              <a:schemeClr val="accent6"/>
+            </a:solidFill>
+            <a:prstDash val="dash"/>
+            <a:headEnd type="triangle"/>
+            <a:tailEnd type="triangle"/>
+          </a:ln>
+        </p:spPr>
+        <p:style>
+          <a:lnRef idx="1">
+            <a:schemeClr val="dk1"/>
+          </a:lnRef>
+          <a:fillRef idx="0">
+            <a:schemeClr val="dk1"/>
+          </a:fillRef>
+          <a:effectRef idx="0">
+            <a:schemeClr val="dk1"/>
+          </a:effectRef>
+          <a:fontRef idx="minor">
+            <a:schemeClr val="tx1"/>
+          </a:fontRef>
+        </p:style>
+      </p:cxnSp>
+      <p:grpSp>
+        <p:nvGrpSpPr>
+          <p:cNvPr id="194" name="그룹 193">
+            <a:extLst>
+              <a:ext uri="{FF2B5EF4-FFF2-40B4-BE49-F238E27FC236}">
+                <a16:creationId xmlns:a16="http://schemas.microsoft.com/office/drawing/2014/main" id="{CEE75999-E456-4A13-8496-3270CEE836C6}"/>
+              </a:ext>
+            </a:extLst>
+          </p:cNvPr>
+          <p:cNvGrpSpPr/>
+          <p:nvPr/>
+        </p:nvGrpSpPr>
+        <p:grpSpPr>
+          <a:xfrm>
+            <a:off x="9288242" y="2738917"/>
+            <a:ext cx="1451816" cy="781187"/>
+            <a:chOff x="8314511" y="2730618"/>
+            <a:chExt cx="1451816" cy="781187"/>
+          </a:xfrm>
+        </p:grpSpPr>
+        <p:pic>
+          <p:nvPicPr>
+            <p:cNvPr id="187" name="그림 186">
+              <a:extLst>
+                <a:ext uri="{FF2B5EF4-FFF2-40B4-BE49-F238E27FC236}">
+                  <a16:creationId xmlns:a16="http://schemas.microsoft.com/office/drawing/2014/main" id="{0D99C012-D833-4317-9246-18A2318EF00B}"/>
+                </a:ext>
+              </a:extLst>
+            </p:cNvPr>
+            <p:cNvPicPr>
+              <a:picLocks noChangeAspect="1"/>
+            </p:cNvPicPr>
+            <p:nvPr/>
+          </p:nvPicPr>
+          <p:blipFill rotWithShape="1">
+            <a:blip r:embed="rId2">
+              <a:extLst>
+                <a:ext uri="{28A0092B-C50C-407E-A947-70E740481C1C}">
+                  <a14:useLocalDpi xmlns:a14="http://schemas.microsoft.com/office/drawing/2010/main" val="0"/>
+                </a:ext>
+              </a:extLst>
+            </a:blip>
+            <a:srcRect l="22377" t="13840" r="21758" b="27257"/>
+            <a:stretch/>
+          </p:blipFill>
+          <p:spPr>
+            <a:xfrm>
+              <a:off x="8427881" y="3022956"/>
+              <a:ext cx="412853" cy="435304"/>
+            </a:xfrm>
+            <a:prstGeom prst="rect">
+              <a:avLst/>
+            </a:prstGeom>
+          </p:spPr>
+        </p:pic>
+        <p:sp>
+          <p:nvSpPr>
+            <p:cNvPr id="185" name="사각형: 둥근 모서리 184">
+              <a:extLst>
+                <a:ext uri="{FF2B5EF4-FFF2-40B4-BE49-F238E27FC236}">
+                  <a16:creationId xmlns:a16="http://schemas.microsoft.com/office/drawing/2014/main" id="{DA46E0C7-D8AF-43AE-83FC-FA12F95704C3}"/>
+                </a:ext>
+              </a:extLst>
+            </p:cNvPr>
+            <p:cNvSpPr/>
+            <p:nvPr/>
+          </p:nvSpPr>
+          <p:spPr>
+            <a:xfrm>
+              <a:off x="9077882" y="3021672"/>
+              <a:ext cx="688445" cy="347179"/>
+            </a:xfrm>
+            <a:prstGeom prst="roundRect">
+              <a:avLst/>
+            </a:prstGeom>
+            <a:noFill/>
+            <a:ln>
+              <a:noFill/>
+            </a:ln>
+          </p:spPr>
+          <p:style>
+            <a:lnRef idx="2">
+              <a:schemeClr val="accent1">
+                <a:shade val="50000"/>
+              </a:schemeClr>
+            </a:lnRef>
+            <a:fillRef idx="1">
+              <a:schemeClr val="accent1"/>
+            </a:fillRef>
+            <a:effectRef idx="0">
+              <a:schemeClr val="accent1"/>
+            </a:effectRef>
+            <a:fontRef idx="minor">
+              <a:schemeClr val="lt1"/>
+            </a:fontRef>
+          </p:style>
+          <p:txBody>
+            <a:bodyPr rtlCol="0" anchor="ctr"/>
+            <a:lstStyle/>
+            <a:p>
+              <a:pPr algn="ctr"/>
+              <a:r>
+                <a:rPr lang="en-US" altLang="ko-KR" sz="1400" b="1" dirty="0">
+                  <a:solidFill>
+                    <a:schemeClr val="tx1"/>
+                  </a:solidFill>
+                  <a:latin typeface="나눔고딕" panose="020D0604000000000000" pitchFamily="50" charset="-127"/>
+                  <a:ea typeface="나눔고딕" panose="020D0604000000000000" pitchFamily="50" charset="-127"/>
+                </a:rPr>
+                <a:t>Users</a:t>
+              </a:r>
+              <a:endParaRPr lang="ko-KR" altLang="en-US" sz="1400" b="1" dirty="0">
+                <a:solidFill>
+                  <a:schemeClr val="tx1"/>
+                </a:solidFill>
+                <a:latin typeface="나눔고딕" panose="020D0604000000000000" pitchFamily="50" charset="-127"/>
+                <a:ea typeface="나눔고딕" panose="020D0604000000000000" pitchFamily="50" charset="-127"/>
+              </a:endParaRPr>
+            </a:p>
+          </p:txBody>
+        </p:sp>
+        <p:pic>
+          <p:nvPicPr>
+            <p:cNvPr id="186" name="그림 185">
+              <a:extLst>
+                <a:ext uri="{FF2B5EF4-FFF2-40B4-BE49-F238E27FC236}">
+                  <a16:creationId xmlns:a16="http://schemas.microsoft.com/office/drawing/2014/main" id="{CCC6B5A5-501B-442B-A9E3-91C8397DD028}"/>
+                </a:ext>
+              </a:extLst>
+            </p:cNvPr>
+            <p:cNvPicPr>
+              <a:picLocks noChangeAspect="1"/>
+            </p:cNvPicPr>
+            <p:nvPr/>
+          </p:nvPicPr>
+          <p:blipFill rotWithShape="1">
+            <a:blip r:embed="rId2">
+              <a:extLst>
+                <a:ext uri="{28A0092B-C50C-407E-A947-70E740481C1C}">
+                  <a14:useLocalDpi xmlns:a14="http://schemas.microsoft.com/office/drawing/2010/main" val="0"/>
+                </a:ext>
+              </a:extLst>
+            </a:blip>
+            <a:srcRect l="22377" t="13840" r="21758" b="27257"/>
+            <a:stretch/>
+          </p:blipFill>
+          <p:spPr>
+            <a:xfrm>
+              <a:off x="8718493" y="2873024"/>
+              <a:ext cx="412853" cy="435304"/>
+            </a:xfrm>
+            <a:prstGeom prst="rect">
+              <a:avLst/>
+            </a:prstGeom>
+          </p:spPr>
+        </p:pic>
+        <p:sp>
+          <p:nvSpPr>
+            <p:cNvPr id="193" name="직사각형 192">
+              <a:extLst>
+                <a:ext uri="{FF2B5EF4-FFF2-40B4-BE49-F238E27FC236}">
+                  <a16:creationId xmlns:a16="http://schemas.microsoft.com/office/drawing/2014/main" id="{FEF084E5-3EFE-418F-9249-87CAA5BD42DA}"/>
+                </a:ext>
+              </a:extLst>
+            </p:cNvPr>
+            <p:cNvSpPr/>
+            <p:nvPr/>
+          </p:nvSpPr>
+          <p:spPr>
+            <a:xfrm>
+              <a:off x="8314511" y="2730618"/>
+              <a:ext cx="1451816" cy="781187"/>
+            </a:xfrm>
+            <a:prstGeom prst="rect">
+              <a:avLst/>
+            </a:prstGeom>
+            <a:noFill/>
+            <a:ln w="38100">
+              <a:noFill/>
+            </a:ln>
+          </p:spPr>
+          <p:style>
+            <a:lnRef idx="2">
+              <a:schemeClr val="accent1">
+                <a:shade val="50000"/>
+              </a:schemeClr>
+            </a:lnRef>
+            <a:fillRef idx="1">
+              <a:schemeClr val="accent1"/>
+            </a:fillRef>
+            <a:effectRef idx="0">
+              <a:schemeClr val="accent1"/>
+            </a:effectRef>
+            <a:fontRef idx="minor">
+              <a:schemeClr val="lt1"/>
+            </a:fontRef>
+          </p:style>
+          <p:txBody>
+            <a:bodyPr rtlCol="0" anchor="ctr"/>
+            <a:lstStyle/>
+            <a:p>
+              <a:pPr algn="ctr"/>
+              <a:endParaRPr lang="ko-KR" altLang="en-US" sz="1400" b="1" dirty="0">
+                <a:solidFill>
+                  <a:srgbClr val="B8006E"/>
+                </a:solidFill>
+                <a:latin typeface="나눔고딕" panose="020D0604000000000000" pitchFamily="50" charset="-127"/>
+                <a:ea typeface="나눔고딕" panose="020D0604000000000000" pitchFamily="50" charset="-127"/>
+              </a:endParaRPr>
+            </a:p>
+          </p:txBody>
+        </p:sp>
+      </p:grpSp>
+      <p:cxnSp>
+        <p:nvCxnSpPr>
+          <p:cNvPr id="197" name="연결선: 꺾임 196">
+            <a:extLst>
+              <a:ext uri="{FF2B5EF4-FFF2-40B4-BE49-F238E27FC236}">
+                <a16:creationId xmlns:a16="http://schemas.microsoft.com/office/drawing/2014/main" id="{E9F88E6E-03CE-46DF-B318-A6E269FC7397}"/>
+              </a:ext>
+            </a:extLst>
+          </p:cNvPr>
+          <p:cNvCxnSpPr>
+            <a:cxnSpLocks/>
+            <a:stCxn id="193" idx="2"/>
+            <a:endCxn id="111" idx="0"/>
+          </p:cNvCxnSpPr>
+          <p:nvPr/>
+        </p:nvCxnSpPr>
+        <p:spPr>
+          <a:xfrm rot="5400000">
+            <a:off x="8378879" y="3206775"/>
+            <a:ext cx="1321943" cy="1948600"/>
+          </a:xfrm>
+          <a:prstGeom prst="bentConnector3">
+            <a:avLst>
+              <a:gd name="adj1" fmla="val 68637"/>
+            </a:avLst>
+          </a:prstGeom>
+          <a:ln w="28575">
+            <a:solidFill>
+              <a:schemeClr val="accent6"/>
+            </a:solidFill>
+            <a:prstDash val="dash"/>
+            <a:headEnd type="triangle"/>
+            <a:tailEnd type="triangle"/>
+          </a:ln>
+        </p:spPr>
+        <p:style>
+          <a:lnRef idx="1">
+            <a:schemeClr val="dk1"/>
+          </a:lnRef>
+          <a:fillRef idx="0">
+            <a:schemeClr val="dk1"/>
+          </a:fillRef>
+          <a:effectRef idx="0">
+            <a:schemeClr val="dk1"/>
+          </a:effectRef>
+          <a:fontRef idx="minor">
+            <a:schemeClr val="tx1"/>
+          </a:fontRef>
+        </p:style>
+      </p:cxnSp>
+    </p:spTree>
+    <p:extLst>
+      <p:ext uri="{BB962C8B-B14F-4D97-AF65-F5344CB8AC3E}">
+        <p14:creationId xmlns:p14="http://schemas.microsoft.com/office/powerpoint/2010/main" val="2266362848"/>
+      </p:ext>
+    </p:extLst>
+  </p:cSld>
+  <p:clrMapOvr>
+    <a:masterClrMapping/>
+  </p:clrMapOvr>
+</p:sld>
+</file>
+
+<file path=ppt/slides/slide4.xml><?xml version="1.0" encoding="utf-8"?>
+<p:sld xmlns:a="http://schemas.openxmlformats.org/drawingml/2006/main" xmlns:r="http://schemas.openxmlformats.org/officeDocument/2006/relationships" xmlns:p="http://schemas.openxmlformats.org/presentationml/2006/main">
+  <p:cSld>
+    <p:spTree>
+      <p:nvGrpSpPr>
+        <p:cNvPr id="1" name=""/>
+        <p:cNvGrpSpPr/>
+        <p:nvPr/>
+      </p:nvGrpSpPr>
+      <p:grpSpPr>
+        <a:xfrm>
+          <a:off x="0" y="0"/>
+          <a:ext cx="0" cy="0"/>
+          <a:chOff x="0" y="0"/>
+          <a:chExt cx="0" cy="0"/>
+        </a:xfrm>
+      </p:grpSpPr>
+      <p:graphicFrame>
+        <p:nvGraphicFramePr>
+          <p:cNvPr id="6" name="다이어그램 5">
+            <a:extLst>
+              <a:ext uri="{FF2B5EF4-FFF2-40B4-BE49-F238E27FC236}">
+                <a16:creationId xmlns:a16="http://schemas.microsoft.com/office/drawing/2014/main" id="{265E21D5-6924-4303-B058-6FA7B8A9F93A}"/>
+              </a:ext>
+            </a:extLst>
+          </p:cNvPr>
+          <p:cNvGraphicFramePr/>
+          <p:nvPr>
+            <p:extLst>
+              <p:ext uri="{D42A27DB-BD31-4B8C-83A1-F6EECF244321}">
+                <p14:modId xmlns:p14="http://schemas.microsoft.com/office/powerpoint/2010/main" val="241343249"/>
+              </p:ext>
+            </p:extLst>
+          </p:nvPr>
+        </p:nvGraphicFramePr>
+        <p:xfrm>
+          <a:off x="2032000" y="719666"/>
+          <a:ext cx="8128000" cy="5418667"/>
+        </p:xfrm>
+        <a:graphic>
+          <a:graphicData uri="http://schemas.openxmlformats.org/drawingml/2006/diagram">
+            <dgm:relIds xmlns:dgm="http://schemas.openxmlformats.org/drawingml/2006/diagram" xmlns:r="http://schemas.openxmlformats.org/officeDocument/2006/relationships" r:dm="rId2" r:lo="rId3" r:qs="rId4" r:cs="rId5"/>
+          </a:graphicData>
+        </a:graphic>
+      </p:graphicFrame>
+    </p:spTree>
+    <p:extLst>
+      <p:ext uri="{BB962C8B-B14F-4D97-AF65-F5344CB8AC3E}">
+        <p14:creationId xmlns:p14="http://schemas.microsoft.com/office/powerpoint/2010/main" val="1380463164"/>
+      </p:ext>
+    </p:extLst>
+  </p:cSld>
+  <p:clrMapOvr>
+    <a:masterClrMapping/>
+  </p:clrMapOvr>
+</p:sld>
+</file>
+
+<file path=ppt/slides/slide5.xml><?xml version="1.0" encoding="utf-8"?>
+<p:sld xmlns:a="http://schemas.openxmlformats.org/drawingml/2006/main" xmlns:r="http://schemas.openxmlformats.org/officeDocument/2006/relationships" xmlns:p="http://schemas.openxmlformats.org/presentationml/2006/main">
+  <p:cSld>
+    <p:spTree>
+      <p:nvGrpSpPr>
+        <p:cNvPr id="1" name=""/>
+        <p:cNvGrpSpPr/>
+        <p:nvPr/>
+      </p:nvGrpSpPr>
+      <p:grpSpPr>
+        <a:xfrm>
+          <a:off x="0" y="0"/>
+          <a:ext cx="0" cy="0"/>
+          <a:chOff x="0" y="0"/>
+          <a:chExt cx="0" cy="0"/>
+        </a:xfrm>
+      </p:grpSpPr>
+      <p:sp>
+        <p:nvSpPr>
+          <p:cNvPr id="21" name="직사각형 20">
+            <a:extLst>
+              <a:ext uri="{FF2B5EF4-FFF2-40B4-BE49-F238E27FC236}">
+                <a16:creationId xmlns:a16="http://schemas.microsoft.com/office/drawing/2014/main" id="{12BEBEFD-341C-4E90-A31C-714C838D5197}"/>
+              </a:ext>
+            </a:extLst>
+          </p:cNvPr>
+          <p:cNvSpPr/>
+          <p:nvPr/>
+        </p:nvSpPr>
+        <p:spPr>
+          <a:xfrm>
+            <a:off x="3170937" y="520063"/>
+            <a:ext cx="7257853" cy="4012654"/>
+          </a:xfrm>
+          <a:prstGeom prst="rect">
+            <a:avLst/>
+          </a:prstGeom>
+          <a:noFill/>
+          <a:ln w="38100">
+            <a:solidFill>
+              <a:schemeClr val="bg2">
+                <a:lumMod val="75000"/>
+              </a:schemeClr>
+            </a:solidFill>
+            <a:prstDash val="sysDot"/>
+          </a:ln>
+        </p:spPr>
+        <p:style>
+          <a:lnRef idx="2">
+            <a:schemeClr val="accent1">
+              <a:shade val="50000"/>
+            </a:schemeClr>
+          </a:lnRef>
+          <a:fillRef idx="1">
+            <a:schemeClr val="accent1"/>
+          </a:fillRef>
+          <a:effectRef idx="0">
+            <a:schemeClr val="accent1"/>
+          </a:effectRef>
+          <a:fontRef idx="minor">
+            <a:schemeClr val="lt1"/>
+          </a:fontRef>
+        </p:style>
+        <p:txBody>
+          <a:bodyPr rtlCol="0" anchor="ctr"/>
+          <a:lstStyle/>
+          <a:p>
+            <a:pPr algn="ctr"/>
+            <a:endParaRPr lang="ko-KR" altLang="en-US" sz="1400" b="1" dirty="0">
+              <a:solidFill>
+                <a:srgbClr val="B8006E"/>
+              </a:solidFill>
+              <a:latin typeface="나눔고딕" panose="020D0604000000000000" pitchFamily="50" charset="-127"/>
+              <a:ea typeface="나눔고딕" panose="020D0604000000000000" pitchFamily="50" charset="-127"/>
+            </a:endParaRPr>
+          </a:p>
+        </p:txBody>
+      </p:sp>
+      <p:sp>
+        <p:nvSpPr>
+          <p:cNvPr id="14" name="사각형: 둥근 모서리 13">
+            <a:extLst>
+              <a:ext uri="{FF2B5EF4-FFF2-40B4-BE49-F238E27FC236}">
+                <a16:creationId xmlns:a16="http://schemas.microsoft.com/office/drawing/2014/main" id="{7040577D-37B7-4902-BC57-4EFF85E5B414}"/>
+              </a:ext>
+            </a:extLst>
+          </p:cNvPr>
+          <p:cNvSpPr/>
+          <p:nvPr/>
+        </p:nvSpPr>
+        <p:spPr>
+          <a:xfrm>
+            <a:off x="3174514" y="520063"/>
+            <a:ext cx="1014705" cy="399136"/>
+          </a:xfrm>
+          <a:prstGeom prst="roundRect">
+            <a:avLst/>
+          </a:prstGeom>
+          <a:noFill/>
+          <a:ln w="38100">
+            <a:noFill/>
+          </a:ln>
+        </p:spPr>
+        <p:style>
+          <a:lnRef idx="2">
+            <a:schemeClr val="accent1">
+              <a:shade val="50000"/>
+            </a:schemeClr>
+          </a:lnRef>
+          <a:fillRef idx="1">
+            <a:schemeClr val="accent1"/>
+          </a:fillRef>
+          <a:effectRef idx="0">
+            <a:schemeClr val="accent1"/>
+          </a:effectRef>
+          <a:fontRef idx="minor">
+            <a:schemeClr val="lt1"/>
+          </a:fontRef>
+        </p:style>
+        <p:txBody>
+          <a:bodyPr rtlCol="0" anchor="ctr"/>
+          <a:lstStyle/>
+          <a:p>
+            <a:pPr algn="ctr"/>
+            <a:r>
+              <a:rPr lang="en-US" altLang="ko-KR" sz="1600" b="1" dirty="0">
+                <a:solidFill>
+                  <a:schemeClr val="tx1"/>
+                </a:solidFill>
+                <a:latin typeface="나눔고딕 ExtraBold" panose="020D0904000000000000" pitchFamily="50" charset="-127"/>
+                <a:ea typeface="나눔고딕 ExtraBold" panose="020D0904000000000000" pitchFamily="50" charset="-127"/>
+              </a:rPr>
+              <a:t>Cluster</a:t>
+            </a:r>
+            <a:endParaRPr lang="ko-KR" altLang="en-US" sz="1600" b="1" dirty="0">
+              <a:solidFill>
+                <a:schemeClr val="tx1"/>
+              </a:solidFill>
+              <a:latin typeface="나눔고딕 ExtraBold" panose="020D0904000000000000" pitchFamily="50" charset="-127"/>
+              <a:ea typeface="나눔고딕 ExtraBold" panose="020D0904000000000000" pitchFamily="50" charset="-127"/>
+            </a:endParaRPr>
+          </a:p>
+        </p:txBody>
+      </p:sp>
+      <p:sp>
+        <p:nvSpPr>
+          <p:cNvPr id="57" name="사각형: 둥근 모서리 56">
+            <a:extLst>
+              <a:ext uri="{FF2B5EF4-FFF2-40B4-BE49-F238E27FC236}">
+                <a16:creationId xmlns:a16="http://schemas.microsoft.com/office/drawing/2014/main" id="{8B79BEAF-41E4-42D2-AE3A-9262E1923398}"/>
+              </a:ext>
+            </a:extLst>
+          </p:cNvPr>
+          <p:cNvSpPr/>
+          <p:nvPr/>
+        </p:nvSpPr>
+        <p:spPr>
+          <a:xfrm>
+            <a:off x="8345805" y="2526390"/>
+            <a:ext cx="552396" cy="399136"/>
+          </a:xfrm>
+          <a:prstGeom prst="roundRect">
+            <a:avLst/>
+          </a:prstGeom>
+          <a:noFill/>
+          <a:ln w="38100">
+            <a:noFill/>
+          </a:ln>
+        </p:spPr>
+        <p:style>
+          <a:lnRef idx="2">
+            <a:schemeClr val="accent1">
+              <a:shade val="50000"/>
+            </a:schemeClr>
+          </a:lnRef>
+          <a:fillRef idx="1">
+            <a:schemeClr val="accent1"/>
+          </a:fillRef>
+          <a:effectRef idx="0">
+            <a:schemeClr val="accent1"/>
+          </a:effectRef>
+          <a:fontRef idx="minor">
+            <a:schemeClr val="lt1"/>
+          </a:fontRef>
+        </p:style>
+        <p:txBody>
+          <a:bodyPr rtlCol="0" anchor="ctr"/>
+          <a:lstStyle/>
+          <a:p>
+            <a:pPr algn="ctr"/>
+            <a:r>
+              <a:rPr lang="en-US" altLang="ko-KR" sz="1600" b="1" dirty="0">
+                <a:solidFill>
+                  <a:schemeClr val="tx1"/>
+                </a:solidFill>
+                <a:latin typeface="나눔고딕 ExtraBold" panose="020D0904000000000000" pitchFamily="50" charset="-127"/>
+                <a:ea typeface="나눔고딕 ExtraBold" panose="020D0904000000000000" pitchFamily="50" charset="-127"/>
+              </a:rPr>
+              <a:t>…</a:t>
+            </a:r>
+            <a:endParaRPr lang="ko-KR" altLang="en-US" sz="1600" b="1" dirty="0">
+              <a:solidFill>
+                <a:schemeClr val="tx1"/>
+              </a:solidFill>
+              <a:latin typeface="나눔고딕 ExtraBold" panose="020D0904000000000000" pitchFamily="50" charset="-127"/>
+              <a:ea typeface="나눔고딕 ExtraBold" panose="020D0904000000000000" pitchFamily="50" charset="-127"/>
+            </a:endParaRPr>
+          </a:p>
+        </p:txBody>
+      </p:sp>
+      <p:sp>
+        <p:nvSpPr>
+          <p:cNvPr id="61" name="직사각형 60">
+            <a:extLst>
+              <a:ext uri="{FF2B5EF4-FFF2-40B4-BE49-F238E27FC236}">
+                <a16:creationId xmlns:a16="http://schemas.microsoft.com/office/drawing/2014/main" id="{9A328200-49A2-401B-8524-8EBB2130A985}"/>
+              </a:ext>
+            </a:extLst>
+          </p:cNvPr>
+          <p:cNvSpPr/>
+          <p:nvPr/>
+        </p:nvSpPr>
+        <p:spPr>
+          <a:xfrm>
+            <a:off x="3341938" y="1028620"/>
+            <a:ext cx="5162965" cy="3301043"/>
+          </a:xfrm>
+          <a:prstGeom prst="rect">
+            <a:avLst/>
+          </a:prstGeom>
+          <a:solidFill>
+            <a:schemeClr val="accent4">
+              <a:lumMod val="40000"/>
+              <a:lumOff val="60000"/>
+              <a:alpha val="50000"/>
+            </a:schemeClr>
+          </a:solidFill>
+          <a:ln w="38100">
+            <a:solidFill>
+              <a:schemeClr val="accent4"/>
+            </a:solidFill>
+          </a:ln>
+        </p:spPr>
+        <p:style>
+          <a:lnRef idx="2">
+            <a:schemeClr val="accent1">
+              <a:shade val="50000"/>
+            </a:schemeClr>
+          </a:lnRef>
+          <a:fillRef idx="1">
+            <a:schemeClr val="accent1"/>
+          </a:fillRef>
+          <a:effectRef idx="0">
+            <a:schemeClr val="accent1"/>
+          </a:effectRef>
+          <a:fontRef idx="minor">
+            <a:schemeClr val="lt1"/>
+          </a:fontRef>
+        </p:style>
+        <p:txBody>
+          <a:bodyPr rtlCol="0" anchor="ctr"/>
+          <a:lstStyle/>
+          <a:p>
+            <a:pPr algn="ctr"/>
+            <a:endParaRPr lang="ko-KR" altLang="en-US" sz="1400" b="1" dirty="0">
+              <a:solidFill>
+                <a:srgbClr val="B8006E"/>
+              </a:solidFill>
+              <a:latin typeface="나눔고딕" panose="020D0604000000000000" pitchFamily="50" charset="-127"/>
+              <a:ea typeface="나눔고딕" panose="020D0604000000000000" pitchFamily="50" charset="-127"/>
+            </a:endParaRPr>
+          </a:p>
+        </p:txBody>
+      </p:sp>
+      <p:sp>
+        <p:nvSpPr>
+          <p:cNvPr id="63" name="사각형: 둥근 모서리 62">
+            <a:extLst>
+              <a:ext uri="{FF2B5EF4-FFF2-40B4-BE49-F238E27FC236}">
+                <a16:creationId xmlns:a16="http://schemas.microsoft.com/office/drawing/2014/main" id="{786588F5-E8BC-4D47-82FB-B4869807C8F8}"/>
+              </a:ext>
+            </a:extLst>
+          </p:cNvPr>
+          <p:cNvSpPr/>
+          <p:nvPr/>
+        </p:nvSpPr>
+        <p:spPr>
+          <a:xfrm>
+            <a:off x="3281507" y="1027577"/>
+            <a:ext cx="1434091" cy="399136"/>
+          </a:xfrm>
+          <a:prstGeom prst="roundRect">
+            <a:avLst/>
+          </a:prstGeom>
+          <a:noFill/>
+          <a:ln w="38100">
+            <a:noFill/>
+          </a:ln>
+        </p:spPr>
+        <p:style>
+          <a:lnRef idx="2">
+            <a:schemeClr val="accent1">
+              <a:shade val="50000"/>
+            </a:schemeClr>
+          </a:lnRef>
+          <a:fillRef idx="1">
+            <a:schemeClr val="accent1"/>
+          </a:fillRef>
+          <a:effectRef idx="0">
+            <a:schemeClr val="accent1"/>
+          </a:effectRef>
+          <a:fontRef idx="minor">
+            <a:schemeClr val="lt1"/>
+          </a:fontRef>
+        </p:style>
+        <p:txBody>
+          <a:bodyPr rtlCol="0" anchor="ctr"/>
+          <a:lstStyle/>
+          <a:p>
+            <a:pPr algn="ctr"/>
+            <a:r>
+              <a:rPr lang="en-US" altLang="ko-KR" sz="1600" b="1" dirty="0" err="1">
+                <a:solidFill>
+                  <a:srgbClr val="FD9203"/>
+                </a:solidFill>
+                <a:latin typeface="나눔고딕 ExtraBold" panose="020D0904000000000000" pitchFamily="50" charset="-127"/>
+                <a:ea typeface="나눔고딕 ExtraBold" panose="020D0904000000000000" pitchFamily="50" charset="-127"/>
+              </a:rPr>
+              <a:t>NameSpace</a:t>
+            </a:r>
+            <a:endParaRPr lang="ko-KR" altLang="en-US" sz="1600" b="1" dirty="0">
+              <a:solidFill>
+                <a:srgbClr val="FD9203"/>
+              </a:solidFill>
+              <a:latin typeface="나눔고딕 ExtraBold" panose="020D0904000000000000" pitchFamily="50" charset="-127"/>
+              <a:ea typeface="나눔고딕 ExtraBold" panose="020D0904000000000000" pitchFamily="50" charset="-127"/>
+            </a:endParaRPr>
+          </a:p>
+        </p:txBody>
+      </p:sp>
+      <p:sp>
+        <p:nvSpPr>
+          <p:cNvPr id="64" name="직사각형 63">
+            <a:extLst>
+              <a:ext uri="{FF2B5EF4-FFF2-40B4-BE49-F238E27FC236}">
+                <a16:creationId xmlns:a16="http://schemas.microsoft.com/office/drawing/2014/main" id="{0E60E3B1-D1E3-4251-8E16-3F783D2FA6C6}"/>
+              </a:ext>
+            </a:extLst>
+          </p:cNvPr>
+          <p:cNvSpPr/>
+          <p:nvPr/>
+        </p:nvSpPr>
+        <p:spPr>
+          <a:xfrm>
+            <a:off x="8976862" y="1028620"/>
+            <a:ext cx="1259415" cy="3301043"/>
+          </a:xfrm>
+          <a:prstGeom prst="rect">
+            <a:avLst/>
+          </a:prstGeom>
+          <a:solidFill>
+            <a:schemeClr val="accent4">
+              <a:lumMod val="40000"/>
+              <a:lumOff val="60000"/>
+              <a:alpha val="50000"/>
+            </a:schemeClr>
+          </a:solidFill>
+          <a:ln w="38100">
+            <a:solidFill>
+              <a:schemeClr val="accent4"/>
+            </a:solidFill>
+          </a:ln>
+        </p:spPr>
+        <p:style>
+          <a:lnRef idx="2">
+            <a:schemeClr val="accent1">
+              <a:shade val="50000"/>
+            </a:schemeClr>
+          </a:lnRef>
+          <a:fillRef idx="1">
+            <a:schemeClr val="accent1"/>
+          </a:fillRef>
+          <a:effectRef idx="0">
+            <a:schemeClr val="accent1"/>
+          </a:effectRef>
+          <a:fontRef idx="minor">
+            <a:schemeClr val="lt1"/>
+          </a:fontRef>
+        </p:style>
+        <p:txBody>
+          <a:bodyPr rtlCol="0" anchor="ctr"/>
+          <a:lstStyle/>
+          <a:p>
+            <a:pPr algn="ctr"/>
+            <a:endParaRPr lang="ko-KR" altLang="en-US" sz="1400" b="1" dirty="0">
+              <a:solidFill>
+                <a:srgbClr val="B8006E"/>
+              </a:solidFill>
+              <a:latin typeface="나눔고딕" panose="020D0604000000000000" pitchFamily="50" charset="-127"/>
+              <a:ea typeface="나눔고딕" panose="020D0604000000000000" pitchFamily="50" charset="-127"/>
+            </a:endParaRPr>
+          </a:p>
+        </p:txBody>
+      </p:sp>
+      <p:sp>
+        <p:nvSpPr>
+          <p:cNvPr id="65" name="사각형: 둥근 모서리 64">
+            <a:extLst>
+              <a:ext uri="{FF2B5EF4-FFF2-40B4-BE49-F238E27FC236}">
+                <a16:creationId xmlns:a16="http://schemas.microsoft.com/office/drawing/2014/main" id="{683C1C69-0ACA-4AE7-A87D-F254EB95B086}"/>
+              </a:ext>
+            </a:extLst>
+          </p:cNvPr>
+          <p:cNvSpPr/>
+          <p:nvPr/>
+        </p:nvSpPr>
+        <p:spPr>
+          <a:xfrm>
+            <a:off x="8889523" y="1009158"/>
+            <a:ext cx="1434091" cy="399136"/>
+          </a:xfrm>
+          <a:prstGeom prst="roundRect">
+            <a:avLst/>
+          </a:prstGeom>
+          <a:noFill/>
+          <a:ln w="38100">
+            <a:noFill/>
+          </a:ln>
+        </p:spPr>
+        <p:style>
+          <a:lnRef idx="2">
+            <a:schemeClr val="accent1">
+              <a:shade val="50000"/>
+            </a:schemeClr>
+          </a:lnRef>
+          <a:fillRef idx="1">
+            <a:schemeClr val="accent1"/>
+          </a:fillRef>
+          <a:effectRef idx="0">
+            <a:schemeClr val="accent1"/>
+          </a:effectRef>
+          <a:fontRef idx="minor">
+            <a:schemeClr val="lt1"/>
+          </a:fontRef>
+        </p:style>
+        <p:txBody>
+          <a:bodyPr rtlCol="0" anchor="ctr"/>
+          <a:lstStyle/>
+          <a:p>
+            <a:pPr algn="ctr"/>
+            <a:r>
+              <a:rPr lang="en-US" altLang="ko-KR" sz="1600" b="1" dirty="0" err="1">
+                <a:solidFill>
+                  <a:srgbClr val="FD9203"/>
+                </a:solidFill>
+                <a:latin typeface="나눔고딕 ExtraBold" panose="020D0904000000000000" pitchFamily="50" charset="-127"/>
+                <a:ea typeface="나눔고딕 ExtraBold" panose="020D0904000000000000" pitchFamily="50" charset="-127"/>
+              </a:rPr>
+              <a:t>NameSpace</a:t>
+            </a:r>
+            <a:endParaRPr lang="ko-KR" altLang="en-US" sz="1600" b="1" dirty="0">
+              <a:solidFill>
+                <a:srgbClr val="FD9203"/>
+              </a:solidFill>
+              <a:latin typeface="나눔고딕 ExtraBold" panose="020D0904000000000000" pitchFamily="50" charset="-127"/>
+              <a:ea typeface="나눔고딕 ExtraBold" panose="020D0904000000000000" pitchFamily="50" charset="-127"/>
+            </a:endParaRPr>
+          </a:p>
+        </p:txBody>
+      </p:sp>
+      <p:sp>
+        <p:nvSpPr>
+          <p:cNvPr id="120" name="직사각형 119">
+            <a:extLst>
+              <a:ext uri="{FF2B5EF4-FFF2-40B4-BE49-F238E27FC236}">
+                <a16:creationId xmlns:a16="http://schemas.microsoft.com/office/drawing/2014/main" id="{FED930A1-FBD7-44E0-A8DC-2D89B0C8F903}"/>
+              </a:ext>
+            </a:extLst>
+          </p:cNvPr>
+          <p:cNvSpPr/>
+          <p:nvPr/>
+        </p:nvSpPr>
+        <p:spPr>
+          <a:xfrm>
+            <a:off x="5385651" y="1477750"/>
+            <a:ext cx="1304709" cy="456477"/>
+          </a:xfrm>
+          <a:prstGeom prst="rect">
+            <a:avLst/>
+          </a:prstGeom>
+          <a:solidFill>
+            <a:schemeClr val="accent6"/>
+          </a:solidFill>
+          <a:ln w="38100">
+            <a:noFill/>
+          </a:ln>
+        </p:spPr>
+        <p:style>
+          <a:lnRef idx="2">
+            <a:schemeClr val="accent1">
+              <a:shade val="50000"/>
+            </a:schemeClr>
+          </a:lnRef>
+          <a:fillRef idx="1">
+            <a:schemeClr val="accent1"/>
+          </a:fillRef>
+          <a:effectRef idx="0">
+            <a:schemeClr val="accent1"/>
+          </a:effectRef>
+          <a:fontRef idx="minor">
+            <a:schemeClr val="lt1"/>
+          </a:fontRef>
+        </p:style>
+        <p:txBody>
+          <a:bodyPr rtlCol="0" anchor="ctr"/>
+          <a:lstStyle/>
+          <a:p>
+            <a:pPr algn="ctr"/>
+            <a:r>
+              <a:rPr lang="en-US" altLang="ko-KR" sz="1400" b="1" dirty="0">
+                <a:solidFill>
+                  <a:schemeClr val="bg1"/>
+                </a:solidFill>
+                <a:latin typeface="나눔고딕" panose="020D0604000000000000" pitchFamily="50" charset="-127"/>
+                <a:ea typeface="나눔고딕" panose="020D0604000000000000" pitchFamily="50" charset="-127"/>
+              </a:rPr>
+              <a:t>Service</a:t>
+            </a:r>
+            <a:endParaRPr lang="ko-KR" altLang="en-US" sz="1400" b="1" dirty="0">
+              <a:solidFill>
+                <a:schemeClr val="bg1"/>
+              </a:solidFill>
+              <a:latin typeface="나눔고딕" panose="020D0604000000000000" pitchFamily="50" charset="-127"/>
+              <a:ea typeface="나눔고딕" panose="020D0604000000000000" pitchFamily="50" charset="-127"/>
+            </a:endParaRPr>
+          </a:p>
+        </p:txBody>
+      </p:sp>
+      <p:sp>
+        <p:nvSpPr>
+          <p:cNvPr id="66" name="직사각형 65">
+            <a:extLst>
+              <a:ext uri="{FF2B5EF4-FFF2-40B4-BE49-F238E27FC236}">
+                <a16:creationId xmlns:a16="http://schemas.microsoft.com/office/drawing/2014/main" id="{10014A5A-FABB-482F-BBB5-EBFC3EC7382B}"/>
+              </a:ext>
+            </a:extLst>
+          </p:cNvPr>
+          <p:cNvSpPr/>
+          <p:nvPr/>
+        </p:nvSpPr>
+        <p:spPr>
+          <a:xfrm>
+            <a:off x="3527010" y="2198169"/>
+            <a:ext cx="3139166" cy="1951044"/>
+          </a:xfrm>
+          <a:prstGeom prst="rect">
+            <a:avLst/>
+          </a:prstGeom>
+          <a:solidFill>
+            <a:schemeClr val="accent2"/>
+          </a:solidFill>
+          <a:ln w="38100">
+            <a:noFill/>
+          </a:ln>
+        </p:spPr>
+        <p:style>
+          <a:lnRef idx="2">
+            <a:schemeClr val="accent1">
+              <a:shade val="50000"/>
+            </a:schemeClr>
+          </a:lnRef>
+          <a:fillRef idx="1">
+            <a:schemeClr val="accent1"/>
+          </a:fillRef>
+          <a:effectRef idx="0">
+            <a:schemeClr val="accent1"/>
+          </a:effectRef>
+          <a:fontRef idx="minor">
+            <a:schemeClr val="lt1"/>
+          </a:fontRef>
+        </p:style>
+        <p:txBody>
+          <a:bodyPr rtlCol="0" anchor="ctr"/>
+          <a:lstStyle/>
+          <a:p>
+            <a:pPr algn="ctr"/>
+            <a:endParaRPr lang="ko-KR" altLang="en-US" sz="1400" b="1" dirty="0">
+              <a:solidFill>
+                <a:srgbClr val="B8006E"/>
+              </a:solidFill>
+              <a:latin typeface="나눔고딕" panose="020D0604000000000000" pitchFamily="50" charset="-127"/>
+              <a:ea typeface="나눔고딕" panose="020D0604000000000000" pitchFamily="50" charset="-127"/>
+            </a:endParaRPr>
+          </a:p>
+        </p:txBody>
+      </p:sp>
+      <p:sp>
+        <p:nvSpPr>
+          <p:cNvPr id="67" name="사각형: 둥근 모서리 66">
+            <a:extLst>
+              <a:ext uri="{FF2B5EF4-FFF2-40B4-BE49-F238E27FC236}">
+                <a16:creationId xmlns:a16="http://schemas.microsoft.com/office/drawing/2014/main" id="{0F7B51F5-2F90-4CF3-96D1-84F6977E4CB1}"/>
+              </a:ext>
+            </a:extLst>
+          </p:cNvPr>
+          <p:cNvSpPr/>
+          <p:nvPr/>
+        </p:nvSpPr>
+        <p:spPr>
+          <a:xfrm>
+            <a:off x="3406226" y="2196079"/>
+            <a:ext cx="782993" cy="399136"/>
+          </a:xfrm>
+          <a:prstGeom prst="roundRect">
+            <a:avLst/>
+          </a:prstGeom>
+          <a:noFill/>
+          <a:ln w="38100">
+            <a:noFill/>
+          </a:ln>
+        </p:spPr>
+        <p:style>
+          <a:lnRef idx="2">
+            <a:schemeClr val="accent1">
+              <a:shade val="50000"/>
+            </a:schemeClr>
+          </a:lnRef>
+          <a:fillRef idx="1">
+            <a:schemeClr val="accent1"/>
+          </a:fillRef>
+          <a:effectRef idx="0">
+            <a:schemeClr val="accent1"/>
+          </a:effectRef>
+          <a:fontRef idx="minor">
+            <a:schemeClr val="lt1"/>
+          </a:fontRef>
+        </p:style>
+        <p:txBody>
+          <a:bodyPr rtlCol="0" anchor="ctr"/>
+          <a:lstStyle/>
+          <a:p>
+            <a:pPr algn="ctr"/>
+            <a:r>
+              <a:rPr lang="en-US" altLang="ko-KR" sz="1600" b="1" dirty="0">
+                <a:solidFill>
+                  <a:schemeClr val="bg1"/>
+                </a:solidFill>
+                <a:latin typeface="나눔고딕 ExtraBold" panose="020D0904000000000000" pitchFamily="50" charset="-127"/>
+                <a:ea typeface="나눔고딕 ExtraBold" panose="020D0904000000000000" pitchFamily="50" charset="-127"/>
+              </a:rPr>
+              <a:t>Pod</a:t>
+            </a:r>
+            <a:endParaRPr lang="ko-KR" altLang="en-US" sz="1600" b="1" dirty="0">
+              <a:solidFill>
+                <a:schemeClr val="bg1"/>
+              </a:solidFill>
+              <a:latin typeface="나눔고딕 ExtraBold" panose="020D0904000000000000" pitchFamily="50" charset="-127"/>
+              <a:ea typeface="나눔고딕 ExtraBold" panose="020D0904000000000000" pitchFamily="50" charset="-127"/>
+            </a:endParaRPr>
+          </a:p>
+        </p:txBody>
+      </p:sp>
+      <p:sp>
+        <p:nvSpPr>
+          <p:cNvPr id="119" name="직사각형 118">
+            <a:extLst>
+              <a:ext uri="{FF2B5EF4-FFF2-40B4-BE49-F238E27FC236}">
+                <a16:creationId xmlns:a16="http://schemas.microsoft.com/office/drawing/2014/main" id="{C53F7684-3266-47E8-9397-14C3FD7F748A}"/>
+              </a:ext>
+            </a:extLst>
+          </p:cNvPr>
+          <p:cNvSpPr/>
+          <p:nvPr/>
+        </p:nvSpPr>
+        <p:spPr>
+          <a:xfrm>
+            <a:off x="3644816" y="2658925"/>
+            <a:ext cx="1198477" cy="370070"/>
+          </a:xfrm>
+          <a:prstGeom prst="rect">
+            <a:avLst/>
+          </a:prstGeom>
+          <a:solidFill>
+            <a:schemeClr val="bg1"/>
+          </a:solidFill>
+          <a:ln w="38100">
+            <a:noFill/>
+          </a:ln>
+        </p:spPr>
+        <p:style>
+          <a:lnRef idx="2">
+            <a:schemeClr val="accent1">
+              <a:shade val="50000"/>
+            </a:schemeClr>
+          </a:lnRef>
+          <a:fillRef idx="1">
+            <a:schemeClr val="accent1"/>
+          </a:fillRef>
+          <a:effectRef idx="0">
+            <a:schemeClr val="accent1"/>
+          </a:effectRef>
+          <a:fontRef idx="minor">
+            <a:schemeClr val="lt1"/>
+          </a:fontRef>
+        </p:style>
+        <p:txBody>
+          <a:bodyPr rtlCol="0" anchor="ctr"/>
+          <a:lstStyle/>
+          <a:p>
+            <a:pPr algn="ctr"/>
+            <a:r>
+              <a:rPr lang="en-US" altLang="ko-KR" sz="1400" b="1" dirty="0">
+                <a:solidFill>
+                  <a:schemeClr val="tx1"/>
+                </a:solidFill>
+                <a:latin typeface="나눔고딕" panose="020D0604000000000000" pitchFamily="50" charset="-127"/>
+                <a:ea typeface="나눔고딕" panose="020D0604000000000000" pitchFamily="50" charset="-127"/>
+              </a:rPr>
+              <a:t>Container A</a:t>
+            </a:r>
+            <a:endParaRPr lang="ko-KR" altLang="en-US" sz="1400" b="1" dirty="0">
+              <a:solidFill>
+                <a:schemeClr val="tx1"/>
+              </a:solidFill>
+              <a:latin typeface="나눔고딕" panose="020D0604000000000000" pitchFamily="50" charset="-127"/>
+              <a:ea typeface="나눔고딕" panose="020D0604000000000000" pitchFamily="50" charset="-127"/>
+            </a:endParaRPr>
+          </a:p>
+        </p:txBody>
+      </p:sp>
+      <p:sp>
+        <p:nvSpPr>
+          <p:cNvPr id="68" name="직사각형 67">
+            <a:extLst>
+              <a:ext uri="{FF2B5EF4-FFF2-40B4-BE49-F238E27FC236}">
+                <a16:creationId xmlns:a16="http://schemas.microsoft.com/office/drawing/2014/main" id="{29F315F8-4C36-44AF-858C-81117EC7C05B}"/>
+              </a:ext>
+            </a:extLst>
+          </p:cNvPr>
+          <p:cNvSpPr/>
+          <p:nvPr/>
+        </p:nvSpPr>
+        <p:spPr>
+          <a:xfrm>
+            <a:off x="3644816" y="3157073"/>
+            <a:ext cx="1198477" cy="370070"/>
+          </a:xfrm>
+          <a:prstGeom prst="rect">
+            <a:avLst/>
+          </a:prstGeom>
+          <a:solidFill>
+            <a:schemeClr val="bg1"/>
+          </a:solidFill>
+          <a:ln w="38100">
+            <a:noFill/>
+          </a:ln>
+        </p:spPr>
+        <p:style>
+          <a:lnRef idx="2">
+            <a:schemeClr val="accent1">
+              <a:shade val="50000"/>
+            </a:schemeClr>
+          </a:lnRef>
+          <a:fillRef idx="1">
+            <a:schemeClr val="accent1"/>
+          </a:fillRef>
+          <a:effectRef idx="0">
+            <a:schemeClr val="accent1"/>
+          </a:effectRef>
+          <a:fontRef idx="minor">
+            <a:schemeClr val="lt1"/>
+          </a:fontRef>
+        </p:style>
+        <p:txBody>
+          <a:bodyPr rtlCol="0" anchor="ctr"/>
+          <a:lstStyle/>
+          <a:p>
+            <a:pPr algn="ctr"/>
+            <a:r>
+              <a:rPr lang="en-US" altLang="ko-KR" sz="1400" b="1" dirty="0">
+                <a:solidFill>
+                  <a:schemeClr val="tx1"/>
+                </a:solidFill>
+                <a:latin typeface="나눔고딕" panose="020D0604000000000000" pitchFamily="50" charset="-127"/>
+                <a:ea typeface="나눔고딕" panose="020D0604000000000000" pitchFamily="50" charset="-127"/>
+              </a:rPr>
+              <a:t>Container B</a:t>
+            </a:r>
+            <a:endParaRPr lang="ko-KR" altLang="en-US" sz="1400" b="1" dirty="0">
+              <a:solidFill>
+                <a:schemeClr val="tx1"/>
+              </a:solidFill>
+              <a:latin typeface="나눔고딕" panose="020D0604000000000000" pitchFamily="50" charset="-127"/>
+              <a:ea typeface="나눔고딕" panose="020D0604000000000000" pitchFamily="50" charset="-127"/>
+            </a:endParaRPr>
+          </a:p>
+        </p:txBody>
+      </p:sp>
+      <p:sp>
+        <p:nvSpPr>
+          <p:cNvPr id="69" name="직사각형 68">
+            <a:extLst>
+              <a:ext uri="{FF2B5EF4-FFF2-40B4-BE49-F238E27FC236}">
+                <a16:creationId xmlns:a16="http://schemas.microsoft.com/office/drawing/2014/main" id="{4674A48F-55AF-4F5A-90A8-9FBF25D75158}"/>
+              </a:ext>
+            </a:extLst>
+          </p:cNvPr>
+          <p:cNvSpPr/>
+          <p:nvPr/>
+        </p:nvSpPr>
+        <p:spPr>
+          <a:xfrm>
+            <a:off x="3644816" y="3649541"/>
+            <a:ext cx="1198477" cy="370070"/>
+          </a:xfrm>
+          <a:prstGeom prst="rect">
+            <a:avLst/>
+          </a:prstGeom>
+          <a:solidFill>
+            <a:schemeClr val="bg1"/>
+          </a:solidFill>
+          <a:ln w="38100">
+            <a:noFill/>
+          </a:ln>
+        </p:spPr>
+        <p:style>
+          <a:lnRef idx="2">
+            <a:schemeClr val="accent1">
+              <a:shade val="50000"/>
+            </a:schemeClr>
+          </a:lnRef>
+          <a:fillRef idx="1">
+            <a:schemeClr val="accent1"/>
+          </a:fillRef>
+          <a:effectRef idx="0">
+            <a:schemeClr val="accent1"/>
+          </a:effectRef>
+          <a:fontRef idx="minor">
+            <a:schemeClr val="lt1"/>
+          </a:fontRef>
+        </p:style>
+        <p:txBody>
+          <a:bodyPr rtlCol="0" anchor="ctr"/>
+          <a:lstStyle/>
+          <a:p>
+            <a:pPr algn="ctr"/>
+            <a:r>
+              <a:rPr lang="en-US" altLang="ko-KR" sz="1400" b="1" dirty="0">
+                <a:solidFill>
+                  <a:schemeClr val="tx1"/>
+                </a:solidFill>
+                <a:latin typeface="나눔고딕" panose="020D0604000000000000" pitchFamily="50" charset="-127"/>
+                <a:ea typeface="나눔고딕" panose="020D0604000000000000" pitchFamily="50" charset="-127"/>
+              </a:rPr>
+              <a:t>Container C</a:t>
+            </a:r>
+            <a:endParaRPr lang="ko-KR" altLang="en-US" sz="1400" b="1" dirty="0">
+              <a:solidFill>
+                <a:schemeClr val="tx1"/>
+              </a:solidFill>
+              <a:latin typeface="나눔고딕" panose="020D0604000000000000" pitchFamily="50" charset="-127"/>
+              <a:ea typeface="나눔고딕" panose="020D0604000000000000" pitchFamily="50" charset="-127"/>
+            </a:endParaRPr>
+          </a:p>
+        </p:txBody>
+      </p:sp>
+      <p:cxnSp>
+        <p:nvCxnSpPr>
+          <p:cNvPr id="181" name="연결선: 꺾임 180">
+            <a:extLst>
+              <a:ext uri="{FF2B5EF4-FFF2-40B4-BE49-F238E27FC236}">
+                <a16:creationId xmlns:a16="http://schemas.microsoft.com/office/drawing/2014/main" id="{CC4D03CE-5962-4C1B-B98E-B6C54B796176}"/>
+              </a:ext>
+            </a:extLst>
+          </p:cNvPr>
+          <p:cNvCxnSpPr>
+            <a:cxnSpLocks/>
+            <a:stCxn id="120" idx="2"/>
+            <a:endCxn id="66" idx="0"/>
+          </p:cNvCxnSpPr>
+          <p:nvPr/>
+        </p:nvCxnSpPr>
+        <p:spPr>
+          <a:xfrm rot="5400000">
+            <a:off x="5435329" y="1595492"/>
+            <a:ext cx="263942" cy="941413"/>
+          </a:xfrm>
+          <a:prstGeom prst="bentConnector3">
+            <a:avLst>
+              <a:gd name="adj1" fmla="val 50000"/>
+            </a:avLst>
+          </a:prstGeom>
+          <a:ln w="28575">
+            <a:solidFill>
+              <a:schemeClr val="tx1"/>
+            </a:solidFill>
+            <a:headEnd type="none" w="med" len="med"/>
+            <a:tailEnd type="none" w="med" len="med"/>
+          </a:ln>
+        </p:spPr>
+        <p:style>
+          <a:lnRef idx="1">
+            <a:schemeClr val="dk1"/>
+          </a:lnRef>
+          <a:fillRef idx="0">
+            <a:schemeClr val="dk1"/>
+          </a:fillRef>
+          <a:effectRef idx="0">
+            <a:schemeClr val="dk1"/>
+          </a:effectRef>
+          <a:fontRef idx="minor">
+            <a:schemeClr val="tx1"/>
+          </a:fontRef>
+        </p:style>
+      </p:cxnSp>
+      <p:sp>
+        <p:nvSpPr>
+          <p:cNvPr id="70" name="직사각형 69">
+            <a:extLst>
+              <a:ext uri="{FF2B5EF4-FFF2-40B4-BE49-F238E27FC236}">
+                <a16:creationId xmlns:a16="http://schemas.microsoft.com/office/drawing/2014/main" id="{9EA354F1-8DD5-433F-86EE-7EAE7B6EDB7A}"/>
+              </a:ext>
+            </a:extLst>
+          </p:cNvPr>
+          <p:cNvSpPr/>
+          <p:nvPr/>
+        </p:nvSpPr>
+        <p:spPr>
+          <a:xfrm>
+            <a:off x="6788946" y="2198169"/>
+            <a:ext cx="552396" cy="1951044"/>
+          </a:xfrm>
+          <a:prstGeom prst="rect">
+            <a:avLst/>
+          </a:prstGeom>
+          <a:solidFill>
+            <a:schemeClr val="accent2"/>
+          </a:solidFill>
+          <a:ln w="38100">
+            <a:noFill/>
+          </a:ln>
+        </p:spPr>
+        <p:style>
+          <a:lnRef idx="2">
+            <a:schemeClr val="accent1">
+              <a:shade val="50000"/>
+            </a:schemeClr>
+          </a:lnRef>
+          <a:fillRef idx="1">
+            <a:schemeClr val="accent1"/>
+          </a:fillRef>
+          <a:effectRef idx="0">
+            <a:schemeClr val="accent1"/>
+          </a:effectRef>
+          <a:fontRef idx="minor">
+            <a:schemeClr val="lt1"/>
+          </a:fontRef>
+        </p:style>
+        <p:txBody>
+          <a:bodyPr rtlCol="0" anchor="ctr"/>
+          <a:lstStyle/>
+          <a:p>
+            <a:pPr algn="ctr"/>
+            <a:endParaRPr lang="ko-KR" altLang="en-US" sz="1400" b="1" dirty="0">
+              <a:solidFill>
+                <a:srgbClr val="B8006E"/>
+              </a:solidFill>
+              <a:latin typeface="나눔고딕" panose="020D0604000000000000" pitchFamily="50" charset="-127"/>
+              <a:ea typeface="나눔고딕" panose="020D0604000000000000" pitchFamily="50" charset="-127"/>
+            </a:endParaRPr>
+          </a:p>
+        </p:txBody>
+      </p:sp>
+      <p:sp>
+        <p:nvSpPr>
+          <p:cNvPr id="71" name="사각형: 둥근 모서리 70">
+            <a:extLst>
+              <a:ext uri="{FF2B5EF4-FFF2-40B4-BE49-F238E27FC236}">
+                <a16:creationId xmlns:a16="http://schemas.microsoft.com/office/drawing/2014/main" id="{E985366F-B954-44A7-ADA4-DD0FEE5C6992}"/>
+              </a:ext>
+            </a:extLst>
+          </p:cNvPr>
+          <p:cNvSpPr/>
+          <p:nvPr/>
+        </p:nvSpPr>
+        <p:spPr>
+          <a:xfrm>
+            <a:off x="6658329" y="2196079"/>
+            <a:ext cx="782993" cy="399136"/>
+          </a:xfrm>
+          <a:prstGeom prst="roundRect">
+            <a:avLst/>
+          </a:prstGeom>
+          <a:noFill/>
+          <a:ln w="38100">
+            <a:noFill/>
+          </a:ln>
+        </p:spPr>
+        <p:style>
+          <a:lnRef idx="2">
+            <a:schemeClr val="accent1">
+              <a:shade val="50000"/>
+            </a:schemeClr>
+          </a:lnRef>
+          <a:fillRef idx="1">
+            <a:schemeClr val="accent1"/>
+          </a:fillRef>
+          <a:effectRef idx="0">
+            <a:schemeClr val="accent1"/>
+          </a:effectRef>
+          <a:fontRef idx="minor">
+            <a:schemeClr val="lt1"/>
+          </a:fontRef>
+        </p:style>
+        <p:txBody>
+          <a:bodyPr rtlCol="0" anchor="ctr"/>
+          <a:lstStyle/>
+          <a:p>
+            <a:pPr algn="ctr"/>
+            <a:r>
+              <a:rPr lang="en-US" altLang="ko-KR" sz="1600" b="1" dirty="0">
+                <a:solidFill>
+                  <a:schemeClr val="bg1"/>
+                </a:solidFill>
+                <a:latin typeface="나눔고딕 ExtraBold" panose="020D0904000000000000" pitchFamily="50" charset="-127"/>
+                <a:ea typeface="나눔고딕 ExtraBold" panose="020D0904000000000000" pitchFamily="50" charset="-127"/>
+              </a:rPr>
+              <a:t>Pod</a:t>
+            </a:r>
+            <a:endParaRPr lang="ko-KR" altLang="en-US" sz="1600" b="1" dirty="0">
+              <a:solidFill>
+                <a:schemeClr val="bg1"/>
+              </a:solidFill>
+              <a:latin typeface="나눔고딕 ExtraBold" panose="020D0904000000000000" pitchFamily="50" charset="-127"/>
+              <a:ea typeface="나눔고딕 ExtraBold" panose="020D0904000000000000" pitchFamily="50" charset="-127"/>
+            </a:endParaRPr>
+          </a:p>
+        </p:txBody>
+      </p:sp>
+      <p:cxnSp>
+        <p:nvCxnSpPr>
+          <p:cNvPr id="75" name="연결선: 꺾임 74">
+            <a:extLst>
+              <a:ext uri="{FF2B5EF4-FFF2-40B4-BE49-F238E27FC236}">
+                <a16:creationId xmlns:a16="http://schemas.microsoft.com/office/drawing/2014/main" id="{DCB8D6C8-30CC-4A12-A338-6A0C9840E24C}"/>
+              </a:ext>
+            </a:extLst>
+          </p:cNvPr>
+          <p:cNvCxnSpPr>
+            <a:cxnSpLocks/>
+            <a:stCxn id="120" idx="2"/>
+            <a:endCxn id="70" idx="0"/>
+          </p:cNvCxnSpPr>
+          <p:nvPr/>
+        </p:nvCxnSpPr>
+        <p:spPr>
+          <a:xfrm rot="16200000" flipH="1">
+            <a:off x="6419604" y="1552629"/>
+            <a:ext cx="263942" cy="1027138"/>
+          </a:xfrm>
+          <a:prstGeom prst="bentConnector3">
+            <a:avLst>
+              <a:gd name="adj1" fmla="val 50000"/>
+            </a:avLst>
+          </a:prstGeom>
+          <a:ln w="28575">
+            <a:solidFill>
+              <a:schemeClr val="tx1"/>
+            </a:solidFill>
+            <a:headEnd type="none" w="med" len="med"/>
+            <a:tailEnd type="none" w="med" len="med"/>
+          </a:ln>
+        </p:spPr>
+        <p:style>
+          <a:lnRef idx="1">
+            <a:schemeClr val="dk1"/>
+          </a:lnRef>
+          <a:fillRef idx="0">
+            <a:schemeClr val="dk1"/>
+          </a:fillRef>
+          <a:effectRef idx="0">
+            <a:schemeClr val="dk1"/>
+          </a:effectRef>
+          <a:fontRef idx="minor">
+            <a:schemeClr val="tx1"/>
+          </a:fontRef>
+        </p:style>
+      </p:cxnSp>
+      <p:sp>
+        <p:nvSpPr>
+          <p:cNvPr id="77" name="사각형: 둥근 모서리 76">
+            <a:extLst>
+              <a:ext uri="{FF2B5EF4-FFF2-40B4-BE49-F238E27FC236}">
+                <a16:creationId xmlns:a16="http://schemas.microsoft.com/office/drawing/2014/main" id="{12C90D51-F895-4AD5-8A48-C760AC4C9F37}"/>
+              </a:ext>
+            </a:extLst>
+          </p:cNvPr>
+          <p:cNvSpPr/>
+          <p:nvPr/>
+        </p:nvSpPr>
+        <p:spPr>
+          <a:xfrm>
+            <a:off x="6796735" y="1513502"/>
+            <a:ext cx="552396" cy="399136"/>
+          </a:xfrm>
+          <a:prstGeom prst="roundRect">
+            <a:avLst/>
+          </a:prstGeom>
+          <a:noFill/>
+          <a:ln w="38100">
+            <a:noFill/>
+          </a:ln>
+        </p:spPr>
+        <p:style>
+          <a:lnRef idx="2">
+            <a:schemeClr val="accent1">
+              <a:shade val="50000"/>
+            </a:schemeClr>
+          </a:lnRef>
+          <a:fillRef idx="1">
+            <a:schemeClr val="accent1"/>
+          </a:fillRef>
+          <a:effectRef idx="0">
+            <a:schemeClr val="accent1"/>
+          </a:effectRef>
+          <a:fontRef idx="minor">
+            <a:schemeClr val="lt1"/>
+          </a:fontRef>
+        </p:style>
+        <p:txBody>
+          <a:bodyPr rtlCol="0" anchor="ctr"/>
+          <a:lstStyle/>
+          <a:p>
+            <a:pPr algn="ctr"/>
+            <a:r>
+              <a:rPr lang="en-US" altLang="ko-KR" sz="1600" b="1" dirty="0">
+                <a:solidFill>
+                  <a:schemeClr val="tx1"/>
+                </a:solidFill>
+                <a:latin typeface="나눔고딕 ExtraBold" panose="020D0904000000000000" pitchFamily="50" charset="-127"/>
+                <a:ea typeface="나눔고딕 ExtraBold" panose="020D0904000000000000" pitchFamily="50" charset="-127"/>
+              </a:rPr>
+              <a:t>…</a:t>
+            </a:r>
+            <a:endParaRPr lang="ko-KR" altLang="en-US" sz="1600" b="1" dirty="0">
+              <a:solidFill>
+                <a:schemeClr val="tx1"/>
+              </a:solidFill>
+              <a:latin typeface="나눔고딕 ExtraBold" panose="020D0904000000000000" pitchFamily="50" charset="-127"/>
+              <a:ea typeface="나눔고딕 ExtraBold" panose="020D0904000000000000" pitchFamily="50" charset="-127"/>
+            </a:endParaRPr>
+          </a:p>
+        </p:txBody>
+      </p:sp>
+      <p:sp>
+        <p:nvSpPr>
+          <p:cNvPr id="7" name="순서도: 자기 디스크 6">
+            <a:extLst>
+              <a:ext uri="{FF2B5EF4-FFF2-40B4-BE49-F238E27FC236}">
+                <a16:creationId xmlns:a16="http://schemas.microsoft.com/office/drawing/2014/main" id="{87755751-99CA-48D9-9AAE-082A13C2ABE1}"/>
+              </a:ext>
+            </a:extLst>
+          </p:cNvPr>
+          <p:cNvSpPr/>
+          <p:nvPr/>
+        </p:nvSpPr>
+        <p:spPr>
+          <a:xfrm>
+            <a:off x="5380537" y="2519972"/>
+            <a:ext cx="797412" cy="580739"/>
+          </a:xfrm>
+          <a:prstGeom prst="flowChartMagneticDisk">
+            <a:avLst/>
+          </a:prstGeom>
+          <a:ln/>
+        </p:spPr>
+        <p:style>
+          <a:lnRef idx="3">
+            <a:schemeClr val="lt1"/>
+          </a:lnRef>
+          <a:fillRef idx="1">
+            <a:schemeClr val="accent3"/>
+          </a:fillRef>
+          <a:effectRef idx="1">
+            <a:schemeClr val="accent3"/>
+          </a:effectRef>
+          <a:fontRef idx="minor">
+            <a:schemeClr val="lt1"/>
+          </a:fontRef>
+        </p:style>
+        <p:txBody>
+          <a:bodyPr rtlCol="0" anchor="ctr"/>
+          <a:lstStyle/>
+          <a:p>
+            <a:pPr algn="ctr"/>
+            <a:endParaRPr lang="ko-KR" altLang="en-US" sz="1200"/>
+          </a:p>
+        </p:txBody>
+      </p:sp>
+      <p:sp>
+        <p:nvSpPr>
+          <p:cNvPr id="79" name="사각형: 둥근 모서리 78">
+            <a:extLst>
+              <a:ext uri="{FF2B5EF4-FFF2-40B4-BE49-F238E27FC236}">
+                <a16:creationId xmlns:a16="http://schemas.microsoft.com/office/drawing/2014/main" id="{B5993C82-06A1-48DD-BFD0-420D1AAAD172}"/>
+              </a:ext>
+            </a:extLst>
+          </p:cNvPr>
+          <p:cNvSpPr/>
+          <p:nvPr/>
+        </p:nvSpPr>
+        <p:spPr>
+          <a:xfrm>
+            <a:off x="5315252" y="2698567"/>
+            <a:ext cx="797412" cy="399136"/>
+          </a:xfrm>
+          <a:prstGeom prst="roundRect">
+            <a:avLst/>
+          </a:prstGeom>
+          <a:noFill/>
+          <a:ln w="38100">
+            <a:noFill/>
+          </a:ln>
+        </p:spPr>
+        <p:style>
+          <a:lnRef idx="2">
+            <a:schemeClr val="accent1">
+              <a:shade val="50000"/>
+            </a:schemeClr>
+          </a:lnRef>
+          <a:fillRef idx="1">
+            <a:schemeClr val="accent1"/>
+          </a:fillRef>
+          <a:effectRef idx="0">
+            <a:schemeClr val="accent1"/>
+          </a:effectRef>
+          <a:fontRef idx="minor">
+            <a:schemeClr val="lt1"/>
+          </a:fontRef>
+        </p:style>
+        <p:txBody>
+          <a:bodyPr rtlCol="0" anchor="ctr"/>
+          <a:lstStyle/>
+          <a:p>
+            <a:pPr algn="ctr"/>
+            <a:r>
+              <a:rPr lang="en-US" altLang="ko-KR" sz="900" b="1" dirty="0">
+                <a:solidFill>
+                  <a:schemeClr val="bg1"/>
+                </a:solidFill>
+                <a:latin typeface="나눔고딕 ExtraBold" panose="020D0904000000000000" pitchFamily="50" charset="-127"/>
+                <a:ea typeface="나눔고딕 ExtraBold" panose="020D0904000000000000" pitchFamily="50" charset="-127"/>
+              </a:rPr>
+              <a:t>Volume:</a:t>
+            </a:r>
+          </a:p>
+          <a:p>
+            <a:pPr algn="ctr"/>
+            <a:r>
+              <a:rPr lang="en-US" altLang="ko-KR" sz="900" b="1" dirty="0">
+                <a:solidFill>
+                  <a:schemeClr val="bg1"/>
+                </a:solidFill>
+                <a:latin typeface="나눔고딕 ExtraBold" panose="020D0904000000000000" pitchFamily="50" charset="-127"/>
+                <a:ea typeface="나눔고딕 ExtraBold" panose="020D0904000000000000" pitchFamily="50" charset="-127"/>
+              </a:rPr>
+              <a:t>/volume1</a:t>
+            </a:r>
+            <a:endParaRPr lang="ko-KR" altLang="en-US" sz="900" b="1" dirty="0">
+              <a:solidFill>
+                <a:schemeClr val="bg1"/>
+              </a:solidFill>
+              <a:latin typeface="나눔고딕 ExtraBold" panose="020D0904000000000000" pitchFamily="50" charset="-127"/>
+              <a:ea typeface="나눔고딕 ExtraBold" panose="020D0904000000000000" pitchFamily="50" charset="-127"/>
+            </a:endParaRPr>
+          </a:p>
+        </p:txBody>
+      </p:sp>
+      <p:sp>
+        <p:nvSpPr>
+          <p:cNvPr id="82" name="순서도: 자기 디스크 81">
+            <a:extLst>
+              <a:ext uri="{FF2B5EF4-FFF2-40B4-BE49-F238E27FC236}">
+                <a16:creationId xmlns:a16="http://schemas.microsoft.com/office/drawing/2014/main" id="{F693DA9F-26D0-4804-9B1B-C7C5DBD5E480}"/>
+              </a:ext>
+            </a:extLst>
+          </p:cNvPr>
+          <p:cNvSpPr/>
+          <p:nvPr/>
+        </p:nvSpPr>
+        <p:spPr>
+          <a:xfrm>
+            <a:off x="5380537" y="3347789"/>
+            <a:ext cx="797412" cy="580739"/>
+          </a:xfrm>
+          <a:prstGeom prst="flowChartMagneticDisk">
+            <a:avLst/>
+          </a:prstGeom>
+          <a:ln/>
+        </p:spPr>
+        <p:style>
+          <a:lnRef idx="3">
+            <a:schemeClr val="lt1"/>
+          </a:lnRef>
+          <a:fillRef idx="1">
+            <a:schemeClr val="accent3"/>
+          </a:fillRef>
+          <a:effectRef idx="1">
+            <a:schemeClr val="accent3"/>
+          </a:effectRef>
+          <a:fontRef idx="minor">
+            <a:schemeClr val="lt1"/>
+          </a:fontRef>
+        </p:style>
+        <p:txBody>
+          <a:bodyPr rtlCol="0" anchor="ctr"/>
+          <a:lstStyle/>
+          <a:p>
+            <a:pPr algn="ctr"/>
+            <a:endParaRPr lang="ko-KR" altLang="en-US" sz="1200"/>
+          </a:p>
+        </p:txBody>
+      </p:sp>
+      <p:sp>
+        <p:nvSpPr>
+          <p:cNvPr id="83" name="사각형: 둥근 모서리 82">
+            <a:extLst>
+              <a:ext uri="{FF2B5EF4-FFF2-40B4-BE49-F238E27FC236}">
+                <a16:creationId xmlns:a16="http://schemas.microsoft.com/office/drawing/2014/main" id="{881A8EAB-2C5A-4E85-8B2B-C6FCA3E222B1}"/>
+              </a:ext>
+            </a:extLst>
+          </p:cNvPr>
+          <p:cNvSpPr/>
+          <p:nvPr/>
+        </p:nvSpPr>
+        <p:spPr>
+          <a:xfrm>
+            <a:off x="5315252" y="3537141"/>
+            <a:ext cx="797412" cy="399136"/>
+          </a:xfrm>
+          <a:prstGeom prst="roundRect">
+            <a:avLst/>
+          </a:prstGeom>
+          <a:noFill/>
+          <a:ln w="38100">
+            <a:noFill/>
+          </a:ln>
+        </p:spPr>
+        <p:style>
+          <a:lnRef idx="2">
+            <a:schemeClr val="accent1">
+              <a:shade val="50000"/>
+            </a:schemeClr>
+          </a:lnRef>
+          <a:fillRef idx="1">
+            <a:schemeClr val="accent1"/>
+          </a:fillRef>
+          <a:effectRef idx="0">
+            <a:schemeClr val="accent1"/>
+          </a:effectRef>
+          <a:fontRef idx="minor">
+            <a:schemeClr val="lt1"/>
+          </a:fontRef>
+        </p:style>
+        <p:txBody>
+          <a:bodyPr rtlCol="0" anchor="ctr"/>
+          <a:lstStyle/>
+          <a:p>
+            <a:pPr algn="ctr"/>
+            <a:r>
+              <a:rPr lang="en-US" altLang="ko-KR" sz="900" b="1" dirty="0">
+                <a:solidFill>
+                  <a:schemeClr val="bg1"/>
+                </a:solidFill>
+                <a:latin typeface="나눔고딕 ExtraBold" panose="020D0904000000000000" pitchFamily="50" charset="-127"/>
+                <a:ea typeface="나눔고딕 ExtraBold" panose="020D0904000000000000" pitchFamily="50" charset="-127"/>
+              </a:rPr>
+              <a:t>Volume:</a:t>
+            </a:r>
+          </a:p>
+          <a:p>
+            <a:pPr algn="ctr"/>
+            <a:r>
+              <a:rPr lang="en-US" altLang="ko-KR" sz="900" b="1" dirty="0">
+                <a:solidFill>
+                  <a:schemeClr val="bg1"/>
+                </a:solidFill>
+                <a:latin typeface="나눔고딕 ExtraBold" panose="020D0904000000000000" pitchFamily="50" charset="-127"/>
+                <a:ea typeface="나눔고딕 ExtraBold" panose="020D0904000000000000" pitchFamily="50" charset="-127"/>
+              </a:rPr>
+              <a:t>/volume2</a:t>
+            </a:r>
+            <a:endParaRPr lang="ko-KR" altLang="en-US" sz="900" b="1" dirty="0">
+              <a:solidFill>
+                <a:schemeClr val="bg1"/>
+              </a:solidFill>
+              <a:latin typeface="나눔고딕 ExtraBold" panose="020D0904000000000000" pitchFamily="50" charset="-127"/>
+              <a:ea typeface="나눔고딕 ExtraBold" panose="020D0904000000000000" pitchFamily="50" charset="-127"/>
+            </a:endParaRPr>
+          </a:p>
+        </p:txBody>
+      </p:sp>
+      <p:cxnSp>
+        <p:nvCxnSpPr>
+          <p:cNvPr id="87" name="연결선: 꺾임 86">
+            <a:extLst>
+              <a:ext uri="{FF2B5EF4-FFF2-40B4-BE49-F238E27FC236}">
+                <a16:creationId xmlns:a16="http://schemas.microsoft.com/office/drawing/2014/main" id="{D3BB9B96-EE58-4296-A182-54CC7DED686E}"/>
+              </a:ext>
+            </a:extLst>
+          </p:cNvPr>
+          <p:cNvCxnSpPr>
+            <a:cxnSpLocks/>
+            <a:stCxn id="120" idx="2"/>
+            <a:endCxn id="93" idx="0"/>
+          </p:cNvCxnSpPr>
+          <p:nvPr/>
+        </p:nvCxnSpPr>
+        <p:spPr>
+          <a:xfrm rot="16200000" flipH="1">
+            <a:off x="6762665" y="1209567"/>
+            <a:ext cx="263942" cy="1713261"/>
+          </a:xfrm>
+          <a:prstGeom prst="bentConnector3">
+            <a:avLst>
+              <a:gd name="adj1" fmla="val 50000"/>
+            </a:avLst>
+          </a:prstGeom>
+          <a:ln w="28575">
+            <a:solidFill>
+              <a:schemeClr val="tx1"/>
+            </a:solidFill>
+            <a:headEnd type="none" w="med" len="med"/>
+            <a:tailEnd type="none" w="med" len="med"/>
+          </a:ln>
+        </p:spPr>
+        <p:style>
+          <a:lnRef idx="1">
+            <a:schemeClr val="dk1"/>
+          </a:lnRef>
+          <a:fillRef idx="0">
+            <a:schemeClr val="dk1"/>
+          </a:fillRef>
+          <a:effectRef idx="0">
+            <a:schemeClr val="dk1"/>
+          </a:effectRef>
+          <a:fontRef idx="minor">
+            <a:schemeClr val="tx1"/>
+          </a:fontRef>
+        </p:style>
+      </p:cxnSp>
+      <p:sp>
+        <p:nvSpPr>
+          <p:cNvPr id="93" name="직사각형 92">
+            <a:extLst>
+              <a:ext uri="{FF2B5EF4-FFF2-40B4-BE49-F238E27FC236}">
+                <a16:creationId xmlns:a16="http://schemas.microsoft.com/office/drawing/2014/main" id="{7440B1AF-20B0-4E7D-B348-ECF3CBCD2F9A}"/>
+              </a:ext>
+            </a:extLst>
+          </p:cNvPr>
+          <p:cNvSpPr/>
+          <p:nvPr/>
+        </p:nvSpPr>
+        <p:spPr>
+          <a:xfrm>
+            <a:off x="7475069" y="2198169"/>
+            <a:ext cx="552396" cy="1951044"/>
+          </a:xfrm>
+          <a:prstGeom prst="rect">
+            <a:avLst/>
+          </a:prstGeom>
+          <a:solidFill>
+            <a:schemeClr val="accent2"/>
+          </a:solidFill>
+          <a:ln w="38100">
+            <a:noFill/>
+          </a:ln>
+        </p:spPr>
+        <p:style>
+          <a:lnRef idx="2">
+            <a:schemeClr val="accent1">
+              <a:shade val="50000"/>
+            </a:schemeClr>
+          </a:lnRef>
+          <a:fillRef idx="1">
+            <a:schemeClr val="accent1"/>
+          </a:fillRef>
+          <a:effectRef idx="0">
+            <a:schemeClr val="accent1"/>
+          </a:effectRef>
+          <a:fontRef idx="minor">
+            <a:schemeClr val="lt1"/>
+          </a:fontRef>
+        </p:style>
+        <p:txBody>
+          <a:bodyPr rtlCol="0" anchor="ctr"/>
+          <a:lstStyle/>
+          <a:p>
+            <a:pPr algn="ctr"/>
+            <a:endParaRPr lang="ko-KR" altLang="en-US" sz="1400" b="1" dirty="0">
+              <a:solidFill>
+                <a:srgbClr val="B8006E"/>
+              </a:solidFill>
+              <a:latin typeface="나눔고딕" panose="020D0604000000000000" pitchFamily="50" charset="-127"/>
+              <a:ea typeface="나눔고딕" panose="020D0604000000000000" pitchFamily="50" charset="-127"/>
+            </a:endParaRPr>
+          </a:p>
+        </p:txBody>
+      </p:sp>
+      <p:sp>
+        <p:nvSpPr>
+          <p:cNvPr id="94" name="사각형: 둥근 모서리 93">
+            <a:extLst>
+              <a:ext uri="{FF2B5EF4-FFF2-40B4-BE49-F238E27FC236}">
+                <a16:creationId xmlns:a16="http://schemas.microsoft.com/office/drawing/2014/main" id="{941AA2B1-A1AF-4AAF-8236-D60E373F4836}"/>
+              </a:ext>
+            </a:extLst>
+          </p:cNvPr>
+          <p:cNvSpPr/>
+          <p:nvPr/>
+        </p:nvSpPr>
+        <p:spPr>
+          <a:xfrm>
+            <a:off x="7344452" y="2196079"/>
+            <a:ext cx="782993" cy="399136"/>
+          </a:xfrm>
+          <a:prstGeom prst="roundRect">
+            <a:avLst/>
+          </a:prstGeom>
+          <a:noFill/>
+          <a:ln w="38100">
+            <a:noFill/>
+          </a:ln>
+        </p:spPr>
+        <p:style>
+          <a:lnRef idx="2">
+            <a:schemeClr val="accent1">
+              <a:shade val="50000"/>
+            </a:schemeClr>
+          </a:lnRef>
+          <a:fillRef idx="1">
+            <a:schemeClr val="accent1"/>
+          </a:fillRef>
+          <a:effectRef idx="0">
+            <a:schemeClr val="accent1"/>
+          </a:effectRef>
+          <a:fontRef idx="minor">
+            <a:schemeClr val="lt1"/>
+          </a:fontRef>
+        </p:style>
+        <p:txBody>
+          <a:bodyPr rtlCol="0" anchor="ctr"/>
+          <a:lstStyle/>
+          <a:p>
+            <a:pPr algn="ctr"/>
+            <a:r>
+              <a:rPr lang="en-US" altLang="ko-KR" sz="1600" b="1" dirty="0">
+                <a:solidFill>
+                  <a:schemeClr val="bg1"/>
+                </a:solidFill>
+                <a:latin typeface="나눔고딕 ExtraBold" panose="020D0904000000000000" pitchFamily="50" charset="-127"/>
+                <a:ea typeface="나눔고딕 ExtraBold" panose="020D0904000000000000" pitchFamily="50" charset="-127"/>
+              </a:rPr>
+              <a:t>Pod</a:t>
+            </a:r>
+            <a:endParaRPr lang="ko-KR" altLang="en-US" sz="1600" b="1" dirty="0">
+              <a:solidFill>
+                <a:schemeClr val="bg1"/>
+              </a:solidFill>
+              <a:latin typeface="나눔고딕 ExtraBold" panose="020D0904000000000000" pitchFamily="50" charset="-127"/>
+              <a:ea typeface="나눔고딕 ExtraBold" panose="020D0904000000000000" pitchFamily="50" charset="-127"/>
+            </a:endParaRPr>
+          </a:p>
+        </p:txBody>
+      </p:sp>
+      <p:sp>
+        <p:nvSpPr>
+          <p:cNvPr id="97" name="순서도: 자기 디스크 96">
+            <a:extLst>
+              <a:ext uri="{FF2B5EF4-FFF2-40B4-BE49-F238E27FC236}">
+                <a16:creationId xmlns:a16="http://schemas.microsoft.com/office/drawing/2014/main" id="{728C41A0-5EEC-4FA5-9EA8-4F0CAE5E2577}"/>
+              </a:ext>
+            </a:extLst>
+          </p:cNvPr>
+          <p:cNvSpPr/>
+          <p:nvPr/>
+        </p:nvSpPr>
+        <p:spPr>
+          <a:xfrm>
+            <a:off x="7580088" y="1246810"/>
+            <a:ext cx="797412" cy="580739"/>
+          </a:xfrm>
+          <a:prstGeom prst="flowChartMagneticDisk">
+            <a:avLst/>
+          </a:prstGeom>
+          <a:ln/>
+        </p:spPr>
+        <p:style>
+          <a:lnRef idx="3">
+            <a:schemeClr val="lt1"/>
+          </a:lnRef>
+          <a:fillRef idx="1">
+            <a:schemeClr val="accent3"/>
+          </a:fillRef>
+          <a:effectRef idx="1">
+            <a:schemeClr val="accent3"/>
+          </a:effectRef>
+          <a:fontRef idx="minor">
+            <a:schemeClr val="lt1"/>
+          </a:fontRef>
+        </p:style>
+        <p:txBody>
+          <a:bodyPr rtlCol="0" anchor="ctr"/>
+          <a:lstStyle/>
+          <a:p>
+            <a:pPr algn="ctr"/>
+            <a:endParaRPr lang="ko-KR" altLang="en-US" sz="1200"/>
+          </a:p>
+        </p:txBody>
+      </p:sp>
+      <p:sp>
+        <p:nvSpPr>
+          <p:cNvPr id="98" name="사각형: 둥근 모서리 97">
+            <a:extLst>
+              <a:ext uri="{FF2B5EF4-FFF2-40B4-BE49-F238E27FC236}">
+                <a16:creationId xmlns:a16="http://schemas.microsoft.com/office/drawing/2014/main" id="{64778324-6064-4674-A109-6069E205F6A5}"/>
+              </a:ext>
+            </a:extLst>
+          </p:cNvPr>
+          <p:cNvSpPr/>
+          <p:nvPr/>
+        </p:nvSpPr>
+        <p:spPr>
+          <a:xfrm>
+            <a:off x="7584995" y="1428414"/>
+            <a:ext cx="797412" cy="399136"/>
+          </a:xfrm>
+          <a:prstGeom prst="roundRect">
+            <a:avLst/>
+          </a:prstGeom>
+          <a:noFill/>
+          <a:ln w="38100">
+            <a:noFill/>
+          </a:ln>
+        </p:spPr>
+        <p:style>
+          <a:lnRef idx="2">
+            <a:schemeClr val="accent1">
+              <a:shade val="50000"/>
+            </a:schemeClr>
+          </a:lnRef>
+          <a:fillRef idx="1">
+            <a:schemeClr val="accent1"/>
+          </a:fillRef>
+          <a:effectRef idx="0">
+            <a:schemeClr val="accent1"/>
+          </a:effectRef>
+          <a:fontRef idx="minor">
+            <a:schemeClr val="lt1"/>
+          </a:fontRef>
+        </p:style>
+        <p:txBody>
+          <a:bodyPr rtlCol="0" anchor="ctr"/>
+          <a:lstStyle/>
+          <a:p>
+            <a:pPr algn="ctr"/>
+            <a:r>
+              <a:rPr lang="en-US" altLang="ko-KR" sz="900" b="1" dirty="0">
+                <a:solidFill>
+                  <a:schemeClr val="bg1"/>
+                </a:solidFill>
+                <a:latin typeface="나눔고딕 ExtraBold" panose="020D0904000000000000" pitchFamily="50" charset="-127"/>
+                <a:ea typeface="나눔고딕 ExtraBold" panose="020D0904000000000000" pitchFamily="50" charset="-127"/>
+              </a:rPr>
+              <a:t>PV</a:t>
+            </a:r>
+            <a:endParaRPr lang="ko-KR" altLang="en-US" sz="900" b="1" dirty="0">
+              <a:solidFill>
+                <a:schemeClr val="bg1"/>
+              </a:solidFill>
+              <a:latin typeface="나눔고딕 ExtraBold" panose="020D0904000000000000" pitchFamily="50" charset="-127"/>
+              <a:ea typeface="나눔고딕 ExtraBold" panose="020D0904000000000000" pitchFamily="50" charset="-127"/>
+            </a:endParaRPr>
+          </a:p>
+        </p:txBody>
+      </p:sp>
+    </p:spTree>
+    <p:extLst>
+      <p:ext uri="{BB962C8B-B14F-4D97-AF65-F5344CB8AC3E}">
+        <p14:creationId xmlns:p14="http://schemas.microsoft.com/office/powerpoint/2010/main" val="2282167264"/>
+      </p:ext>
+    </p:extLst>
+  </p:cSld>
+  <p:clrMapOvr>
+    <a:masterClrMapping/>
+  </p:clrMapOvr>
+</p:sld>
+</file>
+
 <file path=ppt/theme/theme1.xml><?xml version="1.0" encoding="utf-8"?>
 <a:theme xmlns:a="http://schemas.openxmlformats.org/drawingml/2006/main" name="Office 테마">
   <a:themeElements>
@@ -9251,4 +17183,299 @@
     </a:ext>
   </a:extLst>
 </a:theme>
+</file>
+
+<file path=ppt/theme/theme2.xml><?xml version="1.0" encoding="utf-8"?>
+<a:theme xmlns:a="http://schemas.openxmlformats.org/drawingml/2006/main" name="Office 테마">
+  <a:themeElements>
+    <a:clrScheme name="Office">
+      <a:dk1>
+        <a:sysClr val="windowText" lastClr="000000"/>
+      </a:dk1>
+      <a:lt1>
+        <a:sysClr val="window" lastClr="FFFFFF"/>
+      </a:lt1>
+      <a:dk2>
+        <a:srgbClr val="44546A"/>
+      </a:dk2>
+      <a:lt2>
+        <a:srgbClr val="E7E6E6"/>
+      </a:lt2>
+      <a:accent1>
+        <a:srgbClr val="4472C4"/>
+      </a:accent1>
+      <a:accent2>
+        <a:srgbClr val="ED7D31"/>
+      </a:accent2>
+      <a:accent3>
+        <a:srgbClr val="A5A5A5"/>
+      </a:accent3>
+      <a:accent4>
+        <a:srgbClr val="FFC000"/>
+      </a:accent4>
+      <a:accent5>
+        <a:srgbClr val="5B9BD5"/>
+      </a:accent5>
+      <a:accent6>
+        <a:srgbClr val="70AD47"/>
+      </a:accent6>
+      <a:hlink>
+        <a:srgbClr val="0563C1"/>
+      </a:hlink>
+      <a:folHlink>
+        <a:srgbClr val="954F72"/>
+      </a:folHlink>
+    </a:clrScheme>
+    <a:fontScheme name="Office">
+      <a:majorFont>
+        <a:latin typeface="맑은 고딕" panose="020F0302020204030204"/>
+        <a:ea typeface=""/>
+        <a:cs typeface=""/>
+        <a:font script="Jpan" typeface="游ゴシック Light"/>
+        <a:font script="Hang" typeface="맑은 고딕"/>
+        <a:font script="Hans" typeface="等线 Light"/>
+        <a:font script="Hant" typeface="新細明體"/>
+        <a:font script="Arab" typeface="Times New Roman"/>
+        <a:font script="Hebr" typeface="Times New Roman"/>
+        <a:font script="Thai" typeface="Angsana New"/>
+        <a:font script="Ethi" typeface="Nyala"/>
+        <a:font script="Beng" typeface="Vrinda"/>
+        <a:font script="Gujr" typeface="Shruti"/>
+        <a:font script="Khmr" typeface="MoolBoran"/>
+        <a:font script="Knda" typeface="Tunga"/>
+        <a:font script="Guru" typeface="Raavi"/>
+        <a:font script="Cans" typeface="Euphemia"/>
+        <a:font script="Cher" typeface="Plantagenet Cherokee"/>
+        <a:font script="Yiii" typeface="Microsoft Yi Baiti"/>
+        <a:font script="Tibt" typeface="Microsoft Himalaya"/>
+        <a:font script="Thaa" typeface="MV Boli"/>
+        <a:font script="Deva" typeface="Mangal"/>
+        <a:font script="Telu" typeface="Gautami"/>
+        <a:font script="Taml" typeface="Latha"/>
+        <a:font script="Syrc" typeface="Estrangelo Edessa"/>
+        <a:font script="Orya" typeface="Kalinga"/>
+        <a:font script="Mlym" typeface="Kartika"/>
+        <a:font script="Laoo" typeface="DokChampa"/>
+        <a:font script="Sinh" typeface="Iskoola Pota"/>
+        <a:font script="Mong" typeface="Mongolian Baiti"/>
+        <a:font script="Viet" typeface="Times New Roman"/>
+        <a:font script="Uigh" typeface="Microsoft Uighur"/>
+        <a:font script="Geor" typeface="Sylfaen"/>
+        <a:font script="Armn" typeface="Arial"/>
+        <a:font script="Bugi" typeface="Leelawadee UI"/>
+        <a:font script="Bopo" typeface="Microsoft JhengHei"/>
+        <a:font script="Java" typeface="Javanese Text"/>
+        <a:font script="Lisu" typeface="Segoe UI"/>
+        <a:font script="Mymr" typeface="Myanmar Text"/>
+        <a:font script="Nkoo" typeface="Ebrima"/>
+        <a:font script="Olck" typeface="Nirmala UI"/>
+        <a:font script="Osma" typeface="Ebrima"/>
+        <a:font script="Phag" typeface="Phagspa"/>
+        <a:font script="Syrn" typeface="Estrangelo Edessa"/>
+        <a:font script="Syrj" typeface="Estrangelo Edessa"/>
+        <a:font script="Syre" typeface="Estrangelo Edessa"/>
+        <a:font script="Sora" typeface="Nirmala UI"/>
+        <a:font script="Tale" typeface="Microsoft Tai Le"/>
+        <a:font script="Talu" typeface="Microsoft New Tai Lue"/>
+        <a:font script="Tfng" typeface="Ebrima"/>
+      </a:majorFont>
+      <a:minorFont>
+        <a:latin typeface="맑은 고딕" panose="020F0502020204030204"/>
+        <a:ea typeface=""/>
+        <a:cs typeface=""/>
+        <a:font script="Jpan" typeface="游ゴシック"/>
+        <a:font script="Hang" typeface="맑은 고딕"/>
+        <a:font script="Hans" typeface="等线"/>
+        <a:font script="Hant" typeface="新細明體"/>
+        <a:font script="Arab" typeface="Arial"/>
+        <a:font script="Hebr" typeface="Arial"/>
+        <a:font script="Thai" typeface="Cordia New"/>
+        <a:font script="Ethi" typeface="Nyala"/>
+        <a:font script="Beng" typeface="Vrinda"/>
+        <a:font script="Gujr" typeface="Shruti"/>
+        <a:font script="Khmr" typeface="DaunPenh"/>
+        <a:font script="Knda" typeface="Tunga"/>
+        <a:font script="Guru" typeface="Raavi"/>
+        <a:font script="Cans" typeface="Euphemia"/>
+        <a:font script="Cher" typeface="Plantagenet Cherokee"/>
+        <a:font script="Yiii" typeface="Microsoft Yi Baiti"/>
+        <a:font script="Tibt" typeface="Microsoft Himalaya"/>
+        <a:font script="Thaa" typeface="MV Boli"/>
+        <a:font script="Deva" typeface="Mangal"/>
+        <a:font script="Telu" typeface="Gautami"/>
+        <a:font script="Taml" typeface="Latha"/>
+        <a:font script="Syrc" typeface="Estrangelo Edessa"/>
+        <a:font script="Orya" typeface="Kalinga"/>
+        <a:font script="Mlym" typeface="Kartika"/>
+        <a:font script="Laoo" typeface="DokChampa"/>
+        <a:font script="Sinh" typeface="Iskoola Pota"/>
+        <a:font script="Mong" typeface="Mongolian Baiti"/>
+        <a:font script="Viet" typeface="Arial"/>
+        <a:font script="Uigh" typeface="Microsoft Uighur"/>
+        <a:font script="Geor" typeface="Sylfaen"/>
+        <a:font script="Armn" typeface="Arial"/>
+        <a:font script="Bugi" typeface="Leelawadee UI"/>
+        <a:font script="Bopo" typeface="Microsoft JhengHei"/>
+        <a:font script="Java" typeface="Javanese Text"/>
+        <a:font script="Lisu" typeface="Segoe UI"/>
+        <a:font script="Mymr" typeface="Myanmar Text"/>
+        <a:font script="Nkoo" typeface="Ebrima"/>
+        <a:font script="Olck" typeface="Nirmala UI"/>
+        <a:font script="Osma" typeface="Ebrima"/>
+        <a:font script="Phag" typeface="Phagspa"/>
+        <a:font script="Syrn" typeface="Estrangelo Edessa"/>
+        <a:font script="Syrj" typeface="Estrangelo Edessa"/>
+        <a:font script="Syre" typeface="Estrangelo Edessa"/>
+        <a:font script="Sora" typeface="Nirmala UI"/>
+        <a:font script="Tale" typeface="Microsoft Tai Le"/>
+        <a:font script="Talu" typeface="Microsoft New Tai Lue"/>
+        <a:font script="Tfng" typeface="Ebrima"/>
+      </a:minorFont>
+    </a:fontScheme>
+    <a:fmtScheme name="Office">
+      <a:fillStyleLst>
+        <a:solidFill>
+          <a:schemeClr val="phClr"/>
+        </a:solidFill>
+        <a:gradFill rotWithShape="1">
+          <a:gsLst>
+            <a:gs pos="0">
+              <a:schemeClr val="phClr">
+                <a:lumMod val="110000"/>
+                <a:satMod val="105000"/>
+                <a:tint val="67000"/>
+              </a:schemeClr>
+            </a:gs>
+            <a:gs pos="50000">
+              <a:schemeClr val="phClr">
+                <a:lumMod val="105000"/>
+                <a:satMod val="103000"/>
+                <a:tint val="73000"/>
+              </a:schemeClr>
+            </a:gs>
+            <a:gs pos="100000">
+              <a:schemeClr val="phClr">
+                <a:lumMod val="105000"/>
+                <a:satMod val="109000"/>
+                <a:tint val="81000"/>
+              </a:schemeClr>
+            </a:gs>
+          </a:gsLst>
+          <a:lin ang="5400000" scaled="0"/>
+        </a:gradFill>
+        <a:gradFill rotWithShape="1">
+          <a:gsLst>
+            <a:gs pos="0">
+              <a:schemeClr val="phClr">
+                <a:satMod val="103000"/>
+                <a:lumMod val="102000"/>
+                <a:tint val="94000"/>
+              </a:schemeClr>
+            </a:gs>
+            <a:gs pos="50000">
+              <a:schemeClr val="phClr">
+                <a:satMod val="110000"/>
+                <a:lumMod val="100000"/>
+                <a:shade val="100000"/>
+              </a:schemeClr>
+            </a:gs>
+            <a:gs pos="100000">
+              <a:schemeClr val="phClr">
+                <a:lumMod val="99000"/>
+                <a:satMod val="120000"/>
+                <a:shade val="78000"/>
+              </a:schemeClr>
+            </a:gs>
+          </a:gsLst>
+          <a:lin ang="5400000" scaled="0"/>
+        </a:gradFill>
+      </a:fillStyleLst>
+      <a:lnStyleLst>
+        <a:ln w="6350" cap="flat" cmpd="sng" algn="ctr">
+          <a:solidFill>
+            <a:schemeClr val="phClr"/>
+          </a:solidFill>
+          <a:prstDash val="solid"/>
+          <a:miter lim="800000"/>
+        </a:ln>
+        <a:ln w="12700" cap="flat" cmpd="sng" algn="ctr">
+          <a:solidFill>
+            <a:schemeClr val="phClr"/>
+          </a:solidFill>
+          <a:prstDash val="solid"/>
+          <a:miter lim="800000"/>
+        </a:ln>
+        <a:ln w="19050" cap="flat" cmpd="sng" algn="ctr">
+          <a:solidFill>
+            <a:schemeClr val="phClr"/>
+          </a:solidFill>
+          <a:prstDash val="solid"/>
+          <a:miter lim="800000"/>
+        </a:ln>
+      </a:lnStyleLst>
+      <a:effectStyleLst>
+        <a:effectStyle>
+          <a:effectLst/>
+        </a:effectStyle>
+        <a:effectStyle>
+          <a:effectLst/>
+        </a:effectStyle>
+        <a:effectStyle>
+          <a:effectLst>
+            <a:outerShdw blurRad="57150" dist="19050" dir="5400000" algn="ctr" rotWithShape="0">
+              <a:srgbClr val="000000">
+                <a:alpha val="63000"/>
+              </a:srgbClr>
+            </a:outerShdw>
+          </a:effectLst>
+        </a:effectStyle>
+      </a:effectStyleLst>
+      <a:bgFillStyleLst>
+        <a:solidFill>
+          <a:schemeClr val="phClr"/>
+        </a:solidFill>
+        <a:solidFill>
+          <a:schemeClr val="phClr">
+            <a:tint val="95000"/>
+            <a:satMod val="170000"/>
+          </a:schemeClr>
+        </a:solidFill>
+        <a:gradFill rotWithShape="1">
+          <a:gsLst>
+            <a:gs pos="0">
+              <a:schemeClr val="phClr">
+                <a:tint val="93000"/>
+                <a:satMod val="150000"/>
+                <a:shade val="98000"/>
+                <a:lumMod val="102000"/>
+              </a:schemeClr>
+            </a:gs>
+            <a:gs pos="50000">
+              <a:schemeClr val="phClr">
+                <a:tint val="98000"/>
+                <a:satMod val="130000"/>
+                <a:shade val="90000"/>
+                <a:lumMod val="103000"/>
+              </a:schemeClr>
+            </a:gs>
+            <a:gs pos="100000">
+              <a:schemeClr val="phClr">
+                <a:shade val="63000"/>
+                <a:satMod val="120000"/>
+              </a:schemeClr>
+            </a:gs>
+          </a:gsLst>
+          <a:lin ang="5400000" scaled="0"/>
+        </a:gradFill>
+      </a:bgFillStyleLst>
+    </a:fmtScheme>
+  </a:themeElements>
+  <a:objectDefaults/>
+  <a:extraClrSchemeLst/>
+  <a:extLst>
+    <a:ext uri="{05A4C25C-085E-4340-85A3-A5531E510DB2}">
+      <thm15:themeFamily xmlns:thm15="http://schemas.microsoft.com/office/thememl/2012/main" name="Office Theme" id="{62F939B6-93AF-4DB8-9C6B-D6C7DFDC589F}" vid="{4A3C46E8-61CC-4603-A589-7422A47A8E4A}"/>
+    </a:ext>
+  </a:extLst>
+</a:theme>
 </file>